--- a/paper/18231098-霍飞烨-中期答辩.pptx
+++ b/paper/18231098-霍飞烨-中期答辩.pptx
@@ -5,10 +5,10 @@
     <p:sldMasterId id="2147483648" r:id="rId1"/>
   </p:sldMasterIdLst>
   <p:notesMasterIdLst>
-    <p:notesMasterId r:id="rId29"/>
+    <p:notesMasterId r:id="rId32"/>
   </p:notesMasterIdLst>
   <p:handoutMasterIdLst>
-    <p:handoutMasterId r:id="rId30"/>
+    <p:handoutMasterId r:id="rId33"/>
   </p:handoutMasterIdLst>
   <p:sldIdLst>
     <p:sldId id="257" r:id="rId3"/>
@@ -21,22 +21,25 @@
     <p:sldId id="263" r:id="rId10"/>
     <p:sldId id="264" r:id="rId11"/>
     <p:sldId id="285" r:id="rId12"/>
-    <p:sldId id="308" r:id="rId13"/>
-    <p:sldId id="309" r:id="rId14"/>
-    <p:sldId id="310" r:id="rId15"/>
-    <p:sldId id="311" r:id="rId16"/>
-    <p:sldId id="313" r:id="rId17"/>
-    <p:sldId id="314" r:id="rId18"/>
-    <p:sldId id="315" r:id="rId19"/>
-    <p:sldId id="316" r:id="rId20"/>
-    <p:sldId id="317" r:id="rId21"/>
-    <p:sldId id="318" r:id="rId22"/>
-    <p:sldId id="265" r:id="rId23"/>
-    <p:sldId id="319" r:id="rId24"/>
-    <p:sldId id="267" r:id="rId25"/>
-    <p:sldId id="268" r:id="rId26"/>
-    <p:sldId id="269" r:id="rId27"/>
-    <p:sldId id="271" r:id="rId28"/>
+    <p:sldId id="325" r:id="rId13"/>
+    <p:sldId id="308" r:id="rId14"/>
+    <p:sldId id="309" r:id="rId15"/>
+    <p:sldId id="310" r:id="rId16"/>
+    <p:sldId id="311" r:id="rId17"/>
+    <p:sldId id="313" r:id="rId18"/>
+    <p:sldId id="314" r:id="rId19"/>
+    <p:sldId id="315" r:id="rId20"/>
+    <p:sldId id="316" r:id="rId21"/>
+    <p:sldId id="342" r:id="rId22"/>
+    <p:sldId id="343" r:id="rId23"/>
+    <p:sldId id="317" r:id="rId24"/>
+    <p:sldId id="318" r:id="rId25"/>
+    <p:sldId id="265" r:id="rId26"/>
+    <p:sldId id="319" r:id="rId27"/>
+    <p:sldId id="267" r:id="rId28"/>
+    <p:sldId id="268" r:id="rId29"/>
+    <p:sldId id="269" r:id="rId30"/>
+    <p:sldId id="271" r:id="rId31"/>
   </p:sldIdLst>
   <p:sldSz cx="12192000" cy="6858000"/>
   <p:notesSz cx="6858000" cy="9144000"/>
@@ -187,7 +190,11 @@
             </a:lvl1pPr>
           </a:lstStyle>
           <a:p>
-            <a:endParaRPr lang="zh-CN" altLang="en-US"/>
+            <a:endParaRPr lang="zh-CN" altLang="en-US">
+              <a:latin typeface="宋体" panose="02010600030101010101" pitchFamily="2" charset="-122"/>
+              <a:ea typeface="宋体" panose="02010600030101010101" pitchFamily="2" charset="-122"/>
+              <a:cs typeface="宋体" panose="02010600030101010101" pitchFamily="2" charset="-122"/>
+            </a:endParaRPr>
           </a:p>
         </p:txBody>
       </p:sp>
@@ -219,9 +226,13 @@
           </a:lstStyle>
           <a:p>
             <a:fld id="{0F9B84EA-7D68-4D60-9CB1-D50884785D1C}" type="datetimeFigureOut">
-              <a:rPr lang="zh-CN" altLang="en-US" smtClean="0"/>
+              <a:rPr lang="zh-CN" altLang="en-US" smtClean="0">
+                <a:cs typeface="宋体" panose="02010600030101010101" pitchFamily="2" charset="-122"/>
+              </a:rPr>
             </a:fld>
-            <a:endParaRPr lang="zh-CN" altLang="en-US"/>
+            <a:endParaRPr lang="zh-CN" altLang="en-US">
+              <a:cs typeface="宋体" panose="02010600030101010101" pitchFamily="2" charset="-122"/>
+            </a:endParaRPr>
           </a:p>
         </p:txBody>
       </p:sp>
@@ -252,7 +263,11 @@
             </a:lvl1pPr>
           </a:lstStyle>
           <a:p>
-            <a:endParaRPr lang="zh-CN" altLang="en-US"/>
+            <a:endParaRPr lang="zh-CN" altLang="en-US">
+              <a:latin typeface="宋体" panose="02010600030101010101" pitchFamily="2" charset="-122"/>
+              <a:ea typeface="宋体" panose="02010600030101010101" pitchFamily="2" charset="-122"/>
+              <a:cs typeface="宋体" panose="02010600030101010101" pitchFamily="2" charset="-122"/>
+            </a:endParaRPr>
           </a:p>
         </p:txBody>
       </p:sp>
@@ -284,9 +299,13 @@
           </a:lstStyle>
           <a:p>
             <a:fld id="{8D4E0FC9-F1F8-4FAE-9988-3BA365CFD46F}" type="slidenum">
-              <a:rPr lang="zh-CN" altLang="en-US" smtClean="0"/>
+              <a:rPr lang="zh-CN" altLang="en-US" smtClean="0">
+                <a:cs typeface="宋体" panose="02010600030101010101" pitchFamily="2" charset="-122"/>
+              </a:rPr>
             </a:fld>
-            <a:endParaRPr lang="zh-CN" altLang="en-US"/>
+            <a:endParaRPr lang="zh-CN" altLang="en-US">
+              <a:cs typeface="宋体" panose="02010600030101010101" pitchFamily="2" charset="-122"/>
+            </a:endParaRPr>
           </a:p>
         </p:txBody>
       </p:sp>
@@ -341,7 +360,11 @@
           <a:bodyPr vert="horz" lIns="91440" tIns="45720" rIns="91440" bIns="45720" rtlCol="0"/>
           <a:lstStyle>
             <a:lvl1pPr algn="l">
-              <a:defRPr sz="1200"/>
+              <a:defRPr sz="1200">
+                <a:latin typeface="宋体" panose="02010600030101010101" pitchFamily="2" charset="-122"/>
+                <a:ea typeface="宋体" panose="02010600030101010101" pitchFamily="2" charset="-122"/>
+                <a:cs typeface="宋体" panose="02010600030101010101" pitchFamily="2" charset="-122"/>
+              </a:defRPr>
             </a:lvl1pPr>
           </a:lstStyle>
           <a:p>
@@ -372,7 +395,11 @@
           <a:bodyPr vert="horz" lIns="91440" tIns="45720" rIns="91440" bIns="45720" rtlCol="0"/>
           <a:lstStyle>
             <a:lvl1pPr algn="r">
-              <a:defRPr sz="1200"/>
+              <a:defRPr sz="1200">
+                <a:latin typeface="宋体" panose="02010600030101010101" pitchFamily="2" charset="-122"/>
+                <a:ea typeface="宋体" panose="02010600030101010101" pitchFamily="2" charset="-122"/>
+                <a:cs typeface="宋体" panose="02010600030101010101" pitchFamily="2" charset="-122"/>
+              </a:defRPr>
             </a:lvl1pPr>
           </a:lstStyle>
           <a:p>
@@ -503,7 +530,11 @@
           <a:bodyPr vert="horz" lIns="91440" tIns="45720" rIns="91440" bIns="45720" rtlCol="0" anchor="b"/>
           <a:lstStyle>
             <a:lvl1pPr algn="l">
-              <a:defRPr sz="1200"/>
+              <a:defRPr sz="1200">
+                <a:latin typeface="宋体" panose="02010600030101010101" pitchFamily="2" charset="-122"/>
+                <a:ea typeface="宋体" panose="02010600030101010101" pitchFamily="2" charset="-122"/>
+                <a:cs typeface="宋体" panose="02010600030101010101" pitchFamily="2" charset="-122"/>
+              </a:defRPr>
             </a:lvl1pPr>
           </a:lstStyle>
           <a:p>
@@ -534,7 +565,11 @@
           <a:bodyPr vert="horz" lIns="91440" tIns="45720" rIns="91440" bIns="45720" rtlCol="0" anchor="b"/>
           <a:lstStyle>
             <a:lvl1pPr algn="r">
-              <a:defRPr sz="1200"/>
+              <a:defRPr sz="1200">
+                <a:latin typeface="宋体" panose="02010600030101010101" pitchFamily="2" charset="-122"/>
+                <a:ea typeface="宋体" panose="02010600030101010101" pitchFamily="2" charset="-122"/>
+                <a:cs typeface="宋体" panose="02010600030101010101" pitchFamily="2" charset="-122"/>
+              </a:defRPr>
             </a:lvl1pPr>
           </a:lstStyle>
           <a:p>
@@ -554,9 +589,9 @@
         <a:solidFill>
           <a:schemeClr val="tx1"/>
         </a:solidFill>
-        <a:latin typeface="+mn-lt"/>
-        <a:ea typeface="+mn-ea"/>
-        <a:cs typeface="+mn-cs"/>
+        <a:latin typeface="宋体" panose="02010600030101010101" pitchFamily="2" charset="-122"/>
+        <a:ea typeface="宋体" panose="02010600030101010101" pitchFamily="2" charset="-122"/>
+        <a:cs typeface="宋体" panose="02010600030101010101" pitchFamily="2" charset="-122"/>
       </a:defRPr>
     </a:lvl1pPr>
     <a:lvl2pPr marL="457200" algn="l" defTabSz="914400" rtl="0" eaLnBrk="1" latinLnBrk="0" hangingPunct="1">
@@ -564,9 +599,9 @@
         <a:solidFill>
           <a:schemeClr val="tx1"/>
         </a:solidFill>
-        <a:latin typeface="+mn-lt"/>
-        <a:ea typeface="+mn-ea"/>
-        <a:cs typeface="+mn-cs"/>
+        <a:latin typeface="宋体" panose="02010600030101010101" pitchFamily="2" charset="-122"/>
+        <a:ea typeface="宋体" panose="02010600030101010101" pitchFamily="2" charset="-122"/>
+        <a:cs typeface="宋体" panose="02010600030101010101" pitchFamily="2" charset="-122"/>
       </a:defRPr>
     </a:lvl2pPr>
     <a:lvl3pPr marL="914400" algn="l" defTabSz="914400" rtl="0" eaLnBrk="1" latinLnBrk="0" hangingPunct="1">
@@ -574,9 +609,9 @@
         <a:solidFill>
           <a:schemeClr val="tx1"/>
         </a:solidFill>
-        <a:latin typeface="+mn-lt"/>
-        <a:ea typeface="+mn-ea"/>
-        <a:cs typeface="+mn-cs"/>
+        <a:latin typeface="宋体" panose="02010600030101010101" pitchFamily="2" charset="-122"/>
+        <a:ea typeface="宋体" panose="02010600030101010101" pitchFamily="2" charset="-122"/>
+        <a:cs typeface="宋体" panose="02010600030101010101" pitchFamily="2" charset="-122"/>
       </a:defRPr>
     </a:lvl3pPr>
     <a:lvl4pPr marL="1371600" algn="l" defTabSz="914400" rtl="0" eaLnBrk="1" latinLnBrk="0" hangingPunct="1">
@@ -584,9 +619,9 @@
         <a:solidFill>
           <a:schemeClr val="tx1"/>
         </a:solidFill>
-        <a:latin typeface="+mn-lt"/>
-        <a:ea typeface="+mn-ea"/>
-        <a:cs typeface="+mn-cs"/>
+        <a:latin typeface="宋体" panose="02010600030101010101" pitchFamily="2" charset="-122"/>
+        <a:ea typeface="宋体" panose="02010600030101010101" pitchFamily="2" charset="-122"/>
+        <a:cs typeface="宋体" panose="02010600030101010101" pitchFamily="2" charset="-122"/>
       </a:defRPr>
     </a:lvl4pPr>
     <a:lvl5pPr marL="1828800" algn="l" defTabSz="914400" rtl="0" eaLnBrk="1" latinLnBrk="0" hangingPunct="1">
@@ -594,9 +629,9 @@
         <a:solidFill>
           <a:schemeClr val="tx1"/>
         </a:solidFill>
-        <a:latin typeface="+mn-lt"/>
-        <a:ea typeface="+mn-ea"/>
-        <a:cs typeface="+mn-cs"/>
+        <a:latin typeface="宋体" panose="02010600030101010101" pitchFamily="2" charset="-122"/>
+        <a:ea typeface="宋体" panose="02010600030101010101" pitchFamily="2" charset="-122"/>
+        <a:cs typeface="宋体" panose="02010600030101010101" pitchFamily="2" charset="-122"/>
       </a:defRPr>
     </a:lvl5pPr>
     <a:lvl6pPr marL="2286000" algn="l" defTabSz="914400" rtl="0" eaLnBrk="1" latinLnBrk="0" hangingPunct="1">
@@ -3325,6 +3360,9 @@
                     <a:tint val="75000"/>
                   </a:schemeClr>
                 </a:solidFill>
+                <a:latin typeface="宋体" panose="02010600030101010101" pitchFamily="2" charset="-122"/>
+                <a:ea typeface="宋体" panose="02010600030101010101" pitchFamily="2" charset="-122"/>
+                <a:cs typeface="宋体" panose="02010600030101010101" pitchFamily="2" charset="-122"/>
               </a:defRPr>
             </a:lvl1pPr>
           </a:lstStyle>
@@ -3377,6 +3415,9 @@
                     <a:tint val="75000"/>
                   </a:schemeClr>
                 </a:solidFill>
+                <a:latin typeface="宋体" panose="02010600030101010101" pitchFamily="2" charset="-122"/>
+                <a:ea typeface="宋体" panose="02010600030101010101" pitchFamily="2" charset="-122"/>
+                <a:cs typeface="宋体" panose="02010600030101010101" pitchFamily="2" charset="-122"/>
               </a:defRPr>
             </a:lvl1pPr>
           </a:lstStyle>
@@ -3420,6 +3461,9 @@
                     <a:tint val="75000"/>
                   </a:schemeClr>
                 </a:solidFill>
+                <a:latin typeface="宋体" panose="02010600030101010101" pitchFamily="2" charset="-122"/>
+                <a:ea typeface="宋体" panose="02010600030101010101" pitchFamily="2" charset="-122"/>
+                <a:cs typeface="宋体" panose="02010600030101010101" pitchFamily="2" charset="-122"/>
               </a:defRPr>
             </a:lvl1pPr>
           </a:lstStyle>
@@ -3485,9 +3529,9 @@
           <a:solidFill>
             <a:schemeClr val="tx1"/>
           </a:solidFill>
-          <a:latin typeface="+mj-lt"/>
-          <a:ea typeface="+mj-ea"/>
-          <a:cs typeface="+mj-cs"/>
+          <a:latin typeface="宋体" panose="02010600030101010101" pitchFamily="2" charset="-122"/>
+          <a:ea typeface="宋体" panose="02010600030101010101" pitchFamily="2" charset="-122"/>
+          <a:cs typeface="宋体" panose="02010600030101010101" pitchFamily="2" charset="-122"/>
         </a:defRPr>
       </a:lvl1pPr>
     </p:titleStyle>
@@ -3505,9 +3549,9 @@
           <a:solidFill>
             <a:schemeClr val="tx1"/>
           </a:solidFill>
-          <a:latin typeface="+mn-lt"/>
-          <a:ea typeface="+mn-ea"/>
-          <a:cs typeface="+mn-cs"/>
+          <a:latin typeface="宋体" panose="02010600030101010101" pitchFamily="2" charset="-122"/>
+          <a:ea typeface="宋体" panose="02010600030101010101" pitchFamily="2" charset="-122"/>
+          <a:cs typeface="宋体" panose="02010600030101010101" pitchFamily="2" charset="-122"/>
         </a:defRPr>
       </a:lvl1pPr>
       <a:lvl2pPr marL="685800" indent="-228600" algn="l" defTabSz="914400" rtl="0" eaLnBrk="1" latinLnBrk="0" hangingPunct="1">
@@ -3523,9 +3567,9 @@
           <a:solidFill>
             <a:schemeClr val="tx1"/>
           </a:solidFill>
-          <a:latin typeface="+mn-lt"/>
-          <a:ea typeface="+mn-ea"/>
-          <a:cs typeface="+mn-cs"/>
+          <a:latin typeface="宋体" panose="02010600030101010101" pitchFamily="2" charset="-122"/>
+          <a:ea typeface="宋体" panose="02010600030101010101" pitchFamily="2" charset="-122"/>
+          <a:cs typeface="宋体" panose="02010600030101010101" pitchFamily="2" charset="-122"/>
         </a:defRPr>
       </a:lvl2pPr>
       <a:lvl3pPr marL="1143000" indent="-228600" algn="l" defTabSz="914400" rtl="0" eaLnBrk="1" latinLnBrk="0" hangingPunct="1">
@@ -3541,9 +3585,9 @@
           <a:solidFill>
             <a:schemeClr val="tx1"/>
           </a:solidFill>
-          <a:latin typeface="+mn-lt"/>
-          <a:ea typeface="+mn-ea"/>
-          <a:cs typeface="+mn-cs"/>
+          <a:latin typeface="宋体" panose="02010600030101010101" pitchFamily="2" charset="-122"/>
+          <a:ea typeface="宋体" panose="02010600030101010101" pitchFamily="2" charset="-122"/>
+          <a:cs typeface="宋体" panose="02010600030101010101" pitchFamily="2" charset="-122"/>
         </a:defRPr>
       </a:lvl3pPr>
       <a:lvl4pPr marL="1600200" indent="-228600" algn="l" defTabSz="914400" rtl="0" eaLnBrk="1" latinLnBrk="0" hangingPunct="1">
@@ -3559,9 +3603,9 @@
           <a:solidFill>
             <a:schemeClr val="tx1"/>
           </a:solidFill>
-          <a:latin typeface="+mn-lt"/>
-          <a:ea typeface="+mn-ea"/>
-          <a:cs typeface="+mn-cs"/>
+          <a:latin typeface="宋体" panose="02010600030101010101" pitchFamily="2" charset="-122"/>
+          <a:ea typeface="宋体" panose="02010600030101010101" pitchFamily="2" charset="-122"/>
+          <a:cs typeface="宋体" panose="02010600030101010101" pitchFamily="2" charset="-122"/>
         </a:defRPr>
       </a:lvl4pPr>
       <a:lvl5pPr marL="2057400" indent="-228600" algn="l" defTabSz="914400" rtl="0" eaLnBrk="1" latinLnBrk="0" hangingPunct="1">
@@ -3577,9 +3621,9 @@
           <a:solidFill>
             <a:schemeClr val="tx1"/>
           </a:solidFill>
-          <a:latin typeface="+mn-lt"/>
-          <a:ea typeface="+mn-ea"/>
-          <a:cs typeface="+mn-cs"/>
+          <a:latin typeface="宋体" panose="02010600030101010101" pitchFamily="2" charset="-122"/>
+          <a:ea typeface="宋体" panose="02010600030101010101" pitchFamily="2" charset="-122"/>
+          <a:cs typeface="宋体" panose="02010600030101010101" pitchFamily="2" charset="-122"/>
         </a:defRPr>
       </a:lvl5pPr>
       <a:lvl6pPr marL="2514600" indent="-228600" algn="l" defTabSz="914400" rtl="0" eaLnBrk="1" latinLnBrk="0" hangingPunct="1">
@@ -3824,6 +3868,7 @@
               <a:solidFill>
                 <a:prstClr val="white"/>
               </a:solidFill>
+              <a:cs typeface="宋体" panose="02010600030101010101" pitchFamily="2" charset="-122"/>
             </a:endParaRPr>
           </a:p>
         </p:txBody>
@@ -3881,6 +3926,7 @@
               <a:solidFill>
                 <a:prstClr val="white"/>
               </a:solidFill>
+              <a:cs typeface="宋体" panose="02010600030101010101" pitchFamily="2" charset="-122"/>
             </a:endParaRPr>
           </a:p>
         </p:txBody>
@@ -3913,8 +3959,9 @@
                 <a:solidFill>
                   <a:prstClr val="black"/>
                 </a:solidFill>
-                <a:latin typeface="方正舒体" panose="02010601030101010101" pitchFamily="2" charset="-122"/>
-                <a:ea typeface="方正舒体" panose="02010601030101010101" pitchFamily="2" charset="-122"/>
+                <a:latin typeface="宋体" panose="02010600030101010101" pitchFamily="2" charset="-122"/>
+                <a:ea typeface="宋体" panose="02010600030101010101" pitchFamily="2" charset="-122"/>
+                <a:cs typeface="宋体" panose="02010600030101010101" pitchFamily="2" charset="-122"/>
               </a:rPr>
               <a:t>BUAA</a:t>
             </a:r>
@@ -3922,8 +3969,9 @@
               <a:solidFill>
                 <a:prstClr val="black"/>
               </a:solidFill>
-              <a:latin typeface="方正舒体" panose="02010601030101010101" pitchFamily="2" charset="-122"/>
-              <a:ea typeface="方正舒体" panose="02010601030101010101" pitchFamily="2" charset="-122"/>
+              <a:latin typeface="宋体" panose="02010600030101010101" pitchFamily="2" charset="-122"/>
+              <a:ea typeface="宋体" panose="02010600030101010101" pitchFamily="2" charset="-122"/>
+              <a:cs typeface="宋体" panose="02010600030101010101" pitchFamily="2" charset="-122"/>
             </a:endParaRPr>
           </a:p>
         </p:txBody>
@@ -3963,28 +4011,11 @@
                     </a:srgbClr>
                   </a:outerShdw>
                 </a:effectLst>
-                <a:latin typeface="等线" panose="02010600030101010101" pitchFamily="2" charset="-122"/>
-                <a:ea typeface="等线" panose="02010600030101010101" pitchFamily="2" charset="-122"/>
+                <a:latin typeface="宋体" panose="02010600030101010101" pitchFamily="2" charset="-122"/>
+                <a:ea typeface="宋体" panose="02010600030101010101" pitchFamily="2" charset="-122"/>
+                <a:cs typeface="宋体" panose="02010600030101010101" pitchFamily="2" charset="-122"/>
               </a:rPr>
-              <a:t>毕业论文</a:t>
-            </a:r>
-            <a:r>
-              <a:rPr lang="zh-CN" altLang="en-US" sz="5400" b="1" dirty="0">
-                <a:solidFill>
-                  <a:prstClr val="white"/>
-                </a:solidFill>
-                <a:effectLst>
-                  <a:outerShdw blurRad="38100" sx="105000" sy="105000" algn="ctr" rotWithShape="0">
-                    <a:srgbClr val="E7E6E6">
-                      <a:lumMod val="50000"/>
-                      <a:alpha val="40000"/>
-                    </a:srgbClr>
-                  </a:outerShdw>
-                </a:effectLst>
-                <a:latin typeface="等线" panose="02010600030101010101" pitchFamily="2" charset="-122"/>
-                <a:ea typeface="等线" panose="02010600030101010101" pitchFamily="2" charset="-122"/>
-              </a:rPr>
-              <a:t>中期检查答辩</a:t>
+              <a:t>毕业论文中期检查答辩</a:t>
             </a:r>
             <a:endParaRPr lang="zh-CN" altLang="en-US" sz="5400" b="1" dirty="0">
               <a:solidFill>
@@ -3998,8 +4029,9 @@
                   </a:srgbClr>
                 </a:outerShdw>
               </a:effectLst>
-              <a:latin typeface="等线" panose="02010600030101010101" pitchFamily="2" charset="-122"/>
-              <a:ea typeface="等线" panose="02010600030101010101" pitchFamily="2" charset="-122"/>
+              <a:latin typeface="宋体" panose="02010600030101010101" pitchFamily="2" charset="-122"/>
+              <a:ea typeface="宋体" panose="02010600030101010101" pitchFamily="2" charset="-122"/>
+              <a:cs typeface="宋体" panose="02010600030101010101" pitchFamily="2" charset="-122"/>
             </a:endParaRPr>
           </a:p>
         </p:txBody>
@@ -4034,8 +4066,9 @@
                     <a:lumMod val="50000"/>
                   </a:srgbClr>
                 </a:solidFill>
-                <a:latin typeface="等线" panose="02010600030101010101" pitchFamily="2" charset="-122"/>
-                <a:ea typeface="等线" panose="02010600030101010101" pitchFamily="2" charset="-122"/>
+                <a:latin typeface="宋体" panose="02010600030101010101" pitchFamily="2" charset="-122"/>
+                <a:ea typeface="宋体" panose="02010600030101010101" pitchFamily="2" charset="-122"/>
+                <a:cs typeface="宋体" panose="02010600030101010101" pitchFamily="2" charset="-122"/>
               </a:rPr>
               <a:t>答辩人：霍飞烨</a:t>
             </a:r>
@@ -4046,10 +4079,11 @@
                     <a:lumMod val="50000"/>
                   </a:srgbClr>
                 </a:solidFill>
-                <a:latin typeface="等线" panose="02010600030101010101" pitchFamily="2" charset="-122"/>
-                <a:ea typeface="等线" panose="02010600030101010101" pitchFamily="2" charset="-122"/>
+                <a:latin typeface="宋体" panose="02010600030101010101" pitchFamily="2" charset="-122"/>
+                <a:ea typeface="宋体" panose="02010600030101010101" pitchFamily="2" charset="-122"/>
+                <a:cs typeface="宋体" panose="02010600030101010101" pitchFamily="2" charset="-122"/>
               </a:rPr>
-              <a:t>                    </a:t>
+              <a:t>             </a:t>
             </a:r>
             <a:r>
               <a:rPr lang="zh-CN" altLang="en-US" dirty="0">
@@ -4058,22 +4092,11 @@
                     <a:lumMod val="50000"/>
                   </a:srgbClr>
                 </a:solidFill>
-                <a:latin typeface="等线" panose="02010600030101010101" pitchFamily="2" charset="-122"/>
-                <a:ea typeface="等线" panose="02010600030101010101" pitchFamily="2" charset="-122"/>
+                <a:latin typeface="宋体" panose="02010600030101010101" pitchFamily="2" charset="-122"/>
+                <a:ea typeface="宋体" panose="02010600030101010101" pitchFamily="2" charset="-122"/>
+                <a:cs typeface="宋体" panose="02010600030101010101" pitchFamily="2" charset="-122"/>
               </a:rPr>
-              <a:t>指导老师：</a:t>
-            </a:r>
-            <a:r>
-              <a:rPr lang="zh-CN" altLang="en-US" dirty="0">
-                <a:solidFill>
-                  <a:srgbClr val="E7E6E6">
-                    <a:lumMod val="50000"/>
-                  </a:srgbClr>
-                </a:solidFill>
-                <a:latin typeface="等线" panose="02010600030101010101" pitchFamily="2" charset="-122"/>
-                <a:ea typeface="等线" panose="02010600030101010101" pitchFamily="2" charset="-122"/>
-              </a:rPr>
-              <a:t>张辉</a:t>
+              <a:t>指导老师：张辉</a:t>
             </a:r>
             <a:endParaRPr lang="zh-CN" altLang="en-US" dirty="0">
               <a:solidFill>
@@ -4081,8 +4104,9 @@
                   <a:lumMod val="50000"/>
                 </a:srgbClr>
               </a:solidFill>
-              <a:latin typeface="等线" panose="02010600030101010101" pitchFamily="2" charset="-122"/>
-              <a:ea typeface="等线" panose="02010600030101010101" pitchFamily="2" charset="-122"/>
+              <a:latin typeface="宋体" panose="02010600030101010101" pitchFamily="2" charset="-122"/>
+              <a:ea typeface="宋体" panose="02010600030101010101" pitchFamily="2" charset="-122"/>
+              <a:cs typeface="宋体" panose="02010600030101010101" pitchFamily="2" charset="-122"/>
             </a:endParaRPr>
           </a:p>
         </p:txBody>
@@ -4179,7 +4203,7 @@
         </p:nvGrpSpPr>
         <p:grpSpPr>
           <a:xfrm>
-            <a:off x="5182965" y="3728941"/>
+            <a:off x="5011515" y="3731481"/>
             <a:ext cx="342764" cy="342764"/>
             <a:chOff x="4688155" y="5875923"/>
             <a:chExt cx="342764" cy="342764"/>
@@ -4233,6 +4257,7 @@
                 <a:solidFill>
                   <a:prstClr val="white"/>
                 </a:solidFill>
+                <a:cs typeface="宋体" panose="02010600030101010101" pitchFamily="2" charset="-122"/>
               </a:endParaRPr>
             </a:p>
           </p:txBody>
@@ -4293,6 +4318,7 @@
                   <a:solidFill>
                     <a:prstClr val="black"/>
                   </a:solidFill>
+                  <a:cs typeface="宋体" panose="02010600030101010101" pitchFamily="2" charset="-122"/>
                 </a:endParaRPr>
               </a:p>
             </p:txBody>
@@ -4433,6 +4459,7 @@
                   <a:solidFill>
                     <a:prstClr val="black"/>
                   </a:solidFill>
+                  <a:cs typeface="宋体" panose="02010600030101010101" pitchFamily="2" charset="-122"/>
                 </a:endParaRPr>
               </a:p>
             </p:txBody>
@@ -4573,6 +4600,7 @@
                   <a:solidFill>
                     <a:prstClr val="black"/>
                   </a:solidFill>
+                  <a:cs typeface="宋体" panose="02010600030101010101" pitchFamily="2" charset="-122"/>
                 </a:endParaRPr>
               </a:p>
             </p:txBody>
@@ -4922,6 +4950,7 @@
                   <a:solidFill>
                     <a:prstClr val="white"/>
                   </a:solidFill>
+                  <a:cs typeface="宋体" panose="02010600030101010101" pitchFamily="2" charset="-122"/>
                 </a:endParaRPr>
               </a:p>
             </p:txBody>
@@ -4967,6 +4996,7 @@
                   <a:solidFill>
                     <a:prstClr val="black"/>
                   </a:solidFill>
+                  <a:cs typeface="宋体" panose="02010600030101010101" pitchFamily="2" charset="-122"/>
                 </a:endParaRPr>
               </a:p>
             </p:txBody>
@@ -5012,6 +5042,7 @@
                   <a:solidFill>
                     <a:prstClr val="black"/>
                   </a:solidFill>
+                  <a:cs typeface="宋体" panose="02010600030101010101" pitchFamily="2" charset="-122"/>
                 </a:endParaRPr>
               </a:p>
             </p:txBody>
@@ -5057,6 +5088,7 @@
                   <a:solidFill>
                     <a:prstClr val="black"/>
                   </a:solidFill>
+                  <a:cs typeface="宋体" panose="02010600030101010101" pitchFamily="2" charset="-122"/>
                 </a:endParaRPr>
               </a:p>
             </p:txBody>
@@ -5102,6 +5134,7 @@
                   <a:solidFill>
                     <a:prstClr val="black"/>
                   </a:solidFill>
+                  <a:cs typeface="宋体" panose="02010600030101010101" pitchFamily="2" charset="-122"/>
                 </a:endParaRPr>
               </a:p>
             </p:txBody>
@@ -5147,6 +5180,7 @@
                   <a:solidFill>
                     <a:prstClr val="black"/>
                   </a:solidFill>
+                  <a:cs typeface="宋体" panose="02010600030101010101" pitchFamily="2" charset="-122"/>
                 </a:endParaRPr>
               </a:p>
             </p:txBody>
@@ -5192,6 +5226,7 @@
                   <a:solidFill>
                     <a:prstClr val="black"/>
                   </a:solidFill>
+                  <a:cs typeface="宋体" panose="02010600030101010101" pitchFamily="2" charset="-122"/>
                 </a:endParaRPr>
               </a:p>
             </p:txBody>
@@ -5237,6 +5272,7 @@
                   <a:solidFill>
                     <a:prstClr val="black"/>
                   </a:solidFill>
+                  <a:cs typeface="宋体" panose="02010600030101010101" pitchFamily="2" charset="-122"/>
                 </a:endParaRPr>
               </a:p>
             </p:txBody>
@@ -5282,6 +5318,7 @@
                   <a:solidFill>
                     <a:prstClr val="black"/>
                   </a:solidFill>
+                  <a:cs typeface="宋体" panose="02010600030101010101" pitchFamily="2" charset="-122"/>
                 </a:endParaRPr>
               </a:p>
             </p:txBody>
@@ -5327,6 +5364,7 @@
                   <a:solidFill>
                     <a:prstClr val="black"/>
                   </a:solidFill>
+                  <a:cs typeface="宋体" panose="02010600030101010101" pitchFamily="2" charset="-122"/>
                 </a:endParaRPr>
               </a:p>
             </p:txBody>
@@ -5372,6 +5410,7 @@
                   <a:solidFill>
                     <a:prstClr val="black"/>
                   </a:solidFill>
+                  <a:cs typeface="宋体" panose="02010600030101010101" pitchFamily="2" charset="-122"/>
                 </a:endParaRPr>
               </a:p>
             </p:txBody>
@@ -5918,6 +5957,7 @@
                   <a:solidFill>
                     <a:prstClr val="black"/>
                   </a:solidFill>
+                  <a:cs typeface="宋体" panose="02010600030101010101" pitchFamily="2" charset="-122"/>
                 </a:endParaRPr>
               </a:p>
             </p:txBody>
@@ -6018,6 +6058,7 @@
                   <a:solidFill>
                     <a:prstClr val="black"/>
                   </a:solidFill>
+                  <a:cs typeface="宋体" panose="02010600030101010101" pitchFamily="2" charset="-122"/>
                 </a:endParaRPr>
               </a:p>
             </p:txBody>
@@ -6118,6 +6159,7 @@
                   <a:solidFill>
                     <a:prstClr val="black"/>
                   </a:solidFill>
+                  <a:cs typeface="宋体" panose="02010600030101010101" pitchFamily="2" charset="-122"/>
                 </a:endParaRPr>
               </a:p>
             </p:txBody>
@@ -6132,7 +6174,7 @@
         </p:nvGrpSpPr>
         <p:grpSpPr>
           <a:xfrm>
-            <a:off x="7870956" y="3728941"/>
+            <a:off x="8149086" y="3724496"/>
             <a:ext cx="342764" cy="342764"/>
             <a:chOff x="4688155" y="5875923"/>
             <a:chExt cx="342764" cy="342764"/>
@@ -6186,6 +6228,7 @@
                 <a:solidFill>
                   <a:prstClr val="white"/>
                 </a:solidFill>
+                <a:cs typeface="宋体" panose="02010600030101010101" pitchFamily="2" charset="-122"/>
               </a:endParaRPr>
             </a:p>
           </p:txBody>
@@ -6246,6 +6289,7 @@
                   <a:solidFill>
                     <a:prstClr val="black"/>
                   </a:solidFill>
+                  <a:cs typeface="宋体" panose="02010600030101010101" pitchFamily="2" charset="-122"/>
                 </a:endParaRPr>
               </a:p>
             </p:txBody>
@@ -6386,6 +6430,7 @@
                   <a:solidFill>
                     <a:prstClr val="black"/>
                   </a:solidFill>
+                  <a:cs typeface="宋体" panose="02010600030101010101" pitchFamily="2" charset="-122"/>
                 </a:endParaRPr>
               </a:p>
             </p:txBody>
@@ -6526,6 +6571,7 @@
                   <a:solidFill>
                     <a:prstClr val="black"/>
                   </a:solidFill>
+                  <a:cs typeface="宋体" panose="02010600030101010101" pitchFamily="2" charset="-122"/>
                 </a:endParaRPr>
               </a:p>
             </p:txBody>
@@ -6875,6 +6921,7 @@
                   <a:solidFill>
                     <a:prstClr val="black"/>
                   </a:solidFill>
+                  <a:cs typeface="宋体" panose="02010600030101010101" pitchFamily="2" charset="-122"/>
                 </a:endParaRPr>
               </a:p>
             </p:txBody>
@@ -6920,6 +6967,7 @@
                   <a:solidFill>
                     <a:prstClr val="black"/>
                   </a:solidFill>
+                  <a:cs typeface="宋体" panose="02010600030101010101" pitchFamily="2" charset="-122"/>
                 </a:endParaRPr>
               </a:p>
             </p:txBody>
@@ -6965,6 +7013,7 @@
                   <a:solidFill>
                     <a:prstClr val="black"/>
                   </a:solidFill>
+                  <a:cs typeface="宋体" panose="02010600030101010101" pitchFamily="2" charset="-122"/>
                 </a:endParaRPr>
               </a:p>
             </p:txBody>
@@ -7010,6 +7059,7 @@
                   <a:solidFill>
                     <a:prstClr val="black"/>
                   </a:solidFill>
+                  <a:cs typeface="宋体" panose="02010600030101010101" pitchFamily="2" charset="-122"/>
                 </a:endParaRPr>
               </a:p>
             </p:txBody>
@@ -7055,6 +7105,7 @@
                   <a:solidFill>
                     <a:prstClr val="black"/>
                   </a:solidFill>
+                  <a:cs typeface="宋体" panose="02010600030101010101" pitchFamily="2" charset="-122"/>
                 </a:endParaRPr>
               </a:p>
             </p:txBody>
@@ -7100,6 +7151,7 @@
                   <a:solidFill>
                     <a:prstClr val="black"/>
                   </a:solidFill>
+                  <a:cs typeface="宋体" panose="02010600030101010101" pitchFamily="2" charset="-122"/>
                 </a:endParaRPr>
               </a:p>
             </p:txBody>
@@ -7145,6 +7197,7 @@
                   <a:solidFill>
                     <a:prstClr val="black"/>
                   </a:solidFill>
+                  <a:cs typeface="宋体" panose="02010600030101010101" pitchFamily="2" charset="-122"/>
                 </a:endParaRPr>
               </a:p>
             </p:txBody>
@@ -7190,6 +7243,7 @@
                   <a:solidFill>
                     <a:prstClr val="black"/>
                   </a:solidFill>
+                  <a:cs typeface="宋体" panose="02010600030101010101" pitchFamily="2" charset="-122"/>
                 </a:endParaRPr>
               </a:p>
             </p:txBody>
@@ -7235,6 +7289,7 @@
                   <a:solidFill>
                     <a:prstClr val="black"/>
                   </a:solidFill>
+                  <a:cs typeface="宋体" panose="02010600030101010101" pitchFamily="2" charset="-122"/>
                 </a:endParaRPr>
               </a:p>
             </p:txBody>
@@ -7280,6 +7335,7 @@
                   <a:solidFill>
                     <a:prstClr val="black"/>
                   </a:solidFill>
+                  <a:cs typeface="宋体" panose="02010600030101010101" pitchFamily="2" charset="-122"/>
                 </a:endParaRPr>
               </a:p>
             </p:txBody>
@@ -7325,6 +7381,7 @@
                   <a:solidFill>
                     <a:prstClr val="black"/>
                   </a:solidFill>
+                  <a:cs typeface="宋体" panose="02010600030101010101" pitchFamily="2" charset="-122"/>
                 </a:endParaRPr>
               </a:p>
             </p:txBody>
@@ -7871,6 +7928,7 @@
                   <a:solidFill>
                     <a:prstClr val="black"/>
                   </a:solidFill>
+                  <a:cs typeface="宋体" panose="02010600030101010101" pitchFamily="2" charset="-122"/>
                 </a:endParaRPr>
               </a:p>
             </p:txBody>
@@ -7971,6 +8029,7 @@
                   <a:solidFill>
                     <a:prstClr val="black"/>
                   </a:solidFill>
+                  <a:cs typeface="宋体" panose="02010600030101010101" pitchFamily="2" charset="-122"/>
                 </a:endParaRPr>
               </a:p>
             </p:txBody>
@@ -8071,6 +8130,7 @@
                   <a:solidFill>
                     <a:prstClr val="black"/>
                   </a:solidFill>
+                  <a:cs typeface="宋体" panose="02010600030101010101" pitchFamily="2" charset="-122"/>
                 </a:endParaRPr>
               </a:p>
             </p:txBody>
@@ -8103,6 +8163,7 @@
                 <a:solidFill>
                   <a:schemeClr val="bg1"/>
                 </a:solidFill>
+                <a:cs typeface="宋体" panose="02010600030101010101" pitchFamily="2" charset="-122"/>
               </a:rPr>
               <a:t>基于深度学习的专利与标准关联关系的发现技术</a:t>
             </a:r>
@@ -8110,6 +8171,7 @@
               <a:solidFill>
                 <a:schemeClr val="bg1"/>
               </a:solidFill>
+              <a:cs typeface="宋体" panose="02010600030101010101" pitchFamily="2" charset="-122"/>
             </a:endParaRPr>
           </a:p>
         </p:txBody>
@@ -8957,6 +9019,7 @@
               <a:solidFill>
                 <a:prstClr val="white"/>
               </a:solidFill>
+              <a:cs typeface="宋体" panose="02010600030101010101" pitchFamily="2" charset="-122"/>
             </a:endParaRPr>
           </a:p>
         </p:txBody>
@@ -9032,16 +9095,18 @@
                     <a:lumMod val="25000"/>
                   </a:srgbClr>
                 </a:solidFill>
-                <a:latin typeface="方正舒体" panose="02010601030101010101" pitchFamily="2" charset="-122"/>
-                <a:ea typeface="等线" panose="02010600030101010101" pitchFamily="2" charset="-122"/>
+                <a:latin typeface="宋体" panose="02010600030101010101" pitchFamily="2" charset="-122"/>
+                <a:ea typeface="宋体" panose="02010600030101010101" pitchFamily="2" charset="-122"/>
+                <a:cs typeface="宋体" panose="02010600030101010101" pitchFamily="2" charset="-122"/>
                 <a:sym typeface="+mn-ea"/>
               </a:rPr>
               <a:t>PART 02  </a:t>
             </a:r>
             <a:r>
               <a:rPr lang="zh-CN" altLang="en-US" sz="2800" b="1" dirty="0">
-                <a:latin typeface="方正舒体" panose="02010601030101010101" pitchFamily="2" charset="-122"/>
-                <a:ea typeface="等线" panose="02010600030101010101" pitchFamily="2" charset="-122"/>
+                <a:latin typeface="宋体" panose="02010600030101010101" pitchFamily="2" charset="-122"/>
+                <a:ea typeface="宋体" panose="02010600030101010101" pitchFamily="2" charset="-122"/>
+                <a:cs typeface="宋体" panose="02010600030101010101" pitchFamily="2" charset="-122"/>
                 <a:sym typeface="+mn-ea"/>
               </a:rPr>
               <a:t>工作进展</a:t>
@@ -9052,8 +9117,9 @@
                   <a:lumMod val="25000"/>
                 </a:srgbClr>
               </a:solidFill>
-              <a:latin typeface="方正舒体" panose="02010601030101010101" pitchFamily="2" charset="-122"/>
-              <a:ea typeface="等线" panose="02010600030101010101" pitchFamily="2" charset="-122"/>
+              <a:latin typeface="宋体" panose="02010600030101010101" pitchFamily="2" charset="-122"/>
+              <a:ea typeface="宋体" panose="02010600030101010101" pitchFamily="2" charset="-122"/>
+              <a:cs typeface="宋体" panose="02010600030101010101" pitchFamily="2" charset="-122"/>
             </a:endParaRPr>
           </a:p>
         </p:txBody>
@@ -9134,7 +9200,8 @@
               <a:solidFill>
                 <a:prstClr val="white"/>
               </a:solidFill>
-              <a:ea typeface="微软雅黑" panose="020B0503020204020204" charset="-122"/>
+              <a:ea typeface="宋体" panose="02010600030101010101" pitchFamily="2" charset="-122"/>
+              <a:cs typeface="宋体" panose="02010600030101010101" pitchFamily="2" charset="-122"/>
             </a:endParaRPr>
           </a:p>
         </p:txBody>
@@ -9215,7 +9282,8 @@
               <a:solidFill>
                 <a:prstClr val="white"/>
               </a:solidFill>
-              <a:ea typeface="微软雅黑" panose="020B0503020204020204" charset="-122"/>
+              <a:ea typeface="宋体" panose="02010600030101010101" pitchFamily="2" charset="-122"/>
+              <a:cs typeface="宋体" panose="02010600030101010101" pitchFamily="2" charset="-122"/>
             </a:endParaRPr>
           </a:p>
         </p:txBody>
@@ -9296,7 +9364,8 @@
               <a:solidFill>
                 <a:prstClr val="white"/>
               </a:solidFill>
-              <a:ea typeface="微软雅黑" panose="020B0503020204020204" charset="-122"/>
+              <a:ea typeface="宋体" panose="02010600030101010101" pitchFamily="2" charset="-122"/>
+              <a:cs typeface="宋体" panose="02010600030101010101" pitchFamily="2" charset="-122"/>
             </a:endParaRPr>
           </a:p>
         </p:txBody>
@@ -9351,8 +9420,9 @@
                       <a:lumOff val="25000"/>
                     </a:prstClr>
                   </a:solidFill>
-                  <a:latin typeface="方正姚体" panose="02010601030101010101" pitchFamily="2" charset="-122"/>
-                  <a:ea typeface="方正姚体" panose="02010601030101010101" pitchFamily="2" charset="-122"/>
+                  <a:latin typeface="宋体" panose="02010600030101010101" pitchFamily="2" charset="-122"/>
+                  <a:ea typeface="宋体" panose="02010600030101010101" pitchFamily="2" charset="-122"/>
+                  <a:cs typeface="宋体" panose="02010600030101010101" pitchFamily="2" charset="-122"/>
                 </a:rPr>
                 <a:t>数据集选取与构建</a:t>
               </a:r>
@@ -9363,8 +9433,9 @@
                     <a:lumOff val="25000"/>
                   </a:prstClr>
                 </a:solidFill>
-                <a:latin typeface="方正姚体" panose="02010601030101010101" pitchFamily="2" charset="-122"/>
-                <a:ea typeface="方正姚体" panose="02010601030101010101" pitchFamily="2" charset="-122"/>
+                <a:latin typeface="宋体" panose="02010600030101010101" pitchFamily="2" charset="-122"/>
+                <a:ea typeface="宋体" panose="02010600030101010101" pitchFamily="2" charset="-122"/>
+                <a:cs typeface="宋体" panose="02010600030101010101" pitchFamily="2" charset="-122"/>
               </a:endParaRPr>
             </a:p>
             <a:p>
@@ -9382,23 +9453,11 @@
                       <a:lumOff val="25000"/>
                     </a:prstClr>
                   </a:solidFill>
-                  <a:latin typeface="方正姚体" panose="02010601030101010101" pitchFamily="2" charset="-122"/>
-                  <a:ea typeface="方正姚体" panose="02010601030101010101" pitchFamily="2" charset="-122"/>
+                  <a:latin typeface="宋体" panose="02010600030101010101" pitchFamily="2" charset="-122"/>
+                  <a:ea typeface="宋体" panose="02010600030101010101" pitchFamily="2" charset="-122"/>
+                  <a:cs typeface="宋体" panose="02010600030101010101" pitchFamily="2" charset="-122"/>
                 </a:rPr>
-                <a:t>本次毕设选取的是由CLUE(中文语言理解测评基准)项目组构建的</a:t>
-              </a:r>
-              <a:r>
-                <a:rPr lang="zh-CN" altLang="en-US" sz="1600" dirty="0">
-                  <a:solidFill>
-                    <a:prstClr val="black">
-                      <a:lumMod val="75000"/>
-                      <a:lumOff val="25000"/>
-                    </a:prstClr>
-                  </a:solidFill>
-                  <a:latin typeface="方正姚体" panose="02010601030101010101" pitchFamily="2" charset="-122"/>
-                  <a:ea typeface="方正姚体" panose="02010601030101010101" pitchFamily="2" charset="-122"/>
-                </a:rPr>
-                <a:t>数据集CLUEFineGrainNER</a:t>
+                <a:t>本次毕设选取的是由CLUE(中文语言理解测评基准)项目组构建的数据集CLUEFineGrainNER</a:t>
               </a:r>
               <a:endParaRPr lang="zh-CN" altLang="en-US" sz="1600" dirty="0">
                 <a:solidFill>
@@ -9407,8 +9466,9 @@
                     <a:lumOff val="25000"/>
                   </a:prstClr>
                 </a:solidFill>
-                <a:latin typeface="方正姚体" panose="02010601030101010101" pitchFamily="2" charset="-122"/>
-                <a:ea typeface="方正姚体" panose="02010601030101010101" pitchFamily="2" charset="-122"/>
+                <a:latin typeface="宋体" panose="02010600030101010101" pitchFamily="2" charset="-122"/>
+                <a:ea typeface="宋体" panose="02010600030101010101" pitchFamily="2" charset="-122"/>
+                <a:cs typeface="宋体" panose="02010600030101010101" pitchFamily="2" charset="-122"/>
               </a:endParaRPr>
             </a:p>
           </p:txBody>
@@ -9444,8 +9504,9 @@
                     <a:lumOff val="25000"/>
                   </a:prstClr>
                 </a:solidFill>
-                <a:latin typeface="方正姚体" panose="02010601030101010101" pitchFamily="2" charset="-122"/>
-                <a:ea typeface="方正姚体" panose="02010601030101010101" pitchFamily="2" charset="-122"/>
+                <a:latin typeface="宋体" panose="02010600030101010101" pitchFamily="2" charset="-122"/>
+                <a:ea typeface="宋体" panose="02010600030101010101" pitchFamily="2" charset="-122"/>
+                <a:cs typeface="宋体" panose="02010600030101010101" pitchFamily="2" charset="-122"/>
               </a:endParaRPr>
             </a:p>
           </p:txBody>
@@ -9608,7 +9669,8 @@
                 <a:solidFill>
                   <a:prstClr val="black"/>
                 </a:solidFill>
-                <a:ea typeface="微软雅黑" panose="020B0503020204020204" charset="-122"/>
+                <a:ea typeface="宋体" panose="02010600030101010101" pitchFamily="2" charset="-122"/>
+                <a:cs typeface="宋体" panose="02010600030101010101" pitchFamily="2" charset="-122"/>
               </a:endParaRPr>
             </a:p>
           </p:txBody>
@@ -9640,8 +9702,9 @@
                   <a:solidFill>
                     <a:srgbClr val="E7E6E6"/>
                   </a:solidFill>
-                  <a:latin typeface="HP Simplified Jpan" panose="020B0500000000000000" charset="-122"/>
-                  <a:ea typeface="微软雅黑" panose="020B0503020204020204" charset="-122"/>
+                  <a:latin typeface="宋体" panose="02010600030101010101" pitchFamily="2" charset="-122"/>
+                  <a:ea typeface="宋体" panose="02010600030101010101" pitchFamily="2" charset="-122"/>
+                  <a:cs typeface="宋体" panose="02010600030101010101" pitchFamily="2" charset="-122"/>
                 </a:rPr>
                 <a:t>01</a:t>
               </a:r>
@@ -9649,8 +9712,9 @@
                 <a:solidFill>
                   <a:srgbClr val="E7E6E6"/>
                 </a:solidFill>
-                <a:latin typeface="HP Simplified Jpan" panose="020B0500000000000000" charset="-122"/>
-                <a:ea typeface="微软雅黑" panose="020B0503020204020204" charset="-122"/>
+                <a:latin typeface="宋体" panose="02010600030101010101" pitchFamily="2" charset="-122"/>
+                <a:ea typeface="宋体" panose="02010600030101010101" pitchFamily="2" charset="-122"/>
+                <a:cs typeface="宋体" panose="02010600030101010101" pitchFamily="2" charset="-122"/>
               </a:endParaRPr>
             </a:p>
           </p:txBody>
@@ -9813,7 +9877,8 @@
                 <a:solidFill>
                   <a:prstClr val="black"/>
                 </a:solidFill>
-                <a:ea typeface="微软雅黑" panose="020B0503020204020204" charset="-122"/>
+                <a:ea typeface="宋体" panose="02010600030101010101" pitchFamily="2" charset="-122"/>
+                <a:cs typeface="宋体" panose="02010600030101010101" pitchFamily="2" charset="-122"/>
               </a:endParaRPr>
             </a:p>
           </p:txBody>
@@ -9845,8 +9910,9 @@
                   <a:solidFill>
                     <a:srgbClr val="E7E6E6"/>
                   </a:solidFill>
-                  <a:latin typeface="HP Simplified Jpan" panose="020B0500000000000000" charset="-122"/>
-                  <a:ea typeface="微软雅黑" panose="020B0503020204020204" charset="-122"/>
+                  <a:latin typeface="宋体" panose="02010600030101010101" pitchFamily="2" charset="-122"/>
+                  <a:ea typeface="宋体" panose="02010600030101010101" pitchFamily="2" charset="-122"/>
+                  <a:cs typeface="宋体" panose="02010600030101010101" pitchFamily="2" charset="-122"/>
                 </a:rPr>
                 <a:t>02</a:t>
               </a:r>
@@ -9854,8 +9920,9 @@
                 <a:solidFill>
                   <a:srgbClr val="E7E6E6"/>
                 </a:solidFill>
-                <a:latin typeface="HP Simplified Jpan" panose="020B0500000000000000" charset="-122"/>
-                <a:ea typeface="微软雅黑" panose="020B0503020204020204" charset="-122"/>
+                <a:latin typeface="宋体" panose="02010600030101010101" pitchFamily="2" charset="-122"/>
+                <a:ea typeface="宋体" panose="02010600030101010101" pitchFamily="2" charset="-122"/>
+                <a:cs typeface="宋体" panose="02010600030101010101" pitchFamily="2" charset="-122"/>
               </a:endParaRPr>
             </a:p>
           </p:txBody>
@@ -10018,7 +10085,8 @@
                 <a:solidFill>
                   <a:prstClr val="black"/>
                 </a:solidFill>
-                <a:ea typeface="微软雅黑" panose="020B0503020204020204" charset="-122"/>
+                <a:ea typeface="宋体" panose="02010600030101010101" pitchFamily="2" charset="-122"/>
+                <a:cs typeface="宋体" panose="02010600030101010101" pitchFamily="2" charset="-122"/>
               </a:endParaRPr>
             </a:p>
           </p:txBody>
@@ -10050,8 +10118,9 @@
                   <a:solidFill>
                     <a:srgbClr val="E7E6E6"/>
                   </a:solidFill>
-                  <a:latin typeface="HP Simplified Jpan" panose="020B0500000000000000" charset="-122"/>
-                  <a:ea typeface="微软雅黑" panose="020B0503020204020204" charset="-122"/>
+                  <a:latin typeface="宋体" panose="02010600030101010101" pitchFamily="2" charset="-122"/>
+                  <a:ea typeface="宋体" panose="02010600030101010101" pitchFamily="2" charset="-122"/>
+                  <a:cs typeface="宋体" panose="02010600030101010101" pitchFamily="2" charset="-122"/>
                 </a:rPr>
                 <a:t>05</a:t>
               </a:r>
@@ -10059,8 +10128,9 @@
                 <a:solidFill>
                   <a:srgbClr val="E7E6E6"/>
                 </a:solidFill>
-                <a:latin typeface="HP Simplified Jpan" panose="020B0500000000000000" charset="-122"/>
-                <a:ea typeface="微软雅黑" panose="020B0503020204020204" charset="-122"/>
+                <a:latin typeface="宋体" panose="02010600030101010101" pitchFamily="2" charset="-122"/>
+                <a:ea typeface="宋体" panose="02010600030101010101" pitchFamily="2" charset="-122"/>
+                <a:cs typeface="宋体" panose="02010600030101010101" pitchFamily="2" charset="-122"/>
               </a:endParaRPr>
             </a:p>
           </p:txBody>
@@ -10102,8 +10172,9 @@
                     <a:lumOff val="25000"/>
                   </a:prstClr>
                 </a:solidFill>
-                <a:latin typeface="方正姚体" panose="02010601030101010101" pitchFamily="2" charset="-122"/>
-                <a:ea typeface="方正姚体" panose="02010601030101010101" pitchFamily="2" charset="-122"/>
+                <a:latin typeface="宋体" panose="02010600030101010101" pitchFamily="2" charset="-122"/>
+                <a:ea typeface="宋体" panose="02010600030101010101" pitchFamily="2" charset="-122"/>
+                <a:cs typeface="宋体" panose="02010600030101010101" pitchFamily="2" charset="-122"/>
               </a:rPr>
               <a:t>算法的选取与实现</a:t>
             </a:r>
@@ -10114,8 +10185,9 @@
                   <a:lumOff val="25000"/>
                 </a:prstClr>
               </a:solidFill>
-              <a:latin typeface="方正姚体" panose="02010601030101010101" pitchFamily="2" charset="-122"/>
-              <a:ea typeface="方正姚体" panose="02010601030101010101" pitchFamily="2" charset="-122"/>
+              <a:latin typeface="宋体" panose="02010600030101010101" pitchFamily="2" charset="-122"/>
+              <a:ea typeface="宋体" panose="02010600030101010101" pitchFamily="2" charset="-122"/>
+              <a:cs typeface="宋体" panose="02010600030101010101" pitchFamily="2" charset="-122"/>
             </a:endParaRPr>
           </a:p>
           <a:p>
@@ -10133,8 +10205,9 @@
                     <a:lumOff val="25000"/>
                   </a:prstClr>
                 </a:solidFill>
-                <a:latin typeface="方正姚体" panose="02010601030101010101" pitchFamily="2" charset="-122"/>
-                <a:ea typeface="方正姚体" panose="02010601030101010101" pitchFamily="2" charset="-122"/>
+                <a:latin typeface="宋体" panose="02010600030101010101" pitchFamily="2" charset="-122"/>
+                <a:ea typeface="宋体" panose="02010600030101010101" pitchFamily="2" charset="-122"/>
+                <a:cs typeface="宋体" panose="02010600030101010101" pitchFamily="2" charset="-122"/>
               </a:rPr>
               <a:t>选择了基于LSTM的改进模型LSTM-CRF作为baseline</a:t>
             </a:r>
@@ -10145,8 +10218,9 @@
                   <a:lumOff val="25000"/>
                 </a:prstClr>
               </a:solidFill>
-              <a:latin typeface="方正姚体" panose="02010601030101010101" pitchFamily="2" charset="-122"/>
-              <a:ea typeface="方正姚体" panose="02010601030101010101" pitchFamily="2" charset="-122"/>
+              <a:latin typeface="宋体" panose="02010600030101010101" pitchFamily="2" charset="-122"/>
+              <a:ea typeface="宋体" panose="02010600030101010101" pitchFamily="2" charset="-122"/>
+              <a:cs typeface="宋体" panose="02010600030101010101" pitchFamily="2" charset="-122"/>
             </a:endParaRPr>
           </a:p>
         </p:txBody>
@@ -10187,8 +10261,9 @@
                     <a:lumOff val="25000"/>
                   </a:prstClr>
                 </a:solidFill>
-                <a:latin typeface="方正姚体" panose="02010601030101010101" pitchFamily="2" charset="-122"/>
-                <a:ea typeface="方正姚体" panose="02010601030101010101" pitchFamily="2" charset="-122"/>
+                <a:latin typeface="宋体" panose="02010600030101010101" pitchFamily="2" charset="-122"/>
+                <a:ea typeface="宋体" panose="02010600030101010101" pitchFamily="2" charset="-122"/>
+                <a:cs typeface="宋体" panose="02010600030101010101" pitchFamily="2" charset="-122"/>
               </a:rPr>
               <a:t>模型的迁移与优化</a:t>
             </a:r>
@@ -10199,8 +10274,9 @@
                   <a:lumOff val="25000"/>
                 </a:prstClr>
               </a:solidFill>
-              <a:latin typeface="方正姚体" panose="02010601030101010101" pitchFamily="2" charset="-122"/>
-              <a:ea typeface="方正姚体" panose="02010601030101010101" pitchFamily="2" charset="-122"/>
+              <a:latin typeface="宋体" panose="02010600030101010101" pitchFamily="2" charset="-122"/>
+              <a:ea typeface="宋体" panose="02010600030101010101" pitchFamily="2" charset="-122"/>
+              <a:cs typeface="宋体" panose="02010600030101010101" pitchFamily="2" charset="-122"/>
             </a:endParaRPr>
           </a:p>
           <a:p>
@@ -10218,8 +10294,9 @@
                     <a:lumOff val="25000"/>
                   </a:prstClr>
                 </a:solidFill>
-                <a:latin typeface="方正姚体" panose="02010601030101010101" pitchFamily="2" charset="-122"/>
-                <a:ea typeface="方正姚体" panose="02010601030101010101" pitchFamily="2" charset="-122"/>
+                <a:latin typeface="宋体" panose="02010600030101010101" pitchFamily="2" charset="-122"/>
+                <a:ea typeface="宋体" panose="02010600030101010101" pitchFamily="2" charset="-122"/>
+                <a:cs typeface="宋体" panose="02010600030101010101" pitchFamily="2" charset="-122"/>
               </a:rPr>
               <a:t>用知网的摘要-关键词数据集作为训练集训练模型，然后将训练集迁移至专利-标准数据集上</a:t>
             </a:r>
@@ -10230,8 +10307,9 @@
                   <a:lumOff val="25000"/>
                 </a:prstClr>
               </a:solidFill>
-              <a:latin typeface="方正姚体" panose="02010601030101010101" pitchFamily="2" charset="-122"/>
-              <a:ea typeface="方正姚体" panose="02010601030101010101" pitchFamily="2" charset="-122"/>
+              <a:latin typeface="宋体" panose="02010600030101010101" pitchFamily="2" charset="-122"/>
+              <a:ea typeface="宋体" panose="02010600030101010101" pitchFamily="2" charset="-122"/>
+              <a:cs typeface="宋体" panose="02010600030101010101" pitchFamily="2" charset="-122"/>
             </a:endParaRPr>
           </a:p>
         </p:txBody>
@@ -10834,6 +10912,7 @@
               <a:solidFill>
                 <a:prstClr val="white"/>
               </a:solidFill>
+              <a:cs typeface="宋体" panose="02010600030101010101" pitchFamily="2" charset="-122"/>
             </a:endParaRPr>
           </a:p>
         </p:txBody>
@@ -10909,8 +10988,9 @@
                     <a:lumMod val="25000"/>
                   </a:srgbClr>
                 </a:solidFill>
-                <a:latin typeface="方正舒体" panose="02010601030101010101" pitchFamily="2" charset="-122"/>
-                <a:ea typeface="等线" panose="02010600030101010101" pitchFamily="2" charset="-122"/>
+                <a:latin typeface="宋体" panose="02010600030101010101" pitchFamily="2" charset="-122"/>
+                <a:ea typeface="宋体" panose="02010600030101010101" pitchFamily="2" charset="-122"/>
+                <a:cs typeface="宋体" panose="02010600030101010101" pitchFamily="2" charset="-122"/>
                 <a:sym typeface="+mn-ea"/>
               </a:rPr>
               <a:t>PART 02</a:t>
@@ -10920,8 +11000,9 @@
                 <a:solidFill>
                   <a:schemeClr val="tx1"/>
                 </a:solidFill>
-                <a:latin typeface="方正舒体" panose="02010601030101010101" pitchFamily="2" charset="-122"/>
-                <a:ea typeface="等线" panose="02010600030101010101" pitchFamily="2" charset="-122"/>
+                <a:latin typeface="宋体" panose="02010600030101010101" pitchFamily="2" charset="-122"/>
+                <a:ea typeface="宋体" panose="02010600030101010101" pitchFamily="2" charset="-122"/>
+                <a:cs typeface="宋体" panose="02010600030101010101" pitchFamily="2" charset="-122"/>
                 <a:sym typeface="+mn-ea"/>
               </a:rPr>
               <a:t>  </a:t>
@@ -10931,8 +11012,9 @@
                 <a:solidFill>
                   <a:schemeClr val="tx1"/>
                 </a:solidFill>
-                <a:latin typeface="方正舒体" panose="02010601030101010101" pitchFamily="2" charset="-122"/>
-                <a:ea typeface="等线" panose="02010600030101010101" pitchFamily="2" charset="-122"/>
+                <a:latin typeface="宋体" panose="02010600030101010101" pitchFamily="2" charset="-122"/>
+                <a:ea typeface="宋体" panose="02010600030101010101" pitchFamily="2" charset="-122"/>
+                <a:cs typeface="宋体" panose="02010600030101010101" pitchFamily="2" charset="-122"/>
                 <a:sym typeface="+mn-ea"/>
               </a:rPr>
               <a:t>工作进展</a:t>
@@ -10941,8 +11023,347 @@
               <a:solidFill>
                 <a:schemeClr val="tx1"/>
               </a:solidFill>
-              <a:latin typeface="方正舒体" panose="02010601030101010101" pitchFamily="2" charset="-122"/>
-              <a:ea typeface="等线" panose="02010600030101010101" pitchFamily="2" charset="-122"/>
+              <a:latin typeface="宋体" panose="02010600030101010101" pitchFamily="2" charset="-122"/>
+              <a:ea typeface="宋体" panose="02010600030101010101" pitchFamily="2" charset="-122"/>
+              <a:cs typeface="宋体" panose="02010600030101010101" pitchFamily="2" charset="-122"/>
+              <a:sym typeface="+mn-ea"/>
+            </a:endParaRPr>
+          </a:p>
+        </p:txBody>
+      </p:sp>
+      <p:sp>
+        <p:nvSpPr>
+          <p:cNvPr id="21" name="TextBox 20"/>
+          <p:cNvSpPr txBox="1"/>
+          <p:nvPr/>
+        </p:nvSpPr>
+        <p:spPr>
+          <a:xfrm>
+            <a:off x="1556385" y="1116330"/>
+            <a:ext cx="9079230" cy="430530"/>
+          </a:xfrm>
+          <a:prstGeom prst="rect">
+            <a:avLst/>
+          </a:prstGeom>
+          <a:solidFill>
+            <a:schemeClr val="bg1"/>
+          </a:solidFill>
+        </p:spPr>
+        <p:txBody>
+          <a:bodyPr wrap="square" lIns="0" tIns="0" rIns="0" bIns="0" rtlCol="0">
+            <a:spAutoFit/>
+          </a:bodyPr>
+          <a:lstStyle/>
+          <a:p>
+            <a:pPr algn="ctr"/>
+            <a:r>
+              <a:rPr lang="zh-CN" altLang="en-US" sz="2800" b="1" spc="300" dirty="0">
+                <a:solidFill>
+                  <a:schemeClr val="tx1"/>
+                </a:solidFill>
+                <a:latin typeface="宋体" panose="02010600030101010101" pitchFamily="2" charset="-122"/>
+                <a:ea typeface="宋体" panose="02010600030101010101" pitchFamily="2" charset="-122"/>
+                <a:cs typeface="宋体" panose="02010600030101010101" pitchFamily="2" charset="-122"/>
+              </a:rPr>
+              <a:t>https://github.com/HofieR/-GraduatioProjectCode</a:t>
+            </a:r>
+            <a:endParaRPr lang="zh-CN" altLang="en-US" sz="2800" b="1" spc="300" dirty="0">
+              <a:solidFill>
+                <a:schemeClr val="tx1"/>
+              </a:solidFill>
+              <a:latin typeface="宋体" panose="02010600030101010101" pitchFamily="2" charset="-122"/>
+              <a:ea typeface="宋体" panose="02010600030101010101" pitchFamily="2" charset="-122"/>
+              <a:cs typeface="宋体" panose="02010600030101010101" pitchFamily="2" charset="-122"/>
+            </a:endParaRPr>
+          </a:p>
+        </p:txBody>
+      </p:sp>
+      <p:pic>
+        <p:nvPicPr>
+          <p:cNvPr id="2" name="图片 1"/>
+          <p:cNvPicPr>
+            <a:picLocks noChangeAspect="1"/>
+          </p:cNvPicPr>
+          <p:nvPr/>
+        </p:nvPicPr>
+        <p:blipFill>
+          <a:blip r:embed="rId1"/>
+          <a:stretch>
+            <a:fillRect/>
+          </a:stretch>
+        </p:blipFill>
+        <p:spPr>
+          <a:xfrm>
+            <a:off x="1429385" y="2061845"/>
+            <a:ext cx="10045065" cy="4566920"/>
+          </a:xfrm>
+          <a:prstGeom prst="rect">
+            <a:avLst/>
+          </a:prstGeom>
+        </p:spPr>
+      </p:pic>
+    </p:spTree>
+  </p:cSld>
+  <p:clrMapOvr>
+    <a:masterClrMapping/>
+  </p:clrMapOvr>
+  <mc:AlternateContent xmlns:mc="http://schemas.openxmlformats.org/markup-compatibility/2006">
+    <mc:Choice xmlns:p14="http://schemas.microsoft.com/office/powerpoint/2010/main" Requires="p14">
+      <p:transition spd="med" p14:dur="700" advClick="0" advTm="3000">
+        <p:fade/>
+      </p:transition>
+    </mc:Choice>
+    <mc:Fallback>
+      <p:transition spd="med" advClick="0" advTm="3000">
+        <p:fade/>
+      </p:transition>
+    </mc:Fallback>
+  </mc:AlternateContent>
+  <p:timing>
+    <p:tnLst>
+      <p:par>
+        <p:cTn id="1" dur="indefinite" restart="never" nodeType="tmRoot"/>
+      </p:par>
+    </p:tnLst>
+  </p:timing>
+</p:sld>
+</file>
+
+<file path=ppt/slides/slide12.xml><?xml version="1.0" encoding="utf-8"?>
+<p:sld xmlns:a="http://schemas.openxmlformats.org/drawingml/2006/main" xmlns:r="http://schemas.openxmlformats.org/officeDocument/2006/relationships" xmlns:p="http://schemas.openxmlformats.org/presentationml/2006/main">
+  <p:cSld>
+    <p:spTree>
+      <p:nvGrpSpPr>
+        <p:cNvPr id="1" name=""/>
+        <p:cNvGrpSpPr/>
+        <p:nvPr/>
+      </p:nvGrpSpPr>
+      <p:grpSpPr>
+        <a:xfrm>
+          <a:off x="0" y="0"/>
+          <a:ext cx="0" cy="0"/>
+          <a:chOff x="0" y="0"/>
+          <a:chExt cx="0" cy="0"/>
+        </a:xfrm>
+      </p:grpSpPr>
+      <p:sp>
+        <p:nvSpPr>
+          <p:cNvPr id="4" name="任意多边形 3"/>
+          <p:cNvSpPr/>
+          <p:nvPr/>
+        </p:nvSpPr>
+        <p:spPr>
+          <a:xfrm flipV="1">
+            <a:off x="0" y="279399"/>
+            <a:ext cx="812800" cy="456199"/>
+          </a:xfrm>
+          <a:custGeom>
+            <a:avLst/>
+            <a:gdLst>
+              <a:gd name="connsiteX0" fmla="*/ 0 w 660400"/>
+              <a:gd name="connsiteY0" fmla="*/ 0 h 407402"/>
+              <a:gd name="connsiteX1" fmla="*/ 660400 w 660400"/>
+              <a:gd name="connsiteY1" fmla="*/ 0 h 407402"/>
+              <a:gd name="connsiteX2" fmla="*/ 317500 w 660400"/>
+              <a:gd name="connsiteY2" fmla="*/ 407402 h 407402"/>
+              <a:gd name="connsiteX3" fmla="*/ 0 w 660400"/>
+              <a:gd name="connsiteY3" fmla="*/ 407402 h 407402"/>
+              <a:gd name="connsiteX4" fmla="*/ 0 w 660400"/>
+              <a:gd name="connsiteY4" fmla="*/ 0 h 407402"/>
+            </a:gdLst>
+            <a:ahLst/>
+            <a:cxnLst>
+              <a:cxn ang="0">
+                <a:pos x="connsiteX0" y="connsiteY0"/>
+              </a:cxn>
+              <a:cxn ang="0">
+                <a:pos x="connsiteX1" y="connsiteY1"/>
+              </a:cxn>
+              <a:cxn ang="0">
+                <a:pos x="connsiteX2" y="connsiteY2"/>
+              </a:cxn>
+              <a:cxn ang="0">
+                <a:pos x="connsiteX3" y="connsiteY3"/>
+              </a:cxn>
+              <a:cxn ang="0">
+                <a:pos x="connsiteX4" y="connsiteY4"/>
+              </a:cxn>
+            </a:cxnLst>
+            <a:rect l="l" t="t" r="r" b="b"/>
+            <a:pathLst>
+              <a:path w="660400" h="407402">
+                <a:moveTo>
+                  <a:pt x="0" y="0"/>
+                </a:moveTo>
+                <a:lnTo>
+                  <a:pt x="660400" y="0"/>
+                </a:lnTo>
+                <a:lnTo>
+                  <a:pt x="317500" y="407402"/>
+                </a:lnTo>
+                <a:lnTo>
+                  <a:pt x="0" y="407402"/>
+                </a:lnTo>
+                <a:lnTo>
+                  <a:pt x="0" y="0"/>
+                </a:lnTo>
+                <a:close/>
+              </a:path>
+            </a:pathLst>
+          </a:custGeom>
+          <a:solidFill>
+            <a:srgbClr val="012060"/>
+          </a:solidFill>
+          <a:ln>
+            <a:noFill/>
+          </a:ln>
+          <a:effectLst>
+            <a:outerShdw blurRad="38100" sx="101000" sy="101000" algn="ctr" rotWithShape="0">
+              <a:prstClr val="black">
+                <a:alpha val="40000"/>
+              </a:prstClr>
+            </a:outerShdw>
+          </a:effectLst>
+        </p:spPr>
+        <p:style>
+          <a:lnRef idx="2">
+            <a:schemeClr val="accent1">
+              <a:shade val="50000"/>
+            </a:schemeClr>
+          </a:lnRef>
+          <a:fillRef idx="1">
+            <a:schemeClr val="accent1"/>
+          </a:fillRef>
+          <a:effectRef idx="0">
+            <a:schemeClr val="accent1"/>
+          </a:effectRef>
+          <a:fontRef idx="minor">
+            <a:schemeClr val="lt1"/>
+          </a:fontRef>
+        </p:style>
+        <p:txBody>
+          <a:bodyPr rtlCol="0" anchor="ctr"/>
+          <a:lstStyle/>
+          <a:p>
+            <a:pPr algn="ctr"/>
+            <a:endParaRPr lang="zh-CN" altLang="en-US">
+              <a:solidFill>
+                <a:prstClr val="white"/>
+              </a:solidFill>
+              <a:cs typeface="宋体" panose="02010600030101010101" pitchFamily="2" charset="-122"/>
+            </a:endParaRPr>
+          </a:p>
+        </p:txBody>
+      </p:sp>
+      <p:cxnSp>
+        <p:nvCxnSpPr>
+          <p:cNvPr id="6" name="直接连接符 5"/>
+          <p:cNvCxnSpPr/>
+          <p:nvPr/>
+        </p:nvCxnSpPr>
+        <p:spPr>
+          <a:xfrm>
+            <a:off x="800100" y="735598"/>
+            <a:ext cx="11303000" cy="0"/>
+          </a:xfrm>
+          <a:prstGeom prst="line">
+            <a:avLst/>
+          </a:prstGeom>
+          <a:ln w="28575">
+            <a:solidFill>
+              <a:srgbClr val="012060"/>
+            </a:solidFill>
+          </a:ln>
+          <a:effectLst>
+            <a:outerShdw blurRad="63500" sx="102000" sy="102000" algn="ctr" rotWithShape="0">
+              <a:prstClr val="black">
+                <a:alpha val="40000"/>
+              </a:prstClr>
+            </a:outerShdw>
+          </a:effectLst>
+        </p:spPr>
+        <p:style>
+          <a:lnRef idx="1">
+            <a:schemeClr val="accent1"/>
+          </a:lnRef>
+          <a:fillRef idx="0">
+            <a:schemeClr val="accent1"/>
+          </a:fillRef>
+          <a:effectRef idx="0">
+            <a:schemeClr val="accent1"/>
+          </a:effectRef>
+          <a:fontRef idx="minor">
+            <a:schemeClr val="tx1"/>
+          </a:fontRef>
+        </p:style>
+      </p:cxnSp>
+      <p:sp>
+        <p:nvSpPr>
+          <p:cNvPr id="9" name="文本框 8"/>
+          <p:cNvSpPr txBox="1"/>
+          <p:nvPr/>
+        </p:nvSpPr>
+        <p:spPr>
+          <a:xfrm>
+            <a:off x="800100" y="212378"/>
+            <a:ext cx="4271181" cy="521970"/>
+          </a:xfrm>
+          <a:prstGeom prst="rect">
+            <a:avLst/>
+          </a:prstGeom>
+          <a:noFill/>
+        </p:spPr>
+        <p:txBody>
+          <a:bodyPr wrap="square" rtlCol="0">
+            <a:spAutoFit/>
+          </a:bodyPr>
+          <a:lstStyle/>
+          <a:p>
+            <a:r>
+              <a:rPr lang="en-US" altLang="zh-CN" sz="2800" b="1" dirty="0">
+                <a:solidFill>
+                  <a:srgbClr val="E7E6E6">
+                    <a:lumMod val="25000"/>
+                  </a:srgbClr>
+                </a:solidFill>
+                <a:latin typeface="宋体" panose="02010600030101010101" pitchFamily="2" charset="-122"/>
+                <a:ea typeface="宋体" panose="02010600030101010101" pitchFamily="2" charset="-122"/>
+                <a:cs typeface="宋体" panose="02010600030101010101" pitchFamily="2" charset="-122"/>
+                <a:sym typeface="+mn-ea"/>
+              </a:rPr>
+              <a:t>PART 02</a:t>
+            </a:r>
+            <a:r>
+              <a:rPr lang="en-US" altLang="zh-CN" sz="2800" b="1" dirty="0">
+                <a:solidFill>
+                  <a:schemeClr val="tx1"/>
+                </a:solidFill>
+                <a:latin typeface="宋体" panose="02010600030101010101" pitchFamily="2" charset="-122"/>
+                <a:ea typeface="宋体" panose="02010600030101010101" pitchFamily="2" charset="-122"/>
+                <a:cs typeface="宋体" panose="02010600030101010101" pitchFamily="2" charset="-122"/>
+                <a:sym typeface="+mn-ea"/>
+              </a:rPr>
+              <a:t>  </a:t>
+            </a:r>
+            <a:r>
+              <a:rPr lang="zh-CN" altLang="en-US" sz="2800" b="1" dirty="0">
+                <a:solidFill>
+                  <a:schemeClr val="tx1"/>
+                </a:solidFill>
+                <a:latin typeface="宋体" panose="02010600030101010101" pitchFamily="2" charset="-122"/>
+                <a:ea typeface="宋体" panose="02010600030101010101" pitchFamily="2" charset="-122"/>
+                <a:cs typeface="宋体" panose="02010600030101010101" pitchFamily="2" charset="-122"/>
+                <a:sym typeface="+mn-ea"/>
+              </a:rPr>
+              <a:t>工作进展</a:t>
+            </a:r>
+            <a:endParaRPr lang="zh-CN" altLang="en-US" sz="2800" b="1" dirty="0">
+              <a:solidFill>
+                <a:schemeClr val="tx1"/>
+              </a:solidFill>
+              <a:latin typeface="宋体" panose="02010600030101010101" pitchFamily="2" charset="-122"/>
+              <a:ea typeface="宋体" panose="02010600030101010101" pitchFamily="2" charset="-122"/>
+              <a:cs typeface="宋体" panose="02010600030101010101" pitchFamily="2" charset="-122"/>
               <a:sym typeface="+mn-ea"/>
             </a:endParaRPr>
           </a:p>
@@ -10985,8 +11406,9 @@
               <a:solidFill>
                 <a:prstClr val="white"/>
               </a:solidFill>
-              <a:latin typeface="方正姚体" panose="02010601030101010101" pitchFamily="2" charset="-122"/>
-              <a:ea typeface="方正姚体" panose="02010601030101010101" pitchFamily="2" charset="-122"/>
+              <a:latin typeface="宋体" panose="02010600030101010101" pitchFamily="2" charset="-122"/>
+              <a:ea typeface="宋体" panose="02010600030101010101" pitchFamily="2" charset="-122"/>
+              <a:cs typeface="宋体" panose="02010600030101010101" pitchFamily="2" charset="-122"/>
             </a:endParaRPr>
           </a:p>
         </p:txBody>
@@ -11023,8 +11445,9 @@
               <a:highlight>
                 <a:srgbClr val="000080"/>
               </a:highlight>
-              <a:latin typeface="方正姚体" panose="02010601030101010101" pitchFamily="2" charset="-122"/>
-              <a:ea typeface="方正姚体" panose="02010601030101010101" pitchFamily="2" charset="-122"/>
+              <a:latin typeface="宋体" panose="02010600030101010101" pitchFamily="2" charset="-122"/>
+              <a:ea typeface="宋体" panose="02010600030101010101" pitchFamily="2" charset="-122"/>
+              <a:cs typeface="宋体" panose="02010600030101010101" pitchFamily="2" charset="-122"/>
             </a:endParaRPr>
           </a:p>
         </p:txBody>
@@ -11037,8 +11460,8 @@
         </p:nvSpPr>
         <p:spPr>
           <a:xfrm>
-            <a:off x="4020820" y="2296160"/>
-            <a:ext cx="5031105" cy="2830195"/>
+            <a:off x="4020820" y="2404110"/>
+            <a:ext cx="5031105" cy="3076575"/>
           </a:xfrm>
           <a:prstGeom prst="rect">
             <a:avLst/>
@@ -11054,35 +11477,7 @@
               <a:solidFill>
                 <a:schemeClr val="bg1"/>
               </a:solidFill>
-            </a:endParaRPr>
-          </a:p>
-          <a:p>
-            <a:r>
-              <a:rPr lang="en-US" altLang="zh-CN" sz="1600" dirty="0">
-                <a:solidFill>
-                  <a:prstClr val="white"/>
-                </a:solidFill>
-                <a:latin typeface="方正姚体" panose="02010601030101010101" pitchFamily="2" charset="-122"/>
-                <a:ea typeface="方正姚体" panose="02010601030101010101" pitchFamily="2" charset="-122"/>
-              </a:rPr>
-              <a:t>        </a:t>
-            </a:r>
-            <a:r>
-              <a:rPr lang="zh-CN" altLang="en-US" sz="1600" dirty="0">
-                <a:solidFill>
-                  <a:prstClr val="white"/>
-                </a:solidFill>
-                <a:latin typeface="方正姚体" panose="02010601030101010101" pitchFamily="2" charset="-122"/>
-                <a:ea typeface="方正姚体" panose="02010601030101010101" pitchFamily="2" charset="-122"/>
-              </a:rPr>
-              <a:t>本次毕设选取的是由CLUE(中文语言理解测评基准)项目组在2020年基于清华大学的开源文本分类数据集THUCTC构建的细粒度命名实体识别数据集CLUEFineGrainNER，源数据来自Sina News Rss。</a:t>
-            </a:r>
-            <a:endParaRPr lang="zh-CN" altLang="en-US" sz="1600" dirty="0">
-              <a:solidFill>
-                <a:prstClr val="white"/>
-              </a:solidFill>
-              <a:latin typeface="方正姚体" panose="02010601030101010101" pitchFamily="2" charset="-122"/>
-              <a:ea typeface="方正姚体" panose="02010601030101010101" pitchFamily="2" charset="-122"/>
+              <a:cs typeface="宋体" panose="02010600030101010101" pitchFamily="2" charset="-122"/>
             </a:endParaRPr>
           </a:p>
           <a:p>
@@ -11091,8 +11486,30 @@
                 <a:solidFill>
                   <a:prstClr val="white"/>
                 </a:solidFill>
-                <a:latin typeface="方正姚体" panose="02010601030101010101" pitchFamily="2" charset="-122"/>
-                <a:ea typeface="方正姚体" panose="02010601030101010101" pitchFamily="2" charset="-122"/>
+                <a:latin typeface="宋体" panose="02010600030101010101" pitchFamily="2" charset="-122"/>
+                <a:ea typeface="宋体" panose="02010600030101010101" pitchFamily="2" charset="-122"/>
+                <a:cs typeface="宋体" panose="02010600030101010101" pitchFamily="2" charset="-122"/>
+              </a:rPr>
+              <a:t>本次毕设选取的是由CLUE(中文语言理解测评基准)项目组在2020年基于清华大学的开源文本分类数据集THUCTC构建的细粒度命名实体识别数据集CLUEFineGrainNER，源数据来自Sina News Rss。</a:t>
+            </a:r>
+            <a:endParaRPr lang="zh-CN" altLang="en-US" sz="1600" dirty="0">
+              <a:solidFill>
+                <a:prstClr val="white"/>
+              </a:solidFill>
+              <a:latin typeface="宋体" panose="02010600030101010101" pitchFamily="2" charset="-122"/>
+              <a:ea typeface="宋体" panose="02010600030101010101" pitchFamily="2" charset="-122"/>
+              <a:cs typeface="宋体" panose="02010600030101010101" pitchFamily="2" charset="-122"/>
+            </a:endParaRPr>
+          </a:p>
+          <a:p>
+            <a:r>
+              <a:rPr lang="zh-CN" altLang="en-US" sz="1600" dirty="0">
+                <a:solidFill>
+                  <a:prstClr val="white"/>
+                </a:solidFill>
+                <a:latin typeface="宋体" panose="02010600030101010101" pitchFamily="2" charset="-122"/>
+                <a:ea typeface="宋体" panose="02010600030101010101" pitchFamily="2" charset="-122"/>
+                <a:cs typeface="宋体" panose="02010600030101010101" pitchFamily="2" charset="-122"/>
               </a:rPr>
               <a:t>数据集中包含训练集与验证集两部分，其中训练集10748例，验证集1343例，数据分为10个标签类别，分别为: 地址（address），书名（book），公司（company），游戏（game），政府（goverment），电影（movie），姓名（name），组织机构（organization），职位（position），景点（scene）。</a:t>
             </a:r>
@@ -11100,8 +11517,9 @@
               <a:solidFill>
                 <a:prstClr val="white"/>
               </a:solidFill>
-              <a:latin typeface="方正姚体" panose="02010601030101010101" pitchFamily="2" charset="-122"/>
-              <a:ea typeface="方正姚体" panose="02010601030101010101" pitchFamily="2" charset="-122"/>
+              <a:latin typeface="宋体" panose="02010600030101010101" pitchFamily="2" charset="-122"/>
+              <a:ea typeface="宋体" panose="02010600030101010101" pitchFamily="2" charset="-122"/>
+              <a:cs typeface="宋体" panose="02010600030101010101" pitchFamily="2" charset="-122"/>
             </a:endParaRPr>
           </a:p>
         </p:txBody>
@@ -11159,9 +11577,9 @@
                 <a:solidFill>
                   <a:srgbClr val="FFFFFF"/>
                 </a:solidFill>
-                <a:latin typeface="方正姚体" panose="02010601030101010101" pitchFamily="2" charset="-122"/>
-                <a:ea typeface="方正姚体" panose="02010601030101010101" pitchFamily="2" charset="-122"/>
-                <a:cs typeface="Candara" panose="020E0502030303020204" charset="0"/>
+                <a:latin typeface="宋体" panose="02010600030101010101" pitchFamily="2" charset="-122"/>
+                <a:ea typeface="宋体" panose="02010600030101010101" pitchFamily="2" charset="-122"/>
+                <a:cs typeface="宋体" panose="02010600030101010101" pitchFamily="2" charset="-122"/>
               </a:endParaRPr>
             </a:p>
           </p:txBody>
@@ -11193,8 +11611,9 @@
                   <a:solidFill>
                     <a:prstClr val="white"/>
                   </a:solidFill>
-                  <a:latin typeface="方正姚体" panose="02010601030101010101" pitchFamily="2" charset="-122"/>
-                  <a:ea typeface="方正姚体" panose="02010601030101010101" pitchFamily="2" charset="-122"/>
+                  <a:latin typeface="宋体" panose="02010600030101010101" pitchFamily="2" charset="-122"/>
+                  <a:ea typeface="宋体" panose="02010600030101010101" pitchFamily="2" charset="-122"/>
+                  <a:cs typeface="宋体" panose="02010600030101010101" pitchFamily="2" charset="-122"/>
                   <a:sym typeface="+mn-ea"/>
                 </a:rPr>
                 <a:t>数据集选取与构建</a:t>
@@ -11203,8 +11622,9 @@
                 <a:solidFill>
                   <a:prstClr val="white"/>
                 </a:solidFill>
-                <a:latin typeface="方正姚体" panose="02010601030101010101" pitchFamily="2" charset="-122"/>
-                <a:ea typeface="方正姚体" panose="02010601030101010101" pitchFamily="2" charset="-122"/>
+                <a:latin typeface="宋体" panose="02010600030101010101" pitchFamily="2" charset="-122"/>
+                <a:ea typeface="宋体" panose="02010600030101010101" pitchFamily="2" charset="-122"/>
+                <a:cs typeface="宋体" panose="02010600030101010101" pitchFamily="2" charset="-122"/>
                 <a:sym typeface="+mn-ea"/>
               </a:endParaRPr>
             </a:p>
@@ -11401,334 +11821,6 @@
 </p:sld>
 </file>
 
-<file path=ppt/slides/slide12.xml><?xml version="1.0" encoding="utf-8"?>
-<p:sld xmlns:a="http://schemas.openxmlformats.org/drawingml/2006/main" xmlns:r="http://schemas.openxmlformats.org/officeDocument/2006/relationships" xmlns:p="http://schemas.openxmlformats.org/presentationml/2006/main">
-  <p:cSld>
-    <p:spTree>
-      <p:nvGrpSpPr>
-        <p:cNvPr id="1" name=""/>
-        <p:cNvGrpSpPr/>
-        <p:nvPr/>
-      </p:nvGrpSpPr>
-      <p:grpSpPr>
-        <a:xfrm>
-          <a:off x="0" y="0"/>
-          <a:ext cx="0" cy="0"/>
-          <a:chOff x="0" y="0"/>
-          <a:chExt cx="0" cy="0"/>
-        </a:xfrm>
-      </p:grpSpPr>
-      <p:sp>
-        <p:nvSpPr>
-          <p:cNvPr id="4" name="任意多边形 3"/>
-          <p:cNvSpPr/>
-          <p:nvPr/>
-        </p:nvSpPr>
-        <p:spPr>
-          <a:xfrm flipV="1">
-            <a:off x="0" y="279399"/>
-            <a:ext cx="812800" cy="456199"/>
-          </a:xfrm>
-          <a:custGeom>
-            <a:avLst/>
-            <a:gdLst>
-              <a:gd name="connsiteX0" fmla="*/ 0 w 660400"/>
-              <a:gd name="connsiteY0" fmla="*/ 0 h 407402"/>
-              <a:gd name="connsiteX1" fmla="*/ 660400 w 660400"/>
-              <a:gd name="connsiteY1" fmla="*/ 0 h 407402"/>
-              <a:gd name="connsiteX2" fmla="*/ 317500 w 660400"/>
-              <a:gd name="connsiteY2" fmla="*/ 407402 h 407402"/>
-              <a:gd name="connsiteX3" fmla="*/ 0 w 660400"/>
-              <a:gd name="connsiteY3" fmla="*/ 407402 h 407402"/>
-              <a:gd name="connsiteX4" fmla="*/ 0 w 660400"/>
-              <a:gd name="connsiteY4" fmla="*/ 0 h 407402"/>
-            </a:gdLst>
-            <a:ahLst/>
-            <a:cxnLst>
-              <a:cxn ang="0">
-                <a:pos x="connsiteX0" y="connsiteY0"/>
-              </a:cxn>
-              <a:cxn ang="0">
-                <a:pos x="connsiteX1" y="connsiteY1"/>
-              </a:cxn>
-              <a:cxn ang="0">
-                <a:pos x="connsiteX2" y="connsiteY2"/>
-              </a:cxn>
-              <a:cxn ang="0">
-                <a:pos x="connsiteX3" y="connsiteY3"/>
-              </a:cxn>
-              <a:cxn ang="0">
-                <a:pos x="connsiteX4" y="connsiteY4"/>
-              </a:cxn>
-            </a:cxnLst>
-            <a:rect l="l" t="t" r="r" b="b"/>
-            <a:pathLst>
-              <a:path w="660400" h="407402">
-                <a:moveTo>
-                  <a:pt x="0" y="0"/>
-                </a:moveTo>
-                <a:lnTo>
-                  <a:pt x="660400" y="0"/>
-                </a:lnTo>
-                <a:lnTo>
-                  <a:pt x="317500" y="407402"/>
-                </a:lnTo>
-                <a:lnTo>
-                  <a:pt x="0" y="407402"/>
-                </a:lnTo>
-                <a:lnTo>
-                  <a:pt x="0" y="0"/>
-                </a:lnTo>
-                <a:close/>
-              </a:path>
-            </a:pathLst>
-          </a:custGeom>
-          <a:solidFill>
-            <a:srgbClr val="012060"/>
-          </a:solidFill>
-          <a:ln>
-            <a:noFill/>
-          </a:ln>
-          <a:effectLst>
-            <a:outerShdw blurRad="38100" sx="101000" sy="101000" algn="ctr" rotWithShape="0">
-              <a:prstClr val="black">
-                <a:alpha val="40000"/>
-              </a:prstClr>
-            </a:outerShdw>
-          </a:effectLst>
-        </p:spPr>
-        <p:style>
-          <a:lnRef idx="2">
-            <a:schemeClr val="accent1">
-              <a:shade val="50000"/>
-            </a:schemeClr>
-          </a:lnRef>
-          <a:fillRef idx="1">
-            <a:schemeClr val="accent1"/>
-          </a:fillRef>
-          <a:effectRef idx="0">
-            <a:schemeClr val="accent1"/>
-          </a:effectRef>
-          <a:fontRef idx="minor">
-            <a:schemeClr val="lt1"/>
-          </a:fontRef>
-        </p:style>
-        <p:txBody>
-          <a:bodyPr rtlCol="0" anchor="ctr"/>
-          <a:lstStyle/>
-          <a:p>
-            <a:pPr algn="ctr"/>
-            <a:endParaRPr lang="zh-CN" altLang="en-US">
-              <a:solidFill>
-                <a:prstClr val="white"/>
-              </a:solidFill>
-            </a:endParaRPr>
-          </a:p>
-        </p:txBody>
-      </p:sp>
-      <p:cxnSp>
-        <p:nvCxnSpPr>
-          <p:cNvPr id="6" name="直接连接符 5"/>
-          <p:cNvCxnSpPr/>
-          <p:nvPr/>
-        </p:nvCxnSpPr>
-        <p:spPr>
-          <a:xfrm>
-            <a:off x="800100" y="735598"/>
-            <a:ext cx="11303000" cy="0"/>
-          </a:xfrm>
-          <a:prstGeom prst="line">
-            <a:avLst/>
-          </a:prstGeom>
-          <a:ln w="28575">
-            <a:solidFill>
-              <a:srgbClr val="012060"/>
-            </a:solidFill>
-          </a:ln>
-          <a:effectLst>
-            <a:outerShdw blurRad="63500" sx="102000" sy="102000" algn="ctr" rotWithShape="0">
-              <a:prstClr val="black">
-                <a:alpha val="40000"/>
-              </a:prstClr>
-            </a:outerShdw>
-          </a:effectLst>
-        </p:spPr>
-        <p:style>
-          <a:lnRef idx="1">
-            <a:schemeClr val="accent1"/>
-          </a:lnRef>
-          <a:fillRef idx="0">
-            <a:schemeClr val="accent1"/>
-          </a:fillRef>
-          <a:effectRef idx="0">
-            <a:schemeClr val="accent1"/>
-          </a:effectRef>
-          <a:fontRef idx="minor">
-            <a:schemeClr val="tx1"/>
-          </a:fontRef>
-        </p:style>
-      </p:cxnSp>
-      <p:sp>
-        <p:nvSpPr>
-          <p:cNvPr id="9" name="文本框 8"/>
-          <p:cNvSpPr txBox="1"/>
-          <p:nvPr/>
-        </p:nvSpPr>
-        <p:spPr>
-          <a:xfrm>
-            <a:off x="800100" y="212378"/>
-            <a:ext cx="4271181" cy="521970"/>
-          </a:xfrm>
-          <a:prstGeom prst="rect">
-            <a:avLst/>
-          </a:prstGeom>
-          <a:noFill/>
-        </p:spPr>
-        <p:txBody>
-          <a:bodyPr wrap="square" rtlCol="0">
-            <a:spAutoFit/>
-          </a:bodyPr>
-          <a:lstStyle/>
-          <a:p>
-            <a:r>
-              <a:rPr lang="en-US" altLang="zh-CN" sz="2800" b="1" dirty="0">
-                <a:solidFill>
-                  <a:srgbClr val="E7E6E6">
-                    <a:lumMod val="25000"/>
-                  </a:srgbClr>
-                </a:solidFill>
-                <a:latin typeface="方正舒体" panose="02010601030101010101" pitchFamily="2" charset="-122"/>
-                <a:ea typeface="等线" panose="02010600030101010101" pitchFamily="2" charset="-122"/>
-                <a:sym typeface="+mn-ea"/>
-              </a:rPr>
-              <a:t>PART 02</a:t>
-            </a:r>
-            <a:r>
-              <a:rPr lang="en-US" altLang="zh-CN" sz="2800" b="1" dirty="0">
-                <a:solidFill>
-                  <a:schemeClr val="tx1"/>
-                </a:solidFill>
-                <a:latin typeface="方正舒体" panose="02010601030101010101" pitchFamily="2" charset="-122"/>
-                <a:ea typeface="等线" panose="02010600030101010101" pitchFamily="2" charset="-122"/>
-                <a:sym typeface="+mn-ea"/>
-              </a:rPr>
-              <a:t>  </a:t>
-            </a:r>
-            <a:r>
-              <a:rPr lang="zh-CN" altLang="en-US" sz="2800" b="1" dirty="0">
-                <a:solidFill>
-                  <a:schemeClr val="tx1"/>
-                </a:solidFill>
-                <a:latin typeface="方正舒体" panose="02010601030101010101" pitchFamily="2" charset="-122"/>
-                <a:ea typeface="等线" panose="02010600030101010101" pitchFamily="2" charset="-122"/>
-                <a:sym typeface="+mn-ea"/>
-              </a:rPr>
-              <a:t>工作进展</a:t>
-            </a:r>
-            <a:endParaRPr lang="zh-CN" altLang="en-US" sz="2800" b="1" dirty="0">
-              <a:solidFill>
-                <a:schemeClr val="tx1"/>
-              </a:solidFill>
-              <a:latin typeface="方正舒体" panose="02010601030101010101" pitchFamily="2" charset="-122"/>
-              <a:ea typeface="等线" panose="02010600030101010101" pitchFamily="2" charset="-122"/>
-              <a:sym typeface="+mn-ea"/>
-            </a:endParaRPr>
-          </a:p>
-        </p:txBody>
-      </p:sp>
-      <p:sp>
-        <p:nvSpPr>
-          <p:cNvPr id="21" name="TextBox 20"/>
-          <p:cNvSpPr txBox="1"/>
-          <p:nvPr/>
-        </p:nvSpPr>
-        <p:spPr>
-          <a:xfrm>
-            <a:off x="5575935" y="1194435"/>
-            <a:ext cx="1920875" cy="430530"/>
-          </a:xfrm>
-          <a:prstGeom prst="rect">
-            <a:avLst/>
-          </a:prstGeom>
-          <a:solidFill>
-            <a:schemeClr val="bg1"/>
-          </a:solidFill>
-        </p:spPr>
-        <p:txBody>
-          <a:bodyPr wrap="square" lIns="0" tIns="0" rIns="0" bIns="0" rtlCol="0">
-            <a:spAutoFit/>
-          </a:bodyPr>
-          <a:lstStyle/>
-          <a:p>
-            <a:pPr algn="ctr"/>
-            <a:endParaRPr lang="zh-CN" altLang="en-US" sz="2800" b="1" spc="300" dirty="0">
-              <a:solidFill>
-                <a:prstClr val="white"/>
-              </a:solidFill>
-              <a:highlight>
-                <a:srgbClr val="000080"/>
-              </a:highlight>
-              <a:latin typeface="方正姚体" panose="02010601030101010101" pitchFamily="2" charset="-122"/>
-              <a:ea typeface="方正姚体" panose="02010601030101010101" pitchFamily="2" charset="-122"/>
-            </a:endParaRPr>
-          </a:p>
-        </p:txBody>
-      </p:sp>
-      <p:pic>
-        <p:nvPicPr>
-          <p:cNvPr id="3" name="图片 2"/>
-          <p:cNvPicPr>
-            <a:picLocks noChangeAspect="1"/>
-          </p:cNvPicPr>
-          <p:nvPr>
-            <p:custDataLst>
-              <p:tags r:id="rId1"/>
-            </p:custDataLst>
-          </p:nvPr>
-        </p:nvPicPr>
-        <p:blipFill>
-          <a:blip r:embed="rId2"/>
-          <a:stretch>
-            <a:fillRect/>
-          </a:stretch>
-        </p:blipFill>
-        <p:spPr>
-          <a:xfrm>
-            <a:off x="2924175" y="1387475"/>
-            <a:ext cx="6343650" cy="4810125"/>
-          </a:xfrm>
-          <a:prstGeom prst="rect">
-            <a:avLst/>
-          </a:prstGeom>
-        </p:spPr>
-      </p:pic>
-    </p:spTree>
-  </p:cSld>
-  <p:clrMapOvr>
-    <a:masterClrMapping/>
-  </p:clrMapOvr>
-  <mc:AlternateContent xmlns:mc="http://schemas.openxmlformats.org/markup-compatibility/2006">
-    <mc:Choice xmlns:p14="http://schemas.microsoft.com/office/powerpoint/2010/main" Requires="p14">
-      <p:transition spd="med" p14:dur="700" advClick="0" advTm="3000">
-        <p:fade/>
-      </p:transition>
-    </mc:Choice>
-    <mc:Fallback>
-      <p:transition spd="med" advClick="0" advTm="3000">
-        <p:fade/>
-      </p:transition>
-    </mc:Fallback>
-  </mc:AlternateContent>
-  <p:timing>
-    <p:tnLst>
-      <p:par>
-        <p:cTn id="1" dur="indefinite" restart="never" nodeType="tmRoot"/>
-      </p:par>
-    </p:tnLst>
-  </p:timing>
-</p:sld>
-</file>
-
 <file path=ppt/slides/slide13.xml><?xml version="1.0" encoding="utf-8"?>
 <p:sld xmlns:a="http://schemas.openxmlformats.org/drawingml/2006/main" xmlns:r="http://schemas.openxmlformats.org/officeDocument/2006/relationships" xmlns:p="http://schemas.openxmlformats.org/presentationml/2006/main">
   <p:cSld>
@@ -11850,6 +11942,7 @@
               <a:solidFill>
                 <a:prstClr val="white"/>
               </a:solidFill>
+              <a:cs typeface="宋体" panose="02010600030101010101" pitchFamily="2" charset="-122"/>
             </a:endParaRPr>
           </a:p>
         </p:txBody>
@@ -11925,8 +12018,9 @@
                     <a:lumMod val="25000"/>
                   </a:srgbClr>
                 </a:solidFill>
-                <a:latin typeface="方正舒体" panose="02010601030101010101" pitchFamily="2" charset="-122"/>
-                <a:ea typeface="等线" panose="02010600030101010101" pitchFamily="2" charset="-122"/>
+                <a:latin typeface="宋体" panose="02010600030101010101" pitchFamily="2" charset="-122"/>
+                <a:ea typeface="宋体" panose="02010600030101010101" pitchFamily="2" charset="-122"/>
+                <a:cs typeface="宋体" panose="02010600030101010101" pitchFamily="2" charset="-122"/>
                 <a:sym typeface="+mn-ea"/>
               </a:rPr>
               <a:t>PART 02</a:t>
@@ -11936,8 +12030,9 @@
                 <a:solidFill>
                   <a:schemeClr val="tx1"/>
                 </a:solidFill>
-                <a:latin typeface="方正舒体" panose="02010601030101010101" pitchFamily="2" charset="-122"/>
-                <a:ea typeface="等线" panose="02010600030101010101" pitchFamily="2" charset="-122"/>
+                <a:latin typeface="宋体" panose="02010600030101010101" pitchFamily="2" charset="-122"/>
+                <a:ea typeface="宋体" panose="02010600030101010101" pitchFamily="2" charset="-122"/>
+                <a:cs typeface="宋体" panose="02010600030101010101" pitchFamily="2" charset="-122"/>
                 <a:sym typeface="+mn-ea"/>
               </a:rPr>
               <a:t>  </a:t>
@@ -11947,8 +12042,9 @@
                 <a:solidFill>
                   <a:schemeClr val="tx1"/>
                 </a:solidFill>
-                <a:latin typeface="方正舒体" panose="02010601030101010101" pitchFamily="2" charset="-122"/>
-                <a:ea typeface="等线" panose="02010600030101010101" pitchFamily="2" charset="-122"/>
+                <a:latin typeface="宋体" panose="02010600030101010101" pitchFamily="2" charset="-122"/>
+                <a:ea typeface="宋体" panose="02010600030101010101" pitchFamily="2" charset="-122"/>
+                <a:cs typeface="宋体" panose="02010600030101010101" pitchFamily="2" charset="-122"/>
                 <a:sym typeface="+mn-ea"/>
               </a:rPr>
               <a:t>工作进展</a:t>
@@ -11957,8 +12053,9 @@
               <a:solidFill>
                 <a:schemeClr val="tx1"/>
               </a:solidFill>
-              <a:latin typeface="方正舒体" panose="02010601030101010101" pitchFamily="2" charset="-122"/>
-              <a:ea typeface="等线" panose="02010600030101010101" pitchFamily="2" charset="-122"/>
+              <a:latin typeface="宋体" panose="02010600030101010101" pitchFamily="2" charset="-122"/>
+              <a:ea typeface="宋体" panose="02010600030101010101" pitchFamily="2" charset="-122"/>
+              <a:cs typeface="宋体" panose="02010600030101010101" pitchFamily="2" charset="-122"/>
               <a:sym typeface="+mn-ea"/>
             </a:endParaRPr>
           </a:p>
@@ -11996,30 +12093,35 @@
               <a:highlight>
                 <a:srgbClr val="000080"/>
               </a:highlight>
-              <a:latin typeface="方正姚体" panose="02010601030101010101" pitchFamily="2" charset="-122"/>
-              <a:ea typeface="方正姚体" panose="02010601030101010101" pitchFamily="2" charset="-122"/>
+              <a:latin typeface="宋体" panose="02010600030101010101" pitchFamily="2" charset="-122"/>
+              <a:ea typeface="宋体" panose="02010600030101010101" pitchFamily="2" charset="-122"/>
+              <a:cs typeface="宋体" panose="02010600030101010101" pitchFamily="2" charset="-122"/>
             </a:endParaRPr>
           </a:p>
         </p:txBody>
       </p:sp>
       <p:pic>
         <p:nvPicPr>
-          <p:cNvPr id="2" name="图片 1"/>
+          <p:cNvPr id="3" name="图片 2"/>
           <p:cNvPicPr>
             <a:picLocks noChangeAspect="1"/>
           </p:cNvPicPr>
-          <p:nvPr/>
+          <p:nvPr>
+            <p:custDataLst>
+              <p:tags r:id="rId1"/>
+            </p:custDataLst>
+          </p:nvPr>
         </p:nvPicPr>
         <p:blipFill>
-          <a:blip r:embed="rId1"/>
+          <a:blip r:embed="rId2"/>
           <a:stretch>
             <a:fillRect/>
           </a:stretch>
         </p:blipFill>
         <p:spPr>
           <a:xfrm>
-            <a:off x="747395" y="2537460"/>
-            <a:ext cx="10697210" cy="2009775"/>
+            <a:off x="2924175" y="1387475"/>
+            <a:ext cx="6343650" cy="4810125"/>
           </a:xfrm>
           <a:prstGeom prst="rect">
             <a:avLst/>
@@ -12174,6 +12276,7 @@
               <a:solidFill>
                 <a:prstClr val="white"/>
               </a:solidFill>
+              <a:cs typeface="宋体" panose="02010600030101010101" pitchFamily="2" charset="-122"/>
             </a:endParaRPr>
           </a:p>
         </p:txBody>
@@ -12249,8 +12352,9 @@
                     <a:lumMod val="25000"/>
                   </a:srgbClr>
                 </a:solidFill>
-                <a:latin typeface="方正舒体" panose="02010601030101010101" pitchFamily="2" charset="-122"/>
-                <a:ea typeface="等线" panose="02010600030101010101" pitchFamily="2" charset="-122"/>
+                <a:latin typeface="宋体" panose="02010600030101010101" pitchFamily="2" charset="-122"/>
+                <a:ea typeface="宋体" panose="02010600030101010101" pitchFamily="2" charset="-122"/>
+                <a:cs typeface="宋体" panose="02010600030101010101" pitchFamily="2" charset="-122"/>
                 <a:sym typeface="+mn-ea"/>
               </a:rPr>
               <a:t>PART 02</a:t>
@@ -12260,8 +12364,9 @@
                 <a:solidFill>
                   <a:schemeClr val="tx1"/>
                 </a:solidFill>
-                <a:latin typeface="方正舒体" panose="02010601030101010101" pitchFamily="2" charset="-122"/>
-                <a:ea typeface="等线" panose="02010600030101010101" pitchFamily="2" charset="-122"/>
+                <a:latin typeface="宋体" panose="02010600030101010101" pitchFamily="2" charset="-122"/>
+                <a:ea typeface="宋体" panose="02010600030101010101" pitchFamily="2" charset="-122"/>
+                <a:cs typeface="宋体" panose="02010600030101010101" pitchFamily="2" charset="-122"/>
                 <a:sym typeface="+mn-ea"/>
               </a:rPr>
               <a:t>  </a:t>
@@ -12271,8 +12376,9 @@
                 <a:solidFill>
                   <a:schemeClr val="tx1"/>
                 </a:solidFill>
-                <a:latin typeface="方正舒体" panose="02010601030101010101" pitchFamily="2" charset="-122"/>
-                <a:ea typeface="等线" panose="02010600030101010101" pitchFamily="2" charset="-122"/>
+                <a:latin typeface="宋体" panose="02010600030101010101" pitchFamily="2" charset="-122"/>
+                <a:ea typeface="宋体" panose="02010600030101010101" pitchFamily="2" charset="-122"/>
+                <a:cs typeface="宋体" panose="02010600030101010101" pitchFamily="2" charset="-122"/>
                 <a:sym typeface="+mn-ea"/>
               </a:rPr>
               <a:t>工作进展</a:t>
@@ -12281,8 +12387,339 @@
               <a:solidFill>
                 <a:schemeClr val="tx1"/>
               </a:solidFill>
-              <a:latin typeface="方正舒体" panose="02010601030101010101" pitchFamily="2" charset="-122"/>
-              <a:ea typeface="等线" panose="02010600030101010101" pitchFamily="2" charset="-122"/>
+              <a:latin typeface="宋体" panose="02010600030101010101" pitchFamily="2" charset="-122"/>
+              <a:ea typeface="宋体" panose="02010600030101010101" pitchFamily="2" charset="-122"/>
+              <a:cs typeface="宋体" panose="02010600030101010101" pitchFamily="2" charset="-122"/>
+              <a:sym typeface="+mn-ea"/>
+            </a:endParaRPr>
+          </a:p>
+        </p:txBody>
+      </p:sp>
+      <p:sp>
+        <p:nvSpPr>
+          <p:cNvPr id="21" name="TextBox 20"/>
+          <p:cNvSpPr txBox="1"/>
+          <p:nvPr/>
+        </p:nvSpPr>
+        <p:spPr>
+          <a:xfrm>
+            <a:off x="5575935" y="1194435"/>
+            <a:ext cx="1920875" cy="430530"/>
+          </a:xfrm>
+          <a:prstGeom prst="rect">
+            <a:avLst/>
+          </a:prstGeom>
+          <a:solidFill>
+            <a:schemeClr val="bg1"/>
+          </a:solidFill>
+        </p:spPr>
+        <p:txBody>
+          <a:bodyPr wrap="square" lIns="0" tIns="0" rIns="0" bIns="0" rtlCol="0">
+            <a:spAutoFit/>
+          </a:bodyPr>
+          <a:lstStyle/>
+          <a:p>
+            <a:pPr algn="ctr"/>
+            <a:endParaRPr lang="zh-CN" altLang="en-US" sz="2800" b="1" spc="300" dirty="0">
+              <a:solidFill>
+                <a:prstClr val="white"/>
+              </a:solidFill>
+              <a:highlight>
+                <a:srgbClr val="000080"/>
+              </a:highlight>
+              <a:latin typeface="宋体" panose="02010600030101010101" pitchFamily="2" charset="-122"/>
+              <a:ea typeface="宋体" panose="02010600030101010101" pitchFamily="2" charset="-122"/>
+              <a:cs typeface="宋体" panose="02010600030101010101" pitchFamily="2" charset="-122"/>
+            </a:endParaRPr>
+          </a:p>
+        </p:txBody>
+      </p:sp>
+      <p:pic>
+        <p:nvPicPr>
+          <p:cNvPr id="2" name="图片 1"/>
+          <p:cNvPicPr>
+            <a:picLocks noChangeAspect="1"/>
+          </p:cNvPicPr>
+          <p:nvPr/>
+        </p:nvPicPr>
+        <p:blipFill>
+          <a:blip r:embed="rId1"/>
+          <a:stretch>
+            <a:fillRect/>
+          </a:stretch>
+        </p:blipFill>
+        <p:spPr>
+          <a:xfrm>
+            <a:off x="747395" y="2537460"/>
+            <a:ext cx="10697210" cy="2009775"/>
+          </a:xfrm>
+          <a:prstGeom prst="rect">
+            <a:avLst/>
+          </a:prstGeom>
+        </p:spPr>
+      </p:pic>
+    </p:spTree>
+  </p:cSld>
+  <p:clrMapOvr>
+    <a:masterClrMapping/>
+  </p:clrMapOvr>
+  <mc:AlternateContent xmlns:mc="http://schemas.openxmlformats.org/markup-compatibility/2006">
+    <mc:Choice xmlns:p14="http://schemas.microsoft.com/office/powerpoint/2010/main" Requires="p14">
+      <p:transition spd="med" p14:dur="700" advClick="0" advTm="3000">
+        <p:fade/>
+      </p:transition>
+    </mc:Choice>
+    <mc:Fallback>
+      <p:transition spd="med" advClick="0" advTm="3000">
+        <p:fade/>
+      </p:transition>
+    </mc:Fallback>
+  </mc:AlternateContent>
+  <p:timing>
+    <p:tnLst>
+      <p:par>
+        <p:cTn id="1" dur="indefinite" restart="never" nodeType="tmRoot"/>
+      </p:par>
+    </p:tnLst>
+  </p:timing>
+</p:sld>
+</file>
+
+<file path=ppt/slides/slide15.xml><?xml version="1.0" encoding="utf-8"?>
+<p:sld xmlns:a="http://schemas.openxmlformats.org/drawingml/2006/main" xmlns:r="http://schemas.openxmlformats.org/officeDocument/2006/relationships" xmlns:p="http://schemas.openxmlformats.org/presentationml/2006/main">
+  <p:cSld>
+    <p:spTree>
+      <p:nvGrpSpPr>
+        <p:cNvPr id="1" name=""/>
+        <p:cNvGrpSpPr/>
+        <p:nvPr/>
+      </p:nvGrpSpPr>
+      <p:grpSpPr>
+        <a:xfrm>
+          <a:off x="0" y="0"/>
+          <a:ext cx="0" cy="0"/>
+          <a:chOff x="0" y="0"/>
+          <a:chExt cx="0" cy="0"/>
+        </a:xfrm>
+      </p:grpSpPr>
+      <p:sp>
+        <p:nvSpPr>
+          <p:cNvPr id="4" name="任意多边形 3"/>
+          <p:cNvSpPr/>
+          <p:nvPr/>
+        </p:nvSpPr>
+        <p:spPr>
+          <a:xfrm flipV="1">
+            <a:off x="0" y="279399"/>
+            <a:ext cx="812800" cy="456199"/>
+          </a:xfrm>
+          <a:custGeom>
+            <a:avLst/>
+            <a:gdLst>
+              <a:gd name="connsiteX0" fmla="*/ 0 w 660400"/>
+              <a:gd name="connsiteY0" fmla="*/ 0 h 407402"/>
+              <a:gd name="connsiteX1" fmla="*/ 660400 w 660400"/>
+              <a:gd name="connsiteY1" fmla="*/ 0 h 407402"/>
+              <a:gd name="connsiteX2" fmla="*/ 317500 w 660400"/>
+              <a:gd name="connsiteY2" fmla="*/ 407402 h 407402"/>
+              <a:gd name="connsiteX3" fmla="*/ 0 w 660400"/>
+              <a:gd name="connsiteY3" fmla="*/ 407402 h 407402"/>
+              <a:gd name="connsiteX4" fmla="*/ 0 w 660400"/>
+              <a:gd name="connsiteY4" fmla="*/ 0 h 407402"/>
+            </a:gdLst>
+            <a:ahLst/>
+            <a:cxnLst>
+              <a:cxn ang="0">
+                <a:pos x="connsiteX0" y="connsiteY0"/>
+              </a:cxn>
+              <a:cxn ang="0">
+                <a:pos x="connsiteX1" y="connsiteY1"/>
+              </a:cxn>
+              <a:cxn ang="0">
+                <a:pos x="connsiteX2" y="connsiteY2"/>
+              </a:cxn>
+              <a:cxn ang="0">
+                <a:pos x="connsiteX3" y="connsiteY3"/>
+              </a:cxn>
+              <a:cxn ang="0">
+                <a:pos x="connsiteX4" y="connsiteY4"/>
+              </a:cxn>
+            </a:cxnLst>
+            <a:rect l="l" t="t" r="r" b="b"/>
+            <a:pathLst>
+              <a:path w="660400" h="407402">
+                <a:moveTo>
+                  <a:pt x="0" y="0"/>
+                </a:moveTo>
+                <a:lnTo>
+                  <a:pt x="660400" y="0"/>
+                </a:lnTo>
+                <a:lnTo>
+                  <a:pt x="317500" y="407402"/>
+                </a:lnTo>
+                <a:lnTo>
+                  <a:pt x="0" y="407402"/>
+                </a:lnTo>
+                <a:lnTo>
+                  <a:pt x="0" y="0"/>
+                </a:lnTo>
+                <a:close/>
+              </a:path>
+            </a:pathLst>
+          </a:custGeom>
+          <a:solidFill>
+            <a:srgbClr val="012060"/>
+          </a:solidFill>
+          <a:ln>
+            <a:noFill/>
+          </a:ln>
+          <a:effectLst>
+            <a:outerShdw blurRad="38100" sx="101000" sy="101000" algn="ctr" rotWithShape="0">
+              <a:prstClr val="black">
+                <a:alpha val="40000"/>
+              </a:prstClr>
+            </a:outerShdw>
+          </a:effectLst>
+        </p:spPr>
+        <p:style>
+          <a:lnRef idx="2">
+            <a:schemeClr val="accent1">
+              <a:shade val="50000"/>
+            </a:schemeClr>
+          </a:lnRef>
+          <a:fillRef idx="1">
+            <a:schemeClr val="accent1"/>
+          </a:fillRef>
+          <a:effectRef idx="0">
+            <a:schemeClr val="accent1"/>
+          </a:effectRef>
+          <a:fontRef idx="minor">
+            <a:schemeClr val="lt1"/>
+          </a:fontRef>
+        </p:style>
+        <p:txBody>
+          <a:bodyPr rtlCol="0" anchor="ctr"/>
+          <a:lstStyle/>
+          <a:p>
+            <a:pPr algn="ctr"/>
+            <a:endParaRPr lang="zh-CN" altLang="en-US">
+              <a:solidFill>
+                <a:prstClr val="white"/>
+              </a:solidFill>
+              <a:cs typeface="宋体" panose="02010600030101010101" pitchFamily="2" charset="-122"/>
+            </a:endParaRPr>
+          </a:p>
+        </p:txBody>
+      </p:sp>
+      <p:cxnSp>
+        <p:nvCxnSpPr>
+          <p:cNvPr id="6" name="直接连接符 5"/>
+          <p:cNvCxnSpPr/>
+          <p:nvPr/>
+        </p:nvCxnSpPr>
+        <p:spPr>
+          <a:xfrm>
+            <a:off x="800100" y="735598"/>
+            <a:ext cx="11303000" cy="0"/>
+          </a:xfrm>
+          <a:prstGeom prst="line">
+            <a:avLst/>
+          </a:prstGeom>
+          <a:ln w="28575">
+            <a:solidFill>
+              <a:srgbClr val="012060"/>
+            </a:solidFill>
+          </a:ln>
+          <a:effectLst>
+            <a:outerShdw blurRad="63500" sx="102000" sy="102000" algn="ctr" rotWithShape="0">
+              <a:prstClr val="black">
+                <a:alpha val="40000"/>
+              </a:prstClr>
+            </a:outerShdw>
+          </a:effectLst>
+        </p:spPr>
+        <p:style>
+          <a:lnRef idx="1">
+            <a:schemeClr val="accent1"/>
+          </a:lnRef>
+          <a:fillRef idx="0">
+            <a:schemeClr val="accent1"/>
+          </a:fillRef>
+          <a:effectRef idx="0">
+            <a:schemeClr val="accent1"/>
+          </a:effectRef>
+          <a:fontRef idx="minor">
+            <a:schemeClr val="tx1"/>
+          </a:fontRef>
+        </p:style>
+      </p:cxnSp>
+      <p:sp>
+        <p:nvSpPr>
+          <p:cNvPr id="9" name="文本框 8"/>
+          <p:cNvSpPr txBox="1"/>
+          <p:nvPr/>
+        </p:nvSpPr>
+        <p:spPr>
+          <a:xfrm>
+            <a:off x="800100" y="212378"/>
+            <a:ext cx="4271181" cy="521970"/>
+          </a:xfrm>
+          <a:prstGeom prst="rect">
+            <a:avLst/>
+          </a:prstGeom>
+          <a:noFill/>
+        </p:spPr>
+        <p:txBody>
+          <a:bodyPr wrap="square" rtlCol="0">
+            <a:spAutoFit/>
+          </a:bodyPr>
+          <a:lstStyle/>
+          <a:p>
+            <a:r>
+              <a:rPr lang="en-US" altLang="zh-CN" sz="2800" b="1" dirty="0">
+                <a:solidFill>
+                  <a:srgbClr val="E7E6E6">
+                    <a:lumMod val="25000"/>
+                  </a:srgbClr>
+                </a:solidFill>
+                <a:latin typeface="宋体" panose="02010600030101010101" pitchFamily="2" charset="-122"/>
+                <a:ea typeface="宋体" panose="02010600030101010101" pitchFamily="2" charset="-122"/>
+                <a:cs typeface="宋体" panose="02010600030101010101" pitchFamily="2" charset="-122"/>
+                <a:sym typeface="+mn-ea"/>
+              </a:rPr>
+              <a:t>PART 02</a:t>
+            </a:r>
+            <a:r>
+              <a:rPr lang="en-US" altLang="zh-CN" sz="2800" b="1" dirty="0">
+                <a:solidFill>
+                  <a:schemeClr val="tx1"/>
+                </a:solidFill>
+                <a:latin typeface="宋体" panose="02010600030101010101" pitchFamily="2" charset="-122"/>
+                <a:ea typeface="宋体" panose="02010600030101010101" pitchFamily="2" charset="-122"/>
+                <a:cs typeface="宋体" panose="02010600030101010101" pitchFamily="2" charset="-122"/>
+                <a:sym typeface="+mn-ea"/>
+              </a:rPr>
+              <a:t>  </a:t>
+            </a:r>
+            <a:r>
+              <a:rPr lang="zh-CN" altLang="en-US" sz="2800" b="1" dirty="0">
+                <a:solidFill>
+                  <a:schemeClr val="tx1"/>
+                </a:solidFill>
+                <a:latin typeface="宋体" panose="02010600030101010101" pitchFamily="2" charset="-122"/>
+                <a:ea typeface="宋体" panose="02010600030101010101" pitchFamily="2" charset="-122"/>
+                <a:cs typeface="宋体" panose="02010600030101010101" pitchFamily="2" charset="-122"/>
+                <a:sym typeface="+mn-ea"/>
+              </a:rPr>
+              <a:t>工作进展</a:t>
+            </a:r>
+            <a:endParaRPr lang="zh-CN" altLang="en-US" sz="2800" b="1" dirty="0">
+              <a:solidFill>
+                <a:schemeClr val="tx1"/>
+              </a:solidFill>
+              <a:latin typeface="宋体" panose="02010600030101010101" pitchFamily="2" charset="-122"/>
+              <a:ea typeface="宋体" panose="02010600030101010101" pitchFamily="2" charset="-122"/>
+              <a:cs typeface="宋体" panose="02010600030101010101" pitchFamily="2" charset="-122"/>
               <a:sym typeface="+mn-ea"/>
             </a:endParaRPr>
           </a:p>
@@ -12325,8 +12762,9 @@
               <a:solidFill>
                 <a:prstClr val="white"/>
               </a:solidFill>
-              <a:latin typeface="方正姚体" panose="02010601030101010101" pitchFamily="2" charset="-122"/>
-              <a:ea typeface="方正姚体" panose="02010601030101010101" pitchFamily="2" charset="-122"/>
+              <a:latin typeface="宋体" panose="02010600030101010101" pitchFamily="2" charset="-122"/>
+              <a:ea typeface="宋体" panose="02010600030101010101" pitchFamily="2" charset="-122"/>
+              <a:cs typeface="宋体" panose="02010600030101010101" pitchFamily="2" charset="-122"/>
             </a:endParaRPr>
           </a:p>
         </p:txBody>
@@ -12363,8 +12801,9 @@
               <a:highlight>
                 <a:srgbClr val="000080"/>
               </a:highlight>
-              <a:latin typeface="方正姚体" panose="02010601030101010101" pitchFamily="2" charset="-122"/>
-              <a:ea typeface="方正姚体" panose="02010601030101010101" pitchFamily="2" charset="-122"/>
+              <a:latin typeface="宋体" panose="02010600030101010101" pitchFamily="2" charset="-122"/>
+              <a:ea typeface="宋体" panose="02010600030101010101" pitchFamily="2" charset="-122"/>
+              <a:cs typeface="宋体" panose="02010600030101010101" pitchFamily="2" charset="-122"/>
             </a:endParaRPr>
           </a:p>
         </p:txBody>
@@ -12377,7 +12816,7 @@
         </p:nvSpPr>
         <p:spPr>
           <a:xfrm>
-            <a:off x="4020820" y="2296160"/>
+            <a:off x="3953510" y="2593340"/>
             <a:ext cx="5031105" cy="2584450"/>
           </a:xfrm>
           <a:prstGeom prst="rect">
@@ -12394,45 +12833,7 @@
               <a:solidFill>
                 <a:schemeClr val="bg1"/>
               </a:solidFill>
-            </a:endParaRPr>
-          </a:p>
-          <a:p>
-            <a:r>
-              <a:rPr lang="en-US" altLang="zh-CN" sz="1600" dirty="0">
-                <a:solidFill>
-                  <a:prstClr val="white"/>
-                </a:solidFill>
-                <a:latin typeface="方正姚体" panose="02010601030101010101" pitchFamily="2" charset="-122"/>
-                <a:ea typeface="方正姚体" panose="02010601030101010101" pitchFamily="2" charset="-122"/>
-              </a:rPr>
-              <a:t>        </a:t>
-            </a:r>
-            <a:r>
-              <a:rPr lang="zh-CN" altLang="en-US" sz="1600" dirty="0">
-                <a:solidFill>
-                  <a:prstClr val="white"/>
-                </a:solidFill>
-                <a:latin typeface="方正姚体" panose="02010601030101010101" pitchFamily="2" charset="-122"/>
-                <a:ea typeface="方正姚体" panose="02010601030101010101" pitchFamily="2" charset="-122"/>
-              </a:rPr>
-              <a:t>本次</a:t>
-            </a:r>
-            <a:r>
-              <a:rPr lang="zh-CN" altLang="en-US" sz="1600" dirty="0">
-                <a:solidFill>
-                  <a:prstClr val="white"/>
-                </a:solidFill>
-                <a:latin typeface="方正姚体" panose="02010601030101010101" pitchFamily="2" charset="-122"/>
-                <a:ea typeface="方正姚体" panose="02010601030101010101" pitchFamily="2" charset="-122"/>
-              </a:rPr>
-              <a:t>毕设选择了基于LSTM的改进模型LSTM-CRF作为baseline。主要基于Pytorch深度学习框架实现，训练过程中，超参数来源于选取的baseline，而初始值则为Pytorch中随机种子函数生成。</a:t>
-            </a:r>
-            <a:endParaRPr lang="zh-CN" altLang="en-US" sz="1600" dirty="0">
-              <a:solidFill>
-                <a:prstClr val="white"/>
-              </a:solidFill>
-              <a:latin typeface="方正姚体" panose="02010601030101010101" pitchFamily="2" charset="-122"/>
-              <a:ea typeface="方正姚体" panose="02010601030101010101" pitchFamily="2" charset="-122"/>
+              <a:cs typeface="宋体" panose="02010600030101010101" pitchFamily="2" charset="-122"/>
             </a:endParaRPr>
           </a:p>
           <a:p>
@@ -12441,8 +12842,30 @@
                 <a:solidFill>
                   <a:prstClr val="white"/>
                 </a:solidFill>
-                <a:latin typeface="方正姚体" panose="02010601030101010101" pitchFamily="2" charset="-122"/>
-                <a:ea typeface="方正姚体" panose="02010601030101010101" pitchFamily="2" charset="-122"/>
+                <a:latin typeface="宋体" panose="02010600030101010101" pitchFamily="2" charset="-122"/>
+                <a:ea typeface="宋体" panose="02010600030101010101" pitchFamily="2" charset="-122"/>
+                <a:cs typeface="宋体" panose="02010600030101010101" pitchFamily="2" charset="-122"/>
+              </a:rPr>
+              <a:t>本次毕设选择了基于LSTM的改进模型LSTM-CRF作为baseline。主要基于Pytorch深度学习框架实现，训练过程中，超参数来源于选取的baseline，而初始值则为Pytorch中随机种子函数生成。</a:t>
+            </a:r>
+            <a:endParaRPr lang="zh-CN" altLang="en-US" sz="1600" dirty="0">
+              <a:solidFill>
+                <a:prstClr val="white"/>
+              </a:solidFill>
+              <a:latin typeface="宋体" panose="02010600030101010101" pitchFamily="2" charset="-122"/>
+              <a:ea typeface="宋体" panose="02010600030101010101" pitchFamily="2" charset="-122"/>
+              <a:cs typeface="宋体" panose="02010600030101010101" pitchFamily="2" charset="-122"/>
+            </a:endParaRPr>
+          </a:p>
+          <a:p>
+            <a:r>
+              <a:rPr lang="zh-CN" altLang="en-US" sz="1600" dirty="0">
+                <a:solidFill>
+                  <a:prstClr val="white"/>
+                </a:solidFill>
+                <a:latin typeface="宋体" panose="02010600030101010101" pitchFamily="2" charset="-122"/>
+                <a:ea typeface="宋体" panose="02010600030101010101" pitchFamily="2" charset="-122"/>
+                <a:cs typeface="宋体" panose="02010600030101010101" pitchFamily="2" charset="-122"/>
               </a:rPr>
               <a:t>作为在CLUEFineGrainNER数据集上模型性能的对照试验，笔者分别选取了由Woodbridge等人实现的不包含CRF的Lstm模型以及最新的由CLUE项目组复现并提供的BERT-base模型作为对照组，以F1与训练时长作为实验评价指标，同时排除了Other标签实体对于结果的干扰。</a:t>
             </a:r>
@@ -12450,8 +12873,9 @@
               <a:solidFill>
                 <a:prstClr val="white"/>
               </a:solidFill>
-              <a:latin typeface="方正姚体" panose="02010601030101010101" pitchFamily="2" charset="-122"/>
-              <a:ea typeface="方正姚体" panose="02010601030101010101" pitchFamily="2" charset="-122"/>
+              <a:latin typeface="宋体" panose="02010600030101010101" pitchFamily="2" charset="-122"/>
+              <a:ea typeface="宋体" panose="02010600030101010101" pitchFamily="2" charset="-122"/>
+              <a:cs typeface="宋体" panose="02010600030101010101" pitchFamily="2" charset="-122"/>
             </a:endParaRPr>
           </a:p>
         </p:txBody>
@@ -12509,9 +12933,9 @@
                 <a:solidFill>
                   <a:srgbClr val="FFFFFF"/>
                 </a:solidFill>
-                <a:latin typeface="方正姚体" panose="02010601030101010101" pitchFamily="2" charset="-122"/>
-                <a:ea typeface="方正姚体" panose="02010601030101010101" pitchFamily="2" charset="-122"/>
-                <a:cs typeface="Candara" panose="020E0502030303020204" charset="0"/>
+                <a:latin typeface="宋体" panose="02010600030101010101" pitchFamily="2" charset="-122"/>
+                <a:ea typeface="宋体" panose="02010600030101010101" pitchFamily="2" charset="-122"/>
+                <a:cs typeface="宋体" panose="02010600030101010101" pitchFamily="2" charset="-122"/>
               </a:endParaRPr>
             </a:p>
           </p:txBody>
@@ -12543,8 +12967,9 @@
                   <a:solidFill>
                     <a:prstClr val="white"/>
                   </a:solidFill>
-                  <a:latin typeface="方正姚体" panose="02010601030101010101" pitchFamily="2" charset="-122"/>
-                  <a:ea typeface="方正姚体" panose="02010601030101010101" pitchFamily="2" charset="-122"/>
+                  <a:latin typeface="宋体" panose="02010600030101010101" pitchFamily="2" charset="-122"/>
+                  <a:ea typeface="宋体" panose="02010600030101010101" pitchFamily="2" charset="-122"/>
+                  <a:cs typeface="宋体" panose="02010600030101010101" pitchFamily="2" charset="-122"/>
                   <a:sym typeface="+mn-ea"/>
                 </a:rPr>
                 <a:t>算法的选取与实现</a:t>
@@ -12553,8 +12978,9 @@
                 <a:solidFill>
                   <a:prstClr val="white"/>
                 </a:solidFill>
-                <a:latin typeface="方正姚体" panose="02010601030101010101" pitchFamily="2" charset="-122"/>
-                <a:ea typeface="方正姚体" panose="02010601030101010101" pitchFamily="2" charset="-122"/>
+                <a:latin typeface="宋体" panose="02010600030101010101" pitchFamily="2" charset="-122"/>
+                <a:ea typeface="宋体" panose="02010600030101010101" pitchFamily="2" charset="-122"/>
+                <a:cs typeface="宋体" panose="02010600030101010101" pitchFamily="2" charset="-122"/>
                 <a:sym typeface="+mn-ea"/>
               </a:endParaRPr>
             </a:p>
@@ -12751,330 +13177,6 @@
 </p:sld>
 </file>
 
-<file path=ppt/slides/slide15.xml><?xml version="1.0" encoding="utf-8"?>
-<p:sld xmlns:a="http://schemas.openxmlformats.org/drawingml/2006/main" xmlns:r="http://schemas.openxmlformats.org/officeDocument/2006/relationships" xmlns:p="http://schemas.openxmlformats.org/presentationml/2006/main">
-  <p:cSld>
-    <p:spTree>
-      <p:nvGrpSpPr>
-        <p:cNvPr id="1" name=""/>
-        <p:cNvGrpSpPr/>
-        <p:nvPr/>
-      </p:nvGrpSpPr>
-      <p:grpSpPr>
-        <a:xfrm>
-          <a:off x="0" y="0"/>
-          <a:ext cx="0" cy="0"/>
-          <a:chOff x="0" y="0"/>
-          <a:chExt cx="0" cy="0"/>
-        </a:xfrm>
-      </p:grpSpPr>
-      <p:sp>
-        <p:nvSpPr>
-          <p:cNvPr id="4" name="任意多边形 3"/>
-          <p:cNvSpPr/>
-          <p:nvPr/>
-        </p:nvSpPr>
-        <p:spPr>
-          <a:xfrm flipV="1">
-            <a:off x="0" y="279399"/>
-            <a:ext cx="812800" cy="456199"/>
-          </a:xfrm>
-          <a:custGeom>
-            <a:avLst/>
-            <a:gdLst>
-              <a:gd name="connsiteX0" fmla="*/ 0 w 660400"/>
-              <a:gd name="connsiteY0" fmla="*/ 0 h 407402"/>
-              <a:gd name="connsiteX1" fmla="*/ 660400 w 660400"/>
-              <a:gd name="connsiteY1" fmla="*/ 0 h 407402"/>
-              <a:gd name="connsiteX2" fmla="*/ 317500 w 660400"/>
-              <a:gd name="connsiteY2" fmla="*/ 407402 h 407402"/>
-              <a:gd name="connsiteX3" fmla="*/ 0 w 660400"/>
-              <a:gd name="connsiteY3" fmla="*/ 407402 h 407402"/>
-              <a:gd name="connsiteX4" fmla="*/ 0 w 660400"/>
-              <a:gd name="connsiteY4" fmla="*/ 0 h 407402"/>
-            </a:gdLst>
-            <a:ahLst/>
-            <a:cxnLst>
-              <a:cxn ang="0">
-                <a:pos x="connsiteX0" y="connsiteY0"/>
-              </a:cxn>
-              <a:cxn ang="0">
-                <a:pos x="connsiteX1" y="connsiteY1"/>
-              </a:cxn>
-              <a:cxn ang="0">
-                <a:pos x="connsiteX2" y="connsiteY2"/>
-              </a:cxn>
-              <a:cxn ang="0">
-                <a:pos x="connsiteX3" y="connsiteY3"/>
-              </a:cxn>
-              <a:cxn ang="0">
-                <a:pos x="connsiteX4" y="connsiteY4"/>
-              </a:cxn>
-            </a:cxnLst>
-            <a:rect l="l" t="t" r="r" b="b"/>
-            <a:pathLst>
-              <a:path w="660400" h="407402">
-                <a:moveTo>
-                  <a:pt x="0" y="0"/>
-                </a:moveTo>
-                <a:lnTo>
-                  <a:pt x="660400" y="0"/>
-                </a:lnTo>
-                <a:lnTo>
-                  <a:pt x="317500" y="407402"/>
-                </a:lnTo>
-                <a:lnTo>
-                  <a:pt x="0" y="407402"/>
-                </a:lnTo>
-                <a:lnTo>
-                  <a:pt x="0" y="0"/>
-                </a:lnTo>
-                <a:close/>
-              </a:path>
-            </a:pathLst>
-          </a:custGeom>
-          <a:solidFill>
-            <a:srgbClr val="012060"/>
-          </a:solidFill>
-          <a:ln>
-            <a:noFill/>
-          </a:ln>
-          <a:effectLst>
-            <a:outerShdw blurRad="38100" sx="101000" sy="101000" algn="ctr" rotWithShape="0">
-              <a:prstClr val="black">
-                <a:alpha val="40000"/>
-              </a:prstClr>
-            </a:outerShdw>
-          </a:effectLst>
-        </p:spPr>
-        <p:style>
-          <a:lnRef idx="2">
-            <a:schemeClr val="accent1">
-              <a:shade val="50000"/>
-            </a:schemeClr>
-          </a:lnRef>
-          <a:fillRef idx="1">
-            <a:schemeClr val="accent1"/>
-          </a:fillRef>
-          <a:effectRef idx="0">
-            <a:schemeClr val="accent1"/>
-          </a:effectRef>
-          <a:fontRef idx="minor">
-            <a:schemeClr val="lt1"/>
-          </a:fontRef>
-        </p:style>
-        <p:txBody>
-          <a:bodyPr rtlCol="0" anchor="ctr"/>
-          <a:lstStyle/>
-          <a:p>
-            <a:pPr algn="ctr"/>
-            <a:endParaRPr lang="zh-CN" altLang="en-US">
-              <a:solidFill>
-                <a:prstClr val="white"/>
-              </a:solidFill>
-            </a:endParaRPr>
-          </a:p>
-        </p:txBody>
-      </p:sp>
-      <p:cxnSp>
-        <p:nvCxnSpPr>
-          <p:cNvPr id="6" name="直接连接符 5"/>
-          <p:cNvCxnSpPr/>
-          <p:nvPr/>
-        </p:nvCxnSpPr>
-        <p:spPr>
-          <a:xfrm>
-            <a:off x="800100" y="735598"/>
-            <a:ext cx="11303000" cy="0"/>
-          </a:xfrm>
-          <a:prstGeom prst="line">
-            <a:avLst/>
-          </a:prstGeom>
-          <a:ln w="28575">
-            <a:solidFill>
-              <a:srgbClr val="012060"/>
-            </a:solidFill>
-          </a:ln>
-          <a:effectLst>
-            <a:outerShdw blurRad="63500" sx="102000" sy="102000" algn="ctr" rotWithShape="0">
-              <a:prstClr val="black">
-                <a:alpha val="40000"/>
-              </a:prstClr>
-            </a:outerShdw>
-          </a:effectLst>
-        </p:spPr>
-        <p:style>
-          <a:lnRef idx="1">
-            <a:schemeClr val="accent1"/>
-          </a:lnRef>
-          <a:fillRef idx="0">
-            <a:schemeClr val="accent1"/>
-          </a:fillRef>
-          <a:effectRef idx="0">
-            <a:schemeClr val="accent1"/>
-          </a:effectRef>
-          <a:fontRef idx="minor">
-            <a:schemeClr val="tx1"/>
-          </a:fontRef>
-        </p:style>
-      </p:cxnSp>
-      <p:sp>
-        <p:nvSpPr>
-          <p:cNvPr id="9" name="文本框 8"/>
-          <p:cNvSpPr txBox="1"/>
-          <p:nvPr/>
-        </p:nvSpPr>
-        <p:spPr>
-          <a:xfrm>
-            <a:off x="800100" y="212378"/>
-            <a:ext cx="4271181" cy="521970"/>
-          </a:xfrm>
-          <a:prstGeom prst="rect">
-            <a:avLst/>
-          </a:prstGeom>
-          <a:noFill/>
-        </p:spPr>
-        <p:txBody>
-          <a:bodyPr wrap="square" rtlCol="0">
-            <a:spAutoFit/>
-          </a:bodyPr>
-          <a:lstStyle/>
-          <a:p>
-            <a:r>
-              <a:rPr lang="en-US" altLang="zh-CN" sz="2800" b="1" dirty="0">
-                <a:solidFill>
-                  <a:srgbClr val="E7E6E6">
-                    <a:lumMod val="25000"/>
-                  </a:srgbClr>
-                </a:solidFill>
-                <a:latin typeface="方正舒体" panose="02010601030101010101" pitchFamily="2" charset="-122"/>
-                <a:ea typeface="等线" panose="02010600030101010101" pitchFamily="2" charset="-122"/>
-                <a:sym typeface="+mn-ea"/>
-              </a:rPr>
-              <a:t>PART 02</a:t>
-            </a:r>
-            <a:r>
-              <a:rPr lang="en-US" altLang="zh-CN" sz="2800" b="1" dirty="0">
-                <a:solidFill>
-                  <a:schemeClr val="tx1"/>
-                </a:solidFill>
-                <a:latin typeface="方正舒体" panose="02010601030101010101" pitchFamily="2" charset="-122"/>
-                <a:ea typeface="等线" panose="02010600030101010101" pitchFamily="2" charset="-122"/>
-                <a:sym typeface="+mn-ea"/>
-              </a:rPr>
-              <a:t>  </a:t>
-            </a:r>
-            <a:r>
-              <a:rPr lang="zh-CN" altLang="en-US" sz="2800" b="1" dirty="0">
-                <a:solidFill>
-                  <a:schemeClr val="tx1"/>
-                </a:solidFill>
-                <a:latin typeface="方正舒体" panose="02010601030101010101" pitchFamily="2" charset="-122"/>
-                <a:ea typeface="等线" panose="02010600030101010101" pitchFamily="2" charset="-122"/>
-                <a:sym typeface="+mn-ea"/>
-              </a:rPr>
-              <a:t>工作进展</a:t>
-            </a:r>
-            <a:endParaRPr lang="zh-CN" altLang="en-US" sz="2800" b="1" dirty="0">
-              <a:solidFill>
-                <a:schemeClr val="tx1"/>
-              </a:solidFill>
-              <a:latin typeface="方正舒体" panose="02010601030101010101" pitchFamily="2" charset="-122"/>
-              <a:ea typeface="等线" panose="02010600030101010101" pitchFamily="2" charset="-122"/>
-              <a:sym typeface="+mn-ea"/>
-            </a:endParaRPr>
-          </a:p>
-        </p:txBody>
-      </p:sp>
-      <p:sp>
-        <p:nvSpPr>
-          <p:cNvPr id="21" name="TextBox 20"/>
-          <p:cNvSpPr txBox="1"/>
-          <p:nvPr/>
-        </p:nvSpPr>
-        <p:spPr>
-          <a:xfrm>
-            <a:off x="5575935" y="1194435"/>
-            <a:ext cx="1920875" cy="430530"/>
-          </a:xfrm>
-          <a:prstGeom prst="rect">
-            <a:avLst/>
-          </a:prstGeom>
-          <a:solidFill>
-            <a:schemeClr val="bg1"/>
-          </a:solidFill>
-        </p:spPr>
-        <p:txBody>
-          <a:bodyPr wrap="square" lIns="0" tIns="0" rIns="0" bIns="0" rtlCol="0">
-            <a:spAutoFit/>
-          </a:bodyPr>
-          <a:lstStyle/>
-          <a:p>
-            <a:pPr algn="ctr"/>
-            <a:endParaRPr lang="zh-CN" altLang="en-US" sz="2800" b="1" spc="300" dirty="0">
-              <a:solidFill>
-                <a:prstClr val="white"/>
-              </a:solidFill>
-              <a:highlight>
-                <a:srgbClr val="000080"/>
-              </a:highlight>
-              <a:latin typeface="方正姚体" panose="02010601030101010101" pitchFamily="2" charset="-122"/>
-              <a:ea typeface="方正姚体" panose="02010601030101010101" pitchFamily="2" charset="-122"/>
-            </a:endParaRPr>
-          </a:p>
-        </p:txBody>
-      </p:sp>
-      <p:pic>
-        <p:nvPicPr>
-          <p:cNvPr id="2" name="图片 1"/>
-          <p:cNvPicPr>
-            <a:picLocks noChangeAspect="1"/>
-          </p:cNvPicPr>
-          <p:nvPr/>
-        </p:nvPicPr>
-        <p:blipFill>
-          <a:blip r:embed="rId1"/>
-          <a:stretch>
-            <a:fillRect/>
-          </a:stretch>
-        </p:blipFill>
-        <p:spPr>
-          <a:xfrm>
-            <a:off x="1333500" y="1508125"/>
-            <a:ext cx="9525635" cy="4465320"/>
-          </a:xfrm>
-          <a:prstGeom prst="rect">
-            <a:avLst/>
-          </a:prstGeom>
-        </p:spPr>
-      </p:pic>
-    </p:spTree>
-  </p:cSld>
-  <p:clrMapOvr>
-    <a:masterClrMapping/>
-  </p:clrMapOvr>
-  <mc:AlternateContent xmlns:mc="http://schemas.openxmlformats.org/markup-compatibility/2006">
-    <mc:Choice xmlns:p14="http://schemas.microsoft.com/office/powerpoint/2010/main" Requires="p14">
-      <p:transition spd="med" p14:dur="700" advClick="0" advTm="3000">
-        <p:fade/>
-      </p:transition>
-    </mc:Choice>
-    <mc:Fallback>
-      <p:transition spd="med" advClick="0" advTm="3000">
-        <p:fade/>
-      </p:transition>
-    </mc:Fallback>
-  </mc:AlternateContent>
-  <p:timing>
-    <p:tnLst>
-      <p:par>
-        <p:cTn id="1" dur="indefinite" restart="never" nodeType="tmRoot"/>
-      </p:par>
-    </p:tnLst>
-  </p:timing>
-</p:sld>
-</file>
-
 <file path=ppt/slides/slide16.xml><?xml version="1.0" encoding="utf-8"?>
 <p:sld xmlns:a="http://schemas.openxmlformats.org/drawingml/2006/main" xmlns:r="http://schemas.openxmlformats.org/officeDocument/2006/relationships" xmlns:p="http://schemas.openxmlformats.org/presentationml/2006/main">
   <p:cSld>
@@ -13196,6 +13298,7 @@
               <a:solidFill>
                 <a:prstClr val="white"/>
               </a:solidFill>
+              <a:cs typeface="宋体" panose="02010600030101010101" pitchFamily="2" charset="-122"/>
             </a:endParaRPr>
           </a:p>
         </p:txBody>
@@ -13271,8 +13374,9 @@
                     <a:lumMod val="25000"/>
                   </a:srgbClr>
                 </a:solidFill>
-                <a:latin typeface="方正舒体" panose="02010601030101010101" pitchFamily="2" charset="-122"/>
-                <a:ea typeface="等线" panose="02010600030101010101" pitchFamily="2" charset="-122"/>
+                <a:latin typeface="宋体" panose="02010600030101010101" pitchFamily="2" charset="-122"/>
+                <a:ea typeface="宋体" panose="02010600030101010101" pitchFamily="2" charset="-122"/>
+                <a:cs typeface="宋体" panose="02010600030101010101" pitchFamily="2" charset="-122"/>
                 <a:sym typeface="+mn-ea"/>
               </a:rPr>
               <a:t>PART 02</a:t>
@@ -13282,8 +13386,9 @@
                 <a:solidFill>
                   <a:schemeClr val="tx1"/>
                 </a:solidFill>
-                <a:latin typeface="方正舒体" panose="02010601030101010101" pitchFamily="2" charset="-122"/>
-                <a:ea typeface="等线" panose="02010600030101010101" pitchFamily="2" charset="-122"/>
+                <a:latin typeface="宋体" panose="02010600030101010101" pitchFamily="2" charset="-122"/>
+                <a:ea typeface="宋体" panose="02010600030101010101" pitchFamily="2" charset="-122"/>
+                <a:cs typeface="宋体" panose="02010600030101010101" pitchFamily="2" charset="-122"/>
                 <a:sym typeface="+mn-ea"/>
               </a:rPr>
               <a:t>  </a:t>
@@ -13293,8 +13398,9 @@
                 <a:solidFill>
                   <a:schemeClr val="tx1"/>
                 </a:solidFill>
-                <a:latin typeface="方正舒体" panose="02010601030101010101" pitchFamily="2" charset="-122"/>
-                <a:ea typeface="等线" panose="02010600030101010101" pitchFamily="2" charset="-122"/>
+                <a:latin typeface="宋体" panose="02010600030101010101" pitchFamily="2" charset="-122"/>
+                <a:ea typeface="宋体" panose="02010600030101010101" pitchFamily="2" charset="-122"/>
+                <a:cs typeface="宋体" panose="02010600030101010101" pitchFamily="2" charset="-122"/>
                 <a:sym typeface="+mn-ea"/>
               </a:rPr>
               <a:t>工作进展</a:t>
@@ -13303,8 +13409,9 @@
               <a:solidFill>
                 <a:schemeClr val="tx1"/>
               </a:solidFill>
-              <a:latin typeface="方正舒体" panose="02010601030101010101" pitchFamily="2" charset="-122"/>
-              <a:ea typeface="等线" panose="02010600030101010101" pitchFamily="2" charset="-122"/>
+              <a:latin typeface="宋体" panose="02010600030101010101" pitchFamily="2" charset="-122"/>
+              <a:ea typeface="宋体" panose="02010600030101010101" pitchFamily="2" charset="-122"/>
+              <a:cs typeface="宋体" panose="02010600030101010101" pitchFamily="2" charset="-122"/>
               <a:sym typeface="+mn-ea"/>
             </a:endParaRPr>
           </a:p>
@@ -13342,15 +13449,16 @@
               <a:highlight>
                 <a:srgbClr val="000080"/>
               </a:highlight>
-              <a:latin typeface="方正姚体" panose="02010601030101010101" pitchFamily="2" charset="-122"/>
-              <a:ea typeface="方正姚体" panose="02010601030101010101" pitchFamily="2" charset="-122"/>
+              <a:latin typeface="宋体" panose="02010600030101010101" pitchFamily="2" charset="-122"/>
+              <a:ea typeface="宋体" panose="02010600030101010101" pitchFamily="2" charset="-122"/>
+              <a:cs typeface="宋体" panose="02010600030101010101" pitchFamily="2" charset="-122"/>
             </a:endParaRPr>
           </a:p>
         </p:txBody>
       </p:sp>
       <p:pic>
         <p:nvPicPr>
-          <p:cNvPr id="3" name="图片 2"/>
+          <p:cNvPr id="2" name="图片 1"/>
           <p:cNvPicPr>
             <a:picLocks noChangeAspect="1"/>
           </p:cNvPicPr>
@@ -13364,8 +13472,8 @@
         </p:blipFill>
         <p:spPr>
           <a:xfrm>
-            <a:off x="1419860" y="1624965"/>
-            <a:ext cx="9352280" cy="3830955"/>
+            <a:off x="1333500" y="1508125"/>
+            <a:ext cx="9525635" cy="4465320"/>
           </a:xfrm>
           <a:prstGeom prst="rect">
             <a:avLst/>
@@ -13520,6 +13628,7 @@
               <a:solidFill>
                 <a:prstClr val="white"/>
               </a:solidFill>
+              <a:cs typeface="宋体" panose="02010600030101010101" pitchFamily="2" charset="-122"/>
             </a:endParaRPr>
           </a:p>
         </p:txBody>
@@ -13595,8 +13704,9 @@
                     <a:lumMod val="25000"/>
                   </a:srgbClr>
                 </a:solidFill>
-                <a:latin typeface="方正舒体" panose="02010601030101010101" pitchFamily="2" charset="-122"/>
-                <a:ea typeface="等线" panose="02010600030101010101" pitchFamily="2" charset="-122"/>
+                <a:latin typeface="宋体" panose="02010600030101010101" pitchFamily="2" charset="-122"/>
+                <a:ea typeface="宋体" panose="02010600030101010101" pitchFamily="2" charset="-122"/>
+                <a:cs typeface="宋体" panose="02010600030101010101" pitchFamily="2" charset="-122"/>
                 <a:sym typeface="+mn-ea"/>
               </a:rPr>
               <a:t>PART 02</a:t>
@@ -13606,8 +13716,9 @@
                 <a:solidFill>
                   <a:schemeClr val="tx1"/>
                 </a:solidFill>
-                <a:latin typeface="方正舒体" panose="02010601030101010101" pitchFamily="2" charset="-122"/>
-                <a:ea typeface="等线" panose="02010600030101010101" pitchFamily="2" charset="-122"/>
+                <a:latin typeface="宋体" panose="02010600030101010101" pitchFamily="2" charset="-122"/>
+                <a:ea typeface="宋体" panose="02010600030101010101" pitchFamily="2" charset="-122"/>
+                <a:cs typeface="宋体" panose="02010600030101010101" pitchFamily="2" charset="-122"/>
                 <a:sym typeface="+mn-ea"/>
               </a:rPr>
               <a:t>  </a:t>
@@ -13617,8 +13728,9 @@
                 <a:solidFill>
                   <a:schemeClr val="tx1"/>
                 </a:solidFill>
-                <a:latin typeface="方正舒体" panose="02010601030101010101" pitchFamily="2" charset="-122"/>
-                <a:ea typeface="等线" panose="02010600030101010101" pitchFamily="2" charset="-122"/>
+                <a:latin typeface="宋体" panose="02010600030101010101" pitchFamily="2" charset="-122"/>
+                <a:ea typeface="宋体" panose="02010600030101010101" pitchFamily="2" charset="-122"/>
+                <a:cs typeface="宋体" panose="02010600030101010101" pitchFamily="2" charset="-122"/>
                 <a:sym typeface="+mn-ea"/>
               </a:rPr>
               <a:t>工作进展</a:t>
@@ -13627,8 +13739,9 @@
               <a:solidFill>
                 <a:schemeClr val="tx1"/>
               </a:solidFill>
-              <a:latin typeface="方正舒体" panose="02010601030101010101" pitchFamily="2" charset="-122"/>
-              <a:ea typeface="等线" panose="02010600030101010101" pitchFamily="2" charset="-122"/>
+              <a:latin typeface="宋体" panose="02010600030101010101" pitchFamily="2" charset="-122"/>
+              <a:ea typeface="宋体" panose="02010600030101010101" pitchFamily="2" charset="-122"/>
+              <a:cs typeface="宋体" panose="02010600030101010101" pitchFamily="2" charset="-122"/>
               <a:sym typeface="+mn-ea"/>
             </a:endParaRPr>
           </a:p>
@@ -13666,15 +13779,16 @@
               <a:highlight>
                 <a:srgbClr val="000080"/>
               </a:highlight>
-              <a:latin typeface="方正姚体" panose="02010601030101010101" pitchFamily="2" charset="-122"/>
-              <a:ea typeface="方正姚体" panose="02010601030101010101" pitchFamily="2" charset="-122"/>
+              <a:latin typeface="宋体" panose="02010600030101010101" pitchFamily="2" charset="-122"/>
+              <a:ea typeface="宋体" panose="02010600030101010101" pitchFamily="2" charset="-122"/>
+              <a:cs typeface="宋体" panose="02010600030101010101" pitchFamily="2" charset="-122"/>
             </a:endParaRPr>
           </a:p>
         </p:txBody>
       </p:sp>
       <p:pic>
         <p:nvPicPr>
-          <p:cNvPr id="2" name="图片 1"/>
+          <p:cNvPr id="3" name="图片 2"/>
           <p:cNvPicPr>
             <a:picLocks noChangeAspect="1"/>
           </p:cNvPicPr>
@@ -13688,8 +13802,8 @@
         </p:blipFill>
         <p:spPr>
           <a:xfrm>
-            <a:off x="2514600" y="1263015"/>
-            <a:ext cx="7162800" cy="4810125"/>
+            <a:off x="1419860" y="1624965"/>
+            <a:ext cx="9352280" cy="3830955"/>
           </a:xfrm>
           <a:prstGeom prst="rect">
             <a:avLst/>
@@ -13844,6 +13958,7 @@
               <a:solidFill>
                 <a:prstClr val="white"/>
               </a:solidFill>
+              <a:cs typeface="宋体" panose="02010600030101010101" pitchFamily="2" charset="-122"/>
             </a:endParaRPr>
           </a:p>
         </p:txBody>
@@ -13919,8 +14034,9 @@
                     <a:lumMod val="25000"/>
                   </a:srgbClr>
                 </a:solidFill>
-                <a:latin typeface="方正舒体" panose="02010601030101010101" pitchFamily="2" charset="-122"/>
-                <a:ea typeface="等线" panose="02010600030101010101" pitchFamily="2" charset="-122"/>
+                <a:latin typeface="宋体" panose="02010600030101010101" pitchFamily="2" charset="-122"/>
+                <a:ea typeface="宋体" panose="02010600030101010101" pitchFamily="2" charset="-122"/>
+                <a:cs typeface="宋体" panose="02010600030101010101" pitchFamily="2" charset="-122"/>
                 <a:sym typeface="+mn-ea"/>
               </a:rPr>
               <a:t>PART 02</a:t>
@@ -13930,8 +14046,9 @@
                 <a:solidFill>
                   <a:schemeClr val="tx1"/>
                 </a:solidFill>
-                <a:latin typeface="方正舒体" panose="02010601030101010101" pitchFamily="2" charset="-122"/>
-                <a:ea typeface="等线" panose="02010600030101010101" pitchFamily="2" charset="-122"/>
+                <a:latin typeface="宋体" panose="02010600030101010101" pitchFamily="2" charset="-122"/>
+                <a:ea typeface="宋体" panose="02010600030101010101" pitchFamily="2" charset="-122"/>
+                <a:cs typeface="宋体" panose="02010600030101010101" pitchFamily="2" charset="-122"/>
                 <a:sym typeface="+mn-ea"/>
               </a:rPr>
               <a:t>  </a:t>
@@ -13941,8 +14058,9 @@
                 <a:solidFill>
                   <a:schemeClr val="tx1"/>
                 </a:solidFill>
-                <a:latin typeface="方正舒体" panose="02010601030101010101" pitchFamily="2" charset="-122"/>
-                <a:ea typeface="等线" panose="02010600030101010101" pitchFamily="2" charset="-122"/>
+                <a:latin typeface="宋体" panose="02010600030101010101" pitchFamily="2" charset="-122"/>
+                <a:ea typeface="宋体" panose="02010600030101010101" pitchFamily="2" charset="-122"/>
+                <a:cs typeface="宋体" panose="02010600030101010101" pitchFamily="2" charset="-122"/>
                 <a:sym typeface="+mn-ea"/>
               </a:rPr>
               <a:t>工作进展</a:t>
@@ -13951,8 +14069,339 @@
               <a:solidFill>
                 <a:schemeClr val="tx1"/>
               </a:solidFill>
-              <a:latin typeface="方正舒体" panose="02010601030101010101" pitchFamily="2" charset="-122"/>
-              <a:ea typeface="等线" panose="02010600030101010101" pitchFamily="2" charset="-122"/>
+              <a:latin typeface="宋体" panose="02010600030101010101" pitchFamily="2" charset="-122"/>
+              <a:ea typeface="宋体" panose="02010600030101010101" pitchFamily="2" charset="-122"/>
+              <a:cs typeface="宋体" panose="02010600030101010101" pitchFamily="2" charset="-122"/>
+              <a:sym typeface="+mn-ea"/>
+            </a:endParaRPr>
+          </a:p>
+        </p:txBody>
+      </p:sp>
+      <p:sp>
+        <p:nvSpPr>
+          <p:cNvPr id="21" name="TextBox 20"/>
+          <p:cNvSpPr txBox="1"/>
+          <p:nvPr/>
+        </p:nvSpPr>
+        <p:spPr>
+          <a:xfrm>
+            <a:off x="5575935" y="1194435"/>
+            <a:ext cx="1920875" cy="430530"/>
+          </a:xfrm>
+          <a:prstGeom prst="rect">
+            <a:avLst/>
+          </a:prstGeom>
+          <a:solidFill>
+            <a:schemeClr val="bg1"/>
+          </a:solidFill>
+        </p:spPr>
+        <p:txBody>
+          <a:bodyPr wrap="square" lIns="0" tIns="0" rIns="0" bIns="0" rtlCol="0">
+            <a:spAutoFit/>
+          </a:bodyPr>
+          <a:lstStyle/>
+          <a:p>
+            <a:pPr algn="ctr"/>
+            <a:endParaRPr lang="zh-CN" altLang="en-US" sz="2800" b="1" spc="300" dirty="0">
+              <a:solidFill>
+                <a:prstClr val="white"/>
+              </a:solidFill>
+              <a:highlight>
+                <a:srgbClr val="000080"/>
+              </a:highlight>
+              <a:latin typeface="宋体" panose="02010600030101010101" pitchFamily="2" charset="-122"/>
+              <a:ea typeface="宋体" panose="02010600030101010101" pitchFamily="2" charset="-122"/>
+              <a:cs typeface="宋体" panose="02010600030101010101" pitchFamily="2" charset="-122"/>
+            </a:endParaRPr>
+          </a:p>
+        </p:txBody>
+      </p:sp>
+      <p:pic>
+        <p:nvPicPr>
+          <p:cNvPr id="2" name="图片 1"/>
+          <p:cNvPicPr>
+            <a:picLocks noChangeAspect="1"/>
+          </p:cNvPicPr>
+          <p:nvPr/>
+        </p:nvPicPr>
+        <p:blipFill>
+          <a:blip r:embed="rId1"/>
+          <a:stretch>
+            <a:fillRect/>
+          </a:stretch>
+        </p:blipFill>
+        <p:spPr>
+          <a:xfrm>
+            <a:off x="2514600" y="1263015"/>
+            <a:ext cx="7162800" cy="4810125"/>
+          </a:xfrm>
+          <a:prstGeom prst="rect">
+            <a:avLst/>
+          </a:prstGeom>
+        </p:spPr>
+      </p:pic>
+    </p:spTree>
+  </p:cSld>
+  <p:clrMapOvr>
+    <a:masterClrMapping/>
+  </p:clrMapOvr>
+  <mc:AlternateContent xmlns:mc="http://schemas.openxmlformats.org/markup-compatibility/2006">
+    <mc:Choice xmlns:p14="http://schemas.microsoft.com/office/powerpoint/2010/main" Requires="p14">
+      <p:transition spd="med" p14:dur="700" advClick="0" advTm="3000">
+        <p:fade/>
+      </p:transition>
+    </mc:Choice>
+    <mc:Fallback>
+      <p:transition spd="med" advClick="0" advTm="3000">
+        <p:fade/>
+      </p:transition>
+    </mc:Fallback>
+  </mc:AlternateContent>
+  <p:timing>
+    <p:tnLst>
+      <p:par>
+        <p:cTn id="1" dur="indefinite" restart="never" nodeType="tmRoot"/>
+      </p:par>
+    </p:tnLst>
+  </p:timing>
+</p:sld>
+</file>
+
+<file path=ppt/slides/slide19.xml><?xml version="1.0" encoding="utf-8"?>
+<p:sld xmlns:a="http://schemas.openxmlformats.org/drawingml/2006/main" xmlns:r="http://schemas.openxmlformats.org/officeDocument/2006/relationships" xmlns:p="http://schemas.openxmlformats.org/presentationml/2006/main">
+  <p:cSld>
+    <p:spTree>
+      <p:nvGrpSpPr>
+        <p:cNvPr id="1" name=""/>
+        <p:cNvGrpSpPr/>
+        <p:nvPr/>
+      </p:nvGrpSpPr>
+      <p:grpSpPr>
+        <a:xfrm>
+          <a:off x="0" y="0"/>
+          <a:ext cx="0" cy="0"/>
+          <a:chOff x="0" y="0"/>
+          <a:chExt cx="0" cy="0"/>
+        </a:xfrm>
+      </p:grpSpPr>
+      <p:sp>
+        <p:nvSpPr>
+          <p:cNvPr id="4" name="任意多边形 3"/>
+          <p:cNvSpPr/>
+          <p:nvPr/>
+        </p:nvSpPr>
+        <p:spPr>
+          <a:xfrm flipV="1">
+            <a:off x="0" y="279399"/>
+            <a:ext cx="812800" cy="456199"/>
+          </a:xfrm>
+          <a:custGeom>
+            <a:avLst/>
+            <a:gdLst>
+              <a:gd name="connsiteX0" fmla="*/ 0 w 660400"/>
+              <a:gd name="connsiteY0" fmla="*/ 0 h 407402"/>
+              <a:gd name="connsiteX1" fmla="*/ 660400 w 660400"/>
+              <a:gd name="connsiteY1" fmla="*/ 0 h 407402"/>
+              <a:gd name="connsiteX2" fmla="*/ 317500 w 660400"/>
+              <a:gd name="connsiteY2" fmla="*/ 407402 h 407402"/>
+              <a:gd name="connsiteX3" fmla="*/ 0 w 660400"/>
+              <a:gd name="connsiteY3" fmla="*/ 407402 h 407402"/>
+              <a:gd name="connsiteX4" fmla="*/ 0 w 660400"/>
+              <a:gd name="connsiteY4" fmla="*/ 0 h 407402"/>
+            </a:gdLst>
+            <a:ahLst/>
+            <a:cxnLst>
+              <a:cxn ang="0">
+                <a:pos x="connsiteX0" y="connsiteY0"/>
+              </a:cxn>
+              <a:cxn ang="0">
+                <a:pos x="connsiteX1" y="connsiteY1"/>
+              </a:cxn>
+              <a:cxn ang="0">
+                <a:pos x="connsiteX2" y="connsiteY2"/>
+              </a:cxn>
+              <a:cxn ang="0">
+                <a:pos x="connsiteX3" y="connsiteY3"/>
+              </a:cxn>
+              <a:cxn ang="0">
+                <a:pos x="connsiteX4" y="connsiteY4"/>
+              </a:cxn>
+            </a:cxnLst>
+            <a:rect l="l" t="t" r="r" b="b"/>
+            <a:pathLst>
+              <a:path w="660400" h="407402">
+                <a:moveTo>
+                  <a:pt x="0" y="0"/>
+                </a:moveTo>
+                <a:lnTo>
+                  <a:pt x="660400" y="0"/>
+                </a:lnTo>
+                <a:lnTo>
+                  <a:pt x="317500" y="407402"/>
+                </a:lnTo>
+                <a:lnTo>
+                  <a:pt x="0" y="407402"/>
+                </a:lnTo>
+                <a:lnTo>
+                  <a:pt x="0" y="0"/>
+                </a:lnTo>
+                <a:close/>
+              </a:path>
+            </a:pathLst>
+          </a:custGeom>
+          <a:solidFill>
+            <a:srgbClr val="012060"/>
+          </a:solidFill>
+          <a:ln>
+            <a:noFill/>
+          </a:ln>
+          <a:effectLst>
+            <a:outerShdw blurRad="38100" sx="101000" sy="101000" algn="ctr" rotWithShape="0">
+              <a:prstClr val="black">
+                <a:alpha val="40000"/>
+              </a:prstClr>
+            </a:outerShdw>
+          </a:effectLst>
+        </p:spPr>
+        <p:style>
+          <a:lnRef idx="2">
+            <a:schemeClr val="accent1">
+              <a:shade val="50000"/>
+            </a:schemeClr>
+          </a:lnRef>
+          <a:fillRef idx="1">
+            <a:schemeClr val="accent1"/>
+          </a:fillRef>
+          <a:effectRef idx="0">
+            <a:schemeClr val="accent1"/>
+          </a:effectRef>
+          <a:fontRef idx="minor">
+            <a:schemeClr val="lt1"/>
+          </a:fontRef>
+        </p:style>
+        <p:txBody>
+          <a:bodyPr rtlCol="0" anchor="ctr"/>
+          <a:lstStyle/>
+          <a:p>
+            <a:pPr algn="ctr"/>
+            <a:endParaRPr lang="zh-CN" altLang="en-US">
+              <a:solidFill>
+                <a:prstClr val="white"/>
+              </a:solidFill>
+              <a:cs typeface="宋体" panose="02010600030101010101" pitchFamily="2" charset="-122"/>
+            </a:endParaRPr>
+          </a:p>
+        </p:txBody>
+      </p:sp>
+      <p:cxnSp>
+        <p:nvCxnSpPr>
+          <p:cNvPr id="6" name="直接连接符 5"/>
+          <p:cNvCxnSpPr/>
+          <p:nvPr/>
+        </p:nvCxnSpPr>
+        <p:spPr>
+          <a:xfrm>
+            <a:off x="800100" y="735598"/>
+            <a:ext cx="11303000" cy="0"/>
+          </a:xfrm>
+          <a:prstGeom prst="line">
+            <a:avLst/>
+          </a:prstGeom>
+          <a:ln w="28575">
+            <a:solidFill>
+              <a:srgbClr val="012060"/>
+            </a:solidFill>
+          </a:ln>
+          <a:effectLst>
+            <a:outerShdw blurRad="63500" sx="102000" sy="102000" algn="ctr" rotWithShape="0">
+              <a:prstClr val="black">
+                <a:alpha val="40000"/>
+              </a:prstClr>
+            </a:outerShdw>
+          </a:effectLst>
+        </p:spPr>
+        <p:style>
+          <a:lnRef idx="1">
+            <a:schemeClr val="accent1"/>
+          </a:lnRef>
+          <a:fillRef idx="0">
+            <a:schemeClr val="accent1"/>
+          </a:fillRef>
+          <a:effectRef idx="0">
+            <a:schemeClr val="accent1"/>
+          </a:effectRef>
+          <a:fontRef idx="minor">
+            <a:schemeClr val="tx1"/>
+          </a:fontRef>
+        </p:style>
+      </p:cxnSp>
+      <p:sp>
+        <p:nvSpPr>
+          <p:cNvPr id="9" name="文本框 8"/>
+          <p:cNvSpPr txBox="1"/>
+          <p:nvPr/>
+        </p:nvSpPr>
+        <p:spPr>
+          <a:xfrm>
+            <a:off x="800100" y="212378"/>
+            <a:ext cx="4271181" cy="521970"/>
+          </a:xfrm>
+          <a:prstGeom prst="rect">
+            <a:avLst/>
+          </a:prstGeom>
+          <a:noFill/>
+        </p:spPr>
+        <p:txBody>
+          <a:bodyPr wrap="square" rtlCol="0">
+            <a:spAutoFit/>
+          </a:bodyPr>
+          <a:lstStyle/>
+          <a:p>
+            <a:r>
+              <a:rPr lang="en-US" altLang="zh-CN" sz="2800" b="1" dirty="0">
+                <a:solidFill>
+                  <a:srgbClr val="E7E6E6">
+                    <a:lumMod val="25000"/>
+                  </a:srgbClr>
+                </a:solidFill>
+                <a:latin typeface="宋体" panose="02010600030101010101" pitchFamily="2" charset="-122"/>
+                <a:ea typeface="宋体" panose="02010600030101010101" pitchFamily="2" charset="-122"/>
+                <a:cs typeface="宋体" panose="02010600030101010101" pitchFamily="2" charset="-122"/>
+                <a:sym typeface="+mn-ea"/>
+              </a:rPr>
+              <a:t>PART 02</a:t>
+            </a:r>
+            <a:r>
+              <a:rPr lang="en-US" altLang="zh-CN" sz="2800" b="1" dirty="0">
+                <a:solidFill>
+                  <a:schemeClr val="tx1"/>
+                </a:solidFill>
+                <a:latin typeface="宋体" panose="02010600030101010101" pitchFamily="2" charset="-122"/>
+                <a:ea typeface="宋体" panose="02010600030101010101" pitchFamily="2" charset="-122"/>
+                <a:cs typeface="宋体" panose="02010600030101010101" pitchFamily="2" charset="-122"/>
+                <a:sym typeface="+mn-ea"/>
+              </a:rPr>
+              <a:t>  </a:t>
+            </a:r>
+            <a:r>
+              <a:rPr lang="zh-CN" altLang="en-US" sz="2800" b="1" dirty="0">
+                <a:solidFill>
+                  <a:schemeClr val="tx1"/>
+                </a:solidFill>
+                <a:latin typeface="宋体" panose="02010600030101010101" pitchFamily="2" charset="-122"/>
+                <a:ea typeface="宋体" panose="02010600030101010101" pitchFamily="2" charset="-122"/>
+                <a:cs typeface="宋体" panose="02010600030101010101" pitchFamily="2" charset="-122"/>
+                <a:sym typeface="+mn-ea"/>
+              </a:rPr>
+              <a:t>工作进展</a:t>
+            </a:r>
+            <a:endParaRPr lang="zh-CN" altLang="en-US" sz="2800" b="1" dirty="0">
+              <a:solidFill>
+                <a:schemeClr val="tx1"/>
+              </a:solidFill>
+              <a:latin typeface="宋体" panose="02010600030101010101" pitchFamily="2" charset="-122"/>
+              <a:ea typeface="宋体" panose="02010600030101010101" pitchFamily="2" charset="-122"/>
+              <a:cs typeface="宋体" panose="02010600030101010101" pitchFamily="2" charset="-122"/>
               <a:sym typeface="+mn-ea"/>
             </a:endParaRPr>
           </a:p>
@@ -13995,8 +14444,9 @@
               <a:solidFill>
                 <a:prstClr val="white"/>
               </a:solidFill>
-              <a:latin typeface="方正姚体" panose="02010601030101010101" pitchFamily="2" charset="-122"/>
-              <a:ea typeface="方正姚体" panose="02010601030101010101" pitchFamily="2" charset="-122"/>
+              <a:latin typeface="宋体" panose="02010600030101010101" pitchFamily="2" charset="-122"/>
+              <a:ea typeface="宋体" panose="02010600030101010101" pitchFamily="2" charset="-122"/>
+              <a:cs typeface="宋体" panose="02010600030101010101" pitchFamily="2" charset="-122"/>
             </a:endParaRPr>
           </a:p>
         </p:txBody>
@@ -14033,8 +14483,9 @@
               <a:highlight>
                 <a:srgbClr val="000080"/>
               </a:highlight>
-              <a:latin typeface="方正姚体" panose="02010601030101010101" pitchFamily="2" charset="-122"/>
-              <a:ea typeface="方正姚体" panose="02010601030101010101" pitchFamily="2" charset="-122"/>
+              <a:latin typeface="宋体" panose="02010600030101010101" pitchFamily="2" charset="-122"/>
+              <a:ea typeface="宋体" panose="02010600030101010101" pitchFamily="2" charset="-122"/>
+              <a:cs typeface="宋体" panose="02010600030101010101" pitchFamily="2" charset="-122"/>
             </a:endParaRPr>
           </a:p>
         </p:txBody>
@@ -14047,8 +14498,8 @@
         </p:nvSpPr>
         <p:spPr>
           <a:xfrm>
-            <a:off x="4020820" y="2296160"/>
-            <a:ext cx="5031105" cy="3076575"/>
+            <a:off x="4020820" y="2687955"/>
+            <a:ext cx="5031105" cy="2799715"/>
           </a:xfrm>
           <a:prstGeom prst="rect">
             <a:avLst/>
@@ -14060,30 +14511,14 @@
             <a:spAutoFit/>
           </a:bodyPr>
           <a:p>
-            <a:endParaRPr lang="zh-CN" altLang="en-US">
-              <a:solidFill>
-                <a:schemeClr val="bg1"/>
-              </a:solidFill>
-            </a:endParaRPr>
-          </a:p>
-          <a:p>
-            <a:r>
-              <a:rPr lang="en-US" altLang="zh-CN" sz="1600" dirty="0">
-                <a:solidFill>
-                  <a:prstClr val="white"/>
-                </a:solidFill>
-                <a:latin typeface="方正姚体" panose="02010601030101010101" pitchFamily="2" charset="-122"/>
-                <a:ea typeface="方正姚体" panose="02010601030101010101" pitchFamily="2" charset="-122"/>
-              </a:rPr>
-              <a:t>        </a:t>
-            </a:r>
             <a:r>
               <a:rPr lang="zh-CN" altLang="en-US" sz="1600" dirty="0">
                 <a:solidFill>
                   <a:prstClr val="white"/>
                 </a:solidFill>
-                <a:latin typeface="方正姚体" panose="02010601030101010101" pitchFamily="2" charset="-122"/>
-                <a:ea typeface="方正姚体" panose="02010601030101010101" pitchFamily="2" charset="-122"/>
+                <a:latin typeface="宋体" panose="02010600030101010101" pitchFamily="2" charset="-122"/>
+                <a:ea typeface="宋体" panose="02010600030101010101" pitchFamily="2" charset="-122"/>
+                <a:cs typeface="宋体" panose="02010600030101010101" pitchFamily="2" charset="-122"/>
               </a:rPr>
               <a:t>知网中论文预览界面的摘要部分与专利-标准文本的风格非常相似，而且知网的每一篇论文都有其自带的关键词，这些关键词可以作为实体抽取的标签进行训练。因此，在模型迁移部分，可以用知网的摘要-关键词数据集作为训练集训练模型，然后将训练集迁移至专利-标准数据集上。</a:t>
             </a:r>
@@ -14091,8 +14526,9 @@
               <a:solidFill>
                 <a:prstClr val="white"/>
               </a:solidFill>
-              <a:latin typeface="方正姚体" panose="02010601030101010101" pitchFamily="2" charset="-122"/>
-              <a:ea typeface="方正姚体" panose="02010601030101010101" pitchFamily="2" charset="-122"/>
+              <a:latin typeface="宋体" panose="02010600030101010101" pitchFamily="2" charset="-122"/>
+              <a:ea typeface="宋体" panose="02010600030101010101" pitchFamily="2" charset="-122"/>
+              <a:cs typeface="宋体" panose="02010600030101010101" pitchFamily="2" charset="-122"/>
             </a:endParaRPr>
           </a:p>
           <a:p>
@@ -14101,8 +14537,9 @@
                 <a:solidFill>
                   <a:prstClr val="white"/>
                 </a:solidFill>
-                <a:latin typeface="方正姚体" panose="02010601030101010101" pitchFamily="2" charset="-122"/>
-                <a:ea typeface="方正姚体" panose="02010601030101010101" pitchFamily="2" charset="-122"/>
+                <a:latin typeface="宋体" panose="02010600030101010101" pitchFamily="2" charset="-122"/>
+                <a:ea typeface="宋体" panose="02010600030101010101" pitchFamily="2" charset="-122"/>
+                <a:cs typeface="宋体" panose="02010600030101010101" pitchFamily="2" charset="-122"/>
               </a:rPr>
               <a:t>与此同时，笔者注意到该模型为非树形结构RNN模型，因此可以在LSTM层与CRF层之间添加归一化LayerNorm层来加速收敛速度，同时可以丢弃无用信息较多的摘要主体部分，选取知识密度高的标题部分与摘要中含有较多关键词的关键句作为训练集来进行训练</a:t>
             </a:r>
@@ -14110,8 +14547,9 @@
               <a:solidFill>
                 <a:prstClr val="white"/>
               </a:solidFill>
-              <a:latin typeface="方正姚体" panose="02010601030101010101" pitchFamily="2" charset="-122"/>
-              <a:ea typeface="方正姚体" panose="02010601030101010101" pitchFamily="2" charset="-122"/>
+              <a:latin typeface="宋体" panose="02010600030101010101" pitchFamily="2" charset="-122"/>
+              <a:ea typeface="宋体" panose="02010600030101010101" pitchFamily="2" charset="-122"/>
+              <a:cs typeface="宋体" panose="02010600030101010101" pitchFamily="2" charset="-122"/>
             </a:endParaRPr>
           </a:p>
         </p:txBody>
@@ -14169,9 +14607,9 @@
                 <a:solidFill>
                   <a:srgbClr val="FFFFFF"/>
                 </a:solidFill>
-                <a:latin typeface="方正姚体" panose="02010601030101010101" pitchFamily="2" charset="-122"/>
-                <a:ea typeface="方正姚体" panose="02010601030101010101" pitchFamily="2" charset="-122"/>
-                <a:cs typeface="Candara" panose="020E0502030303020204" charset="0"/>
+                <a:latin typeface="宋体" panose="02010600030101010101" pitchFamily="2" charset="-122"/>
+                <a:ea typeface="宋体" panose="02010600030101010101" pitchFamily="2" charset="-122"/>
+                <a:cs typeface="宋体" panose="02010600030101010101" pitchFamily="2" charset="-122"/>
               </a:endParaRPr>
             </a:p>
           </p:txBody>
@@ -14203,8 +14641,9 @@
                   <a:solidFill>
                     <a:prstClr val="white"/>
                   </a:solidFill>
-                  <a:latin typeface="方正姚体" panose="02010601030101010101" pitchFamily="2" charset="-122"/>
-                  <a:ea typeface="方正姚体" panose="02010601030101010101" pitchFamily="2" charset="-122"/>
+                  <a:latin typeface="宋体" panose="02010600030101010101" pitchFamily="2" charset="-122"/>
+                  <a:ea typeface="宋体" panose="02010600030101010101" pitchFamily="2" charset="-122"/>
+                  <a:cs typeface="宋体" panose="02010600030101010101" pitchFamily="2" charset="-122"/>
                   <a:sym typeface="+mn-ea"/>
                 </a:rPr>
                 <a:t>模型的迁移与优化</a:t>
@@ -14213,8 +14652,9 @@
                 <a:solidFill>
                   <a:prstClr val="white"/>
                 </a:solidFill>
-                <a:latin typeface="方正姚体" panose="02010601030101010101" pitchFamily="2" charset="-122"/>
-                <a:ea typeface="方正姚体" panose="02010601030101010101" pitchFamily="2" charset="-122"/>
+                <a:latin typeface="宋体" panose="02010600030101010101" pitchFamily="2" charset="-122"/>
+                <a:ea typeface="宋体" panose="02010600030101010101" pitchFamily="2" charset="-122"/>
+                <a:cs typeface="宋体" panose="02010600030101010101" pitchFamily="2" charset="-122"/>
                 <a:sym typeface="+mn-ea"/>
               </a:endParaRPr>
             </a:p>
@@ -14411,330 +14851,6 @@
 </p:sld>
 </file>
 
-<file path=ppt/slides/slide19.xml><?xml version="1.0" encoding="utf-8"?>
-<p:sld xmlns:a="http://schemas.openxmlformats.org/drawingml/2006/main" xmlns:r="http://schemas.openxmlformats.org/officeDocument/2006/relationships" xmlns:p="http://schemas.openxmlformats.org/presentationml/2006/main">
-  <p:cSld>
-    <p:spTree>
-      <p:nvGrpSpPr>
-        <p:cNvPr id="1" name=""/>
-        <p:cNvGrpSpPr/>
-        <p:nvPr/>
-      </p:nvGrpSpPr>
-      <p:grpSpPr>
-        <a:xfrm>
-          <a:off x="0" y="0"/>
-          <a:ext cx="0" cy="0"/>
-          <a:chOff x="0" y="0"/>
-          <a:chExt cx="0" cy="0"/>
-        </a:xfrm>
-      </p:grpSpPr>
-      <p:sp>
-        <p:nvSpPr>
-          <p:cNvPr id="4" name="任意多边形 3"/>
-          <p:cNvSpPr/>
-          <p:nvPr/>
-        </p:nvSpPr>
-        <p:spPr>
-          <a:xfrm flipV="1">
-            <a:off x="0" y="279399"/>
-            <a:ext cx="812800" cy="456199"/>
-          </a:xfrm>
-          <a:custGeom>
-            <a:avLst/>
-            <a:gdLst>
-              <a:gd name="connsiteX0" fmla="*/ 0 w 660400"/>
-              <a:gd name="connsiteY0" fmla="*/ 0 h 407402"/>
-              <a:gd name="connsiteX1" fmla="*/ 660400 w 660400"/>
-              <a:gd name="connsiteY1" fmla="*/ 0 h 407402"/>
-              <a:gd name="connsiteX2" fmla="*/ 317500 w 660400"/>
-              <a:gd name="connsiteY2" fmla="*/ 407402 h 407402"/>
-              <a:gd name="connsiteX3" fmla="*/ 0 w 660400"/>
-              <a:gd name="connsiteY3" fmla="*/ 407402 h 407402"/>
-              <a:gd name="connsiteX4" fmla="*/ 0 w 660400"/>
-              <a:gd name="connsiteY4" fmla="*/ 0 h 407402"/>
-            </a:gdLst>
-            <a:ahLst/>
-            <a:cxnLst>
-              <a:cxn ang="0">
-                <a:pos x="connsiteX0" y="connsiteY0"/>
-              </a:cxn>
-              <a:cxn ang="0">
-                <a:pos x="connsiteX1" y="connsiteY1"/>
-              </a:cxn>
-              <a:cxn ang="0">
-                <a:pos x="connsiteX2" y="connsiteY2"/>
-              </a:cxn>
-              <a:cxn ang="0">
-                <a:pos x="connsiteX3" y="connsiteY3"/>
-              </a:cxn>
-              <a:cxn ang="0">
-                <a:pos x="connsiteX4" y="connsiteY4"/>
-              </a:cxn>
-            </a:cxnLst>
-            <a:rect l="l" t="t" r="r" b="b"/>
-            <a:pathLst>
-              <a:path w="660400" h="407402">
-                <a:moveTo>
-                  <a:pt x="0" y="0"/>
-                </a:moveTo>
-                <a:lnTo>
-                  <a:pt x="660400" y="0"/>
-                </a:lnTo>
-                <a:lnTo>
-                  <a:pt x="317500" y="407402"/>
-                </a:lnTo>
-                <a:lnTo>
-                  <a:pt x="0" y="407402"/>
-                </a:lnTo>
-                <a:lnTo>
-                  <a:pt x="0" y="0"/>
-                </a:lnTo>
-                <a:close/>
-              </a:path>
-            </a:pathLst>
-          </a:custGeom>
-          <a:solidFill>
-            <a:srgbClr val="012060"/>
-          </a:solidFill>
-          <a:ln>
-            <a:noFill/>
-          </a:ln>
-          <a:effectLst>
-            <a:outerShdw blurRad="38100" sx="101000" sy="101000" algn="ctr" rotWithShape="0">
-              <a:prstClr val="black">
-                <a:alpha val="40000"/>
-              </a:prstClr>
-            </a:outerShdw>
-          </a:effectLst>
-        </p:spPr>
-        <p:style>
-          <a:lnRef idx="2">
-            <a:schemeClr val="accent1">
-              <a:shade val="50000"/>
-            </a:schemeClr>
-          </a:lnRef>
-          <a:fillRef idx="1">
-            <a:schemeClr val="accent1"/>
-          </a:fillRef>
-          <a:effectRef idx="0">
-            <a:schemeClr val="accent1"/>
-          </a:effectRef>
-          <a:fontRef idx="minor">
-            <a:schemeClr val="lt1"/>
-          </a:fontRef>
-        </p:style>
-        <p:txBody>
-          <a:bodyPr rtlCol="0" anchor="ctr"/>
-          <a:lstStyle/>
-          <a:p>
-            <a:pPr algn="ctr"/>
-            <a:endParaRPr lang="zh-CN" altLang="en-US">
-              <a:solidFill>
-                <a:prstClr val="white"/>
-              </a:solidFill>
-            </a:endParaRPr>
-          </a:p>
-        </p:txBody>
-      </p:sp>
-      <p:cxnSp>
-        <p:nvCxnSpPr>
-          <p:cNvPr id="6" name="直接连接符 5"/>
-          <p:cNvCxnSpPr/>
-          <p:nvPr/>
-        </p:nvCxnSpPr>
-        <p:spPr>
-          <a:xfrm>
-            <a:off x="800100" y="735598"/>
-            <a:ext cx="11303000" cy="0"/>
-          </a:xfrm>
-          <a:prstGeom prst="line">
-            <a:avLst/>
-          </a:prstGeom>
-          <a:ln w="28575">
-            <a:solidFill>
-              <a:srgbClr val="012060"/>
-            </a:solidFill>
-          </a:ln>
-          <a:effectLst>
-            <a:outerShdw blurRad="63500" sx="102000" sy="102000" algn="ctr" rotWithShape="0">
-              <a:prstClr val="black">
-                <a:alpha val="40000"/>
-              </a:prstClr>
-            </a:outerShdw>
-          </a:effectLst>
-        </p:spPr>
-        <p:style>
-          <a:lnRef idx="1">
-            <a:schemeClr val="accent1"/>
-          </a:lnRef>
-          <a:fillRef idx="0">
-            <a:schemeClr val="accent1"/>
-          </a:fillRef>
-          <a:effectRef idx="0">
-            <a:schemeClr val="accent1"/>
-          </a:effectRef>
-          <a:fontRef idx="minor">
-            <a:schemeClr val="tx1"/>
-          </a:fontRef>
-        </p:style>
-      </p:cxnSp>
-      <p:sp>
-        <p:nvSpPr>
-          <p:cNvPr id="9" name="文本框 8"/>
-          <p:cNvSpPr txBox="1"/>
-          <p:nvPr/>
-        </p:nvSpPr>
-        <p:spPr>
-          <a:xfrm>
-            <a:off x="800100" y="212378"/>
-            <a:ext cx="4271181" cy="521970"/>
-          </a:xfrm>
-          <a:prstGeom prst="rect">
-            <a:avLst/>
-          </a:prstGeom>
-          <a:noFill/>
-        </p:spPr>
-        <p:txBody>
-          <a:bodyPr wrap="square" rtlCol="0">
-            <a:spAutoFit/>
-          </a:bodyPr>
-          <a:lstStyle/>
-          <a:p>
-            <a:r>
-              <a:rPr lang="en-US" altLang="zh-CN" sz="2800" b="1" dirty="0">
-                <a:solidFill>
-                  <a:srgbClr val="E7E6E6">
-                    <a:lumMod val="25000"/>
-                  </a:srgbClr>
-                </a:solidFill>
-                <a:latin typeface="方正舒体" panose="02010601030101010101" pitchFamily="2" charset="-122"/>
-                <a:ea typeface="等线" panose="02010600030101010101" pitchFamily="2" charset="-122"/>
-                <a:sym typeface="+mn-ea"/>
-              </a:rPr>
-              <a:t>PART 02</a:t>
-            </a:r>
-            <a:r>
-              <a:rPr lang="en-US" altLang="zh-CN" sz="2800" b="1" dirty="0">
-                <a:solidFill>
-                  <a:schemeClr val="tx1"/>
-                </a:solidFill>
-                <a:latin typeface="方正舒体" panose="02010601030101010101" pitchFamily="2" charset="-122"/>
-                <a:ea typeface="等线" panose="02010600030101010101" pitchFamily="2" charset="-122"/>
-                <a:sym typeface="+mn-ea"/>
-              </a:rPr>
-              <a:t>  </a:t>
-            </a:r>
-            <a:r>
-              <a:rPr lang="zh-CN" altLang="en-US" sz="2800" b="1" dirty="0">
-                <a:solidFill>
-                  <a:schemeClr val="tx1"/>
-                </a:solidFill>
-                <a:latin typeface="方正舒体" panose="02010601030101010101" pitchFamily="2" charset="-122"/>
-                <a:ea typeface="等线" panose="02010600030101010101" pitchFamily="2" charset="-122"/>
-                <a:sym typeface="+mn-ea"/>
-              </a:rPr>
-              <a:t>工作进展</a:t>
-            </a:r>
-            <a:endParaRPr lang="zh-CN" altLang="en-US" sz="2800" b="1" dirty="0">
-              <a:solidFill>
-                <a:schemeClr val="tx1"/>
-              </a:solidFill>
-              <a:latin typeface="方正舒体" panose="02010601030101010101" pitchFamily="2" charset="-122"/>
-              <a:ea typeface="等线" panose="02010600030101010101" pitchFamily="2" charset="-122"/>
-              <a:sym typeface="+mn-ea"/>
-            </a:endParaRPr>
-          </a:p>
-        </p:txBody>
-      </p:sp>
-      <p:sp>
-        <p:nvSpPr>
-          <p:cNvPr id="21" name="TextBox 20"/>
-          <p:cNvSpPr txBox="1"/>
-          <p:nvPr/>
-        </p:nvSpPr>
-        <p:spPr>
-          <a:xfrm>
-            <a:off x="5575935" y="1194435"/>
-            <a:ext cx="1920875" cy="430530"/>
-          </a:xfrm>
-          <a:prstGeom prst="rect">
-            <a:avLst/>
-          </a:prstGeom>
-          <a:solidFill>
-            <a:schemeClr val="bg1"/>
-          </a:solidFill>
-        </p:spPr>
-        <p:txBody>
-          <a:bodyPr wrap="square" lIns="0" tIns="0" rIns="0" bIns="0" rtlCol="0">
-            <a:spAutoFit/>
-          </a:bodyPr>
-          <a:lstStyle/>
-          <a:p>
-            <a:pPr algn="ctr"/>
-            <a:endParaRPr lang="zh-CN" altLang="en-US" sz="2800" b="1" spc="300" dirty="0">
-              <a:solidFill>
-                <a:prstClr val="white"/>
-              </a:solidFill>
-              <a:highlight>
-                <a:srgbClr val="000080"/>
-              </a:highlight>
-              <a:latin typeface="方正姚体" panose="02010601030101010101" pitchFamily="2" charset="-122"/>
-              <a:ea typeface="方正姚体" panose="02010601030101010101" pitchFamily="2" charset="-122"/>
-            </a:endParaRPr>
-          </a:p>
-        </p:txBody>
-      </p:sp>
-      <p:pic>
-        <p:nvPicPr>
-          <p:cNvPr id="3" name="图片 2"/>
-          <p:cNvPicPr>
-            <a:picLocks noChangeAspect="1"/>
-          </p:cNvPicPr>
-          <p:nvPr/>
-        </p:nvPicPr>
-        <p:blipFill>
-          <a:blip r:embed="rId1"/>
-          <a:stretch>
-            <a:fillRect/>
-          </a:stretch>
-        </p:blipFill>
-        <p:spPr>
-          <a:xfrm>
-            <a:off x="872490" y="1506855"/>
-            <a:ext cx="10447020" cy="4351020"/>
-          </a:xfrm>
-          <a:prstGeom prst="rect">
-            <a:avLst/>
-          </a:prstGeom>
-        </p:spPr>
-      </p:pic>
-    </p:spTree>
-  </p:cSld>
-  <p:clrMapOvr>
-    <a:masterClrMapping/>
-  </p:clrMapOvr>
-  <mc:AlternateContent xmlns:mc="http://schemas.openxmlformats.org/markup-compatibility/2006">
-    <mc:Choice xmlns:p14="http://schemas.microsoft.com/office/powerpoint/2010/main" Requires="p14">
-      <p:transition spd="med" p14:dur="700" advClick="0" advTm="3000">
-        <p:fade/>
-      </p:transition>
-    </mc:Choice>
-    <mc:Fallback>
-      <p:transition spd="med" advClick="0" advTm="3000">
-        <p:fade/>
-      </p:transition>
-    </mc:Fallback>
-  </mc:AlternateContent>
-  <p:timing>
-    <p:tnLst>
-      <p:par>
-        <p:cTn id="1" dur="indefinite" restart="never" nodeType="tmRoot"/>
-      </p:par>
-    </p:tnLst>
-  </p:timing>
-</p:sld>
-</file>
-
 <file path=ppt/slides/slide2.xml><?xml version="1.0" encoding="utf-8"?>
 <p:sld xmlns:a="http://schemas.openxmlformats.org/drawingml/2006/main" xmlns:r="http://schemas.openxmlformats.org/officeDocument/2006/relationships" xmlns:p="http://schemas.openxmlformats.org/presentationml/2006/main">
   <p:cSld>
@@ -14805,6 +14921,7 @@
               <a:solidFill>
                 <a:prstClr val="white"/>
               </a:solidFill>
+              <a:cs typeface="宋体" panose="02010600030101010101" pitchFamily="2" charset="-122"/>
             </a:endParaRPr>
           </a:p>
         </p:txBody>
@@ -14837,8 +14954,9 @@
                 <a:solidFill>
                   <a:prstClr val="white"/>
                 </a:solidFill>
-                <a:latin typeface="等线" panose="02010600030101010101" pitchFamily="2" charset="-122"/>
-                <a:ea typeface="等线" panose="02010600030101010101" pitchFamily="2" charset="-122"/>
+                <a:latin typeface="宋体" panose="02010600030101010101" pitchFamily="2" charset="-122"/>
+                <a:ea typeface="宋体" panose="02010600030101010101" pitchFamily="2" charset="-122"/>
+                <a:cs typeface="宋体" panose="02010600030101010101" pitchFamily="2" charset="-122"/>
               </a:rPr>
               <a:t>CONTENTS</a:t>
             </a:r>
@@ -14846,8 +14964,9 @@
               <a:solidFill>
                 <a:prstClr val="white"/>
               </a:solidFill>
-              <a:latin typeface="等线" panose="02010600030101010101" pitchFamily="2" charset="-122"/>
-              <a:ea typeface="等线" panose="02010600030101010101" pitchFamily="2" charset="-122"/>
+              <a:latin typeface="宋体" panose="02010600030101010101" pitchFamily="2" charset="-122"/>
+              <a:ea typeface="宋体" panose="02010600030101010101" pitchFamily="2" charset="-122"/>
+              <a:cs typeface="宋体" panose="02010600030101010101" pitchFamily="2" charset="-122"/>
             </a:endParaRPr>
           </a:p>
         </p:txBody>
@@ -14879,8 +14998,9 @@
                 <a:solidFill>
                   <a:prstClr val="white"/>
                 </a:solidFill>
-                <a:latin typeface="等线" panose="02010600030101010101" pitchFamily="2" charset="-122"/>
-                <a:ea typeface="等线" panose="02010600030101010101" pitchFamily="2" charset="-122"/>
+                <a:latin typeface="宋体" panose="02010600030101010101" pitchFamily="2" charset="-122"/>
+                <a:ea typeface="宋体" panose="02010600030101010101" pitchFamily="2" charset="-122"/>
+                <a:cs typeface="宋体" panose="02010600030101010101" pitchFamily="2" charset="-122"/>
               </a:rPr>
               <a:t>目 录</a:t>
             </a:r>
@@ -14888,8 +15008,9 @@
               <a:solidFill>
                 <a:prstClr val="white"/>
               </a:solidFill>
-              <a:latin typeface="等线" panose="02010600030101010101" pitchFamily="2" charset="-122"/>
-              <a:ea typeface="等线" panose="02010600030101010101" pitchFamily="2" charset="-122"/>
+              <a:latin typeface="宋体" panose="02010600030101010101" pitchFamily="2" charset="-122"/>
+              <a:ea typeface="宋体" panose="02010600030101010101" pitchFamily="2" charset="-122"/>
+              <a:cs typeface="宋体" panose="02010600030101010101" pitchFamily="2" charset="-122"/>
             </a:endParaRPr>
           </a:p>
         </p:txBody>
@@ -14923,8 +15044,9 @@
                     <a:lumMod val="25000"/>
                   </a:srgbClr>
                 </a:solidFill>
-                <a:latin typeface="方正舒体" panose="02010601030101010101" pitchFamily="2" charset="-122"/>
-                <a:ea typeface="等线" panose="02010600030101010101" pitchFamily="2" charset="-122"/>
+                <a:latin typeface="宋体" panose="02010600030101010101" pitchFamily="2" charset="-122"/>
+                <a:ea typeface="宋体" panose="02010600030101010101" pitchFamily="2" charset="-122"/>
+                <a:cs typeface="宋体" panose="02010600030101010101" pitchFamily="2" charset="-122"/>
               </a:rPr>
               <a:t>PART 01  </a:t>
             </a:r>
@@ -14935,8 +15057,9 @@
                     <a:lumMod val="25000"/>
                   </a:srgbClr>
                 </a:solidFill>
-                <a:latin typeface="方正舒体" panose="02010601030101010101" pitchFamily="2" charset="-122"/>
-                <a:ea typeface="等线" panose="02010600030101010101" pitchFamily="2" charset="-122"/>
+                <a:latin typeface="宋体" panose="02010600030101010101" pitchFamily="2" charset="-122"/>
+                <a:ea typeface="宋体" panose="02010600030101010101" pitchFamily="2" charset="-122"/>
+                <a:cs typeface="宋体" panose="02010600030101010101" pitchFamily="2" charset="-122"/>
               </a:rPr>
               <a:t>课题简介</a:t>
             </a:r>
@@ -14946,8 +15069,9 @@
                   <a:lumMod val="25000"/>
                 </a:srgbClr>
               </a:solidFill>
-              <a:latin typeface="方正舒体" panose="02010601030101010101" pitchFamily="2" charset="-122"/>
-              <a:ea typeface="等线" panose="02010600030101010101" pitchFamily="2" charset="-122"/>
+              <a:latin typeface="宋体" panose="02010600030101010101" pitchFamily="2" charset="-122"/>
+              <a:ea typeface="宋体" panose="02010600030101010101" pitchFamily="2" charset="-122"/>
+              <a:cs typeface="宋体" panose="02010600030101010101" pitchFamily="2" charset="-122"/>
             </a:endParaRPr>
           </a:p>
         </p:txBody>
@@ -14981,8 +15105,9 @@
                     <a:lumMod val="25000"/>
                   </a:srgbClr>
                 </a:solidFill>
-                <a:latin typeface="方正舒体" panose="02010601030101010101" pitchFamily="2" charset="-122"/>
-                <a:ea typeface="等线" panose="02010600030101010101" pitchFamily="2" charset="-122"/>
+                <a:latin typeface="宋体" panose="02010600030101010101" pitchFamily="2" charset="-122"/>
+                <a:ea typeface="宋体" panose="02010600030101010101" pitchFamily="2" charset="-122"/>
+                <a:cs typeface="宋体" panose="02010600030101010101" pitchFamily="2" charset="-122"/>
               </a:rPr>
               <a:t>PART 02  </a:t>
             </a:r>
@@ -14993,8 +15118,9 @@
                     <a:lumMod val="25000"/>
                   </a:srgbClr>
                 </a:solidFill>
-                <a:latin typeface="方正舒体" panose="02010601030101010101" pitchFamily="2" charset="-122"/>
-                <a:ea typeface="等线" panose="02010600030101010101" pitchFamily="2" charset="-122"/>
+                <a:latin typeface="宋体" panose="02010600030101010101" pitchFamily="2" charset="-122"/>
+                <a:ea typeface="宋体" panose="02010600030101010101" pitchFamily="2" charset="-122"/>
+                <a:cs typeface="宋体" panose="02010600030101010101" pitchFamily="2" charset="-122"/>
               </a:rPr>
               <a:t>工作进展</a:t>
             </a:r>
@@ -15004,8 +15130,9 @@
                   <a:lumMod val="25000"/>
                 </a:srgbClr>
               </a:solidFill>
-              <a:latin typeface="方正舒体" panose="02010601030101010101" pitchFamily="2" charset="-122"/>
-              <a:ea typeface="等线" panose="02010600030101010101" pitchFamily="2" charset="-122"/>
+              <a:latin typeface="宋体" panose="02010600030101010101" pitchFamily="2" charset="-122"/>
+              <a:ea typeface="宋体" panose="02010600030101010101" pitchFamily="2" charset="-122"/>
+              <a:cs typeface="宋体" panose="02010600030101010101" pitchFamily="2" charset="-122"/>
             </a:endParaRPr>
           </a:p>
         </p:txBody>
@@ -15039,8 +15166,9 @@
                     <a:lumMod val="25000"/>
                   </a:srgbClr>
                 </a:solidFill>
-                <a:latin typeface="方正舒体" panose="02010601030101010101" pitchFamily="2" charset="-122"/>
-                <a:ea typeface="等线" panose="02010600030101010101" pitchFamily="2" charset="-122"/>
+                <a:latin typeface="宋体" panose="02010600030101010101" pitchFamily="2" charset="-122"/>
+                <a:ea typeface="宋体" panose="02010600030101010101" pitchFamily="2" charset="-122"/>
+                <a:cs typeface="宋体" panose="02010600030101010101" pitchFamily="2" charset="-122"/>
               </a:rPr>
               <a:t>PART 03  </a:t>
             </a:r>
@@ -15051,8 +15179,9 @@
                     <a:lumMod val="25000"/>
                   </a:srgbClr>
                 </a:solidFill>
-                <a:latin typeface="方正舒体" panose="02010601030101010101" pitchFamily="2" charset="-122"/>
-                <a:ea typeface="等线" panose="02010600030101010101" pitchFamily="2" charset="-122"/>
+                <a:latin typeface="宋体" panose="02010600030101010101" pitchFamily="2" charset="-122"/>
+                <a:ea typeface="宋体" panose="02010600030101010101" pitchFamily="2" charset="-122"/>
+                <a:cs typeface="宋体" panose="02010600030101010101" pitchFamily="2" charset="-122"/>
               </a:rPr>
               <a:t>后续安排</a:t>
             </a:r>
@@ -15062,8 +15191,9 @@
                   <a:lumMod val="25000"/>
                 </a:srgbClr>
               </a:solidFill>
-              <a:latin typeface="方正舒体" panose="02010601030101010101" pitchFamily="2" charset="-122"/>
-              <a:ea typeface="等线" panose="02010600030101010101" pitchFamily="2" charset="-122"/>
+              <a:latin typeface="宋体" panose="02010600030101010101" pitchFamily="2" charset="-122"/>
+              <a:ea typeface="宋体" panose="02010600030101010101" pitchFamily="2" charset="-122"/>
+              <a:cs typeface="宋体" panose="02010600030101010101" pitchFamily="2" charset="-122"/>
             </a:endParaRPr>
           </a:p>
         </p:txBody>
@@ -15097,8 +15227,9 @@
                     <a:lumMod val="25000"/>
                   </a:srgbClr>
                 </a:solidFill>
-                <a:latin typeface="方正舒体" panose="02010601030101010101" pitchFamily="2" charset="-122"/>
-                <a:ea typeface="等线" panose="02010600030101010101" pitchFamily="2" charset="-122"/>
+                <a:latin typeface="宋体" panose="02010600030101010101" pitchFamily="2" charset="-122"/>
+                <a:ea typeface="宋体" panose="02010600030101010101" pitchFamily="2" charset="-122"/>
+                <a:cs typeface="宋体" panose="02010600030101010101" pitchFamily="2" charset="-122"/>
               </a:rPr>
               <a:t>PART 04  </a:t>
             </a:r>
@@ -15109,8 +15240,9 @@
                     <a:lumMod val="25000"/>
                   </a:srgbClr>
                 </a:solidFill>
-                <a:latin typeface="方正舒体" panose="02010601030101010101" pitchFamily="2" charset="-122"/>
-                <a:ea typeface="等线" panose="02010600030101010101" pitchFamily="2" charset="-122"/>
+                <a:latin typeface="宋体" panose="02010600030101010101" pitchFamily="2" charset="-122"/>
+                <a:ea typeface="宋体" panose="02010600030101010101" pitchFamily="2" charset="-122"/>
+                <a:cs typeface="宋体" panose="02010600030101010101" pitchFamily="2" charset="-122"/>
               </a:rPr>
               <a:t>参考文献</a:t>
             </a:r>
@@ -15120,8 +15252,9 @@
                   <a:lumMod val="25000"/>
                 </a:srgbClr>
               </a:solidFill>
-              <a:latin typeface="方正舒体" panose="02010601030101010101" pitchFamily="2" charset="-122"/>
-              <a:ea typeface="等线" panose="02010600030101010101" pitchFamily="2" charset="-122"/>
+              <a:latin typeface="宋体" panose="02010600030101010101" pitchFamily="2" charset="-122"/>
+              <a:ea typeface="宋体" panose="02010600030101010101" pitchFamily="2" charset="-122"/>
+              <a:cs typeface="宋体" panose="02010600030101010101" pitchFamily="2" charset="-122"/>
             </a:endParaRPr>
           </a:p>
         </p:txBody>
@@ -15809,6 +15942,7 @@
               <a:solidFill>
                 <a:prstClr val="white"/>
               </a:solidFill>
+              <a:cs typeface="宋体" panose="02010600030101010101" pitchFamily="2" charset="-122"/>
             </a:endParaRPr>
           </a:p>
         </p:txBody>
@@ -15884,8 +16018,9 @@
                     <a:lumMod val="25000"/>
                   </a:srgbClr>
                 </a:solidFill>
-                <a:latin typeface="方正舒体" panose="02010601030101010101" pitchFamily="2" charset="-122"/>
-                <a:ea typeface="等线" panose="02010600030101010101" pitchFamily="2" charset="-122"/>
+                <a:latin typeface="宋体" panose="02010600030101010101" pitchFamily="2" charset="-122"/>
+                <a:ea typeface="宋体" panose="02010600030101010101" pitchFamily="2" charset="-122"/>
+                <a:cs typeface="宋体" panose="02010600030101010101" pitchFamily="2" charset="-122"/>
                 <a:sym typeface="+mn-ea"/>
               </a:rPr>
               <a:t>PART 02</a:t>
@@ -15895,8 +16030,9 @@
                 <a:solidFill>
                   <a:schemeClr val="tx1"/>
                 </a:solidFill>
-                <a:latin typeface="方正舒体" panose="02010601030101010101" pitchFamily="2" charset="-122"/>
-                <a:ea typeface="等线" panose="02010600030101010101" pitchFamily="2" charset="-122"/>
+                <a:latin typeface="宋体" panose="02010600030101010101" pitchFamily="2" charset="-122"/>
+                <a:ea typeface="宋体" panose="02010600030101010101" pitchFamily="2" charset="-122"/>
+                <a:cs typeface="宋体" panose="02010600030101010101" pitchFamily="2" charset="-122"/>
                 <a:sym typeface="+mn-ea"/>
               </a:rPr>
               <a:t>  </a:t>
@@ -15906,8 +16042,9 @@
                 <a:solidFill>
                   <a:schemeClr val="tx1"/>
                 </a:solidFill>
-                <a:latin typeface="方正舒体" panose="02010601030101010101" pitchFamily="2" charset="-122"/>
-                <a:ea typeface="等线" panose="02010600030101010101" pitchFamily="2" charset="-122"/>
+                <a:latin typeface="宋体" panose="02010600030101010101" pitchFamily="2" charset="-122"/>
+                <a:ea typeface="宋体" panose="02010600030101010101" pitchFamily="2" charset="-122"/>
+                <a:cs typeface="宋体" panose="02010600030101010101" pitchFamily="2" charset="-122"/>
                 <a:sym typeface="+mn-ea"/>
               </a:rPr>
               <a:t>工作进展</a:t>
@@ -15916,8 +16053,9 @@
               <a:solidFill>
                 <a:schemeClr val="tx1"/>
               </a:solidFill>
-              <a:latin typeface="方正舒体" panose="02010601030101010101" pitchFamily="2" charset="-122"/>
-              <a:ea typeface="等线" panose="02010600030101010101" pitchFamily="2" charset="-122"/>
+              <a:latin typeface="宋体" panose="02010600030101010101" pitchFamily="2" charset="-122"/>
+              <a:ea typeface="宋体" panose="02010600030101010101" pitchFamily="2" charset="-122"/>
+              <a:cs typeface="宋体" panose="02010600030101010101" pitchFamily="2" charset="-122"/>
               <a:sym typeface="+mn-ea"/>
             </a:endParaRPr>
           </a:p>
@@ -15955,8 +16093,999 @@
               <a:highlight>
                 <a:srgbClr val="000080"/>
               </a:highlight>
-              <a:latin typeface="方正姚体" panose="02010601030101010101" pitchFamily="2" charset="-122"/>
-              <a:ea typeface="方正姚体" panose="02010601030101010101" pitchFamily="2" charset="-122"/>
+              <a:latin typeface="宋体" panose="02010600030101010101" pitchFamily="2" charset="-122"/>
+              <a:ea typeface="宋体" panose="02010600030101010101" pitchFamily="2" charset="-122"/>
+              <a:cs typeface="宋体" panose="02010600030101010101" pitchFamily="2" charset="-122"/>
+            </a:endParaRPr>
+          </a:p>
+        </p:txBody>
+      </p:sp>
+      <p:pic>
+        <p:nvPicPr>
+          <p:cNvPr id="5" name="图片 4"/>
+          <p:cNvPicPr>
+            <a:picLocks noChangeAspect="1"/>
+          </p:cNvPicPr>
+          <p:nvPr/>
+        </p:nvPicPr>
+        <p:blipFill>
+          <a:blip r:embed="rId1"/>
+          <a:stretch>
+            <a:fillRect/>
+          </a:stretch>
+        </p:blipFill>
+        <p:spPr>
+          <a:xfrm>
+            <a:off x="737870" y="1419225"/>
+            <a:ext cx="10715625" cy="4019550"/>
+          </a:xfrm>
+          <a:prstGeom prst="rect">
+            <a:avLst/>
+          </a:prstGeom>
+        </p:spPr>
+      </p:pic>
+    </p:spTree>
+  </p:cSld>
+  <p:clrMapOvr>
+    <a:masterClrMapping/>
+  </p:clrMapOvr>
+  <mc:AlternateContent xmlns:mc="http://schemas.openxmlformats.org/markup-compatibility/2006">
+    <mc:Choice xmlns:p14="http://schemas.microsoft.com/office/powerpoint/2010/main" Requires="p14">
+      <p:transition spd="med" p14:dur="700" advClick="0" advTm="3000">
+        <p:fade/>
+      </p:transition>
+    </mc:Choice>
+    <mc:Fallback>
+      <p:transition spd="med" advClick="0" advTm="3000">
+        <p:fade/>
+      </p:transition>
+    </mc:Fallback>
+  </mc:AlternateContent>
+  <p:timing>
+    <p:tnLst>
+      <p:par>
+        <p:cTn id="1" dur="indefinite" restart="never" nodeType="tmRoot"/>
+      </p:par>
+    </p:tnLst>
+  </p:timing>
+</p:sld>
+</file>
+
+<file path=ppt/slides/slide21.xml><?xml version="1.0" encoding="utf-8"?>
+<p:sld xmlns:a="http://schemas.openxmlformats.org/drawingml/2006/main" xmlns:r="http://schemas.openxmlformats.org/officeDocument/2006/relationships" xmlns:p="http://schemas.openxmlformats.org/presentationml/2006/main">
+  <p:cSld>
+    <p:spTree>
+      <p:nvGrpSpPr>
+        <p:cNvPr id="1" name=""/>
+        <p:cNvGrpSpPr/>
+        <p:nvPr/>
+      </p:nvGrpSpPr>
+      <p:grpSpPr>
+        <a:xfrm>
+          <a:off x="0" y="0"/>
+          <a:ext cx="0" cy="0"/>
+          <a:chOff x="0" y="0"/>
+          <a:chExt cx="0" cy="0"/>
+        </a:xfrm>
+      </p:grpSpPr>
+      <p:sp>
+        <p:nvSpPr>
+          <p:cNvPr id="4" name="任意多边形 3"/>
+          <p:cNvSpPr/>
+          <p:nvPr/>
+        </p:nvSpPr>
+        <p:spPr>
+          <a:xfrm flipV="1">
+            <a:off x="0" y="279399"/>
+            <a:ext cx="812800" cy="456199"/>
+          </a:xfrm>
+          <a:custGeom>
+            <a:avLst/>
+            <a:gdLst>
+              <a:gd name="connsiteX0" fmla="*/ 0 w 660400"/>
+              <a:gd name="connsiteY0" fmla="*/ 0 h 407402"/>
+              <a:gd name="connsiteX1" fmla="*/ 660400 w 660400"/>
+              <a:gd name="connsiteY1" fmla="*/ 0 h 407402"/>
+              <a:gd name="connsiteX2" fmla="*/ 317500 w 660400"/>
+              <a:gd name="connsiteY2" fmla="*/ 407402 h 407402"/>
+              <a:gd name="connsiteX3" fmla="*/ 0 w 660400"/>
+              <a:gd name="connsiteY3" fmla="*/ 407402 h 407402"/>
+              <a:gd name="connsiteX4" fmla="*/ 0 w 660400"/>
+              <a:gd name="connsiteY4" fmla="*/ 0 h 407402"/>
+            </a:gdLst>
+            <a:ahLst/>
+            <a:cxnLst>
+              <a:cxn ang="0">
+                <a:pos x="connsiteX0" y="connsiteY0"/>
+              </a:cxn>
+              <a:cxn ang="0">
+                <a:pos x="connsiteX1" y="connsiteY1"/>
+              </a:cxn>
+              <a:cxn ang="0">
+                <a:pos x="connsiteX2" y="connsiteY2"/>
+              </a:cxn>
+              <a:cxn ang="0">
+                <a:pos x="connsiteX3" y="connsiteY3"/>
+              </a:cxn>
+              <a:cxn ang="0">
+                <a:pos x="connsiteX4" y="connsiteY4"/>
+              </a:cxn>
+            </a:cxnLst>
+            <a:rect l="l" t="t" r="r" b="b"/>
+            <a:pathLst>
+              <a:path w="660400" h="407402">
+                <a:moveTo>
+                  <a:pt x="0" y="0"/>
+                </a:moveTo>
+                <a:lnTo>
+                  <a:pt x="660400" y="0"/>
+                </a:lnTo>
+                <a:lnTo>
+                  <a:pt x="317500" y="407402"/>
+                </a:lnTo>
+                <a:lnTo>
+                  <a:pt x="0" y="407402"/>
+                </a:lnTo>
+                <a:lnTo>
+                  <a:pt x="0" y="0"/>
+                </a:lnTo>
+                <a:close/>
+              </a:path>
+            </a:pathLst>
+          </a:custGeom>
+          <a:solidFill>
+            <a:srgbClr val="012060"/>
+          </a:solidFill>
+          <a:ln>
+            <a:noFill/>
+          </a:ln>
+          <a:effectLst>
+            <a:outerShdw blurRad="38100" sx="101000" sy="101000" algn="ctr" rotWithShape="0">
+              <a:prstClr val="black">
+                <a:alpha val="40000"/>
+              </a:prstClr>
+            </a:outerShdw>
+          </a:effectLst>
+        </p:spPr>
+        <p:style>
+          <a:lnRef idx="2">
+            <a:schemeClr val="accent1">
+              <a:shade val="50000"/>
+            </a:schemeClr>
+          </a:lnRef>
+          <a:fillRef idx="1">
+            <a:schemeClr val="accent1"/>
+          </a:fillRef>
+          <a:effectRef idx="0">
+            <a:schemeClr val="accent1"/>
+          </a:effectRef>
+          <a:fontRef idx="minor">
+            <a:schemeClr val="lt1"/>
+          </a:fontRef>
+        </p:style>
+        <p:txBody>
+          <a:bodyPr rtlCol="0" anchor="ctr"/>
+          <a:lstStyle/>
+          <a:p>
+            <a:pPr algn="ctr"/>
+            <a:endParaRPr lang="zh-CN" altLang="en-US">
+              <a:solidFill>
+                <a:prstClr val="white"/>
+              </a:solidFill>
+              <a:cs typeface="宋体" panose="02010600030101010101" pitchFamily="2" charset="-122"/>
+            </a:endParaRPr>
+          </a:p>
+        </p:txBody>
+      </p:sp>
+      <p:cxnSp>
+        <p:nvCxnSpPr>
+          <p:cNvPr id="6" name="直接连接符 5"/>
+          <p:cNvCxnSpPr/>
+          <p:nvPr/>
+        </p:nvCxnSpPr>
+        <p:spPr>
+          <a:xfrm>
+            <a:off x="800100" y="735598"/>
+            <a:ext cx="11303000" cy="0"/>
+          </a:xfrm>
+          <a:prstGeom prst="line">
+            <a:avLst/>
+          </a:prstGeom>
+          <a:ln w="28575">
+            <a:solidFill>
+              <a:srgbClr val="012060"/>
+            </a:solidFill>
+          </a:ln>
+          <a:effectLst>
+            <a:outerShdw blurRad="63500" sx="102000" sy="102000" algn="ctr" rotWithShape="0">
+              <a:prstClr val="black">
+                <a:alpha val="40000"/>
+              </a:prstClr>
+            </a:outerShdw>
+          </a:effectLst>
+        </p:spPr>
+        <p:style>
+          <a:lnRef idx="1">
+            <a:schemeClr val="accent1"/>
+          </a:lnRef>
+          <a:fillRef idx="0">
+            <a:schemeClr val="accent1"/>
+          </a:fillRef>
+          <a:effectRef idx="0">
+            <a:schemeClr val="accent1"/>
+          </a:effectRef>
+          <a:fontRef idx="minor">
+            <a:schemeClr val="tx1"/>
+          </a:fontRef>
+        </p:style>
+      </p:cxnSp>
+      <p:sp>
+        <p:nvSpPr>
+          <p:cNvPr id="9" name="文本框 8"/>
+          <p:cNvSpPr txBox="1"/>
+          <p:nvPr/>
+        </p:nvSpPr>
+        <p:spPr>
+          <a:xfrm>
+            <a:off x="800100" y="212378"/>
+            <a:ext cx="4271181" cy="521970"/>
+          </a:xfrm>
+          <a:prstGeom prst="rect">
+            <a:avLst/>
+          </a:prstGeom>
+          <a:noFill/>
+        </p:spPr>
+        <p:txBody>
+          <a:bodyPr wrap="square" rtlCol="0">
+            <a:spAutoFit/>
+          </a:bodyPr>
+          <a:lstStyle/>
+          <a:p>
+            <a:r>
+              <a:rPr lang="en-US" altLang="zh-CN" sz="2800" b="1" dirty="0">
+                <a:solidFill>
+                  <a:srgbClr val="E7E6E6">
+                    <a:lumMod val="25000"/>
+                  </a:srgbClr>
+                </a:solidFill>
+                <a:latin typeface="宋体" panose="02010600030101010101" pitchFamily="2" charset="-122"/>
+                <a:ea typeface="宋体" panose="02010600030101010101" pitchFamily="2" charset="-122"/>
+                <a:cs typeface="宋体" panose="02010600030101010101" pitchFamily="2" charset="-122"/>
+                <a:sym typeface="+mn-ea"/>
+              </a:rPr>
+              <a:t>PART 02</a:t>
+            </a:r>
+            <a:r>
+              <a:rPr lang="en-US" altLang="zh-CN" sz="2800" b="1" dirty="0">
+                <a:solidFill>
+                  <a:schemeClr val="tx1"/>
+                </a:solidFill>
+                <a:latin typeface="宋体" panose="02010600030101010101" pitchFamily="2" charset="-122"/>
+                <a:ea typeface="宋体" panose="02010600030101010101" pitchFamily="2" charset="-122"/>
+                <a:cs typeface="宋体" panose="02010600030101010101" pitchFamily="2" charset="-122"/>
+                <a:sym typeface="+mn-ea"/>
+              </a:rPr>
+              <a:t>  </a:t>
+            </a:r>
+            <a:r>
+              <a:rPr lang="zh-CN" altLang="en-US" sz="2800" b="1" dirty="0">
+                <a:solidFill>
+                  <a:schemeClr val="tx1"/>
+                </a:solidFill>
+                <a:latin typeface="宋体" panose="02010600030101010101" pitchFamily="2" charset="-122"/>
+                <a:ea typeface="宋体" panose="02010600030101010101" pitchFamily="2" charset="-122"/>
+                <a:cs typeface="宋体" panose="02010600030101010101" pitchFamily="2" charset="-122"/>
+                <a:sym typeface="+mn-ea"/>
+              </a:rPr>
+              <a:t>工作进展</a:t>
+            </a:r>
+            <a:endParaRPr lang="zh-CN" altLang="en-US" sz="2800" b="1" dirty="0">
+              <a:solidFill>
+                <a:schemeClr val="tx1"/>
+              </a:solidFill>
+              <a:latin typeface="宋体" panose="02010600030101010101" pitchFamily="2" charset="-122"/>
+              <a:ea typeface="宋体" panose="02010600030101010101" pitchFamily="2" charset="-122"/>
+              <a:cs typeface="宋体" panose="02010600030101010101" pitchFamily="2" charset="-122"/>
+              <a:sym typeface="+mn-ea"/>
+            </a:endParaRPr>
+          </a:p>
+        </p:txBody>
+      </p:sp>
+      <p:sp>
+        <p:nvSpPr>
+          <p:cNvPr id="21" name="TextBox 20"/>
+          <p:cNvSpPr txBox="1"/>
+          <p:nvPr/>
+        </p:nvSpPr>
+        <p:spPr>
+          <a:xfrm>
+            <a:off x="5575935" y="1194435"/>
+            <a:ext cx="1920875" cy="430530"/>
+          </a:xfrm>
+          <a:prstGeom prst="rect">
+            <a:avLst/>
+          </a:prstGeom>
+          <a:solidFill>
+            <a:schemeClr val="bg1"/>
+          </a:solidFill>
+        </p:spPr>
+        <p:txBody>
+          <a:bodyPr wrap="square" lIns="0" tIns="0" rIns="0" bIns="0" rtlCol="0">
+            <a:spAutoFit/>
+          </a:bodyPr>
+          <a:lstStyle/>
+          <a:p>
+            <a:pPr algn="ctr"/>
+            <a:endParaRPr lang="zh-CN" altLang="en-US" sz="2800" b="1" spc="300" dirty="0">
+              <a:solidFill>
+                <a:prstClr val="white"/>
+              </a:solidFill>
+              <a:highlight>
+                <a:srgbClr val="000080"/>
+              </a:highlight>
+              <a:latin typeface="宋体" panose="02010600030101010101" pitchFamily="2" charset="-122"/>
+              <a:ea typeface="宋体" panose="02010600030101010101" pitchFamily="2" charset="-122"/>
+              <a:cs typeface="宋体" panose="02010600030101010101" pitchFamily="2" charset="-122"/>
+            </a:endParaRPr>
+          </a:p>
+        </p:txBody>
+      </p:sp>
+      <p:pic>
+        <p:nvPicPr>
+          <p:cNvPr id="2" name="图片 1"/>
+          <p:cNvPicPr>
+            <a:picLocks noChangeAspect="1"/>
+          </p:cNvPicPr>
+          <p:nvPr/>
+        </p:nvPicPr>
+        <p:blipFill>
+          <a:blip r:embed="rId1"/>
+          <a:stretch>
+            <a:fillRect/>
+          </a:stretch>
+        </p:blipFill>
+        <p:spPr>
+          <a:xfrm>
+            <a:off x="1559560" y="2306955"/>
+            <a:ext cx="9072880" cy="2675255"/>
+          </a:xfrm>
+          <a:prstGeom prst="rect">
+            <a:avLst/>
+          </a:prstGeom>
+        </p:spPr>
+      </p:pic>
+    </p:spTree>
+  </p:cSld>
+  <p:clrMapOvr>
+    <a:masterClrMapping/>
+  </p:clrMapOvr>
+  <mc:AlternateContent xmlns:mc="http://schemas.openxmlformats.org/markup-compatibility/2006">
+    <mc:Choice xmlns:p14="http://schemas.microsoft.com/office/powerpoint/2010/main" Requires="p14">
+      <p:transition spd="med" p14:dur="700" advClick="0" advTm="3000">
+        <p:fade/>
+      </p:transition>
+    </mc:Choice>
+    <mc:Fallback>
+      <p:transition spd="med" advClick="0" advTm="3000">
+        <p:fade/>
+      </p:transition>
+    </mc:Fallback>
+  </mc:AlternateContent>
+  <p:timing>
+    <p:tnLst>
+      <p:par>
+        <p:cTn id="1" dur="indefinite" restart="never" nodeType="tmRoot"/>
+      </p:par>
+    </p:tnLst>
+  </p:timing>
+</p:sld>
+</file>
+
+<file path=ppt/slides/slide22.xml><?xml version="1.0" encoding="utf-8"?>
+<p:sld xmlns:a="http://schemas.openxmlformats.org/drawingml/2006/main" xmlns:r="http://schemas.openxmlformats.org/officeDocument/2006/relationships" xmlns:p="http://schemas.openxmlformats.org/presentationml/2006/main">
+  <p:cSld>
+    <p:spTree>
+      <p:nvGrpSpPr>
+        <p:cNvPr id="1" name=""/>
+        <p:cNvGrpSpPr/>
+        <p:nvPr/>
+      </p:nvGrpSpPr>
+      <p:grpSpPr>
+        <a:xfrm>
+          <a:off x="0" y="0"/>
+          <a:ext cx="0" cy="0"/>
+          <a:chOff x="0" y="0"/>
+          <a:chExt cx="0" cy="0"/>
+        </a:xfrm>
+      </p:grpSpPr>
+      <p:sp>
+        <p:nvSpPr>
+          <p:cNvPr id="4" name="任意多边形 3"/>
+          <p:cNvSpPr/>
+          <p:nvPr/>
+        </p:nvSpPr>
+        <p:spPr>
+          <a:xfrm flipV="1">
+            <a:off x="0" y="279399"/>
+            <a:ext cx="812800" cy="456199"/>
+          </a:xfrm>
+          <a:custGeom>
+            <a:avLst/>
+            <a:gdLst>
+              <a:gd name="connsiteX0" fmla="*/ 0 w 660400"/>
+              <a:gd name="connsiteY0" fmla="*/ 0 h 407402"/>
+              <a:gd name="connsiteX1" fmla="*/ 660400 w 660400"/>
+              <a:gd name="connsiteY1" fmla="*/ 0 h 407402"/>
+              <a:gd name="connsiteX2" fmla="*/ 317500 w 660400"/>
+              <a:gd name="connsiteY2" fmla="*/ 407402 h 407402"/>
+              <a:gd name="connsiteX3" fmla="*/ 0 w 660400"/>
+              <a:gd name="connsiteY3" fmla="*/ 407402 h 407402"/>
+              <a:gd name="connsiteX4" fmla="*/ 0 w 660400"/>
+              <a:gd name="connsiteY4" fmla="*/ 0 h 407402"/>
+            </a:gdLst>
+            <a:ahLst/>
+            <a:cxnLst>
+              <a:cxn ang="0">
+                <a:pos x="connsiteX0" y="connsiteY0"/>
+              </a:cxn>
+              <a:cxn ang="0">
+                <a:pos x="connsiteX1" y="connsiteY1"/>
+              </a:cxn>
+              <a:cxn ang="0">
+                <a:pos x="connsiteX2" y="connsiteY2"/>
+              </a:cxn>
+              <a:cxn ang="0">
+                <a:pos x="connsiteX3" y="connsiteY3"/>
+              </a:cxn>
+              <a:cxn ang="0">
+                <a:pos x="connsiteX4" y="connsiteY4"/>
+              </a:cxn>
+            </a:cxnLst>
+            <a:rect l="l" t="t" r="r" b="b"/>
+            <a:pathLst>
+              <a:path w="660400" h="407402">
+                <a:moveTo>
+                  <a:pt x="0" y="0"/>
+                </a:moveTo>
+                <a:lnTo>
+                  <a:pt x="660400" y="0"/>
+                </a:lnTo>
+                <a:lnTo>
+                  <a:pt x="317500" y="407402"/>
+                </a:lnTo>
+                <a:lnTo>
+                  <a:pt x="0" y="407402"/>
+                </a:lnTo>
+                <a:lnTo>
+                  <a:pt x="0" y="0"/>
+                </a:lnTo>
+                <a:close/>
+              </a:path>
+            </a:pathLst>
+          </a:custGeom>
+          <a:solidFill>
+            <a:srgbClr val="012060"/>
+          </a:solidFill>
+          <a:ln>
+            <a:noFill/>
+          </a:ln>
+          <a:effectLst>
+            <a:outerShdw blurRad="38100" sx="101000" sy="101000" algn="ctr" rotWithShape="0">
+              <a:prstClr val="black">
+                <a:alpha val="40000"/>
+              </a:prstClr>
+            </a:outerShdw>
+          </a:effectLst>
+        </p:spPr>
+        <p:style>
+          <a:lnRef idx="2">
+            <a:schemeClr val="accent1">
+              <a:shade val="50000"/>
+            </a:schemeClr>
+          </a:lnRef>
+          <a:fillRef idx="1">
+            <a:schemeClr val="accent1"/>
+          </a:fillRef>
+          <a:effectRef idx="0">
+            <a:schemeClr val="accent1"/>
+          </a:effectRef>
+          <a:fontRef idx="minor">
+            <a:schemeClr val="lt1"/>
+          </a:fontRef>
+        </p:style>
+        <p:txBody>
+          <a:bodyPr rtlCol="0" anchor="ctr"/>
+          <a:lstStyle/>
+          <a:p>
+            <a:pPr algn="ctr"/>
+            <a:endParaRPr lang="zh-CN" altLang="en-US">
+              <a:solidFill>
+                <a:prstClr val="white"/>
+              </a:solidFill>
+              <a:cs typeface="宋体" panose="02010600030101010101" pitchFamily="2" charset="-122"/>
+            </a:endParaRPr>
+          </a:p>
+        </p:txBody>
+      </p:sp>
+      <p:cxnSp>
+        <p:nvCxnSpPr>
+          <p:cNvPr id="6" name="直接连接符 5"/>
+          <p:cNvCxnSpPr/>
+          <p:nvPr/>
+        </p:nvCxnSpPr>
+        <p:spPr>
+          <a:xfrm>
+            <a:off x="800100" y="735598"/>
+            <a:ext cx="11303000" cy="0"/>
+          </a:xfrm>
+          <a:prstGeom prst="line">
+            <a:avLst/>
+          </a:prstGeom>
+          <a:ln w="28575">
+            <a:solidFill>
+              <a:srgbClr val="012060"/>
+            </a:solidFill>
+          </a:ln>
+          <a:effectLst>
+            <a:outerShdw blurRad="63500" sx="102000" sy="102000" algn="ctr" rotWithShape="0">
+              <a:prstClr val="black">
+                <a:alpha val="40000"/>
+              </a:prstClr>
+            </a:outerShdw>
+          </a:effectLst>
+        </p:spPr>
+        <p:style>
+          <a:lnRef idx="1">
+            <a:schemeClr val="accent1"/>
+          </a:lnRef>
+          <a:fillRef idx="0">
+            <a:schemeClr val="accent1"/>
+          </a:fillRef>
+          <a:effectRef idx="0">
+            <a:schemeClr val="accent1"/>
+          </a:effectRef>
+          <a:fontRef idx="minor">
+            <a:schemeClr val="tx1"/>
+          </a:fontRef>
+        </p:style>
+      </p:cxnSp>
+      <p:sp>
+        <p:nvSpPr>
+          <p:cNvPr id="9" name="文本框 8"/>
+          <p:cNvSpPr txBox="1"/>
+          <p:nvPr/>
+        </p:nvSpPr>
+        <p:spPr>
+          <a:xfrm>
+            <a:off x="800100" y="212378"/>
+            <a:ext cx="4271181" cy="521970"/>
+          </a:xfrm>
+          <a:prstGeom prst="rect">
+            <a:avLst/>
+          </a:prstGeom>
+          <a:noFill/>
+        </p:spPr>
+        <p:txBody>
+          <a:bodyPr wrap="square" rtlCol="0">
+            <a:spAutoFit/>
+          </a:bodyPr>
+          <a:lstStyle/>
+          <a:p>
+            <a:r>
+              <a:rPr lang="en-US" altLang="zh-CN" sz="2800" b="1" dirty="0">
+                <a:solidFill>
+                  <a:srgbClr val="E7E6E6">
+                    <a:lumMod val="25000"/>
+                  </a:srgbClr>
+                </a:solidFill>
+                <a:latin typeface="宋体" panose="02010600030101010101" pitchFamily="2" charset="-122"/>
+                <a:ea typeface="宋体" panose="02010600030101010101" pitchFamily="2" charset="-122"/>
+                <a:cs typeface="宋体" panose="02010600030101010101" pitchFamily="2" charset="-122"/>
+                <a:sym typeface="+mn-ea"/>
+              </a:rPr>
+              <a:t>PART 02</a:t>
+            </a:r>
+            <a:r>
+              <a:rPr lang="en-US" altLang="zh-CN" sz="2800" b="1" dirty="0">
+                <a:solidFill>
+                  <a:schemeClr val="tx1"/>
+                </a:solidFill>
+                <a:latin typeface="宋体" panose="02010600030101010101" pitchFamily="2" charset="-122"/>
+                <a:ea typeface="宋体" panose="02010600030101010101" pitchFamily="2" charset="-122"/>
+                <a:cs typeface="宋体" panose="02010600030101010101" pitchFamily="2" charset="-122"/>
+                <a:sym typeface="+mn-ea"/>
+              </a:rPr>
+              <a:t>  </a:t>
+            </a:r>
+            <a:r>
+              <a:rPr lang="zh-CN" altLang="en-US" sz="2800" b="1" dirty="0">
+                <a:solidFill>
+                  <a:schemeClr val="tx1"/>
+                </a:solidFill>
+                <a:latin typeface="宋体" panose="02010600030101010101" pitchFamily="2" charset="-122"/>
+                <a:ea typeface="宋体" panose="02010600030101010101" pitchFamily="2" charset="-122"/>
+                <a:cs typeface="宋体" panose="02010600030101010101" pitchFamily="2" charset="-122"/>
+                <a:sym typeface="+mn-ea"/>
+              </a:rPr>
+              <a:t>工作进展</a:t>
+            </a:r>
+            <a:endParaRPr lang="zh-CN" altLang="en-US" sz="2800" b="1" dirty="0">
+              <a:solidFill>
+                <a:schemeClr val="tx1"/>
+              </a:solidFill>
+              <a:latin typeface="宋体" panose="02010600030101010101" pitchFamily="2" charset="-122"/>
+              <a:ea typeface="宋体" panose="02010600030101010101" pitchFamily="2" charset="-122"/>
+              <a:cs typeface="宋体" panose="02010600030101010101" pitchFamily="2" charset="-122"/>
+              <a:sym typeface="+mn-ea"/>
+            </a:endParaRPr>
+          </a:p>
+        </p:txBody>
+      </p:sp>
+      <p:sp>
+        <p:nvSpPr>
+          <p:cNvPr id="21" name="TextBox 20"/>
+          <p:cNvSpPr txBox="1"/>
+          <p:nvPr/>
+        </p:nvSpPr>
+        <p:spPr>
+          <a:xfrm>
+            <a:off x="5575935" y="1194435"/>
+            <a:ext cx="1920875" cy="430530"/>
+          </a:xfrm>
+          <a:prstGeom prst="rect">
+            <a:avLst/>
+          </a:prstGeom>
+          <a:solidFill>
+            <a:schemeClr val="bg1"/>
+          </a:solidFill>
+        </p:spPr>
+        <p:txBody>
+          <a:bodyPr wrap="square" lIns="0" tIns="0" rIns="0" bIns="0" rtlCol="0">
+            <a:spAutoFit/>
+          </a:bodyPr>
+          <a:lstStyle/>
+          <a:p>
+            <a:pPr algn="ctr"/>
+            <a:endParaRPr lang="zh-CN" altLang="en-US" sz="2800" b="1" spc="300" dirty="0">
+              <a:solidFill>
+                <a:prstClr val="white"/>
+              </a:solidFill>
+              <a:highlight>
+                <a:srgbClr val="000080"/>
+              </a:highlight>
+              <a:latin typeface="宋体" panose="02010600030101010101" pitchFamily="2" charset="-122"/>
+              <a:ea typeface="宋体" panose="02010600030101010101" pitchFamily="2" charset="-122"/>
+              <a:cs typeface="宋体" panose="02010600030101010101" pitchFamily="2" charset="-122"/>
+            </a:endParaRPr>
+          </a:p>
+        </p:txBody>
+      </p:sp>
+      <p:pic>
+        <p:nvPicPr>
+          <p:cNvPr id="3" name="图片 2"/>
+          <p:cNvPicPr>
+            <a:picLocks noChangeAspect="1"/>
+          </p:cNvPicPr>
+          <p:nvPr/>
+        </p:nvPicPr>
+        <p:blipFill>
+          <a:blip r:embed="rId1"/>
+          <a:stretch>
+            <a:fillRect/>
+          </a:stretch>
+        </p:blipFill>
+        <p:spPr>
+          <a:xfrm>
+            <a:off x="872490" y="1506855"/>
+            <a:ext cx="10447020" cy="4351020"/>
+          </a:xfrm>
+          <a:prstGeom prst="rect">
+            <a:avLst/>
+          </a:prstGeom>
+        </p:spPr>
+      </p:pic>
+    </p:spTree>
+  </p:cSld>
+  <p:clrMapOvr>
+    <a:masterClrMapping/>
+  </p:clrMapOvr>
+  <mc:AlternateContent xmlns:mc="http://schemas.openxmlformats.org/markup-compatibility/2006">
+    <mc:Choice xmlns:p14="http://schemas.microsoft.com/office/powerpoint/2010/main" Requires="p14">
+      <p:transition spd="med" p14:dur="700" advClick="0" advTm="3000">
+        <p:fade/>
+      </p:transition>
+    </mc:Choice>
+    <mc:Fallback>
+      <p:transition spd="med" advClick="0" advTm="3000">
+        <p:fade/>
+      </p:transition>
+    </mc:Fallback>
+  </mc:AlternateContent>
+  <p:timing>
+    <p:tnLst>
+      <p:par>
+        <p:cTn id="1" dur="indefinite" restart="never" nodeType="tmRoot"/>
+      </p:par>
+    </p:tnLst>
+  </p:timing>
+</p:sld>
+</file>
+
+<file path=ppt/slides/slide23.xml><?xml version="1.0" encoding="utf-8"?>
+<p:sld xmlns:a="http://schemas.openxmlformats.org/drawingml/2006/main" xmlns:r="http://schemas.openxmlformats.org/officeDocument/2006/relationships" xmlns:p="http://schemas.openxmlformats.org/presentationml/2006/main">
+  <p:cSld>
+    <p:spTree>
+      <p:nvGrpSpPr>
+        <p:cNvPr id="1" name=""/>
+        <p:cNvGrpSpPr/>
+        <p:nvPr/>
+      </p:nvGrpSpPr>
+      <p:grpSpPr>
+        <a:xfrm>
+          <a:off x="0" y="0"/>
+          <a:ext cx="0" cy="0"/>
+          <a:chOff x="0" y="0"/>
+          <a:chExt cx="0" cy="0"/>
+        </a:xfrm>
+      </p:grpSpPr>
+      <p:sp>
+        <p:nvSpPr>
+          <p:cNvPr id="4" name="任意多边形 3"/>
+          <p:cNvSpPr/>
+          <p:nvPr/>
+        </p:nvSpPr>
+        <p:spPr>
+          <a:xfrm flipV="1">
+            <a:off x="0" y="279399"/>
+            <a:ext cx="812800" cy="456199"/>
+          </a:xfrm>
+          <a:custGeom>
+            <a:avLst/>
+            <a:gdLst>
+              <a:gd name="connsiteX0" fmla="*/ 0 w 660400"/>
+              <a:gd name="connsiteY0" fmla="*/ 0 h 407402"/>
+              <a:gd name="connsiteX1" fmla="*/ 660400 w 660400"/>
+              <a:gd name="connsiteY1" fmla="*/ 0 h 407402"/>
+              <a:gd name="connsiteX2" fmla="*/ 317500 w 660400"/>
+              <a:gd name="connsiteY2" fmla="*/ 407402 h 407402"/>
+              <a:gd name="connsiteX3" fmla="*/ 0 w 660400"/>
+              <a:gd name="connsiteY3" fmla="*/ 407402 h 407402"/>
+              <a:gd name="connsiteX4" fmla="*/ 0 w 660400"/>
+              <a:gd name="connsiteY4" fmla="*/ 0 h 407402"/>
+            </a:gdLst>
+            <a:ahLst/>
+            <a:cxnLst>
+              <a:cxn ang="0">
+                <a:pos x="connsiteX0" y="connsiteY0"/>
+              </a:cxn>
+              <a:cxn ang="0">
+                <a:pos x="connsiteX1" y="connsiteY1"/>
+              </a:cxn>
+              <a:cxn ang="0">
+                <a:pos x="connsiteX2" y="connsiteY2"/>
+              </a:cxn>
+              <a:cxn ang="0">
+                <a:pos x="connsiteX3" y="connsiteY3"/>
+              </a:cxn>
+              <a:cxn ang="0">
+                <a:pos x="connsiteX4" y="connsiteY4"/>
+              </a:cxn>
+            </a:cxnLst>
+            <a:rect l="l" t="t" r="r" b="b"/>
+            <a:pathLst>
+              <a:path w="660400" h="407402">
+                <a:moveTo>
+                  <a:pt x="0" y="0"/>
+                </a:moveTo>
+                <a:lnTo>
+                  <a:pt x="660400" y="0"/>
+                </a:lnTo>
+                <a:lnTo>
+                  <a:pt x="317500" y="407402"/>
+                </a:lnTo>
+                <a:lnTo>
+                  <a:pt x="0" y="407402"/>
+                </a:lnTo>
+                <a:lnTo>
+                  <a:pt x="0" y="0"/>
+                </a:lnTo>
+                <a:close/>
+              </a:path>
+            </a:pathLst>
+          </a:custGeom>
+          <a:solidFill>
+            <a:srgbClr val="012060"/>
+          </a:solidFill>
+          <a:ln>
+            <a:noFill/>
+          </a:ln>
+          <a:effectLst>
+            <a:outerShdw blurRad="38100" sx="101000" sy="101000" algn="ctr" rotWithShape="0">
+              <a:prstClr val="black">
+                <a:alpha val="40000"/>
+              </a:prstClr>
+            </a:outerShdw>
+          </a:effectLst>
+        </p:spPr>
+        <p:style>
+          <a:lnRef idx="2">
+            <a:schemeClr val="accent1">
+              <a:shade val="50000"/>
+            </a:schemeClr>
+          </a:lnRef>
+          <a:fillRef idx="1">
+            <a:schemeClr val="accent1"/>
+          </a:fillRef>
+          <a:effectRef idx="0">
+            <a:schemeClr val="accent1"/>
+          </a:effectRef>
+          <a:fontRef idx="minor">
+            <a:schemeClr val="lt1"/>
+          </a:fontRef>
+        </p:style>
+        <p:txBody>
+          <a:bodyPr rtlCol="0" anchor="ctr"/>
+          <a:lstStyle/>
+          <a:p>
+            <a:pPr algn="ctr"/>
+            <a:endParaRPr lang="zh-CN" altLang="en-US">
+              <a:solidFill>
+                <a:prstClr val="white"/>
+              </a:solidFill>
+              <a:cs typeface="宋体" panose="02010600030101010101" pitchFamily="2" charset="-122"/>
+            </a:endParaRPr>
+          </a:p>
+        </p:txBody>
+      </p:sp>
+      <p:cxnSp>
+        <p:nvCxnSpPr>
+          <p:cNvPr id="6" name="直接连接符 5"/>
+          <p:cNvCxnSpPr/>
+          <p:nvPr/>
+        </p:nvCxnSpPr>
+        <p:spPr>
+          <a:xfrm>
+            <a:off x="800100" y="735598"/>
+            <a:ext cx="11303000" cy="0"/>
+          </a:xfrm>
+          <a:prstGeom prst="line">
+            <a:avLst/>
+          </a:prstGeom>
+          <a:ln w="28575">
+            <a:solidFill>
+              <a:srgbClr val="012060"/>
+            </a:solidFill>
+          </a:ln>
+          <a:effectLst>
+            <a:outerShdw blurRad="63500" sx="102000" sy="102000" algn="ctr" rotWithShape="0">
+              <a:prstClr val="black">
+                <a:alpha val="40000"/>
+              </a:prstClr>
+            </a:outerShdw>
+          </a:effectLst>
+        </p:spPr>
+        <p:style>
+          <a:lnRef idx="1">
+            <a:schemeClr val="accent1"/>
+          </a:lnRef>
+          <a:fillRef idx="0">
+            <a:schemeClr val="accent1"/>
+          </a:fillRef>
+          <a:effectRef idx="0">
+            <a:schemeClr val="accent1"/>
+          </a:effectRef>
+          <a:fontRef idx="minor">
+            <a:schemeClr val="tx1"/>
+          </a:fontRef>
+        </p:style>
+      </p:cxnSp>
+      <p:sp>
+        <p:nvSpPr>
+          <p:cNvPr id="9" name="文本框 8"/>
+          <p:cNvSpPr txBox="1"/>
+          <p:nvPr/>
+        </p:nvSpPr>
+        <p:spPr>
+          <a:xfrm>
+            <a:off x="800100" y="212378"/>
+            <a:ext cx="4271181" cy="521970"/>
+          </a:xfrm>
+          <a:prstGeom prst="rect">
+            <a:avLst/>
+          </a:prstGeom>
+          <a:noFill/>
+        </p:spPr>
+        <p:txBody>
+          <a:bodyPr wrap="square" rtlCol="0">
+            <a:spAutoFit/>
+          </a:bodyPr>
+          <a:lstStyle/>
+          <a:p>
+            <a:r>
+              <a:rPr lang="en-US" altLang="zh-CN" sz="2800" b="1" dirty="0">
+                <a:solidFill>
+                  <a:srgbClr val="E7E6E6">
+                    <a:lumMod val="25000"/>
+                  </a:srgbClr>
+                </a:solidFill>
+                <a:latin typeface="宋体" panose="02010600030101010101" pitchFamily="2" charset="-122"/>
+                <a:ea typeface="宋体" panose="02010600030101010101" pitchFamily="2" charset="-122"/>
+                <a:cs typeface="宋体" panose="02010600030101010101" pitchFamily="2" charset="-122"/>
+                <a:sym typeface="+mn-ea"/>
+              </a:rPr>
+              <a:t>PART 02</a:t>
+            </a:r>
+            <a:r>
+              <a:rPr lang="en-US" altLang="zh-CN" sz="2800" b="1" dirty="0">
+                <a:solidFill>
+                  <a:schemeClr val="tx1"/>
+                </a:solidFill>
+                <a:latin typeface="宋体" panose="02010600030101010101" pitchFamily="2" charset="-122"/>
+                <a:ea typeface="宋体" panose="02010600030101010101" pitchFamily="2" charset="-122"/>
+                <a:cs typeface="宋体" panose="02010600030101010101" pitchFamily="2" charset="-122"/>
+                <a:sym typeface="+mn-ea"/>
+              </a:rPr>
+              <a:t>  </a:t>
+            </a:r>
+            <a:r>
+              <a:rPr lang="zh-CN" altLang="en-US" sz="2800" b="1" dirty="0">
+                <a:solidFill>
+                  <a:schemeClr val="tx1"/>
+                </a:solidFill>
+                <a:latin typeface="宋体" panose="02010600030101010101" pitchFamily="2" charset="-122"/>
+                <a:ea typeface="宋体" panose="02010600030101010101" pitchFamily="2" charset="-122"/>
+                <a:cs typeface="宋体" panose="02010600030101010101" pitchFamily="2" charset="-122"/>
+                <a:sym typeface="+mn-ea"/>
+              </a:rPr>
+              <a:t>工作进展</a:t>
+            </a:r>
+            <a:endParaRPr lang="zh-CN" altLang="en-US" sz="2800" b="1" dirty="0">
+              <a:solidFill>
+                <a:schemeClr val="tx1"/>
+              </a:solidFill>
+              <a:latin typeface="宋体" panose="02010600030101010101" pitchFamily="2" charset="-122"/>
+              <a:ea typeface="宋体" panose="02010600030101010101" pitchFamily="2" charset="-122"/>
+              <a:cs typeface="宋体" panose="02010600030101010101" pitchFamily="2" charset="-122"/>
+              <a:sym typeface="+mn-ea"/>
+            </a:endParaRPr>
+          </a:p>
+        </p:txBody>
+      </p:sp>
+      <p:sp>
+        <p:nvSpPr>
+          <p:cNvPr id="21" name="TextBox 20"/>
+          <p:cNvSpPr txBox="1"/>
+          <p:nvPr/>
+        </p:nvSpPr>
+        <p:spPr>
+          <a:xfrm>
+            <a:off x="5575935" y="1194435"/>
+            <a:ext cx="1920875" cy="430530"/>
+          </a:xfrm>
+          <a:prstGeom prst="rect">
+            <a:avLst/>
+          </a:prstGeom>
+          <a:solidFill>
+            <a:schemeClr val="bg1"/>
+          </a:solidFill>
+        </p:spPr>
+        <p:txBody>
+          <a:bodyPr wrap="square" lIns="0" tIns="0" rIns="0" bIns="0" rtlCol="0">
+            <a:spAutoFit/>
+          </a:bodyPr>
+          <a:lstStyle/>
+          <a:p>
+            <a:pPr algn="ctr"/>
+            <a:endParaRPr lang="zh-CN" altLang="en-US" sz="2800" b="1" spc="300" dirty="0">
+              <a:solidFill>
+                <a:prstClr val="white"/>
+              </a:solidFill>
+              <a:highlight>
+                <a:srgbClr val="000080"/>
+              </a:highlight>
+              <a:latin typeface="宋体" panose="02010600030101010101" pitchFamily="2" charset="-122"/>
+              <a:ea typeface="宋体" panose="02010600030101010101" pitchFamily="2" charset="-122"/>
+              <a:cs typeface="宋体" panose="02010600030101010101" pitchFamily="2" charset="-122"/>
             </a:endParaRPr>
           </a:p>
         </p:txBody>
@@ -16012,7 +17141,7 @@
 </p:sld>
 </file>
 
-<file path=ppt/slides/slide21.xml><?xml version="1.0" encoding="utf-8"?>
+<file path=ppt/slides/slide24.xml><?xml version="1.0" encoding="utf-8"?>
 <p:sld xmlns:a="http://schemas.openxmlformats.org/drawingml/2006/main" xmlns:r="http://schemas.openxmlformats.org/officeDocument/2006/relationships" xmlns:p="http://schemas.openxmlformats.org/presentationml/2006/main">
   <p:cSld>
     <p:spTree>
@@ -16082,6 +17211,7 @@
               <a:solidFill>
                 <a:prstClr val="white"/>
               </a:solidFill>
+              <a:cs typeface="宋体" panose="02010600030101010101" pitchFamily="2" charset="-122"/>
             </a:endParaRPr>
           </a:p>
         </p:txBody>
@@ -16118,8 +17248,9 @@
                 <a:solidFill>
                   <a:prstClr val="white"/>
                 </a:solidFill>
-                <a:latin typeface="方正舒体" panose="02010601030101010101" pitchFamily="2" charset="-122"/>
-                <a:ea typeface="等线" panose="02010600030101010101" pitchFamily="2" charset="-122"/>
+                <a:latin typeface="宋体" panose="02010600030101010101" pitchFamily="2" charset="-122"/>
+                <a:ea typeface="宋体" panose="02010600030101010101" pitchFamily="2" charset="-122"/>
+                <a:cs typeface="宋体" panose="02010600030101010101" pitchFamily="2" charset="-122"/>
               </a:rPr>
               <a:t>PART 03  </a:t>
             </a:r>
@@ -16127,8 +17258,9 @@
               <a:solidFill>
                 <a:prstClr val="white"/>
               </a:solidFill>
-              <a:latin typeface="方正舒体" panose="02010601030101010101" pitchFamily="2" charset="-122"/>
-              <a:ea typeface="等线" panose="02010600030101010101" pitchFamily="2" charset="-122"/>
+              <a:latin typeface="宋体" panose="02010600030101010101" pitchFamily="2" charset="-122"/>
+              <a:ea typeface="宋体" panose="02010600030101010101" pitchFamily="2" charset="-122"/>
+              <a:cs typeface="宋体" panose="02010600030101010101" pitchFamily="2" charset="-122"/>
             </a:endParaRPr>
           </a:p>
           <a:p>
@@ -16142,8 +17274,9 @@
                 <a:solidFill>
                   <a:prstClr val="white"/>
                 </a:solidFill>
-                <a:latin typeface="方正舒体" panose="02010601030101010101" pitchFamily="2" charset="-122"/>
-                <a:ea typeface="等线" panose="02010600030101010101" pitchFamily="2" charset="-122"/>
+                <a:latin typeface="宋体" panose="02010600030101010101" pitchFamily="2" charset="-122"/>
+                <a:ea typeface="宋体" panose="02010600030101010101" pitchFamily="2" charset="-122"/>
+                <a:cs typeface="宋体" panose="02010600030101010101" pitchFamily="2" charset="-122"/>
               </a:rPr>
               <a:t> </a:t>
             </a:r>
@@ -16152,27 +17285,19 @@
                 <a:solidFill>
                   <a:prstClr val="white"/>
                 </a:solidFill>
-                <a:latin typeface="方正舒体" panose="02010601030101010101" pitchFamily="2" charset="-122"/>
-                <a:ea typeface="等线" panose="02010600030101010101" pitchFamily="2" charset="-122"/>
+                <a:latin typeface="宋体" panose="02010600030101010101" pitchFamily="2" charset="-122"/>
+                <a:ea typeface="宋体" panose="02010600030101010101" pitchFamily="2" charset="-122"/>
+                <a:cs typeface="宋体" panose="02010600030101010101" pitchFamily="2" charset="-122"/>
               </a:rPr>
-              <a:t>后续</a:t>
-            </a:r>
-            <a:r>
-              <a:rPr lang="zh-CN" altLang="zh-CN" sz="4400" b="1" dirty="0">
-                <a:solidFill>
-                  <a:prstClr val="white"/>
-                </a:solidFill>
-                <a:latin typeface="方正舒体" panose="02010601030101010101" pitchFamily="2" charset="-122"/>
-                <a:ea typeface="等线" panose="02010600030101010101" pitchFamily="2" charset="-122"/>
-              </a:rPr>
-              <a:t>安排</a:t>
+              <a:t>后续安排</a:t>
             </a:r>
             <a:endParaRPr lang="zh-CN" altLang="zh-CN" sz="4400" b="1" dirty="0">
               <a:solidFill>
                 <a:prstClr val="white"/>
               </a:solidFill>
-              <a:latin typeface="方正舒体" panose="02010601030101010101" pitchFamily="2" charset="-122"/>
-              <a:ea typeface="等线" panose="02010600030101010101" pitchFamily="2" charset="-122"/>
+              <a:latin typeface="宋体" panose="02010600030101010101" pitchFamily="2" charset="-122"/>
+              <a:ea typeface="宋体" panose="02010600030101010101" pitchFamily="2" charset="-122"/>
+              <a:cs typeface="宋体" panose="02010600030101010101" pitchFamily="2" charset="-122"/>
             </a:endParaRPr>
           </a:p>
         </p:txBody>
@@ -16319,7 +17444,7 @@
 </p:sld>
 </file>
 
-<file path=ppt/slides/slide22.xml><?xml version="1.0" encoding="utf-8"?>
+<file path=ppt/slides/slide25.xml><?xml version="1.0" encoding="utf-8"?>
 <p:sld xmlns:a="http://schemas.openxmlformats.org/drawingml/2006/main" xmlns:r="http://schemas.openxmlformats.org/officeDocument/2006/relationships" xmlns:p="http://schemas.openxmlformats.org/presentationml/2006/main">
   <p:cSld>
     <p:spTree>
@@ -16440,6 +17565,7 @@
               <a:solidFill>
                 <a:prstClr val="white"/>
               </a:solidFill>
+              <a:cs typeface="宋体" panose="02010600030101010101" pitchFamily="2" charset="-122"/>
             </a:endParaRPr>
           </a:p>
         </p:txBody>
@@ -16515,8 +17641,9 @@
                     <a:lumMod val="25000"/>
                   </a:srgbClr>
                 </a:solidFill>
-                <a:latin typeface="方正舒体" panose="02010601030101010101" pitchFamily="2" charset="-122"/>
-                <a:ea typeface="等线" panose="02010600030101010101" pitchFamily="2" charset="-122"/>
+                <a:latin typeface="宋体" panose="02010600030101010101" pitchFamily="2" charset="-122"/>
+                <a:ea typeface="宋体" panose="02010600030101010101" pitchFamily="2" charset="-122"/>
+                <a:cs typeface="宋体" panose="02010600030101010101" pitchFamily="2" charset="-122"/>
                 <a:sym typeface="+mn-ea"/>
               </a:rPr>
               <a:t>PART 03 </a:t>
@@ -16528,8 +17655,9 @@
                     <a:lumMod val="25000"/>
                   </a:srgbClr>
                 </a:solidFill>
-                <a:latin typeface="方正舒体" panose="02010601030101010101" pitchFamily="2" charset="-122"/>
-                <a:ea typeface="等线" panose="02010600030101010101" pitchFamily="2" charset="-122"/>
+                <a:latin typeface="宋体" panose="02010600030101010101" pitchFamily="2" charset="-122"/>
+                <a:ea typeface="宋体" panose="02010600030101010101" pitchFamily="2" charset="-122"/>
+                <a:cs typeface="宋体" panose="02010600030101010101" pitchFamily="2" charset="-122"/>
                 <a:sym typeface="+mn-ea"/>
               </a:rPr>
               <a:t>后续安排</a:t>
@@ -16540,8 +17668,9 @@
                   <a:lumMod val="25000"/>
                 </a:srgbClr>
               </a:solidFill>
-              <a:latin typeface="方正舒体" panose="02010601030101010101" pitchFamily="2" charset="-122"/>
-              <a:ea typeface="等线" panose="02010600030101010101" pitchFamily="2" charset="-122"/>
+              <a:latin typeface="宋体" panose="02010600030101010101" pitchFamily="2" charset="-122"/>
+              <a:ea typeface="宋体" panose="02010600030101010101" pitchFamily="2" charset="-122"/>
+              <a:cs typeface="宋体" panose="02010600030101010101" pitchFamily="2" charset="-122"/>
             </a:endParaRPr>
           </a:p>
           <a:p>
@@ -16551,8 +17680,9 @@
                   <a:lumMod val="25000"/>
                 </a:srgbClr>
               </a:solidFill>
-              <a:latin typeface="方正舒体" panose="02010601030101010101" pitchFamily="2" charset="-122"/>
-              <a:ea typeface="等线" panose="02010600030101010101" pitchFamily="2" charset="-122"/>
+              <a:latin typeface="宋体" panose="02010600030101010101" pitchFamily="2" charset="-122"/>
+              <a:ea typeface="宋体" panose="02010600030101010101" pitchFamily="2" charset="-122"/>
+              <a:cs typeface="宋体" panose="02010600030101010101" pitchFamily="2" charset="-122"/>
             </a:endParaRPr>
           </a:p>
         </p:txBody>
@@ -16658,8 +17788,9 @@
               <a:solidFill>
                 <a:prstClr val="white"/>
               </a:solidFill>
-              <a:latin typeface="方正姚体" panose="02010601030101010101" pitchFamily="2" charset="-122"/>
-              <a:ea typeface="方正姚体" panose="02010601030101010101" pitchFamily="2" charset="-122"/>
+              <a:latin typeface="宋体" panose="02010600030101010101" pitchFamily="2" charset="-122"/>
+              <a:ea typeface="宋体" panose="02010600030101010101" pitchFamily="2" charset="-122"/>
+              <a:cs typeface="宋体" panose="02010600030101010101" pitchFamily="2" charset="-122"/>
             </a:endParaRPr>
           </a:p>
         </p:txBody>
@@ -16707,8 +17838,9 @@
               <a:solidFill>
                 <a:prstClr val="white"/>
               </a:solidFill>
-              <a:latin typeface="方正姚体" panose="02010601030101010101" pitchFamily="2" charset="-122"/>
-              <a:ea typeface="方正姚体" panose="02010601030101010101" pitchFamily="2" charset="-122"/>
+              <a:latin typeface="宋体" panose="02010600030101010101" pitchFamily="2" charset="-122"/>
+              <a:ea typeface="宋体" panose="02010600030101010101" pitchFamily="2" charset="-122"/>
+              <a:cs typeface="宋体" panose="02010600030101010101" pitchFamily="2" charset="-122"/>
             </a:endParaRPr>
           </a:p>
         </p:txBody>
@@ -16750,8 +17882,9 @@
               <a:solidFill>
                 <a:prstClr val="white"/>
               </a:solidFill>
-              <a:latin typeface="方正姚体" panose="02010601030101010101" pitchFamily="2" charset="-122"/>
-              <a:ea typeface="方正姚体" panose="02010601030101010101" pitchFamily="2" charset="-122"/>
+              <a:latin typeface="宋体" panose="02010600030101010101" pitchFamily="2" charset="-122"/>
+              <a:ea typeface="宋体" panose="02010600030101010101" pitchFamily="2" charset="-122"/>
+              <a:cs typeface="宋体" panose="02010600030101010101" pitchFamily="2" charset="-122"/>
             </a:endParaRPr>
           </a:p>
         </p:txBody>
@@ -16800,8 +17933,9 @@
                 <a:solidFill>
                   <a:prstClr val="white"/>
                 </a:solidFill>
-                <a:latin typeface="方正姚体" panose="02010601030101010101" pitchFamily="2" charset="-122"/>
-                <a:ea typeface="方正姚体" panose="02010601030101010101" pitchFamily="2" charset="-122"/>
+                <a:latin typeface="宋体" panose="02010600030101010101" pitchFamily="2" charset="-122"/>
+                <a:ea typeface="宋体" panose="02010600030101010101" pitchFamily="2" charset="-122"/>
+                <a:cs typeface="宋体" panose="02010600030101010101" pitchFamily="2" charset="-122"/>
               </a:rPr>
               <a:t>1</a:t>
             </a:r>
@@ -16809,8 +17943,9 @@
               <a:solidFill>
                 <a:prstClr val="white"/>
               </a:solidFill>
-              <a:latin typeface="方正姚体" panose="02010601030101010101" pitchFamily="2" charset="-122"/>
-              <a:ea typeface="方正姚体" panose="02010601030101010101" pitchFamily="2" charset="-122"/>
+              <a:latin typeface="宋体" panose="02010600030101010101" pitchFamily="2" charset="-122"/>
+              <a:ea typeface="宋体" panose="02010600030101010101" pitchFamily="2" charset="-122"/>
+              <a:cs typeface="宋体" panose="02010600030101010101" pitchFamily="2" charset="-122"/>
             </a:endParaRPr>
           </a:p>
         </p:txBody>
@@ -16859,8 +17994,9 @@
                 <a:solidFill>
                   <a:prstClr val="white"/>
                 </a:solidFill>
-                <a:latin typeface="方正姚体" panose="02010601030101010101" pitchFamily="2" charset="-122"/>
-                <a:ea typeface="方正姚体" panose="02010601030101010101" pitchFamily="2" charset="-122"/>
+                <a:latin typeface="宋体" panose="02010600030101010101" pitchFamily="2" charset="-122"/>
+                <a:ea typeface="宋体" panose="02010600030101010101" pitchFamily="2" charset="-122"/>
+                <a:cs typeface="宋体" panose="02010600030101010101" pitchFamily="2" charset="-122"/>
               </a:rPr>
               <a:t>2</a:t>
             </a:r>
@@ -16868,8 +18004,9 @@
               <a:solidFill>
                 <a:prstClr val="white"/>
               </a:solidFill>
-              <a:latin typeface="方正姚体" panose="02010601030101010101" pitchFamily="2" charset="-122"/>
-              <a:ea typeface="方正姚体" panose="02010601030101010101" pitchFamily="2" charset="-122"/>
+              <a:latin typeface="宋体" panose="02010600030101010101" pitchFamily="2" charset="-122"/>
+              <a:ea typeface="宋体" panose="02010600030101010101" pitchFamily="2" charset="-122"/>
+              <a:cs typeface="宋体" panose="02010600030101010101" pitchFamily="2" charset="-122"/>
             </a:endParaRPr>
           </a:p>
         </p:txBody>
@@ -16902,8 +18039,9 @@
                 <a:solidFill>
                   <a:prstClr val="white"/>
                 </a:solidFill>
-                <a:latin typeface="方正姚体" panose="02010601030101010101" pitchFamily="2" charset="-122"/>
-                <a:ea typeface="方正姚体" panose="02010601030101010101" pitchFamily="2" charset="-122"/>
+                <a:latin typeface="宋体" panose="02010600030101010101" pitchFamily="2" charset="-122"/>
+                <a:ea typeface="宋体" panose="02010600030101010101" pitchFamily="2" charset="-122"/>
+                <a:cs typeface="宋体" panose="02010600030101010101" pitchFamily="2" charset="-122"/>
               </a:rPr>
               <a:t>存在</a:t>
             </a:r>
@@ -16911,8 +18049,9 @@
               <a:solidFill>
                 <a:prstClr val="white"/>
               </a:solidFill>
-              <a:latin typeface="方正姚体" panose="02010601030101010101" pitchFamily="2" charset="-122"/>
-              <a:ea typeface="方正姚体" panose="02010601030101010101" pitchFamily="2" charset="-122"/>
+              <a:latin typeface="宋体" panose="02010600030101010101" pitchFamily="2" charset="-122"/>
+              <a:ea typeface="宋体" panose="02010600030101010101" pitchFamily="2" charset="-122"/>
+              <a:cs typeface="宋体" panose="02010600030101010101" pitchFamily="2" charset="-122"/>
             </a:endParaRPr>
           </a:p>
           <a:p>
@@ -16922,8 +18061,9 @@
                 <a:solidFill>
                   <a:prstClr val="white"/>
                 </a:solidFill>
-                <a:latin typeface="方正姚体" panose="02010601030101010101" pitchFamily="2" charset="-122"/>
-                <a:ea typeface="方正姚体" panose="02010601030101010101" pitchFamily="2" charset="-122"/>
+                <a:latin typeface="宋体" panose="02010600030101010101" pitchFamily="2" charset="-122"/>
+                <a:ea typeface="宋体" panose="02010600030101010101" pitchFamily="2" charset="-122"/>
+                <a:cs typeface="宋体" panose="02010600030101010101" pitchFamily="2" charset="-122"/>
               </a:rPr>
               <a:t>问题</a:t>
             </a:r>
@@ -16931,8 +18071,9 @@
               <a:solidFill>
                 <a:prstClr val="white"/>
               </a:solidFill>
-              <a:latin typeface="方正姚体" panose="02010601030101010101" pitchFamily="2" charset="-122"/>
-              <a:ea typeface="方正姚体" panose="02010601030101010101" pitchFamily="2" charset="-122"/>
+              <a:latin typeface="宋体" panose="02010600030101010101" pitchFamily="2" charset="-122"/>
+              <a:ea typeface="宋体" panose="02010600030101010101" pitchFamily="2" charset="-122"/>
+              <a:cs typeface="宋体" panose="02010600030101010101" pitchFamily="2" charset="-122"/>
             </a:endParaRPr>
           </a:p>
         </p:txBody>
@@ -16969,8 +18110,9 @@
                 <a:solidFill>
                   <a:prstClr val="white"/>
                 </a:solidFill>
-                <a:latin typeface="方正姚体" panose="02010601030101010101" pitchFamily="2" charset="-122"/>
-                <a:ea typeface="方正姚体" panose="02010601030101010101" pitchFamily="2" charset="-122"/>
+                <a:latin typeface="宋体" panose="02010600030101010101" pitchFamily="2" charset="-122"/>
+                <a:ea typeface="宋体" panose="02010600030101010101" pitchFamily="2" charset="-122"/>
+                <a:cs typeface="宋体" panose="02010600030101010101" pitchFamily="2" charset="-122"/>
               </a:rPr>
               <a:t>1) 在知网摘要-关键词数据集上，LSTM-CRF的表现比起CLUEFineGrainNER数据集训练得到的模型性能上仍然存在差异。</a:t>
             </a:r>
@@ -16978,8 +18120,9 @@
               <a:solidFill>
                 <a:prstClr val="white"/>
               </a:solidFill>
-              <a:latin typeface="方正姚体" panose="02010601030101010101" pitchFamily="2" charset="-122"/>
-              <a:ea typeface="方正姚体" panose="02010601030101010101" pitchFamily="2" charset="-122"/>
+              <a:latin typeface="宋体" panose="02010600030101010101" pitchFamily="2" charset="-122"/>
+              <a:ea typeface="宋体" panose="02010600030101010101" pitchFamily="2" charset="-122"/>
+              <a:cs typeface="宋体" panose="02010600030101010101" pitchFamily="2" charset="-122"/>
             </a:endParaRPr>
           </a:p>
           <a:p>
@@ -16994,8 +18137,9 @@
                 <a:solidFill>
                   <a:prstClr val="white"/>
                 </a:solidFill>
-                <a:latin typeface="方正姚体" panose="02010601030101010101" pitchFamily="2" charset="-122"/>
-                <a:ea typeface="方正姚体" panose="02010601030101010101" pitchFamily="2" charset="-122"/>
+                <a:latin typeface="宋体" panose="02010600030101010101" pitchFamily="2" charset="-122"/>
+                <a:ea typeface="宋体" panose="02010600030101010101" pitchFamily="2" charset="-122"/>
+                <a:cs typeface="宋体" panose="02010600030101010101" pitchFamily="2" charset="-122"/>
               </a:rPr>
               <a:t>2) 假设已经分别抽取出来专利信息的命名实体以及标准信息的命名实体，如何在两个数据集间挖掘实体的相关性。</a:t>
             </a:r>
@@ -17003,8 +18147,9 @@
               <a:solidFill>
                 <a:prstClr val="white"/>
               </a:solidFill>
-              <a:latin typeface="方正姚体" panose="02010601030101010101" pitchFamily="2" charset="-122"/>
-              <a:ea typeface="方正姚体" panose="02010601030101010101" pitchFamily="2" charset="-122"/>
+              <a:latin typeface="宋体" panose="02010600030101010101" pitchFamily="2" charset="-122"/>
+              <a:ea typeface="宋体" panose="02010600030101010101" pitchFamily="2" charset="-122"/>
+              <a:cs typeface="宋体" panose="02010600030101010101" pitchFamily="2" charset="-122"/>
             </a:endParaRPr>
           </a:p>
         </p:txBody>
@@ -17176,8 +18321,8 @@
                     <a:lumMod val="50000"/>
                   </a:srgbClr>
                 </a:solidFill>
-                <a:latin typeface="方正姚体" panose="02010601030101010101" pitchFamily="2" charset="-122"/>
-                <a:ea typeface="方正姚体" panose="02010601030101010101" pitchFamily="2" charset="-122"/>
+                <a:latin typeface="宋体" panose="02010600030101010101" pitchFamily="2" charset="-122"/>
+                <a:cs typeface="宋体" panose="02010600030101010101" pitchFamily="2" charset="-122"/>
               </a:rPr>
               <a:t>通过对不同领域的论文摘要分别训练，或者对数据进行进一步的蒸馏，可以提升数据问题带来的性能下降。或者可以尝试其他的模型。</a:t>
             </a:r>
@@ -17187,8 +18332,8 @@
                   <a:lumMod val="50000"/>
                 </a:srgbClr>
               </a:solidFill>
-              <a:latin typeface="方正姚体" panose="02010601030101010101" pitchFamily="2" charset="-122"/>
-              <a:ea typeface="方正姚体" panose="02010601030101010101" pitchFamily="2" charset="-122"/>
+              <a:latin typeface="宋体" panose="02010600030101010101" pitchFamily="2" charset="-122"/>
+              <a:cs typeface="宋体" panose="02010600030101010101" pitchFamily="2" charset="-122"/>
             </a:endParaRPr>
           </a:p>
         </p:txBody>
@@ -17361,8 +18506,8 @@
                     <a:lumOff val="25000"/>
                   </a:prstClr>
                 </a:solidFill>
-                <a:latin typeface="方正姚体" panose="02010601030101010101" pitchFamily="2" charset="-122"/>
-                <a:ea typeface="方正姚体" panose="02010601030101010101" pitchFamily="2" charset="-122"/>
+                <a:latin typeface="宋体" panose="02010600030101010101" pitchFamily="2" charset="-122"/>
+                <a:cs typeface="宋体" panose="02010600030101010101" pitchFamily="2" charset="-122"/>
               </a:rPr>
               <a:t>由于标准数据集属于一个领域的不同item抽取出的命名实体间可能存在很强的耦合性，因此为了防止一个专利关联到冗余的标准，不能对两个实体数据集进行复杂的文本相似度算法的计算，恰恰相反，只需要对两个数据集进行简单的match操作，如何对于多个命名实体相匹配的专利-标准对进行定量加权排序输出。同时为了确保匹配结果的准确性，还需要对标准数据集进行一定的清洗。</a:t>
             </a:r>
@@ -17373,8 +18518,8 @@
                   <a:lumOff val="25000"/>
                 </a:prstClr>
               </a:solidFill>
-              <a:latin typeface="方正姚体" panose="02010601030101010101" pitchFamily="2" charset="-122"/>
-              <a:ea typeface="方正姚体" panose="02010601030101010101" pitchFamily="2" charset="-122"/>
+              <a:latin typeface="宋体" panose="02010600030101010101" pitchFamily="2" charset="-122"/>
+              <a:cs typeface="宋体" panose="02010600030101010101" pitchFamily="2" charset="-122"/>
             </a:endParaRPr>
           </a:p>
         </p:txBody>
@@ -18084,7 +19229,7 @@
 </p:sld>
 </file>
 
-<file path=ppt/slides/slide23.xml><?xml version="1.0" encoding="utf-8"?>
+<file path=ppt/slides/slide26.xml><?xml version="1.0" encoding="utf-8"?>
 <p:sld xmlns:a="http://schemas.openxmlformats.org/drawingml/2006/main" xmlns:r="http://schemas.openxmlformats.org/officeDocument/2006/relationships" xmlns:p="http://schemas.openxmlformats.org/presentationml/2006/main">
   <p:cSld>
     <p:spTree>
@@ -18205,6 +19350,7 @@
               <a:solidFill>
                 <a:prstClr val="white"/>
               </a:solidFill>
+              <a:cs typeface="宋体" panose="02010600030101010101" pitchFamily="2" charset="-122"/>
             </a:endParaRPr>
           </a:p>
         </p:txBody>
@@ -18280,8 +19426,9 @@
                     <a:lumMod val="25000"/>
                   </a:srgbClr>
                 </a:solidFill>
-                <a:latin typeface="方正舒体" panose="02010601030101010101" pitchFamily="2" charset="-122"/>
-                <a:ea typeface="等线" panose="02010600030101010101" pitchFamily="2" charset="-122"/>
+                <a:latin typeface="宋体" panose="02010600030101010101" pitchFamily="2" charset="-122"/>
+                <a:ea typeface="宋体" panose="02010600030101010101" pitchFamily="2" charset="-122"/>
+                <a:cs typeface="宋体" panose="02010600030101010101" pitchFamily="2" charset="-122"/>
               </a:rPr>
               <a:t>PART 03 </a:t>
             </a:r>
@@ -18292,22 +19439,11 @@
                     <a:lumMod val="25000"/>
                   </a:srgbClr>
                 </a:solidFill>
-                <a:latin typeface="方正舒体" panose="02010601030101010101" pitchFamily="2" charset="-122"/>
-                <a:ea typeface="等线" panose="02010600030101010101" pitchFamily="2" charset="-122"/>
+                <a:latin typeface="宋体" panose="02010600030101010101" pitchFamily="2" charset="-122"/>
+                <a:ea typeface="宋体" panose="02010600030101010101" pitchFamily="2" charset="-122"/>
+                <a:cs typeface="宋体" panose="02010600030101010101" pitchFamily="2" charset="-122"/>
               </a:rPr>
-              <a:t>后续</a:t>
-            </a:r>
-            <a:r>
-              <a:rPr lang="zh-CN" altLang="en-US" sz="2800" b="1" dirty="0">
-                <a:solidFill>
-                  <a:srgbClr val="E7E6E6">
-                    <a:lumMod val="25000"/>
-                  </a:srgbClr>
-                </a:solidFill>
-                <a:latin typeface="方正舒体" panose="02010601030101010101" pitchFamily="2" charset="-122"/>
-                <a:ea typeface="等线" panose="02010600030101010101" pitchFamily="2" charset="-122"/>
-              </a:rPr>
-              <a:t>安排</a:t>
+              <a:t>后续安排</a:t>
             </a:r>
             <a:endParaRPr lang="zh-CN" altLang="en-US" sz="2800" b="1" dirty="0">
               <a:solidFill>
@@ -18315,8 +19451,9 @@
                   <a:lumMod val="25000"/>
                 </a:srgbClr>
               </a:solidFill>
-              <a:latin typeface="方正舒体" panose="02010601030101010101" pitchFamily="2" charset="-122"/>
-              <a:ea typeface="等线" panose="02010600030101010101" pitchFamily="2" charset="-122"/>
+              <a:latin typeface="宋体" panose="02010600030101010101" pitchFamily="2" charset="-122"/>
+              <a:ea typeface="宋体" panose="02010600030101010101" pitchFamily="2" charset="-122"/>
+              <a:cs typeface="宋体" panose="02010600030101010101" pitchFamily="2" charset="-122"/>
             </a:endParaRPr>
           </a:p>
         </p:txBody>
@@ -18413,8 +19550,9 @@
               <a:solidFill>
                 <a:prstClr val="white"/>
               </a:solidFill>
-              <a:latin typeface="方正姚体" panose="02010601030101010101" pitchFamily="2" charset="-122"/>
-              <a:ea typeface="方正姚体" panose="02010601030101010101" pitchFamily="2" charset="-122"/>
+              <a:latin typeface="宋体" panose="02010600030101010101" pitchFamily="2" charset="-122"/>
+              <a:ea typeface="宋体" panose="02010600030101010101" pitchFamily="2" charset="-122"/>
+              <a:cs typeface="宋体" panose="02010600030101010101" pitchFamily="2" charset="-122"/>
             </a:endParaRPr>
           </a:p>
         </p:txBody>
@@ -18468,8 +19606,9 @@
                       <a:lumOff val="25000"/>
                     </a:prstClr>
                   </a:solidFill>
-                  <a:latin typeface="方正姚体" panose="02010601030101010101" pitchFamily="2" charset="-122"/>
-                  <a:ea typeface="方正姚体" panose="02010601030101010101" pitchFamily="2" charset="-122"/>
+                  <a:latin typeface="宋体" panose="02010600030101010101" pitchFamily="2" charset="-122"/>
+                  <a:ea typeface="宋体" panose="02010600030101010101" pitchFamily="2" charset="-122"/>
+                  <a:cs typeface="宋体" panose="02010600030101010101" pitchFamily="2" charset="-122"/>
                 </a:rPr>
                 <a:t>继续优化模型算法在知专利-标准数据集上的表现</a:t>
               </a:r>
@@ -18480,8 +19619,9 @@
                     <a:lumOff val="25000"/>
                   </a:prstClr>
                 </a:solidFill>
-                <a:latin typeface="方正姚体" panose="02010601030101010101" pitchFamily="2" charset="-122"/>
-                <a:ea typeface="方正姚体" panose="02010601030101010101" pitchFamily="2" charset="-122"/>
+                <a:latin typeface="宋体" panose="02010600030101010101" pitchFamily="2" charset="-122"/>
+                <a:ea typeface="宋体" panose="02010600030101010101" pitchFamily="2" charset="-122"/>
+                <a:cs typeface="宋体" panose="02010600030101010101" pitchFamily="2" charset="-122"/>
               </a:endParaRPr>
             </a:p>
           </p:txBody>
@@ -18518,8 +19658,9 @@
                       <a:lumOff val="25000"/>
                     </a:prstClr>
                   </a:solidFill>
-                  <a:latin typeface="方正姚体" panose="02010601030101010101" pitchFamily="2" charset="-122"/>
-                  <a:ea typeface="方正姚体" panose="02010601030101010101" pitchFamily="2" charset="-122"/>
+                  <a:latin typeface="宋体" panose="02010600030101010101" pitchFamily="2" charset="-122"/>
+                  <a:ea typeface="宋体" panose="02010600030101010101" pitchFamily="2" charset="-122"/>
+                  <a:cs typeface="宋体" panose="02010600030101010101" pitchFamily="2" charset="-122"/>
                 </a:rPr>
                 <a:t>9</a:t>
               </a:r>
@@ -18530,8 +19671,9 @@
                     <a:lumOff val="25000"/>
                   </a:prstClr>
                 </a:solidFill>
-                <a:latin typeface="方正姚体" panose="02010601030101010101" pitchFamily="2" charset="-122"/>
-                <a:ea typeface="方正姚体" panose="02010601030101010101" pitchFamily="2" charset="-122"/>
+                <a:latin typeface="宋体" panose="02010600030101010101" pitchFamily="2" charset="-122"/>
+                <a:ea typeface="宋体" panose="02010600030101010101" pitchFamily="2" charset="-122"/>
+                <a:cs typeface="宋体" panose="02010600030101010101" pitchFamily="2" charset="-122"/>
               </a:endParaRPr>
             </a:p>
           </p:txBody>
@@ -18586,8 +19728,9 @@
                       <a:lumOff val="25000"/>
                     </a:prstClr>
                   </a:solidFill>
-                  <a:latin typeface="方正姚体" panose="02010601030101010101" pitchFamily="2" charset="-122"/>
-                  <a:ea typeface="方正姚体" panose="02010601030101010101" pitchFamily="2" charset="-122"/>
+                  <a:latin typeface="宋体" panose="02010600030101010101" pitchFamily="2" charset="-122"/>
+                  <a:ea typeface="宋体" panose="02010600030101010101" pitchFamily="2" charset="-122"/>
+                  <a:cs typeface="宋体" panose="02010600030101010101" pitchFamily="2" charset="-122"/>
                 </a:rPr>
                 <a:t>将毕设成品整合进系统。</a:t>
               </a:r>
@@ -18598,8 +19741,9 @@
                     <a:lumOff val="25000"/>
                   </a:prstClr>
                 </a:solidFill>
-                <a:latin typeface="方正姚体" panose="02010601030101010101" pitchFamily="2" charset="-122"/>
-                <a:ea typeface="方正姚体" panose="02010601030101010101" pitchFamily="2" charset="-122"/>
+                <a:latin typeface="宋体" panose="02010600030101010101" pitchFamily="2" charset="-122"/>
+                <a:ea typeface="宋体" panose="02010600030101010101" pitchFamily="2" charset="-122"/>
+                <a:cs typeface="宋体" panose="02010600030101010101" pitchFamily="2" charset="-122"/>
               </a:endParaRPr>
             </a:p>
           </p:txBody>
@@ -18636,8 +19780,9 @@
                       <a:lumOff val="25000"/>
                     </a:prstClr>
                   </a:solidFill>
-                  <a:latin typeface="方正姚体" panose="02010601030101010101" pitchFamily="2" charset="-122"/>
-                  <a:ea typeface="方正姚体" panose="02010601030101010101" pitchFamily="2" charset="-122"/>
+                  <a:latin typeface="宋体" panose="02010600030101010101" pitchFamily="2" charset="-122"/>
+                  <a:ea typeface="宋体" panose="02010600030101010101" pitchFamily="2" charset="-122"/>
+                  <a:cs typeface="宋体" panose="02010600030101010101" pitchFamily="2" charset="-122"/>
                 </a:rPr>
                 <a:t>1</a:t>
               </a:r>
@@ -18649,8 +19794,9 @@
                       <a:lumOff val="25000"/>
                     </a:prstClr>
                   </a:solidFill>
-                  <a:latin typeface="方正姚体" panose="02010601030101010101" pitchFamily="2" charset="-122"/>
-                  <a:ea typeface="方正姚体" panose="02010601030101010101" pitchFamily="2" charset="-122"/>
+                  <a:latin typeface="宋体" panose="02010600030101010101" pitchFamily="2" charset="-122"/>
+                  <a:ea typeface="宋体" panose="02010600030101010101" pitchFamily="2" charset="-122"/>
+                  <a:cs typeface="宋体" panose="02010600030101010101" pitchFamily="2" charset="-122"/>
                 </a:rPr>
                 <a:t>1</a:t>
               </a:r>
@@ -18661,8 +19807,9 @@
                     <a:lumOff val="25000"/>
                   </a:prstClr>
                 </a:solidFill>
-                <a:latin typeface="方正姚体" panose="02010601030101010101" pitchFamily="2" charset="-122"/>
-                <a:ea typeface="方正姚体" panose="02010601030101010101" pitchFamily="2" charset="-122"/>
+                <a:latin typeface="宋体" panose="02010600030101010101" pitchFamily="2" charset="-122"/>
+                <a:ea typeface="宋体" panose="02010600030101010101" pitchFamily="2" charset="-122"/>
+                <a:cs typeface="宋体" panose="02010600030101010101" pitchFamily="2" charset="-122"/>
               </a:endParaRPr>
             </a:p>
           </p:txBody>
@@ -18716,8 +19863,9 @@
                       <a:lumOff val="25000"/>
                     </a:prstClr>
                   </a:solidFill>
-                  <a:latin typeface="方正姚体" panose="02010601030101010101" pitchFamily="2" charset="-122"/>
-                  <a:ea typeface="方正姚体" panose="02010601030101010101" pitchFamily="2" charset="-122"/>
+                  <a:latin typeface="宋体" panose="02010600030101010101" pitchFamily="2" charset="-122"/>
+                  <a:ea typeface="宋体" panose="02010600030101010101" pitchFamily="2" charset="-122"/>
+                  <a:cs typeface="宋体" panose="02010600030101010101" pitchFamily="2" charset="-122"/>
                 </a:rPr>
                 <a:t>尝试复现、移植、匹配主要方案的模型，初步构建起模型框架</a:t>
               </a:r>
@@ -18728,8 +19876,9 @@
                     <a:lumOff val="25000"/>
                   </a:prstClr>
                 </a:solidFill>
-                <a:latin typeface="方正姚体" panose="02010601030101010101" pitchFamily="2" charset="-122"/>
-                <a:ea typeface="方正姚体" panose="02010601030101010101" pitchFamily="2" charset="-122"/>
+                <a:latin typeface="宋体" panose="02010600030101010101" pitchFamily="2" charset="-122"/>
+                <a:ea typeface="宋体" panose="02010600030101010101" pitchFamily="2" charset="-122"/>
+                <a:cs typeface="宋体" panose="02010600030101010101" pitchFamily="2" charset="-122"/>
               </a:endParaRPr>
             </a:p>
           </p:txBody>
@@ -18765,8 +19914,9 @@
                       <a:lumOff val="25000"/>
                     </a:prstClr>
                   </a:solidFill>
-                  <a:latin typeface="方正姚体" panose="02010601030101010101" pitchFamily="2" charset="-122"/>
-                  <a:ea typeface="方正姚体" panose="02010601030101010101" pitchFamily="2" charset="-122"/>
+                  <a:latin typeface="宋体" panose="02010600030101010101" pitchFamily="2" charset="-122"/>
+                  <a:ea typeface="宋体" panose="02010600030101010101" pitchFamily="2" charset="-122"/>
+                  <a:cs typeface="宋体" panose="02010600030101010101" pitchFamily="2" charset="-122"/>
                 </a:rPr>
                 <a:t>1</a:t>
               </a:r>
@@ -18778,8 +19928,9 @@
                       <a:lumOff val="25000"/>
                     </a:prstClr>
                   </a:solidFill>
-                  <a:latin typeface="方正姚体" panose="02010601030101010101" pitchFamily="2" charset="-122"/>
-                  <a:ea typeface="方正姚体" panose="02010601030101010101" pitchFamily="2" charset="-122"/>
+                  <a:latin typeface="宋体" panose="02010600030101010101" pitchFamily="2" charset="-122"/>
+                  <a:ea typeface="宋体" panose="02010600030101010101" pitchFamily="2" charset="-122"/>
+                  <a:cs typeface="宋体" panose="02010600030101010101" pitchFamily="2" charset="-122"/>
                 </a:rPr>
                 <a:t>0</a:t>
               </a:r>
@@ -18790,8 +19941,9 @@
                     <a:lumOff val="25000"/>
                   </a:prstClr>
                 </a:solidFill>
-                <a:latin typeface="方正姚体" panose="02010601030101010101" pitchFamily="2" charset="-122"/>
-                <a:ea typeface="方正姚体" panose="02010601030101010101" pitchFamily="2" charset="-122"/>
+                <a:latin typeface="宋体" panose="02010600030101010101" pitchFamily="2" charset="-122"/>
+                <a:ea typeface="宋体" panose="02010600030101010101" pitchFamily="2" charset="-122"/>
+                <a:cs typeface="宋体" panose="02010600030101010101" pitchFamily="2" charset="-122"/>
               </a:endParaRPr>
             </a:p>
           </p:txBody>
@@ -19011,7 +20163,7 @@
 </p:sld>
 </file>
 
-<file path=ppt/slides/slide24.xml><?xml version="1.0" encoding="utf-8"?>
+<file path=ppt/slides/slide27.xml><?xml version="1.0" encoding="utf-8"?>
 <p:sld xmlns:a="http://schemas.openxmlformats.org/drawingml/2006/main" xmlns:r="http://schemas.openxmlformats.org/officeDocument/2006/relationships" xmlns:p="http://schemas.openxmlformats.org/presentationml/2006/main">
   <p:cSld>
     <p:spTree>
@@ -19081,6 +20233,7 @@
               <a:solidFill>
                 <a:prstClr val="white"/>
               </a:solidFill>
+              <a:cs typeface="宋体" panose="02010600030101010101" pitchFamily="2" charset="-122"/>
             </a:endParaRPr>
           </a:p>
         </p:txBody>
@@ -19117,8 +20270,9 @@
                 <a:solidFill>
                   <a:prstClr val="white"/>
                 </a:solidFill>
-                <a:latin typeface="方正舒体" panose="02010601030101010101" pitchFamily="2" charset="-122"/>
-                <a:ea typeface="等线" panose="02010600030101010101" pitchFamily="2" charset="-122"/>
+                <a:latin typeface="宋体" panose="02010600030101010101" pitchFamily="2" charset="-122"/>
+                <a:ea typeface="宋体" panose="02010600030101010101" pitchFamily="2" charset="-122"/>
+                <a:cs typeface="宋体" panose="02010600030101010101" pitchFamily="2" charset="-122"/>
               </a:rPr>
               <a:t>PART 04  </a:t>
             </a:r>
@@ -19126,8 +20280,9 @@
               <a:solidFill>
                 <a:prstClr val="white"/>
               </a:solidFill>
-              <a:latin typeface="方正舒体" panose="02010601030101010101" pitchFamily="2" charset="-122"/>
-              <a:ea typeface="等线" panose="02010600030101010101" pitchFamily="2" charset="-122"/>
+              <a:latin typeface="宋体" panose="02010600030101010101" pitchFamily="2" charset="-122"/>
+              <a:ea typeface="宋体" panose="02010600030101010101" pitchFamily="2" charset="-122"/>
+              <a:cs typeface="宋体" panose="02010600030101010101" pitchFamily="2" charset="-122"/>
             </a:endParaRPr>
           </a:p>
           <a:p>
@@ -19141,8 +20296,9 @@
                 <a:solidFill>
                   <a:prstClr val="white"/>
                 </a:solidFill>
-                <a:latin typeface="方正舒体" panose="02010601030101010101" pitchFamily="2" charset="-122"/>
-                <a:ea typeface="等线" panose="02010600030101010101" pitchFamily="2" charset="-122"/>
+                <a:latin typeface="宋体" panose="02010600030101010101" pitchFamily="2" charset="-122"/>
+                <a:ea typeface="宋体" panose="02010600030101010101" pitchFamily="2" charset="-122"/>
+                <a:cs typeface="宋体" panose="02010600030101010101" pitchFamily="2" charset="-122"/>
               </a:rPr>
               <a:t>参考文献</a:t>
             </a:r>
@@ -19150,8 +20306,9 @@
               <a:solidFill>
                 <a:prstClr val="white"/>
               </a:solidFill>
-              <a:latin typeface="方正舒体" panose="02010601030101010101" pitchFamily="2" charset="-122"/>
-              <a:ea typeface="等线" panose="02010600030101010101" pitchFamily="2" charset="-122"/>
+              <a:latin typeface="宋体" panose="02010600030101010101" pitchFamily="2" charset="-122"/>
+              <a:ea typeface="宋体" panose="02010600030101010101" pitchFamily="2" charset="-122"/>
+              <a:cs typeface="宋体" panose="02010600030101010101" pitchFamily="2" charset="-122"/>
             </a:endParaRPr>
           </a:p>
         </p:txBody>
@@ -19298,7 +20455,7 @@
 </p:sld>
 </file>
 
-<file path=ppt/slides/slide25.xml><?xml version="1.0" encoding="utf-8"?>
+<file path=ppt/slides/slide28.xml><?xml version="1.0" encoding="utf-8"?>
 <p:sld xmlns:a="http://schemas.openxmlformats.org/drawingml/2006/main" xmlns:r="http://schemas.openxmlformats.org/officeDocument/2006/relationships" xmlns:p="http://schemas.openxmlformats.org/presentationml/2006/main">
   <p:cSld>
     <p:spTree>
@@ -19419,6 +20576,7 @@
               <a:solidFill>
                 <a:prstClr val="white"/>
               </a:solidFill>
+              <a:cs typeface="宋体" panose="02010600030101010101" pitchFamily="2" charset="-122"/>
             </a:endParaRPr>
           </a:p>
         </p:txBody>
@@ -19494,8 +20652,9 @@
                     <a:lumMod val="25000"/>
                   </a:srgbClr>
                 </a:solidFill>
-                <a:latin typeface="方正舒体" panose="02010601030101010101" pitchFamily="2" charset="-122"/>
-                <a:ea typeface="等线" panose="02010600030101010101" pitchFamily="2" charset="-122"/>
+                <a:latin typeface="宋体" panose="02010600030101010101" pitchFamily="2" charset="-122"/>
+                <a:ea typeface="宋体" panose="02010600030101010101" pitchFamily="2" charset="-122"/>
+                <a:cs typeface="宋体" panose="02010600030101010101" pitchFamily="2" charset="-122"/>
               </a:rPr>
               <a:t>PART 04  </a:t>
             </a:r>
@@ -19506,22 +20665,11 @@
                     <a:lumMod val="25000"/>
                   </a:srgbClr>
                 </a:solidFill>
-                <a:latin typeface="方正舒体" panose="02010601030101010101" pitchFamily="2" charset="-122"/>
-                <a:ea typeface="等线" panose="02010600030101010101" pitchFamily="2" charset="-122"/>
+                <a:latin typeface="宋体" panose="02010600030101010101" pitchFamily="2" charset="-122"/>
+                <a:ea typeface="宋体" panose="02010600030101010101" pitchFamily="2" charset="-122"/>
+                <a:cs typeface="宋体" panose="02010600030101010101" pitchFamily="2" charset="-122"/>
               </a:rPr>
-              <a:t>参考</a:t>
-            </a:r>
-            <a:r>
-              <a:rPr lang="zh-CN" altLang="en-US" sz="2800" b="1" dirty="0">
-                <a:solidFill>
-                  <a:srgbClr val="E7E6E6">
-                    <a:lumMod val="25000"/>
-                  </a:srgbClr>
-                </a:solidFill>
-                <a:latin typeface="方正舒体" panose="02010601030101010101" pitchFamily="2" charset="-122"/>
-                <a:ea typeface="等线" panose="02010600030101010101" pitchFamily="2" charset="-122"/>
-              </a:rPr>
-              <a:t>文献</a:t>
+              <a:t>参考文献</a:t>
             </a:r>
             <a:endParaRPr lang="zh-CN" altLang="en-US" sz="2800" b="1" dirty="0">
               <a:solidFill>
@@ -19529,8 +20677,9 @@
                   <a:lumMod val="25000"/>
                 </a:srgbClr>
               </a:solidFill>
-              <a:latin typeface="方正舒体" panose="02010601030101010101" pitchFamily="2" charset="-122"/>
-              <a:ea typeface="等线" panose="02010600030101010101" pitchFamily="2" charset="-122"/>
+              <a:latin typeface="宋体" panose="02010600030101010101" pitchFamily="2" charset="-122"/>
+              <a:ea typeface="宋体" panose="02010600030101010101" pitchFamily="2" charset="-122"/>
+              <a:cs typeface="宋体" panose="02010600030101010101" pitchFamily="2" charset="-122"/>
             </a:endParaRPr>
           </a:p>
         </p:txBody>
@@ -19701,8 +20850,8 @@
                   <a:lumMod val="50000"/>
                 </a:srgbClr>
               </a:solidFill>
-              <a:latin typeface="方正姚体" panose="02010601030101010101" pitchFamily="2" charset="-122"/>
-              <a:ea typeface="方正姚体" panose="02010601030101010101" pitchFamily="2" charset="-122"/>
+              <a:latin typeface="宋体" panose="02010600030101010101" pitchFamily="2" charset="-122"/>
+              <a:cs typeface="宋体" panose="02010600030101010101" pitchFamily="2" charset="-122"/>
             </a:endParaRPr>
           </a:p>
         </p:txBody>
@@ -19877,8 +21026,8 @@
                     <a:lumMod val="50000"/>
                   </a:srgbClr>
                 </a:solidFill>
-                <a:latin typeface="方正姚体" panose="02010601030101010101" pitchFamily="2" charset="-122"/>
-                <a:ea typeface="方正姚体" panose="02010601030101010101" pitchFamily="2" charset="-122"/>
+                <a:latin typeface="宋体" panose="02010600030101010101" pitchFamily="2" charset="-122"/>
+                <a:cs typeface="宋体" panose="02010600030101010101" pitchFamily="2" charset="-122"/>
               </a:rPr>
               <a:t>[1]Lample G ,  Ballesteros M ,  Subramanian S , et al. Neural Architectures for Named Entity Recognition[J].  2016.</a:t>
             </a:r>
@@ -19888,8 +21037,8 @@
                   <a:lumMod val="50000"/>
                 </a:srgbClr>
               </a:solidFill>
-              <a:latin typeface="方正姚体" panose="02010601030101010101" pitchFamily="2" charset="-122"/>
-              <a:ea typeface="方正姚体" panose="02010601030101010101" pitchFamily="2" charset="-122"/>
+              <a:latin typeface="宋体" panose="02010600030101010101" pitchFamily="2" charset="-122"/>
+              <a:cs typeface="宋体" panose="02010600030101010101" pitchFamily="2" charset="-122"/>
             </a:endParaRPr>
           </a:p>
           <a:p>
@@ -19909,8 +21058,8 @@
                     <a:lumMod val="50000"/>
                   </a:srgbClr>
                 </a:solidFill>
-                <a:latin typeface="方正姚体" panose="02010601030101010101" pitchFamily="2" charset="-122"/>
-                <a:ea typeface="方正姚体" panose="02010601030101010101" pitchFamily="2" charset="-122"/>
+                <a:latin typeface="宋体" panose="02010600030101010101" pitchFamily="2" charset="-122"/>
+                <a:cs typeface="宋体" panose="02010600030101010101" pitchFamily="2" charset="-122"/>
               </a:rPr>
               <a:t>[2]Collobert R ,  Weston J ,  Bottou L , et al. Natural Language Processing (almost) from Scratch[J]. Journal of Machine Learning Research, 2011, 12(1):2493-2537.</a:t>
             </a:r>
@@ -19920,8 +21069,8 @@
                   <a:lumMod val="50000"/>
                 </a:srgbClr>
               </a:solidFill>
-              <a:latin typeface="方正姚体" panose="02010601030101010101" pitchFamily="2" charset="-122"/>
-              <a:ea typeface="方正姚体" panose="02010601030101010101" pitchFamily="2" charset="-122"/>
+              <a:latin typeface="宋体" panose="02010600030101010101" pitchFamily="2" charset="-122"/>
+              <a:cs typeface="宋体" panose="02010600030101010101" pitchFamily="2" charset="-122"/>
             </a:endParaRPr>
           </a:p>
           <a:p>
@@ -19941,8 +21090,8 @@
                     <a:lumMod val="50000"/>
                   </a:srgbClr>
                 </a:solidFill>
-                <a:latin typeface="方正姚体" panose="02010601030101010101" pitchFamily="2" charset="-122"/>
-                <a:ea typeface="方正姚体" panose="02010601030101010101" pitchFamily="2" charset="-122"/>
+                <a:latin typeface="宋体" panose="02010600030101010101" pitchFamily="2" charset="-122"/>
+                <a:cs typeface="宋体" panose="02010600030101010101" pitchFamily="2" charset="-122"/>
               </a:rPr>
               <a:t>[3]Ando R K ,  Zhang T . A Framework for Learning Predictive Structures from Multiple Tasks and Unlabeled Data[J]. Journal of Machine Learning Research, 2005, 6:1817-1853.</a:t>
             </a:r>
@@ -19952,8 +21101,8 @@
                   <a:lumMod val="50000"/>
                 </a:srgbClr>
               </a:solidFill>
-              <a:latin typeface="方正姚体" panose="02010601030101010101" pitchFamily="2" charset="-122"/>
-              <a:ea typeface="方正姚体" panose="02010601030101010101" pitchFamily="2" charset="-122"/>
+              <a:latin typeface="宋体" panose="02010600030101010101" pitchFamily="2" charset="-122"/>
+              <a:cs typeface="宋体" panose="02010600030101010101" pitchFamily="2" charset="-122"/>
             </a:endParaRPr>
           </a:p>
           <a:p>
@@ -19973,8 +21122,8 @@
                     <a:lumMod val="50000"/>
                   </a:srgbClr>
                 </a:solidFill>
-                <a:latin typeface="方正姚体" panose="02010601030101010101" pitchFamily="2" charset="-122"/>
-                <a:ea typeface="方正姚体" panose="02010601030101010101" pitchFamily="2" charset="-122"/>
+                <a:latin typeface="宋体" panose="02010600030101010101" pitchFamily="2" charset="-122"/>
+                <a:cs typeface="宋体" panose="02010600030101010101" pitchFamily="2" charset="-122"/>
               </a:rPr>
               <a:t>[4]Xu L ,  Tong Y ,  Dong Q , et al. CLUENER2020: Fine-grained Named Entity Recognition Dataset and Benchmark for Chinese[J].  2020.</a:t>
             </a:r>
@@ -19984,8 +21133,8 @@
                   <a:lumMod val="50000"/>
                 </a:srgbClr>
               </a:solidFill>
-              <a:latin typeface="方正姚体" panose="02010601030101010101" pitchFamily="2" charset="-122"/>
-              <a:ea typeface="方正姚体" panose="02010601030101010101" pitchFamily="2" charset="-122"/>
+              <a:latin typeface="宋体" panose="02010600030101010101" pitchFamily="2" charset="-122"/>
+              <a:cs typeface="宋体" panose="02010600030101010101" pitchFamily="2" charset="-122"/>
             </a:endParaRPr>
           </a:p>
           <a:p>
@@ -20005,8 +21154,8 @@
                     <a:lumMod val="50000"/>
                   </a:srgbClr>
                 </a:solidFill>
-                <a:latin typeface="方正姚体" panose="02010601030101010101" pitchFamily="2" charset="-122"/>
-                <a:ea typeface="方正姚体" panose="02010601030101010101" pitchFamily="2" charset="-122"/>
+                <a:latin typeface="宋体" panose="02010600030101010101" pitchFamily="2" charset="-122"/>
+                <a:cs typeface="宋体" panose="02010600030101010101" pitchFamily="2" charset="-122"/>
               </a:rPr>
               <a:t>[5]Beryozkin G ,  Drori Y ,  Gilon O , et al. A Joint Named-Entity Recognizer for Heterogeneous Tag-sets Using a Tag Hierarchy[J].  2019.</a:t>
             </a:r>
@@ -20016,8 +21165,8 @@
                   <a:lumMod val="50000"/>
                 </a:srgbClr>
               </a:solidFill>
-              <a:latin typeface="方正姚体" panose="02010601030101010101" pitchFamily="2" charset="-122"/>
-              <a:ea typeface="方正姚体" panose="02010601030101010101" pitchFamily="2" charset="-122"/>
+              <a:latin typeface="宋体" panose="02010600030101010101" pitchFamily="2" charset="-122"/>
+              <a:cs typeface="宋体" panose="02010600030101010101" pitchFamily="2" charset="-122"/>
             </a:endParaRPr>
           </a:p>
           <a:p>
@@ -20037,8 +21186,8 @@
                     <a:lumMod val="50000"/>
                   </a:srgbClr>
                 </a:solidFill>
-                <a:latin typeface="方正姚体" panose="02010601030101010101" pitchFamily="2" charset="-122"/>
-                <a:ea typeface="方正姚体" panose="02010601030101010101" pitchFamily="2" charset="-122"/>
+                <a:latin typeface="宋体" panose="02010600030101010101" pitchFamily="2" charset="-122"/>
+                <a:cs typeface="宋体" panose="02010600030101010101" pitchFamily="2" charset="-122"/>
               </a:rPr>
               <a:t>[6]Devlin J ,  Chang M W ,  Lee K , et al. BERT: Pre-training of Deep Bidirectional Transformers for Language Understanding[J].  2018.</a:t>
             </a:r>
@@ -20048,8 +21197,8 @@
                   <a:lumMod val="50000"/>
                 </a:srgbClr>
               </a:solidFill>
-              <a:latin typeface="方正姚体" panose="02010601030101010101" pitchFamily="2" charset="-122"/>
-              <a:ea typeface="方正姚体" panose="02010601030101010101" pitchFamily="2" charset="-122"/>
+              <a:latin typeface="宋体" panose="02010600030101010101" pitchFamily="2" charset="-122"/>
+              <a:cs typeface="宋体" panose="02010600030101010101" pitchFamily="2" charset="-122"/>
             </a:endParaRPr>
           </a:p>
           <a:p>
@@ -20069,8 +21218,8 @@
                     <a:lumMod val="50000"/>
                   </a:srgbClr>
                 </a:solidFill>
-                <a:latin typeface="方正姚体" panose="02010601030101010101" pitchFamily="2" charset="-122"/>
-                <a:ea typeface="方正姚体" panose="02010601030101010101" pitchFamily="2" charset="-122"/>
+                <a:latin typeface="宋体" panose="02010600030101010101" pitchFamily="2" charset="-122"/>
+                <a:cs typeface="宋体" panose="02010600030101010101" pitchFamily="2" charset="-122"/>
               </a:rPr>
               <a:t>[7]Wang, Xuan, Xu, et al. Improving sentiment analysis via sentence type classification using BiLSTM-CRF and CNN[J]. Expert Systems with Application, 2017.</a:t>
             </a:r>
@@ -20080,8 +21229,8 @@
                   <a:lumMod val="50000"/>
                 </a:srgbClr>
               </a:solidFill>
-              <a:latin typeface="方正姚体" panose="02010601030101010101" pitchFamily="2" charset="-122"/>
-              <a:ea typeface="方正姚体" panose="02010601030101010101" pitchFamily="2" charset="-122"/>
+              <a:latin typeface="宋体" panose="02010600030101010101" pitchFamily="2" charset="-122"/>
+              <a:cs typeface="宋体" panose="02010600030101010101" pitchFamily="2" charset="-122"/>
             </a:endParaRPr>
           </a:p>
           <a:p>
@@ -20101,8 +21250,8 @@
                     <a:lumMod val="50000"/>
                   </a:srgbClr>
                 </a:solidFill>
-                <a:latin typeface="方正姚体" panose="02010601030101010101" pitchFamily="2" charset="-122"/>
-                <a:ea typeface="方正姚体" panose="02010601030101010101" pitchFamily="2" charset="-122"/>
+                <a:latin typeface="宋体" panose="02010600030101010101" pitchFamily="2" charset="-122"/>
+                <a:cs typeface="宋体" panose="02010600030101010101" pitchFamily="2" charset="-122"/>
               </a:rPr>
               <a:t>[8]Greff K ,  Srivastava R K , J Koutník, et al. LSTM: A Search Space Odyssey[J].  2015.</a:t>
             </a:r>
@@ -20112,8 +21261,8 @@
                   <a:lumMod val="50000"/>
                 </a:srgbClr>
               </a:solidFill>
-              <a:latin typeface="方正姚体" panose="02010601030101010101" pitchFamily="2" charset="-122"/>
-              <a:ea typeface="方正姚体" panose="02010601030101010101" pitchFamily="2" charset="-122"/>
+              <a:latin typeface="宋体" panose="02010600030101010101" pitchFamily="2" charset="-122"/>
+              <a:cs typeface="宋体" panose="02010600030101010101" pitchFamily="2" charset="-122"/>
             </a:endParaRPr>
           </a:p>
           <a:p>
@@ -20133,8 +21282,8 @@
                     <a:lumMod val="50000"/>
                   </a:srgbClr>
                 </a:solidFill>
-                <a:latin typeface="方正姚体" panose="02010601030101010101" pitchFamily="2" charset="-122"/>
-                <a:ea typeface="方正姚体" panose="02010601030101010101" pitchFamily="2" charset="-122"/>
+                <a:latin typeface="宋体" panose="02010600030101010101" pitchFamily="2" charset="-122"/>
+                <a:cs typeface="宋体" panose="02010600030101010101" pitchFamily="2" charset="-122"/>
               </a:rPr>
               <a:t>[9]韩雪冬. 基于CRFs的中文分词算法研究与实现[D]. 北京邮电大学, 2010.</a:t>
             </a:r>
@@ -20144,8 +21293,8 @@
                   <a:lumMod val="50000"/>
                 </a:srgbClr>
               </a:solidFill>
-              <a:latin typeface="方正姚体" panose="02010601030101010101" pitchFamily="2" charset="-122"/>
-              <a:ea typeface="方正姚体" panose="02010601030101010101" pitchFamily="2" charset="-122"/>
+              <a:latin typeface="宋体" panose="02010600030101010101" pitchFamily="2" charset="-122"/>
+              <a:cs typeface="宋体" panose="02010600030101010101" pitchFamily="2" charset="-122"/>
             </a:endParaRPr>
           </a:p>
           <a:p>
@@ -20165,8 +21314,8 @@
                     <a:lumMod val="50000"/>
                   </a:srgbClr>
                 </a:solidFill>
-                <a:latin typeface="方正姚体" panose="02010601030101010101" pitchFamily="2" charset="-122"/>
-                <a:ea typeface="方正姚体" panose="02010601030101010101" pitchFamily="2" charset="-122"/>
+                <a:latin typeface="宋体" panose="02010600030101010101" pitchFamily="2" charset="-122"/>
+                <a:cs typeface="宋体" panose="02010600030101010101" pitchFamily="2" charset="-122"/>
               </a:rPr>
               <a:t>[10]洪铭材, 张阔, 李涓子. 基于条件随机场(CRFs)的中文词性标注方法[J]. 计算机科学, 2006, 33(10):148-151.</a:t>
             </a:r>
@@ -20176,8 +21325,8 @@
                   <a:lumMod val="50000"/>
                 </a:srgbClr>
               </a:solidFill>
-              <a:latin typeface="方正姚体" panose="02010601030101010101" pitchFamily="2" charset="-122"/>
-              <a:ea typeface="方正姚体" panose="02010601030101010101" pitchFamily="2" charset="-122"/>
+              <a:latin typeface="宋体" panose="02010600030101010101" pitchFamily="2" charset="-122"/>
+              <a:cs typeface="宋体" panose="02010600030101010101" pitchFamily="2" charset="-122"/>
             </a:endParaRPr>
           </a:p>
         </p:txBody>
@@ -20495,7 +21644,7 @@
 </p:sld>
 </file>
 
-<file path=ppt/slides/slide26.xml><?xml version="1.0" encoding="utf-8"?>
+<file path=ppt/slides/slide29.xml><?xml version="1.0" encoding="utf-8"?>
 <p:sld xmlns:a="http://schemas.openxmlformats.org/drawingml/2006/main" xmlns:r="http://schemas.openxmlformats.org/officeDocument/2006/relationships" xmlns:p="http://schemas.openxmlformats.org/presentationml/2006/main">
   <p:cSld>
     <p:spTree>
@@ -20565,6 +21714,7 @@
               <a:solidFill>
                 <a:prstClr val="white"/>
               </a:solidFill>
+              <a:cs typeface="宋体" panose="02010600030101010101" pitchFamily="2" charset="-122"/>
             </a:endParaRPr>
           </a:p>
         </p:txBody>
@@ -20622,6 +21772,7 @@
               <a:solidFill>
                 <a:prstClr val="white"/>
               </a:solidFill>
+              <a:cs typeface="宋体" panose="02010600030101010101" pitchFamily="2" charset="-122"/>
             </a:endParaRPr>
           </a:p>
         </p:txBody>
@@ -20651,14 +21802,16 @@
             <a:pPr algn="ctr"/>
             <a:r>
               <a:rPr lang="en-US" altLang="zh-CN" sz="3200" b="1" dirty="0">
-                <a:latin typeface="方正舒体" panose="02010601030101010101" pitchFamily="2" charset="-122"/>
-                <a:ea typeface="方正舒体" panose="02010601030101010101" pitchFamily="2" charset="-122"/>
+                <a:latin typeface="宋体" panose="02010600030101010101" pitchFamily="2" charset="-122"/>
+                <a:ea typeface="宋体" panose="02010600030101010101" pitchFamily="2" charset="-122"/>
+                <a:cs typeface="宋体" panose="02010600030101010101" pitchFamily="2" charset="-122"/>
               </a:rPr>
               <a:t>BUAA</a:t>
             </a:r>
             <a:endParaRPr lang="zh-CN" altLang="en-US" sz="3200" b="1" dirty="0">
-              <a:latin typeface="方正舒体" panose="02010601030101010101" pitchFamily="2" charset="-122"/>
-              <a:ea typeface="方正舒体" panose="02010601030101010101" pitchFamily="2" charset="-122"/>
+              <a:latin typeface="宋体" panose="02010600030101010101" pitchFamily="2" charset="-122"/>
+              <a:ea typeface="宋体" panose="02010600030101010101" pitchFamily="2" charset="-122"/>
+              <a:cs typeface="宋体" panose="02010600030101010101" pitchFamily="2" charset="-122"/>
             </a:endParaRPr>
           </a:p>
         </p:txBody>
@@ -20698,8 +21851,9 @@
                     </a:srgbClr>
                   </a:outerShdw>
                 </a:effectLst>
-                <a:latin typeface="等线" panose="02010600030101010101" pitchFamily="2" charset="-122"/>
-                <a:ea typeface="等线" panose="02010600030101010101" pitchFamily="2" charset="-122"/>
+                <a:latin typeface="宋体" panose="02010600030101010101" pitchFamily="2" charset="-122"/>
+                <a:ea typeface="宋体" panose="02010600030101010101" pitchFamily="2" charset="-122"/>
+                <a:cs typeface="宋体" panose="02010600030101010101" pitchFamily="2" charset="-122"/>
               </a:rPr>
               <a:t>敬请各位老师批评指正</a:t>
             </a:r>
@@ -20715,8 +21869,9 @@
                   </a:srgbClr>
                 </a:outerShdw>
               </a:effectLst>
-              <a:latin typeface="等线" panose="02010600030101010101" pitchFamily="2" charset="-122"/>
-              <a:ea typeface="等线" panose="02010600030101010101" pitchFamily="2" charset="-122"/>
+              <a:latin typeface="宋体" panose="02010600030101010101" pitchFamily="2" charset="-122"/>
+              <a:ea typeface="宋体" panose="02010600030101010101" pitchFamily="2" charset="-122"/>
+              <a:cs typeface="宋体" panose="02010600030101010101" pitchFamily="2" charset="-122"/>
             </a:endParaRPr>
           </a:p>
         </p:txBody>
@@ -20835,8 +21990,9 @@
                     <a:lumMod val="50000"/>
                   </a:srgbClr>
                 </a:solidFill>
-                <a:latin typeface="等线" panose="02010600030101010101" pitchFamily="2" charset="-122"/>
-                <a:ea typeface="等线" panose="02010600030101010101" pitchFamily="2" charset="-122"/>
+                <a:latin typeface="宋体" panose="02010600030101010101" pitchFamily="2" charset="-122"/>
+                <a:ea typeface="宋体" panose="02010600030101010101" pitchFamily="2" charset="-122"/>
+                <a:cs typeface="宋体" panose="02010600030101010101" pitchFamily="2" charset="-122"/>
               </a:rPr>
               <a:t>答辩人：霍飞烨</a:t>
             </a:r>
@@ -20847,10 +22003,11 @@
                     <a:lumMod val="50000"/>
                   </a:srgbClr>
                 </a:solidFill>
-                <a:latin typeface="等线" panose="02010600030101010101" pitchFamily="2" charset="-122"/>
-                <a:ea typeface="等线" panose="02010600030101010101" pitchFamily="2" charset="-122"/>
+                <a:latin typeface="宋体" panose="02010600030101010101" pitchFamily="2" charset="-122"/>
+                <a:ea typeface="宋体" panose="02010600030101010101" pitchFamily="2" charset="-122"/>
+                <a:cs typeface="宋体" panose="02010600030101010101" pitchFamily="2" charset="-122"/>
               </a:rPr>
-              <a:t>                     </a:t>
+              <a:t>          </a:t>
             </a:r>
             <a:r>
               <a:rPr lang="zh-CN" altLang="en-US" dirty="0">
@@ -20859,22 +22016,11 @@
                     <a:lumMod val="50000"/>
                   </a:srgbClr>
                 </a:solidFill>
-                <a:latin typeface="等线" panose="02010600030101010101" pitchFamily="2" charset="-122"/>
-                <a:ea typeface="等线" panose="02010600030101010101" pitchFamily="2" charset="-122"/>
+                <a:latin typeface="宋体" panose="02010600030101010101" pitchFamily="2" charset="-122"/>
+                <a:ea typeface="宋体" panose="02010600030101010101" pitchFamily="2" charset="-122"/>
+                <a:cs typeface="宋体" panose="02010600030101010101" pitchFamily="2" charset="-122"/>
               </a:rPr>
-              <a:t>指导老师：</a:t>
-            </a:r>
-            <a:r>
-              <a:rPr lang="zh-CN" altLang="en-US" dirty="0">
-                <a:solidFill>
-                  <a:srgbClr val="E7E6E6">
-                    <a:lumMod val="50000"/>
-                  </a:srgbClr>
-                </a:solidFill>
-                <a:latin typeface="等线" panose="02010600030101010101" pitchFamily="2" charset="-122"/>
-                <a:ea typeface="等线" panose="02010600030101010101" pitchFamily="2" charset="-122"/>
-              </a:rPr>
-              <a:t>张辉</a:t>
+              <a:t>指导老师：张辉</a:t>
             </a:r>
             <a:endParaRPr lang="zh-CN" altLang="en-US" dirty="0">
               <a:solidFill>
@@ -20882,8 +22028,9 @@
                   <a:lumMod val="50000"/>
                 </a:srgbClr>
               </a:solidFill>
-              <a:latin typeface="等线" panose="02010600030101010101" pitchFamily="2" charset="-122"/>
-              <a:ea typeface="等线" panose="02010600030101010101" pitchFamily="2" charset="-122"/>
+              <a:latin typeface="宋体" panose="02010600030101010101" pitchFamily="2" charset="-122"/>
+              <a:ea typeface="宋体" panose="02010600030101010101" pitchFamily="2" charset="-122"/>
+              <a:cs typeface="宋体" panose="02010600030101010101" pitchFamily="2" charset="-122"/>
             </a:endParaRPr>
           </a:p>
         </p:txBody>
@@ -20896,7 +22043,7 @@
         </p:nvGrpSpPr>
         <p:grpSpPr>
           <a:xfrm>
-            <a:off x="5182965" y="3728941"/>
+            <a:off x="5077555" y="3721956"/>
             <a:ext cx="342764" cy="342764"/>
             <a:chOff x="4688155" y="5875923"/>
             <a:chExt cx="342764" cy="342764"/>
@@ -20950,6 +22097,7 @@
                 <a:solidFill>
                   <a:prstClr val="white"/>
                 </a:solidFill>
+                <a:cs typeface="宋体" panose="02010600030101010101" pitchFamily="2" charset="-122"/>
               </a:endParaRPr>
             </a:p>
           </p:txBody>
@@ -21010,6 +22158,7 @@
                   <a:solidFill>
                     <a:prstClr val="black"/>
                   </a:solidFill>
+                  <a:cs typeface="宋体" panose="02010600030101010101" pitchFamily="2" charset="-122"/>
                 </a:endParaRPr>
               </a:p>
             </p:txBody>
@@ -21150,6 +22299,7 @@
                   <a:solidFill>
                     <a:prstClr val="black"/>
                   </a:solidFill>
+                  <a:cs typeface="宋体" panose="02010600030101010101" pitchFamily="2" charset="-122"/>
                 </a:endParaRPr>
               </a:p>
             </p:txBody>
@@ -21290,6 +22440,7 @@
                   <a:solidFill>
                     <a:prstClr val="black"/>
                   </a:solidFill>
+                  <a:cs typeface="宋体" panose="02010600030101010101" pitchFamily="2" charset="-122"/>
                 </a:endParaRPr>
               </a:p>
             </p:txBody>
@@ -21639,6 +22790,7 @@
                   <a:solidFill>
                     <a:prstClr val="white"/>
                   </a:solidFill>
+                  <a:cs typeface="宋体" panose="02010600030101010101" pitchFamily="2" charset="-122"/>
                 </a:endParaRPr>
               </a:p>
             </p:txBody>
@@ -21684,6 +22836,7 @@
                   <a:solidFill>
                     <a:prstClr val="black"/>
                   </a:solidFill>
+                  <a:cs typeface="宋体" panose="02010600030101010101" pitchFamily="2" charset="-122"/>
                 </a:endParaRPr>
               </a:p>
             </p:txBody>
@@ -21729,6 +22882,7 @@
                   <a:solidFill>
                     <a:prstClr val="black"/>
                   </a:solidFill>
+                  <a:cs typeface="宋体" panose="02010600030101010101" pitchFamily="2" charset="-122"/>
                 </a:endParaRPr>
               </a:p>
             </p:txBody>
@@ -21774,6 +22928,7 @@
                   <a:solidFill>
                     <a:prstClr val="black"/>
                   </a:solidFill>
+                  <a:cs typeface="宋体" panose="02010600030101010101" pitchFamily="2" charset="-122"/>
                 </a:endParaRPr>
               </a:p>
             </p:txBody>
@@ -21819,6 +22974,7 @@
                   <a:solidFill>
                     <a:prstClr val="black"/>
                   </a:solidFill>
+                  <a:cs typeface="宋体" panose="02010600030101010101" pitchFamily="2" charset="-122"/>
                 </a:endParaRPr>
               </a:p>
             </p:txBody>
@@ -21864,6 +23020,7 @@
                   <a:solidFill>
                     <a:prstClr val="black"/>
                   </a:solidFill>
+                  <a:cs typeface="宋体" panose="02010600030101010101" pitchFamily="2" charset="-122"/>
                 </a:endParaRPr>
               </a:p>
             </p:txBody>
@@ -21909,6 +23066,7 @@
                   <a:solidFill>
                     <a:prstClr val="black"/>
                   </a:solidFill>
+                  <a:cs typeface="宋体" panose="02010600030101010101" pitchFamily="2" charset="-122"/>
                 </a:endParaRPr>
               </a:p>
             </p:txBody>
@@ -21954,6 +23112,7 @@
                   <a:solidFill>
                     <a:prstClr val="black"/>
                   </a:solidFill>
+                  <a:cs typeface="宋体" panose="02010600030101010101" pitchFamily="2" charset="-122"/>
                 </a:endParaRPr>
               </a:p>
             </p:txBody>
@@ -21999,6 +23158,7 @@
                   <a:solidFill>
                     <a:prstClr val="black"/>
                   </a:solidFill>
+                  <a:cs typeface="宋体" panose="02010600030101010101" pitchFamily="2" charset="-122"/>
                 </a:endParaRPr>
               </a:p>
             </p:txBody>
@@ -22044,6 +23204,7 @@
                   <a:solidFill>
                     <a:prstClr val="black"/>
                   </a:solidFill>
+                  <a:cs typeface="宋体" panose="02010600030101010101" pitchFamily="2" charset="-122"/>
                 </a:endParaRPr>
               </a:p>
             </p:txBody>
@@ -22089,6 +23250,7 @@
                   <a:solidFill>
                     <a:prstClr val="black"/>
                   </a:solidFill>
+                  <a:cs typeface="宋体" panose="02010600030101010101" pitchFamily="2" charset="-122"/>
                 </a:endParaRPr>
               </a:p>
             </p:txBody>
@@ -22635,6 +23797,7 @@
                   <a:solidFill>
                     <a:prstClr val="black"/>
                   </a:solidFill>
+                  <a:cs typeface="宋体" panose="02010600030101010101" pitchFamily="2" charset="-122"/>
                 </a:endParaRPr>
               </a:p>
             </p:txBody>
@@ -22735,6 +23898,7 @@
                   <a:solidFill>
                     <a:prstClr val="black"/>
                   </a:solidFill>
+                  <a:cs typeface="宋体" panose="02010600030101010101" pitchFamily="2" charset="-122"/>
                 </a:endParaRPr>
               </a:p>
             </p:txBody>
@@ -22835,6 +23999,7 @@
                   <a:solidFill>
                     <a:prstClr val="black"/>
                   </a:solidFill>
+                  <a:cs typeface="宋体" panose="02010600030101010101" pitchFamily="2" charset="-122"/>
                 </a:endParaRPr>
               </a:p>
             </p:txBody>
@@ -22903,6 +24068,7 @@
                 <a:solidFill>
                   <a:prstClr val="white"/>
                 </a:solidFill>
+                <a:cs typeface="宋体" panose="02010600030101010101" pitchFamily="2" charset="-122"/>
               </a:endParaRPr>
             </a:p>
           </p:txBody>
@@ -22963,6 +24129,7 @@
                   <a:solidFill>
                     <a:prstClr val="black"/>
                   </a:solidFill>
+                  <a:cs typeface="宋体" panose="02010600030101010101" pitchFamily="2" charset="-122"/>
                 </a:endParaRPr>
               </a:p>
             </p:txBody>
@@ -23103,6 +24270,7 @@
                   <a:solidFill>
                     <a:prstClr val="black"/>
                   </a:solidFill>
+                  <a:cs typeface="宋体" panose="02010600030101010101" pitchFamily="2" charset="-122"/>
                 </a:endParaRPr>
               </a:p>
             </p:txBody>
@@ -23243,6 +24411,7 @@
                   <a:solidFill>
                     <a:prstClr val="black"/>
                   </a:solidFill>
+                  <a:cs typeface="宋体" panose="02010600030101010101" pitchFamily="2" charset="-122"/>
                 </a:endParaRPr>
               </a:p>
             </p:txBody>
@@ -23592,6 +24761,7 @@
                   <a:solidFill>
                     <a:prstClr val="black"/>
                   </a:solidFill>
+                  <a:cs typeface="宋体" panose="02010600030101010101" pitchFamily="2" charset="-122"/>
                 </a:endParaRPr>
               </a:p>
             </p:txBody>
@@ -23637,6 +24807,7 @@
                   <a:solidFill>
                     <a:prstClr val="black"/>
                   </a:solidFill>
+                  <a:cs typeface="宋体" panose="02010600030101010101" pitchFamily="2" charset="-122"/>
                 </a:endParaRPr>
               </a:p>
             </p:txBody>
@@ -23682,6 +24853,7 @@
                   <a:solidFill>
                     <a:prstClr val="black"/>
                   </a:solidFill>
+                  <a:cs typeface="宋体" panose="02010600030101010101" pitchFamily="2" charset="-122"/>
                 </a:endParaRPr>
               </a:p>
             </p:txBody>
@@ -23727,6 +24899,7 @@
                   <a:solidFill>
                     <a:prstClr val="black"/>
                   </a:solidFill>
+                  <a:cs typeface="宋体" panose="02010600030101010101" pitchFamily="2" charset="-122"/>
                 </a:endParaRPr>
               </a:p>
             </p:txBody>
@@ -23772,6 +24945,7 @@
                   <a:solidFill>
                     <a:prstClr val="black"/>
                   </a:solidFill>
+                  <a:cs typeface="宋体" panose="02010600030101010101" pitchFamily="2" charset="-122"/>
                 </a:endParaRPr>
               </a:p>
             </p:txBody>
@@ -23817,6 +24991,7 @@
                   <a:solidFill>
                     <a:prstClr val="black"/>
                   </a:solidFill>
+                  <a:cs typeface="宋体" panose="02010600030101010101" pitchFamily="2" charset="-122"/>
                 </a:endParaRPr>
               </a:p>
             </p:txBody>
@@ -23862,6 +25037,7 @@
                   <a:solidFill>
                     <a:prstClr val="black"/>
                   </a:solidFill>
+                  <a:cs typeface="宋体" panose="02010600030101010101" pitchFamily="2" charset="-122"/>
                 </a:endParaRPr>
               </a:p>
             </p:txBody>
@@ -23907,6 +25083,7 @@
                   <a:solidFill>
                     <a:prstClr val="black"/>
                   </a:solidFill>
+                  <a:cs typeface="宋体" panose="02010600030101010101" pitchFamily="2" charset="-122"/>
                 </a:endParaRPr>
               </a:p>
             </p:txBody>
@@ -23952,6 +25129,7 @@
                   <a:solidFill>
                     <a:prstClr val="black"/>
                   </a:solidFill>
+                  <a:cs typeface="宋体" panose="02010600030101010101" pitchFamily="2" charset="-122"/>
                 </a:endParaRPr>
               </a:p>
             </p:txBody>
@@ -23997,6 +25175,7 @@
                   <a:solidFill>
                     <a:prstClr val="black"/>
                   </a:solidFill>
+                  <a:cs typeface="宋体" panose="02010600030101010101" pitchFamily="2" charset="-122"/>
                 </a:endParaRPr>
               </a:p>
             </p:txBody>
@@ -24042,6 +25221,7 @@
                   <a:solidFill>
                     <a:prstClr val="black"/>
                   </a:solidFill>
+                  <a:cs typeface="宋体" panose="02010600030101010101" pitchFamily="2" charset="-122"/>
                 </a:endParaRPr>
               </a:p>
             </p:txBody>
@@ -24588,6 +25768,7 @@
                   <a:solidFill>
                     <a:prstClr val="black"/>
                   </a:solidFill>
+                  <a:cs typeface="宋体" panose="02010600030101010101" pitchFamily="2" charset="-122"/>
                 </a:endParaRPr>
               </a:p>
             </p:txBody>
@@ -24688,6 +25869,7 @@
                   <a:solidFill>
                     <a:prstClr val="black"/>
                   </a:solidFill>
+                  <a:cs typeface="宋体" panose="02010600030101010101" pitchFamily="2" charset="-122"/>
                 </a:endParaRPr>
               </a:p>
             </p:txBody>
@@ -24788,6 +25970,7 @@
                   <a:solidFill>
                     <a:prstClr val="black"/>
                   </a:solidFill>
+                  <a:cs typeface="宋体" panose="02010600030101010101" pitchFamily="2" charset="-122"/>
                 </a:endParaRPr>
               </a:p>
             </p:txBody>
@@ -25604,6 +26787,7 @@
               <a:solidFill>
                 <a:prstClr val="white"/>
               </a:solidFill>
+              <a:cs typeface="宋体" panose="02010600030101010101" pitchFamily="2" charset="-122"/>
             </a:endParaRPr>
           </a:p>
         </p:txBody>
@@ -25640,8 +26824,9 @@
                 <a:solidFill>
                   <a:prstClr val="white"/>
                 </a:solidFill>
-                <a:latin typeface="方正舒体" panose="02010601030101010101" pitchFamily="2" charset="-122"/>
-                <a:ea typeface="等线" panose="02010600030101010101" pitchFamily="2" charset="-122"/>
+                <a:latin typeface="宋体" panose="02010600030101010101" pitchFamily="2" charset="-122"/>
+                <a:ea typeface="宋体" panose="02010600030101010101" pitchFamily="2" charset="-122"/>
+                <a:cs typeface="宋体" panose="02010600030101010101" pitchFamily="2" charset="-122"/>
               </a:rPr>
               <a:t>PART 01  </a:t>
             </a:r>
@@ -25649,8 +26834,9 @@
               <a:solidFill>
                 <a:prstClr val="white"/>
               </a:solidFill>
-              <a:latin typeface="方正舒体" panose="02010601030101010101" pitchFamily="2" charset="-122"/>
-              <a:ea typeface="等线" panose="02010600030101010101" pitchFamily="2" charset="-122"/>
+              <a:latin typeface="宋体" panose="02010600030101010101" pitchFamily="2" charset="-122"/>
+              <a:ea typeface="宋体" panose="02010600030101010101" pitchFamily="2" charset="-122"/>
+              <a:cs typeface="宋体" panose="02010600030101010101" pitchFamily="2" charset="-122"/>
             </a:endParaRPr>
           </a:p>
           <a:p>
@@ -25664,8 +26850,9 @@
                 <a:solidFill>
                   <a:prstClr val="white"/>
                 </a:solidFill>
-                <a:latin typeface="方正舒体" panose="02010601030101010101" pitchFamily="2" charset="-122"/>
-                <a:ea typeface="等线" panose="02010600030101010101" pitchFamily="2" charset="-122"/>
+                <a:latin typeface="宋体" panose="02010600030101010101" pitchFamily="2" charset="-122"/>
+                <a:ea typeface="宋体" panose="02010600030101010101" pitchFamily="2" charset="-122"/>
+                <a:cs typeface="宋体" panose="02010600030101010101" pitchFamily="2" charset="-122"/>
                 <a:sym typeface="+mn-ea"/>
               </a:rPr>
               <a:t>课题简介</a:t>
@@ -25674,8 +26861,9 @@
               <a:solidFill>
                 <a:schemeClr val="bg1"/>
               </a:solidFill>
-              <a:latin typeface="方正舒体" panose="02010601030101010101" pitchFamily="2" charset="-122"/>
-              <a:ea typeface="等线" panose="02010600030101010101" pitchFamily="2" charset="-122"/>
+              <a:latin typeface="宋体" panose="02010600030101010101" pitchFamily="2" charset="-122"/>
+              <a:ea typeface="宋体" panose="02010600030101010101" pitchFamily="2" charset="-122"/>
+              <a:cs typeface="宋体" panose="02010600030101010101" pitchFamily="2" charset="-122"/>
               <a:sym typeface="+mn-ea"/>
             </a:endParaRPr>
           </a:p>
@@ -25944,6 +27132,7 @@
               <a:solidFill>
                 <a:prstClr val="white"/>
               </a:solidFill>
+              <a:cs typeface="宋体" panose="02010600030101010101" pitchFamily="2" charset="-122"/>
             </a:endParaRPr>
           </a:p>
         </p:txBody>
@@ -26019,8 +27208,9 @@
                     <a:lumMod val="25000"/>
                   </a:srgbClr>
                 </a:solidFill>
-                <a:latin typeface="方正舒体" panose="02010601030101010101" pitchFamily="2" charset="-122"/>
-                <a:ea typeface="等线" panose="02010600030101010101" pitchFamily="2" charset="-122"/>
+                <a:latin typeface="宋体" panose="02010600030101010101" pitchFamily="2" charset="-122"/>
+                <a:ea typeface="宋体" panose="02010600030101010101" pitchFamily="2" charset="-122"/>
+                <a:cs typeface="宋体" panose="02010600030101010101" pitchFamily="2" charset="-122"/>
               </a:rPr>
               <a:t>PART 01 </a:t>
             </a:r>
@@ -26029,8 +27219,9 @@
                 <a:solidFill>
                   <a:schemeClr val="tx1"/>
                 </a:solidFill>
-                <a:latin typeface="方正舒体" panose="02010601030101010101" pitchFamily="2" charset="-122"/>
-                <a:ea typeface="等线" panose="02010600030101010101" pitchFamily="2" charset="-122"/>
+                <a:latin typeface="宋体" panose="02010600030101010101" pitchFamily="2" charset="-122"/>
+                <a:ea typeface="宋体" panose="02010600030101010101" pitchFamily="2" charset="-122"/>
+                <a:cs typeface="宋体" panose="02010600030101010101" pitchFamily="2" charset="-122"/>
               </a:rPr>
               <a:t> </a:t>
             </a:r>
@@ -26039,8 +27230,9 @@
                 <a:solidFill>
                   <a:schemeClr val="tx1"/>
                 </a:solidFill>
-                <a:latin typeface="方正舒体" panose="02010601030101010101" pitchFamily="2" charset="-122"/>
-                <a:ea typeface="等线" panose="02010600030101010101" pitchFamily="2" charset="-122"/>
+                <a:latin typeface="宋体" panose="02010600030101010101" pitchFamily="2" charset="-122"/>
+                <a:ea typeface="宋体" panose="02010600030101010101" pitchFamily="2" charset="-122"/>
+                <a:cs typeface="宋体" panose="02010600030101010101" pitchFamily="2" charset="-122"/>
                 <a:sym typeface="+mn-ea"/>
               </a:rPr>
               <a:t>课题简介</a:t>
@@ -26049,8 +27241,9 @@
               <a:solidFill>
                 <a:schemeClr val="tx1"/>
               </a:solidFill>
-              <a:latin typeface="方正舒体" panose="02010601030101010101" pitchFamily="2" charset="-122"/>
-              <a:ea typeface="等线" panose="02010600030101010101" pitchFamily="2" charset="-122"/>
+              <a:latin typeface="宋体" panose="02010600030101010101" pitchFamily="2" charset="-122"/>
+              <a:ea typeface="宋体" panose="02010600030101010101" pitchFamily="2" charset="-122"/>
+              <a:cs typeface="宋体" panose="02010600030101010101" pitchFamily="2" charset="-122"/>
               <a:sym typeface="+mn-ea"/>
             </a:endParaRPr>
           </a:p>
@@ -26134,8 +27327,9 @@
               <a:solidFill>
                 <a:prstClr val="white"/>
               </a:solidFill>
-              <a:latin typeface="方正姚体" panose="02010601030101010101" pitchFamily="2" charset="-122"/>
-              <a:ea typeface="方正姚体" panose="02010601030101010101" pitchFamily="2" charset="-122"/>
+              <a:latin typeface="宋体" panose="02010600030101010101" pitchFamily="2" charset="-122"/>
+              <a:ea typeface="宋体" panose="02010600030101010101" pitchFamily="2" charset="-122"/>
+              <a:cs typeface="宋体" panose="02010600030101010101" pitchFamily="2" charset="-122"/>
             </a:endParaRPr>
           </a:p>
         </p:txBody>
@@ -26218,8 +27412,9 @@
               <a:solidFill>
                 <a:prstClr val="white"/>
               </a:solidFill>
-              <a:latin typeface="方正姚体" panose="02010601030101010101" pitchFamily="2" charset="-122"/>
-              <a:ea typeface="方正姚体" panose="02010601030101010101" pitchFamily="2" charset="-122"/>
+              <a:latin typeface="宋体" panose="02010600030101010101" pitchFamily="2" charset="-122"/>
+              <a:ea typeface="宋体" panose="02010600030101010101" pitchFamily="2" charset="-122"/>
+              <a:cs typeface="宋体" panose="02010600030101010101" pitchFamily="2" charset="-122"/>
             </a:endParaRPr>
           </a:p>
         </p:txBody>
@@ -26269,8 +27464,9 @@
                     <a:lumMod val="50000"/>
                   </a:srgbClr>
                 </a:solidFill>
-                <a:latin typeface="方正姚体" panose="02010601030101010101" pitchFamily="2" charset="-122"/>
-                <a:ea typeface="方正姚体" panose="02010601030101010101" pitchFamily="2" charset="-122"/>
+                <a:latin typeface="宋体" panose="02010600030101010101" pitchFamily="2" charset="-122"/>
+                <a:ea typeface="宋体" panose="02010600030101010101" pitchFamily="2" charset="-122"/>
+                <a:cs typeface="宋体" panose="02010600030101010101" pitchFamily="2" charset="-122"/>
               </a:rPr>
               <a:t>中国科技蓬勃发展，专利技术跃居世界第一，爆炸式增长的专利背后，是繁复严谨的技术标准的支持与约束。在此背景下，山西省提出“111”创新工程的标准及专利创制服务体系建设方案，以标准化服务助力山西省打造一流创新生态，为实现山西省经济社会高质量转型发展提供标准化支撑。</a:t>
             </a:r>
@@ -26280,8 +27476,9 @@
                   <a:lumMod val="50000"/>
                 </a:srgbClr>
               </a:solidFill>
-              <a:latin typeface="方正姚体" panose="02010601030101010101" pitchFamily="2" charset="-122"/>
-              <a:ea typeface="方正姚体" panose="02010601030101010101" pitchFamily="2" charset="-122"/>
+              <a:latin typeface="宋体" panose="02010600030101010101" pitchFamily="2" charset="-122"/>
+              <a:ea typeface="宋体" panose="02010600030101010101" pitchFamily="2" charset="-122"/>
+              <a:cs typeface="宋体" panose="02010600030101010101" pitchFamily="2" charset="-122"/>
             </a:endParaRPr>
           </a:p>
         </p:txBody>
@@ -26330,8 +27527,9 @@
                   <a:lumMod val="50000"/>
                 </a:srgbClr>
               </a:solidFill>
-              <a:latin typeface="方正姚体" panose="02010601030101010101" pitchFamily="2" charset="-122"/>
-              <a:ea typeface="方正姚体" panose="02010601030101010101" pitchFamily="2" charset="-122"/>
+              <a:latin typeface="宋体" panose="02010600030101010101" pitchFamily="2" charset="-122"/>
+              <a:ea typeface="宋体" panose="02010600030101010101" pitchFamily="2" charset="-122"/>
+              <a:cs typeface="宋体" panose="02010600030101010101" pitchFamily="2" charset="-122"/>
             </a:endParaRPr>
           </a:p>
         </p:txBody>
@@ -26388,8 +27586,9 @@
                 <a:solidFill>
                   <a:prstClr val="white"/>
                 </a:solidFill>
-                <a:latin typeface="方正姚体" panose="02010601030101010101" pitchFamily="2" charset="-122"/>
-                <a:ea typeface="方正姚体" panose="02010601030101010101" pitchFamily="2" charset="-122"/>
+                <a:latin typeface="宋体" panose="02010600030101010101" pitchFamily="2" charset="-122"/>
+                <a:ea typeface="宋体" panose="02010600030101010101" pitchFamily="2" charset="-122"/>
+                <a:cs typeface="宋体" panose="02010600030101010101" pitchFamily="2" charset="-122"/>
               </a:rPr>
               <a:t>课题</a:t>
             </a:r>
@@ -26397,8 +27596,9 @@
               <a:solidFill>
                 <a:prstClr val="white"/>
               </a:solidFill>
-              <a:latin typeface="方正姚体" panose="02010601030101010101" pitchFamily="2" charset="-122"/>
-              <a:ea typeface="方正姚体" panose="02010601030101010101" pitchFamily="2" charset="-122"/>
+              <a:latin typeface="宋体" panose="02010600030101010101" pitchFamily="2" charset="-122"/>
+              <a:ea typeface="宋体" panose="02010600030101010101" pitchFamily="2" charset="-122"/>
+              <a:cs typeface="宋体" panose="02010600030101010101" pitchFamily="2" charset="-122"/>
             </a:endParaRPr>
           </a:p>
           <a:p>
@@ -26408,8 +27608,9 @@
                 <a:solidFill>
                   <a:prstClr val="white"/>
                 </a:solidFill>
-                <a:latin typeface="方正姚体" panose="02010601030101010101" pitchFamily="2" charset="-122"/>
-                <a:ea typeface="方正姚体" panose="02010601030101010101" pitchFamily="2" charset="-122"/>
+                <a:latin typeface="宋体" panose="02010600030101010101" pitchFamily="2" charset="-122"/>
+                <a:ea typeface="宋体" panose="02010600030101010101" pitchFamily="2" charset="-122"/>
+                <a:cs typeface="宋体" panose="02010600030101010101" pitchFamily="2" charset="-122"/>
               </a:rPr>
               <a:t>背景</a:t>
             </a:r>
@@ -26417,8 +27618,9 @@
               <a:solidFill>
                 <a:prstClr val="white"/>
               </a:solidFill>
-              <a:latin typeface="方正姚体" panose="02010601030101010101" pitchFamily="2" charset="-122"/>
-              <a:ea typeface="方正姚体" panose="02010601030101010101" pitchFamily="2" charset="-122"/>
+              <a:latin typeface="宋体" panose="02010600030101010101" pitchFamily="2" charset="-122"/>
+              <a:ea typeface="宋体" panose="02010600030101010101" pitchFamily="2" charset="-122"/>
+              <a:cs typeface="宋体" panose="02010600030101010101" pitchFamily="2" charset="-122"/>
             </a:endParaRPr>
           </a:p>
         </p:txBody>
@@ -26475,8 +27677,9 @@
                 <a:solidFill>
                   <a:prstClr val="white"/>
                 </a:solidFill>
-                <a:latin typeface="方正姚体" panose="02010601030101010101" pitchFamily="2" charset="-122"/>
-                <a:ea typeface="方正姚体" panose="02010601030101010101" pitchFamily="2" charset="-122"/>
+                <a:latin typeface="宋体" panose="02010600030101010101" pitchFamily="2" charset="-122"/>
+                <a:ea typeface="宋体" panose="02010600030101010101" pitchFamily="2" charset="-122"/>
+                <a:cs typeface="宋体" panose="02010600030101010101" pitchFamily="2" charset="-122"/>
               </a:rPr>
               <a:t>难点</a:t>
             </a:r>
@@ -26484,8 +27687,9 @@
               <a:solidFill>
                 <a:prstClr val="white"/>
               </a:solidFill>
-              <a:latin typeface="方正姚体" panose="02010601030101010101" pitchFamily="2" charset="-122"/>
-              <a:ea typeface="方正姚体" panose="02010601030101010101" pitchFamily="2" charset="-122"/>
+              <a:latin typeface="宋体" panose="02010600030101010101" pitchFamily="2" charset="-122"/>
+              <a:ea typeface="宋体" panose="02010600030101010101" pitchFamily="2" charset="-122"/>
+              <a:cs typeface="宋体" panose="02010600030101010101" pitchFamily="2" charset="-122"/>
             </a:endParaRPr>
           </a:p>
           <a:p>
@@ -26495,8 +27699,9 @@
                 <a:solidFill>
                   <a:prstClr val="white"/>
                 </a:solidFill>
-                <a:latin typeface="方正姚体" panose="02010601030101010101" pitchFamily="2" charset="-122"/>
-                <a:ea typeface="方正姚体" panose="02010601030101010101" pitchFamily="2" charset="-122"/>
+                <a:latin typeface="宋体" panose="02010600030101010101" pitchFamily="2" charset="-122"/>
+                <a:ea typeface="宋体" panose="02010600030101010101" pitchFamily="2" charset="-122"/>
+                <a:cs typeface="宋体" panose="02010600030101010101" pitchFamily="2" charset="-122"/>
               </a:rPr>
               <a:t>问题</a:t>
             </a:r>
@@ -26504,8 +27709,9 @@
               <a:solidFill>
                 <a:prstClr val="white"/>
               </a:solidFill>
-              <a:latin typeface="方正姚体" panose="02010601030101010101" pitchFamily="2" charset="-122"/>
-              <a:ea typeface="方正姚体" panose="02010601030101010101" pitchFamily="2" charset="-122"/>
+              <a:latin typeface="宋体" panose="02010600030101010101" pitchFamily="2" charset="-122"/>
+              <a:ea typeface="宋体" panose="02010600030101010101" pitchFamily="2" charset="-122"/>
+              <a:cs typeface="宋体" panose="02010600030101010101" pitchFamily="2" charset="-122"/>
             </a:endParaRPr>
           </a:p>
         </p:txBody>
@@ -26546,8 +27752,9 @@
                     <a:lumMod val="50000"/>
                   </a:srgbClr>
                 </a:solidFill>
-                <a:latin typeface="方正姚体" panose="02010601030101010101" pitchFamily="2" charset="-122"/>
-                <a:ea typeface="方正姚体" panose="02010601030101010101" pitchFamily="2" charset="-122"/>
+                <a:latin typeface="宋体" panose="02010600030101010101" pitchFamily="2" charset="-122"/>
+                <a:ea typeface="宋体" panose="02010600030101010101" pitchFamily="2" charset="-122"/>
+                <a:cs typeface="宋体" panose="02010600030101010101" pitchFamily="2" charset="-122"/>
               </a:rPr>
               <a:t>传统的标准化分析方法，需要相关的专家人工分析与新增专利的相关联的技术标准，从而再根据提炼的结果来制定相关的决策。随着信息时代的到来，与专利相关的信息也正式步入大数据时代，此时仍然依赖人工分析数据并制定决策便显得低效且不可避免地导致决策准确率的下降。因此，我们亟需一个高效且准确的方法来对日新月异的技术专利与现有的技术标准进行数据挖掘。</a:t>
             </a:r>
@@ -26557,8 +27764,9 @@
                   <a:lumMod val="50000"/>
                 </a:srgbClr>
               </a:solidFill>
-              <a:latin typeface="方正姚体" panose="02010601030101010101" pitchFamily="2" charset="-122"/>
-              <a:ea typeface="方正姚体" panose="02010601030101010101" pitchFamily="2" charset="-122"/>
+              <a:latin typeface="宋体" panose="02010600030101010101" pitchFamily="2" charset="-122"/>
+              <a:ea typeface="宋体" panose="02010600030101010101" pitchFamily="2" charset="-122"/>
+              <a:cs typeface="宋体" panose="02010600030101010101" pitchFamily="2" charset="-122"/>
             </a:endParaRPr>
           </a:p>
         </p:txBody>
@@ -27147,6 +28355,7 @@
               <a:solidFill>
                 <a:prstClr val="white"/>
               </a:solidFill>
+              <a:cs typeface="宋体" panose="02010600030101010101" pitchFamily="2" charset="-122"/>
             </a:endParaRPr>
           </a:p>
         </p:txBody>
@@ -27222,15 +28431,17 @@
                     <a:lumMod val="25000"/>
                   </a:srgbClr>
                 </a:solidFill>
-                <a:latin typeface="方正舒体" panose="02010601030101010101" pitchFamily="2" charset="-122"/>
-                <a:ea typeface="等线" panose="02010600030101010101" pitchFamily="2" charset="-122"/>
+                <a:latin typeface="宋体" panose="02010600030101010101" pitchFamily="2" charset="-122"/>
+                <a:ea typeface="宋体" panose="02010600030101010101" pitchFamily="2" charset="-122"/>
+                <a:cs typeface="宋体" panose="02010600030101010101" pitchFamily="2" charset="-122"/>
               </a:rPr>
               <a:t>PART 01  </a:t>
             </a:r>
             <a:r>
               <a:rPr lang="en-US" altLang="zh-CN" sz="2800" b="1" dirty="0">
-                <a:latin typeface="方正舒体" panose="02010601030101010101" pitchFamily="2" charset="-122"/>
-                <a:ea typeface="等线" panose="02010600030101010101" pitchFamily="2" charset="-122"/>
+                <a:latin typeface="宋体" panose="02010600030101010101" pitchFamily="2" charset="-122"/>
+                <a:ea typeface="宋体" panose="02010600030101010101" pitchFamily="2" charset="-122"/>
+                <a:cs typeface="宋体" panose="02010600030101010101" pitchFamily="2" charset="-122"/>
                 <a:sym typeface="+mn-ea"/>
               </a:rPr>
               <a:t>课题简介</a:t>
@@ -27239,8 +28450,9 @@
               <a:solidFill>
                 <a:schemeClr val="tx1"/>
               </a:solidFill>
-              <a:latin typeface="方正舒体" panose="02010601030101010101" pitchFamily="2" charset="-122"/>
-              <a:ea typeface="等线" panose="02010600030101010101" pitchFamily="2" charset="-122"/>
+              <a:latin typeface="宋体" panose="02010600030101010101" pitchFamily="2" charset="-122"/>
+              <a:ea typeface="宋体" panose="02010600030101010101" pitchFamily="2" charset="-122"/>
+              <a:cs typeface="宋体" panose="02010600030101010101" pitchFamily="2" charset="-122"/>
               <a:sym typeface="+mn-ea"/>
             </a:endParaRPr>
           </a:p>
@@ -27251,8 +28463,9 @@
                   <a:lumMod val="25000"/>
                 </a:srgbClr>
               </a:solidFill>
-              <a:latin typeface="方正舒体" panose="02010601030101010101" pitchFamily="2" charset="-122"/>
-              <a:ea typeface="等线" panose="02010600030101010101" pitchFamily="2" charset="-122"/>
+              <a:latin typeface="宋体" panose="02010600030101010101" pitchFamily="2" charset="-122"/>
+              <a:ea typeface="宋体" panose="02010600030101010101" pitchFamily="2" charset="-122"/>
+              <a:cs typeface="宋体" panose="02010600030101010101" pitchFamily="2" charset="-122"/>
             </a:endParaRPr>
           </a:p>
         </p:txBody>
@@ -27358,8 +28571,9 @@
               <a:solidFill>
                 <a:prstClr val="white"/>
               </a:solidFill>
-              <a:latin typeface="方正姚体" panose="02010601030101010101" pitchFamily="2" charset="-122"/>
-              <a:ea typeface="方正姚体" panose="02010601030101010101" pitchFamily="2" charset="-122"/>
+              <a:latin typeface="宋体" panose="02010600030101010101" pitchFamily="2" charset="-122"/>
+              <a:ea typeface="宋体" panose="02010600030101010101" pitchFamily="2" charset="-122"/>
+              <a:cs typeface="宋体" panose="02010600030101010101" pitchFamily="2" charset="-122"/>
             </a:endParaRPr>
           </a:p>
         </p:txBody>
@@ -27407,8 +28621,9 @@
               <a:solidFill>
                 <a:prstClr val="white"/>
               </a:solidFill>
-              <a:latin typeface="方正姚体" panose="02010601030101010101" pitchFamily="2" charset="-122"/>
-              <a:ea typeface="方正姚体" panose="02010601030101010101" pitchFamily="2" charset="-122"/>
+              <a:latin typeface="宋体" panose="02010600030101010101" pitchFamily="2" charset="-122"/>
+              <a:ea typeface="宋体" panose="02010600030101010101" pitchFamily="2" charset="-122"/>
+              <a:cs typeface="宋体" panose="02010600030101010101" pitchFamily="2" charset="-122"/>
             </a:endParaRPr>
           </a:p>
         </p:txBody>
@@ -27450,8 +28665,9 @@
               <a:solidFill>
                 <a:prstClr val="white"/>
               </a:solidFill>
-              <a:latin typeface="方正姚体" panose="02010601030101010101" pitchFamily="2" charset="-122"/>
-              <a:ea typeface="方正姚体" panose="02010601030101010101" pitchFamily="2" charset="-122"/>
+              <a:latin typeface="宋体" panose="02010600030101010101" pitchFamily="2" charset="-122"/>
+              <a:ea typeface="宋体" panose="02010600030101010101" pitchFamily="2" charset="-122"/>
+              <a:cs typeface="宋体" panose="02010600030101010101" pitchFamily="2" charset="-122"/>
             </a:endParaRPr>
           </a:p>
         </p:txBody>
@@ -27500,8 +28716,9 @@
                 <a:solidFill>
                   <a:prstClr val="white"/>
                 </a:solidFill>
-                <a:latin typeface="方正姚体" panose="02010601030101010101" pitchFamily="2" charset="-122"/>
-                <a:ea typeface="方正姚体" panose="02010601030101010101" pitchFamily="2" charset="-122"/>
+                <a:latin typeface="宋体" panose="02010600030101010101" pitchFamily="2" charset="-122"/>
+                <a:ea typeface="宋体" panose="02010600030101010101" pitchFamily="2" charset="-122"/>
+                <a:cs typeface="宋体" panose="02010600030101010101" pitchFamily="2" charset="-122"/>
               </a:rPr>
               <a:t>1</a:t>
             </a:r>
@@ -27509,8 +28726,9 @@
               <a:solidFill>
                 <a:prstClr val="white"/>
               </a:solidFill>
-              <a:latin typeface="方正姚体" panose="02010601030101010101" pitchFamily="2" charset="-122"/>
-              <a:ea typeface="方正姚体" panose="02010601030101010101" pitchFamily="2" charset="-122"/>
+              <a:latin typeface="宋体" panose="02010600030101010101" pitchFamily="2" charset="-122"/>
+              <a:ea typeface="宋体" panose="02010600030101010101" pitchFamily="2" charset="-122"/>
+              <a:cs typeface="宋体" panose="02010600030101010101" pitchFamily="2" charset="-122"/>
             </a:endParaRPr>
           </a:p>
         </p:txBody>
@@ -27523,7 +28741,7 @@
         </p:nvSpPr>
         <p:spPr>
           <a:xfrm>
-            <a:off x="6582306" y="3357086"/>
+            <a:off x="6534046" y="3525996"/>
             <a:ext cx="794913" cy="794913"/>
           </a:xfrm>
           <a:prstGeom prst="ellipse">
@@ -27559,8 +28777,9 @@
                 <a:solidFill>
                   <a:prstClr val="white"/>
                 </a:solidFill>
-                <a:latin typeface="方正姚体" panose="02010601030101010101" pitchFamily="2" charset="-122"/>
-                <a:ea typeface="方正姚体" panose="02010601030101010101" pitchFamily="2" charset="-122"/>
+                <a:latin typeface="宋体" panose="02010600030101010101" pitchFamily="2" charset="-122"/>
+                <a:ea typeface="宋体" panose="02010600030101010101" pitchFamily="2" charset="-122"/>
+                <a:cs typeface="宋体" panose="02010600030101010101" pitchFamily="2" charset="-122"/>
               </a:rPr>
               <a:t>2</a:t>
             </a:r>
@@ -27568,8 +28787,9 @@
               <a:solidFill>
                 <a:prstClr val="white"/>
               </a:solidFill>
-              <a:latin typeface="方正姚体" panose="02010601030101010101" pitchFamily="2" charset="-122"/>
-              <a:ea typeface="方正姚体" panose="02010601030101010101" pitchFamily="2" charset="-122"/>
+              <a:latin typeface="宋体" panose="02010600030101010101" pitchFamily="2" charset="-122"/>
+              <a:ea typeface="宋体" panose="02010600030101010101" pitchFamily="2" charset="-122"/>
+              <a:cs typeface="宋体" panose="02010600030101010101" pitchFamily="2" charset="-122"/>
             </a:endParaRPr>
           </a:p>
         </p:txBody>
@@ -27618,8 +28838,9 @@
                 <a:solidFill>
                   <a:prstClr val="white"/>
                 </a:solidFill>
-                <a:latin typeface="方正姚体" panose="02010601030101010101" pitchFamily="2" charset="-122"/>
-                <a:ea typeface="方正姚体" panose="02010601030101010101" pitchFamily="2" charset="-122"/>
+                <a:latin typeface="宋体" panose="02010600030101010101" pitchFamily="2" charset="-122"/>
+                <a:ea typeface="宋体" panose="02010600030101010101" pitchFamily="2" charset="-122"/>
+                <a:cs typeface="宋体" panose="02010600030101010101" pitchFamily="2" charset="-122"/>
               </a:rPr>
               <a:t>3</a:t>
             </a:r>
@@ -27627,8 +28848,9 @@
               <a:solidFill>
                 <a:prstClr val="white"/>
               </a:solidFill>
-              <a:latin typeface="方正姚体" panose="02010601030101010101" pitchFamily="2" charset="-122"/>
-              <a:ea typeface="方正姚体" panose="02010601030101010101" pitchFamily="2" charset="-122"/>
+              <a:latin typeface="宋体" panose="02010600030101010101" pitchFamily="2" charset="-122"/>
+              <a:ea typeface="宋体" panose="02010600030101010101" pitchFamily="2" charset="-122"/>
+              <a:cs typeface="宋体" panose="02010600030101010101" pitchFamily="2" charset="-122"/>
             </a:endParaRPr>
           </a:p>
         </p:txBody>
@@ -27661,8 +28883,9 @@
                 <a:solidFill>
                   <a:prstClr val="white"/>
                 </a:solidFill>
-                <a:latin typeface="方正姚体" panose="02010601030101010101" pitchFamily="2" charset="-122"/>
-                <a:ea typeface="方正姚体" panose="02010601030101010101" pitchFamily="2" charset="-122"/>
+                <a:latin typeface="宋体" panose="02010600030101010101" pitchFamily="2" charset="-122"/>
+                <a:ea typeface="宋体" panose="02010600030101010101" pitchFamily="2" charset="-122"/>
+                <a:cs typeface="宋体" panose="02010600030101010101" pitchFamily="2" charset="-122"/>
               </a:rPr>
               <a:t>研究</a:t>
             </a:r>
@@ -27670,8 +28893,9 @@
               <a:solidFill>
                 <a:prstClr val="white"/>
               </a:solidFill>
-              <a:latin typeface="方正姚体" panose="02010601030101010101" pitchFamily="2" charset="-122"/>
-              <a:ea typeface="方正姚体" panose="02010601030101010101" pitchFamily="2" charset="-122"/>
+              <a:latin typeface="宋体" panose="02010600030101010101" pitchFamily="2" charset="-122"/>
+              <a:ea typeface="宋体" panose="02010600030101010101" pitchFamily="2" charset="-122"/>
+              <a:cs typeface="宋体" panose="02010600030101010101" pitchFamily="2" charset="-122"/>
             </a:endParaRPr>
           </a:p>
           <a:p>
@@ -27681,8 +28905,9 @@
                 <a:solidFill>
                   <a:prstClr val="white"/>
                 </a:solidFill>
-                <a:latin typeface="方正姚体" panose="02010601030101010101" pitchFamily="2" charset="-122"/>
-                <a:ea typeface="方正姚体" panose="02010601030101010101" pitchFamily="2" charset="-122"/>
+                <a:latin typeface="宋体" panose="02010600030101010101" pitchFamily="2" charset="-122"/>
+                <a:ea typeface="宋体" panose="02010600030101010101" pitchFamily="2" charset="-122"/>
+                <a:cs typeface="宋体" panose="02010600030101010101" pitchFamily="2" charset="-122"/>
               </a:rPr>
               <a:t>目标</a:t>
             </a:r>
@@ -27690,8 +28915,9 @@
               <a:solidFill>
                 <a:prstClr val="white"/>
               </a:solidFill>
-              <a:latin typeface="方正姚体" panose="02010601030101010101" pitchFamily="2" charset="-122"/>
-              <a:ea typeface="方正姚体" panose="02010601030101010101" pitchFamily="2" charset="-122"/>
+              <a:latin typeface="宋体" panose="02010600030101010101" pitchFamily="2" charset="-122"/>
+              <a:ea typeface="宋体" panose="02010600030101010101" pitchFamily="2" charset="-122"/>
+              <a:cs typeface="宋体" panose="02010600030101010101" pitchFamily="2" charset="-122"/>
             </a:endParaRPr>
           </a:p>
         </p:txBody>
@@ -27705,7 +28931,7 @@
         <p:spPr>
           <a:xfrm>
             <a:off x="3958462" y="2325189"/>
-            <a:ext cx="2511205" cy="3290570"/>
+            <a:ext cx="2511205" cy="2971165"/>
           </a:xfrm>
           <a:prstGeom prst="rect">
             <a:avLst/>
@@ -27728,17 +28954,19 @@
                 <a:solidFill>
                   <a:prstClr val="white"/>
                 </a:solidFill>
-                <a:latin typeface="方正姚体" panose="02010601030101010101" pitchFamily="2" charset="-122"/>
-                <a:ea typeface="方正姚体" panose="02010601030101010101" pitchFamily="2" charset="-122"/>
+                <a:latin typeface="宋体" panose="02010600030101010101" pitchFamily="2" charset="-122"/>
+                <a:ea typeface="宋体" panose="02010600030101010101" pitchFamily="2" charset="-122"/>
+                <a:cs typeface="宋体" panose="02010600030101010101" pitchFamily="2" charset="-122"/>
               </a:rPr>
-              <a:t>本毕设，旨在开发一个用于匹配技术专利以及相关技术标准的算法。该算法需要基于深度学习的相关知识来找到合适的模型及其参数，同时这个模型还必须在实际的应用中——即与专利、标准相关的数据集中，取得预期中的效果。</a:t>
+              <a:t>本毕设，旨在开发一个用于匹配技术专利以及相关技术标准的算法。该算法需要基于深度学习的相关知识来找到合适的模型及其参数，同时这个模型还必须在实际的应用中，即与专利、标准相关的数据集中，取得预期中的效果。</a:t>
             </a:r>
             <a:endParaRPr lang="zh-CN" altLang="en-US" sz="1600" dirty="0">
               <a:solidFill>
                 <a:prstClr val="white"/>
               </a:solidFill>
-              <a:latin typeface="方正姚体" panose="02010601030101010101" pitchFamily="2" charset="-122"/>
-              <a:ea typeface="方正姚体" panose="02010601030101010101" pitchFamily="2" charset="-122"/>
+              <a:latin typeface="宋体" panose="02010600030101010101" pitchFamily="2" charset="-122"/>
+              <a:ea typeface="宋体" panose="02010600030101010101" pitchFamily="2" charset="-122"/>
+              <a:cs typeface="宋体" panose="02010600030101010101" pitchFamily="2" charset="-122"/>
             </a:endParaRPr>
           </a:p>
         </p:txBody>
@@ -27911,8 +29139,8 @@
                     <a:lumOff val="25000"/>
                   </a:prstClr>
                 </a:solidFill>
-                <a:latin typeface="方正姚体" panose="02010601030101010101" pitchFamily="2" charset="-122"/>
-                <a:ea typeface="方正姚体" panose="02010601030101010101" pitchFamily="2" charset="-122"/>
+                <a:latin typeface="宋体" panose="02010600030101010101" pitchFamily="2" charset="-122"/>
+                <a:cs typeface="宋体" panose="02010600030101010101" pitchFamily="2" charset="-122"/>
               </a:rPr>
               <a:t>将训练好的NER模型迁移至专利、标准数据集中</a:t>
             </a:r>
@@ -27923,8 +29151,8 @@
                   <a:lumOff val="25000"/>
                 </a:prstClr>
               </a:solidFill>
-              <a:latin typeface="方正姚体" panose="02010601030101010101" pitchFamily="2" charset="-122"/>
-              <a:ea typeface="方正姚体" panose="02010601030101010101" pitchFamily="2" charset="-122"/>
+              <a:latin typeface="宋体" panose="02010600030101010101" pitchFamily="2" charset="-122"/>
+              <a:cs typeface="宋体" panose="02010600030101010101" pitchFamily="2" charset="-122"/>
             </a:endParaRPr>
           </a:p>
         </p:txBody>
@@ -28096,8 +29324,8 @@
                     <a:lumMod val="50000"/>
                   </a:srgbClr>
                 </a:solidFill>
-                <a:latin typeface="方正姚体" panose="02010601030101010101" pitchFamily="2" charset="-122"/>
-                <a:ea typeface="方正姚体" panose="02010601030101010101" pitchFamily="2" charset="-122"/>
+                <a:latin typeface="宋体" panose="02010600030101010101" pitchFamily="2" charset="-122"/>
+                <a:cs typeface="宋体" panose="02010600030101010101" pitchFamily="2" charset="-122"/>
               </a:rPr>
               <a:t>改进已有的NER算法，并通过第三方的数据集来训练合适的NER模型</a:t>
             </a:r>
@@ -28107,8 +29335,8 @@
                   <a:lumMod val="50000"/>
                 </a:srgbClr>
               </a:solidFill>
-              <a:latin typeface="方正姚体" panose="02010601030101010101" pitchFamily="2" charset="-122"/>
-              <a:ea typeface="方正姚体" panose="02010601030101010101" pitchFamily="2" charset="-122"/>
+              <a:latin typeface="宋体" panose="02010600030101010101" pitchFamily="2" charset="-122"/>
+              <a:cs typeface="宋体" panose="02010600030101010101" pitchFamily="2" charset="-122"/>
             </a:endParaRPr>
           </a:p>
         </p:txBody>
@@ -28281,8 +29509,8 @@
                     <a:lumOff val="25000"/>
                   </a:prstClr>
                 </a:solidFill>
-                <a:latin typeface="方正姚体" panose="02010601030101010101" pitchFamily="2" charset="-122"/>
-                <a:ea typeface="方正姚体" panose="02010601030101010101" pitchFamily="2" charset="-122"/>
+                <a:latin typeface="宋体" panose="02010600030101010101" pitchFamily="2" charset="-122"/>
+                <a:cs typeface="宋体" panose="02010600030101010101" pitchFamily="2" charset="-122"/>
               </a:rPr>
               <a:t>将毕设成果整合进项目工程中</a:t>
             </a:r>
@@ -28293,8 +29521,8 @@
                   <a:lumOff val="25000"/>
                 </a:prstClr>
               </a:solidFill>
-              <a:latin typeface="方正姚体" panose="02010601030101010101" pitchFamily="2" charset="-122"/>
-              <a:ea typeface="方正姚体" panose="02010601030101010101" pitchFamily="2" charset="-122"/>
+              <a:latin typeface="宋体" panose="02010600030101010101" pitchFamily="2" charset="-122"/>
+              <a:cs typeface="宋体" panose="02010600030101010101" pitchFamily="2" charset="-122"/>
             </a:endParaRPr>
           </a:p>
         </p:txBody>
@@ -29218,7 +30446,7 @@
       <p:bldP spid="16" grpId="0" animBg="1"/>
       <p:bldP spid="17" grpId="0" animBg="1"/>
       <p:bldP spid="18" grpId="0" bldLvl="0" animBg="1"/>
-      <p:bldP spid="19" grpId="0" animBg="1"/>
+      <p:bldP spid="19" grpId="0" bldLvl="0" animBg="1"/>
       <p:bldP spid="20" grpId="0" bldLvl="0" animBg="1"/>
       <p:bldP spid="22" grpId="0"/>
       <p:bldP spid="23" grpId="0"/>
@@ -29299,6 +30527,7 @@
               <a:solidFill>
                 <a:prstClr val="white"/>
               </a:solidFill>
+              <a:cs typeface="宋体" panose="02010600030101010101" pitchFamily="2" charset="-122"/>
             </a:endParaRPr>
           </a:p>
         </p:txBody>
@@ -29335,8 +30564,9 @@
                 <a:solidFill>
                   <a:prstClr val="white"/>
                 </a:solidFill>
-                <a:latin typeface="方正舒体" panose="02010601030101010101" pitchFamily="2" charset="-122"/>
-                <a:ea typeface="等线" panose="02010600030101010101" pitchFamily="2" charset="-122"/>
+                <a:latin typeface="宋体" panose="02010600030101010101" pitchFamily="2" charset="-122"/>
+                <a:ea typeface="宋体" panose="02010600030101010101" pitchFamily="2" charset="-122"/>
+                <a:cs typeface="宋体" panose="02010600030101010101" pitchFamily="2" charset="-122"/>
               </a:rPr>
               <a:t>PART 02  </a:t>
             </a:r>
@@ -29344,8 +30574,9 @@
               <a:solidFill>
                 <a:prstClr val="white"/>
               </a:solidFill>
-              <a:latin typeface="方正舒体" panose="02010601030101010101" pitchFamily="2" charset="-122"/>
-              <a:ea typeface="等线" panose="02010600030101010101" pitchFamily="2" charset="-122"/>
+              <a:latin typeface="宋体" panose="02010600030101010101" pitchFamily="2" charset="-122"/>
+              <a:ea typeface="宋体" panose="02010600030101010101" pitchFamily="2" charset="-122"/>
+              <a:cs typeface="宋体" panose="02010600030101010101" pitchFamily="2" charset="-122"/>
             </a:endParaRPr>
           </a:p>
           <a:p>
@@ -29359,8 +30590,9 @@
                 <a:solidFill>
                   <a:schemeClr val="bg1"/>
                 </a:solidFill>
-                <a:latin typeface="方正舒体" panose="02010601030101010101" pitchFamily="2" charset="-122"/>
-                <a:ea typeface="等线" panose="02010600030101010101" pitchFamily="2" charset="-122"/>
+                <a:latin typeface="宋体" panose="02010600030101010101" pitchFamily="2" charset="-122"/>
+                <a:ea typeface="宋体" panose="02010600030101010101" pitchFamily="2" charset="-122"/>
+                <a:cs typeface="宋体" panose="02010600030101010101" pitchFamily="2" charset="-122"/>
                 <a:sym typeface="+mn-ea"/>
               </a:rPr>
               <a:t>工作进展</a:t>
@@ -29369,8 +30601,9 @@
               <a:solidFill>
                 <a:schemeClr val="bg1"/>
               </a:solidFill>
-              <a:latin typeface="方正舒体" panose="02010601030101010101" pitchFamily="2" charset="-122"/>
-              <a:ea typeface="等线" panose="02010600030101010101" pitchFamily="2" charset="-122"/>
+              <a:latin typeface="宋体" panose="02010600030101010101" pitchFamily="2" charset="-122"/>
+              <a:ea typeface="宋体" panose="02010600030101010101" pitchFamily="2" charset="-122"/>
+              <a:cs typeface="宋体" panose="02010600030101010101" pitchFamily="2" charset="-122"/>
               <a:sym typeface="+mn-ea"/>
             </a:endParaRPr>
           </a:p>
@@ -29639,6 +30872,7 @@
               <a:solidFill>
                 <a:prstClr val="white"/>
               </a:solidFill>
+              <a:cs typeface="宋体" panose="02010600030101010101" pitchFamily="2" charset="-122"/>
             </a:endParaRPr>
           </a:p>
         </p:txBody>
@@ -29714,8 +30948,9 @@
                     <a:lumMod val="25000"/>
                   </a:srgbClr>
                 </a:solidFill>
-                <a:latin typeface="方正舒体" panose="02010601030101010101" pitchFamily="2" charset="-122"/>
-                <a:ea typeface="等线" panose="02010600030101010101" pitchFamily="2" charset="-122"/>
+                <a:latin typeface="宋体" panose="02010600030101010101" pitchFamily="2" charset="-122"/>
+                <a:ea typeface="宋体" panose="02010600030101010101" pitchFamily="2" charset="-122"/>
+                <a:cs typeface="宋体" panose="02010600030101010101" pitchFamily="2" charset="-122"/>
                 <a:sym typeface="+mn-ea"/>
               </a:rPr>
               <a:t>PART 02</a:t>
@@ -29725,8 +30960,9 @@
                 <a:solidFill>
                   <a:schemeClr val="tx1"/>
                 </a:solidFill>
-                <a:latin typeface="方正舒体" panose="02010601030101010101" pitchFamily="2" charset="-122"/>
-                <a:ea typeface="等线" panose="02010600030101010101" pitchFamily="2" charset="-122"/>
+                <a:latin typeface="宋体" panose="02010600030101010101" pitchFamily="2" charset="-122"/>
+                <a:ea typeface="宋体" panose="02010600030101010101" pitchFamily="2" charset="-122"/>
+                <a:cs typeface="宋体" panose="02010600030101010101" pitchFamily="2" charset="-122"/>
                 <a:sym typeface="+mn-ea"/>
               </a:rPr>
               <a:t>  </a:t>
@@ -29736,8 +30972,9 @@
                 <a:solidFill>
                   <a:schemeClr val="tx1"/>
                 </a:solidFill>
-                <a:latin typeface="方正舒体" panose="02010601030101010101" pitchFamily="2" charset="-122"/>
-                <a:ea typeface="等线" panose="02010600030101010101" pitchFamily="2" charset="-122"/>
+                <a:latin typeface="宋体" panose="02010600030101010101" pitchFamily="2" charset="-122"/>
+                <a:ea typeface="宋体" panose="02010600030101010101" pitchFamily="2" charset="-122"/>
+                <a:cs typeface="宋体" panose="02010600030101010101" pitchFamily="2" charset="-122"/>
                 <a:sym typeface="+mn-ea"/>
               </a:rPr>
               <a:t>工作进展</a:t>
@@ -29746,8 +30983,9 @@
               <a:solidFill>
                 <a:schemeClr val="tx1"/>
               </a:solidFill>
-              <a:latin typeface="方正舒体" panose="02010601030101010101" pitchFamily="2" charset="-122"/>
-              <a:ea typeface="等线" panose="02010600030101010101" pitchFamily="2" charset="-122"/>
+              <a:latin typeface="宋体" panose="02010600030101010101" pitchFamily="2" charset="-122"/>
+              <a:ea typeface="宋体" panose="02010600030101010101" pitchFamily="2" charset="-122"/>
+              <a:cs typeface="宋体" panose="02010600030101010101" pitchFamily="2" charset="-122"/>
               <a:sym typeface="+mn-ea"/>
             </a:endParaRPr>
           </a:p>
@@ -29790,8 +31028,9 @@
               <a:solidFill>
                 <a:prstClr val="white"/>
               </a:solidFill>
-              <a:latin typeface="方正姚体" panose="02010601030101010101" pitchFamily="2" charset="-122"/>
-              <a:ea typeface="方正姚体" panose="02010601030101010101" pitchFamily="2" charset="-122"/>
+              <a:latin typeface="宋体" panose="02010600030101010101" pitchFamily="2" charset="-122"/>
+              <a:ea typeface="宋体" panose="02010600030101010101" pitchFamily="2" charset="-122"/>
+              <a:cs typeface="宋体" panose="02010600030101010101" pitchFamily="2" charset="-122"/>
             </a:endParaRPr>
           </a:p>
         </p:txBody>
@@ -29828,8 +31067,9 @@
               <a:highlight>
                 <a:srgbClr val="000080"/>
               </a:highlight>
-              <a:latin typeface="方正姚体" panose="02010601030101010101" pitchFamily="2" charset="-122"/>
-              <a:ea typeface="方正姚体" panose="02010601030101010101" pitchFamily="2" charset="-122"/>
+              <a:latin typeface="宋体" panose="02010600030101010101" pitchFamily="2" charset="-122"/>
+              <a:ea typeface="宋体" panose="02010600030101010101" pitchFamily="2" charset="-122"/>
+              <a:cs typeface="宋体" panose="02010600030101010101" pitchFamily="2" charset="-122"/>
             </a:endParaRPr>
           </a:p>
         </p:txBody>
@@ -29859,35 +31099,7 @@
               <a:solidFill>
                 <a:schemeClr val="bg1"/>
               </a:solidFill>
-            </a:endParaRPr>
-          </a:p>
-          <a:p>
-            <a:r>
-              <a:rPr lang="en-US" altLang="zh-CN" sz="1600" dirty="0">
-                <a:solidFill>
-                  <a:prstClr val="white"/>
-                </a:solidFill>
-                <a:latin typeface="方正姚体" panose="02010601030101010101" pitchFamily="2" charset="-122"/>
-                <a:ea typeface="方正姚体" panose="02010601030101010101" pitchFamily="2" charset="-122"/>
-              </a:rPr>
-              <a:t>        </a:t>
-            </a:r>
-            <a:r>
-              <a:rPr lang="zh-CN" altLang="en-US" sz="1600" dirty="0">
-                <a:solidFill>
-                  <a:prstClr val="white"/>
-                </a:solidFill>
-                <a:latin typeface="方正姚体" panose="02010601030101010101" pitchFamily="2" charset="-122"/>
-                <a:ea typeface="方正姚体" panose="02010601030101010101" pitchFamily="2" charset="-122"/>
-              </a:rPr>
-              <a:t>NER算法的研究方面，已经完成了对合适的NER数据集的选取与构建，同时在研究现有的流行NER算法的基础上，对基于深度学习的NER算法进行了优化改进，并且使用构建的NER数据集训练出了在测试集上表现相对优秀的模型。</a:t>
-            </a:r>
-            <a:endParaRPr lang="zh-CN" altLang="en-US" sz="1600" dirty="0">
-              <a:solidFill>
-                <a:prstClr val="white"/>
-              </a:solidFill>
-              <a:latin typeface="方正姚体" panose="02010601030101010101" pitchFamily="2" charset="-122"/>
-              <a:ea typeface="方正姚体" panose="02010601030101010101" pitchFamily="2" charset="-122"/>
+              <a:cs typeface="宋体" panose="02010600030101010101" pitchFamily="2" charset="-122"/>
             </a:endParaRPr>
           </a:p>
           <a:p>
@@ -29896,8 +31108,30 @@
                 <a:solidFill>
                   <a:prstClr val="white"/>
                 </a:solidFill>
-                <a:latin typeface="方正姚体" panose="02010601030101010101" pitchFamily="2" charset="-122"/>
-                <a:ea typeface="方正姚体" panose="02010601030101010101" pitchFamily="2" charset="-122"/>
+                <a:latin typeface="宋体" panose="02010600030101010101" pitchFamily="2" charset="-122"/>
+                <a:ea typeface="宋体" panose="02010600030101010101" pitchFamily="2" charset="-122"/>
+                <a:cs typeface="宋体" panose="02010600030101010101" pitchFamily="2" charset="-122"/>
+              </a:rPr>
+              <a:t>NER算法的研究方面，已经完成了对合适的NER数据集的选取与构建，同时在研究现有的流行NER算法的基础上，对基于深度学习的NER算法进行了优化改进，并且使用构建的NER数据集训练出了在测试集上表现相对优秀的模型。</a:t>
+            </a:r>
+            <a:endParaRPr lang="zh-CN" altLang="en-US" sz="1600" dirty="0">
+              <a:solidFill>
+                <a:prstClr val="white"/>
+              </a:solidFill>
+              <a:latin typeface="宋体" panose="02010600030101010101" pitchFamily="2" charset="-122"/>
+              <a:ea typeface="宋体" panose="02010600030101010101" pitchFamily="2" charset="-122"/>
+              <a:cs typeface="宋体" panose="02010600030101010101" pitchFamily="2" charset="-122"/>
+            </a:endParaRPr>
+          </a:p>
+          <a:p>
+            <a:r>
+              <a:rPr lang="zh-CN" altLang="en-US" sz="1600" dirty="0">
+                <a:solidFill>
+                  <a:prstClr val="white"/>
+                </a:solidFill>
+                <a:latin typeface="宋体" panose="02010600030101010101" pitchFamily="2" charset="-122"/>
+                <a:ea typeface="宋体" panose="02010600030101010101" pitchFamily="2" charset="-122"/>
+                <a:cs typeface="宋体" panose="02010600030101010101" pitchFamily="2" charset="-122"/>
               </a:rPr>
               <a:t>NER模型迁移方面，由于网络上开源的中文NER数据集与本次毕设的目标数据集存在着较大的差异，因此，如果只是原封不动地将在开源数据集上训练出的模型迁移至目标数据集上，效果不会非常理想。因此，笔者选择以文本风格与专利-标准信息相似，且自带关键词的知网摘要-关键词数据集对模型进行训练。该模型直接迁移至专利-标准数据集上的表现也非常好。</a:t>
             </a:r>
@@ -29905,8 +31139,9 @@
               <a:solidFill>
                 <a:prstClr val="white"/>
               </a:solidFill>
-              <a:latin typeface="方正姚体" panose="02010601030101010101" pitchFamily="2" charset="-122"/>
-              <a:ea typeface="方正姚体" panose="02010601030101010101" pitchFamily="2" charset="-122"/>
+              <a:latin typeface="宋体" panose="02010600030101010101" pitchFamily="2" charset="-122"/>
+              <a:ea typeface="宋体" panose="02010600030101010101" pitchFamily="2" charset="-122"/>
+              <a:cs typeface="宋体" panose="02010600030101010101" pitchFamily="2" charset="-122"/>
             </a:endParaRPr>
           </a:p>
         </p:txBody>
@@ -29919,7 +31154,7 @@
         </p:nvGrpSpPr>
         <p:grpSpPr>
           <a:xfrm>
-            <a:off x="1967865" y="1452245"/>
+            <a:off x="1804670" y="1461770"/>
             <a:ext cx="2261870" cy="1950720"/>
             <a:chOff x="1060913" y="2095747"/>
             <a:chExt cx="1628199" cy="1628200"/>
@@ -29964,9 +31199,9 @@
                 <a:solidFill>
                   <a:srgbClr val="FFFFFF"/>
                 </a:solidFill>
-                <a:latin typeface="方正姚体" panose="02010601030101010101" pitchFamily="2" charset="-122"/>
-                <a:ea typeface="方正姚体" panose="02010601030101010101" pitchFamily="2" charset="-122"/>
-                <a:cs typeface="Candara" panose="020E0502030303020204" charset="0"/>
+                <a:latin typeface="宋体" panose="02010600030101010101" pitchFamily="2" charset="-122"/>
+                <a:ea typeface="宋体" panose="02010600030101010101" pitchFamily="2" charset="-122"/>
+                <a:cs typeface="宋体" panose="02010600030101010101" pitchFamily="2" charset="-122"/>
               </a:endParaRPr>
             </a:p>
           </p:txBody>
@@ -29998,8 +31233,9 @@
                   <a:solidFill>
                     <a:prstClr val="white"/>
                   </a:solidFill>
-                  <a:latin typeface="方正姚体" panose="02010601030101010101" pitchFamily="2" charset="-122"/>
-                  <a:ea typeface="方正姚体" panose="02010601030101010101" pitchFamily="2" charset="-122"/>
+                  <a:latin typeface="宋体" panose="02010600030101010101" pitchFamily="2" charset="-122"/>
+                  <a:ea typeface="宋体" panose="02010600030101010101" pitchFamily="2" charset="-122"/>
+                  <a:cs typeface="宋体" panose="02010600030101010101" pitchFamily="2" charset="-122"/>
                   <a:sym typeface="+mn-ea"/>
                 </a:rPr>
                 <a:t>总体</a:t>
@@ -30008,8 +31244,9 @@
                 <a:solidFill>
                   <a:prstClr val="white"/>
                 </a:solidFill>
-                <a:latin typeface="方正姚体" panose="02010601030101010101" pitchFamily="2" charset="-122"/>
-                <a:ea typeface="方正姚体" panose="02010601030101010101" pitchFamily="2" charset="-122"/>
+                <a:latin typeface="宋体" panose="02010600030101010101" pitchFamily="2" charset="-122"/>
+                <a:ea typeface="宋体" panose="02010600030101010101" pitchFamily="2" charset="-122"/>
+                <a:cs typeface="宋体" panose="02010600030101010101" pitchFamily="2" charset="-122"/>
               </a:endParaRPr>
             </a:p>
             <a:p>
@@ -30019,8 +31256,9 @@
                   <a:solidFill>
                     <a:prstClr val="white"/>
                   </a:solidFill>
-                  <a:latin typeface="方正姚体" panose="02010601030101010101" pitchFamily="2" charset="-122"/>
-                  <a:ea typeface="方正姚体" panose="02010601030101010101" pitchFamily="2" charset="-122"/>
+                  <a:latin typeface="宋体" panose="02010600030101010101" pitchFamily="2" charset="-122"/>
+                  <a:ea typeface="宋体" panose="02010600030101010101" pitchFamily="2" charset="-122"/>
+                  <a:cs typeface="宋体" panose="02010600030101010101" pitchFamily="2" charset="-122"/>
                   <a:sym typeface="+mn-ea"/>
                 </a:rPr>
                 <a:t>研究进展</a:t>
@@ -30029,8 +31267,9 @@
                 <a:solidFill>
                   <a:prstClr val="white"/>
                 </a:solidFill>
-                <a:latin typeface="方正姚体" panose="02010601030101010101" pitchFamily="2" charset="-122"/>
-                <a:ea typeface="方正姚体" panose="02010601030101010101" pitchFamily="2" charset="-122"/>
+                <a:latin typeface="宋体" panose="02010600030101010101" pitchFamily="2" charset="-122"/>
+                <a:ea typeface="宋体" panose="02010600030101010101" pitchFamily="2" charset="-122"/>
+                <a:cs typeface="宋体" panose="02010600030101010101" pitchFamily="2" charset="-122"/>
                 <a:sym typeface="+mn-ea"/>
               </a:endParaRPr>
             </a:p>
@@ -30348,6 +31587,7 @@
               <a:solidFill>
                 <a:prstClr val="white"/>
               </a:solidFill>
+              <a:cs typeface="宋体" panose="02010600030101010101" pitchFamily="2" charset="-122"/>
             </a:endParaRPr>
           </a:p>
         </p:txBody>
@@ -30423,15 +31663,17 @@
                     <a:lumMod val="25000"/>
                   </a:srgbClr>
                 </a:solidFill>
-                <a:latin typeface="方正舒体" panose="02010601030101010101" pitchFamily="2" charset="-122"/>
-                <a:ea typeface="等线" panose="02010600030101010101" pitchFamily="2" charset="-122"/>
+                <a:latin typeface="宋体" panose="02010600030101010101" pitchFamily="2" charset="-122"/>
+                <a:ea typeface="宋体" panose="02010600030101010101" pitchFamily="2" charset="-122"/>
+                <a:cs typeface="宋体" panose="02010600030101010101" pitchFamily="2" charset="-122"/>
               </a:rPr>
               <a:t>PART 02  </a:t>
             </a:r>
             <a:r>
               <a:rPr lang="zh-CN" altLang="en-US" sz="2800" b="1" dirty="0">
-                <a:latin typeface="方正舒体" panose="02010601030101010101" pitchFamily="2" charset="-122"/>
-                <a:ea typeface="等线" panose="02010600030101010101" pitchFamily="2" charset="-122"/>
+                <a:latin typeface="宋体" panose="02010600030101010101" pitchFamily="2" charset="-122"/>
+                <a:ea typeface="宋体" panose="02010600030101010101" pitchFamily="2" charset="-122"/>
+                <a:cs typeface="宋体" panose="02010600030101010101" pitchFamily="2" charset="-122"/>
                 <a:sym typeface="+mn-ea"/>
               </a:rPr>
               <a:t>工作进展</a:t>
@@ -30442,8 +31684,9 @@
                   <a:lumMod val="25000"/>
                 </a:srgbClr>
               </a:solidFill>
-              <a:latin typeface="方正舒体" panose="02010601030101010101" pitchFamily="2" charset="-122"/>
-              <a:ea typeface="等线" panose="02010600030101010101" pitchFamily="2" charset="-122"/>
+              <a:latin typeface="宋体" panose="02010600030101010101" pitchFamily="2" charset="-122"/>
+              <a:ea typeface="宋体" panose="02010600030101010101" pitchFamily="2" charset="-122"/>
+              <a:cs typeface="宋体" panose="02010600030101010101" pitchFamily="2" charset="-122"/>
             </a:endParaRPr>
           </a:p>
         </p:txBody>
@@ -30608,8 +31851,9 @@
               <a:solidFill>
                 <a:prstClr val="black"/>
               </a:solidFill>
-              <a:latin typeface="方正姚体" panose="02010601030101010101" pitchFamily="2" charset="-122"/>
-              <a:ea typeface="方正姚体" panose="02010601030101010101" pitchFamily="2" charset="-122"/>
+              <a:latin typeface="宋体" panose="02010600030101010101" pitchFamily="2" charset="-122"/>
+              <a:ea typeface="宋体" panose="02010600030101010101" pitchFamily="2" charset="-122"/>
+              <a:cs typeface="宋体" panose="02010600030101010101" pitchFamily="2" charset="-122"/>
             </a:endParaRPr>
           </a:p>
         </p:txBody>
@@ -30655,8 +31899,9 @@
               <a:solidFill>
                 <a:prstClr val="black"/>
               </a:solidFill>
-              <a:latin typeface="方正姚体" panose="02010601030101010101" pitchFamily="2" charset="-122"/>
-              <a:ea typeface="方正姚体" panose="02010601030101010101" pitchFamily="2" charset="-122"/>
+              <a:latin typeface="宋体" panose="02010600030101010101" pitchFamily="2" charset="-122"/>
+              <a:ea typeface="宋体" panose="02010600030101010101" pitchFamily="2" charset="-122"/>
+              <a:cs typeface="宋体" panose="02010600030101010101" pitchFamily="2" charset="-122"/>
             </a:endParaRPr>
           </a:p>
         </p:txBody>
@@ -30702,8 +31947,9 @@
               <a:solidFill>
                 <a:prstClr val="black"/>
               </a:solidFill>
-              <a:latin typeface="方正姚体" panose="02010601030101010101" pitchFamily="2" charset="-122"/>
-              <a:ea typeface="方正姚体" panose="02010601030101010101" pitchFamily="2" charset="-122"/>
+              <a:latin typeface="宋体" panose="02010600030101010101" pitchFamily="2" charset="-122"/>
+              <a:ea typeface="宋体" panose="02010600030101010101" pitchFamily="2" charset="-122"/>
+              <a:cs typeface="宋体" panose="02010600030101010101" pitchFamily="2" charset="-122"/>
             </a:endParaRPr>
           </a:p>
         </p:txBody>
@@ -30868,8 +32114,9 @@
               <a:solidFill>
                 <a:prstClr val="black"/>
               </a:solidFill>
-              <a:latin typeface="方正姚体" panose="02010601030101010101" pitchFamily="2" charset="-122"/>
-              <a:ea typeface="方正姚体" panose="02010601030101010101" pitchFamily="2" charset="-122"/>
+              <a:latin typeface="宋体" panose="02010600030101010101" pitchFamily="2" charset="-122"/>
+              <a:ea typeface="宋体" panose="02010600030101010101" pitchFamily="2" charset="-122"/>
+              <a:cs typeface="宋体" panose="02010600030101010101" pitchFamily="2" charset="-122"/>
             </a:endParaRPr>
           </a:p>
         </p:txBody>
@@ -31034,8 +32281,9 @@
               <a:solidFill>
                 <a:prstClr val="black"/>
               </a:solidFill>
-              <a:latin typeface="方正姚体" panose="02010601030101010101" pitchFamily="2" charset="-122"/>
-              <a:ea typeface="方正姚体" panose="02010601030101010101" pitchFamily="2" charset="-122"/>
+              <a:latin typeface="宋体" panose="02010600030101010101" pitchFamily="2" charset="-122"/>
+              <a:ea typeface="宋体" panose="02010600030101010101" pitchFamily="2" charset="-122"/>
+              <a:cs typeface="宋体" panose="02010600030101010101" pitchFamily="2" charset="-122"/>
             </a:endParaRPr>
           </a:p>
         </p:txBody>
@@ -31094,9 +32342,9 @@
                 <a:solidFill>
                   <a:srgbClr val="FFFFFF"/>
                 </a:solidFill>
-                <a:latin typeface="方正姚体" panose="02010601030101010101" pitchFamily="2" charset="-122"/>
-                <a:ea typeface="方正姚体" panose="02010601030101010101" pitchFamily="2" charset="-122"/>
-                <a:cs typeface="Candara" panose="020E0502030303020204" charset="0"/>
+                <a:latin typeface="宋体" panose="02010600030101010101" pitchFamily="2" charset="-122"/>
+                <a:ea typeface="宋体" panose="02010600030101010101" pitchFamily="2" charset="-122"/>
+                <a:cs typeface="宋体" panose="02010600030101010101" pitchFamily="2" charset="-122"/>
               </a:endParaRPr>
             </a:p>
           </p:txBody>
@@ -31129,8 +32377,9 @@
                   <a:solidFill>
                     <a:prstClr val="white"/>
                   </a:solidFill>
-                  <a:latin typeface="方正姚体" panose="02010601030101010101" pitchFamily="2" charset="-122"/>
-                  <a:ea typeface="方正姚体" panose="02010601030101010101" pitchFamily="2" charset="-122"/>
+                  <a:latin typeface="宋体" panose="02010600030101010101" pitchFamily="2" charset="-122"/>
+                  <a:ea typeface="宋体" panose="02010600030101010101" pitchFamily="2" charset="-122"/>
+                  <a:cs typeface="宋体" panose="02010600030101010101" pitchFamily="2" charset="-122"/>
                 </a:rPr>
                 <a:t>100%</a:t>
               </a:r>
@@ -31138,8 +32387,9 @@
                 <a:solidFill>
                   <a:prstClr val="white"/>
                 </a:solidFill>
-                <a:latin typeface="方正姚体" panose="02010601030101010101" pitchFamily="2" charset="-122"/>
-                <a:ea typeface="方正姚体" panose="02010601030101010101" pitchFamily="2" charset="-122"/>
+                <a:latin typeface="宋体" panose="02010600030101010101" pitchFamily="2" charset="-122"/>
+                <a:ea typeface="宋体" panose="02010600030101010101" pitchFamily="2" charset="-122"/>
+                <a:cs typeface="宋体" panose="02010600030101010101" pitchFamily="2" charset="-122"/>
               </a:endParaRPr>
             </a:p>
           </p:txBody>
@@ -31199,9 +32449,9 @@
                 <a:solidFill>
                   <a:srgbClr val="FFFFFF"/>
                 </a:solidFill>
-                <a:latin typeface="方正姚体" panose="02010601030101010101" pitchFamily="2" charset="-122"/>
-                <a:ea typeface="方正姚体" panose="02010601030101010101" pitchFamily="2" charset="-122"/>
-                <a:cs typeface="Candara" panose="020E0502030303020204" charset="0"/>
+                <a:latin typeface="宋体" panose="02010600030101010101" pitchFamily="2" charset="-122"/>
+                <a:ea typeface="宋体" panose="02010600030101010101" pitchFamily="2" charset="-122"/>
+                <a:cs typeface="宋体" panose="02010600030101010101" pitchFamily="2" charset="-122"/>
               </a:endParaRPr>
             </a:p>
           </p:txBody>
@@ -31234,8 +32484,9 @@
                   <a:solidFill>
                     <a:prstClr val="white"/>
                   </a:solidFill>
-                  <a:latin typeface="方正姚体" panose="02010601030101010101" pitchFamily="2" charset="-122"/>
-                  <a:ea typeface="方正姚体" panose="02010601030101010101" pitchFamily="2" charset="-122"/>
+                  <a:latin typeface="宋体" panose="02010600030101010101" pitchFamily="2" charset="-122"/>
+                  <a:ea typeface="宋体" panose="02010600030101010101" pitchFamily="2" charset="-122"/>
+                  <a:cs typeface="宋体" panose="02010600030101010101" pitchFamily="2" charset="-122"/>
                 </a:rPr>
                 <a:t>100%</a:t>
               </a:r>
@@ -31243,8 +32494,9 @@
                 <a:solidFill>
                   <a:prstClr val="white"/>
                 </a:solidFill>
-                <a:latin typeface="方正姚体" panose="02010601030101010101" pitchFamily="2" charset="-122"/>
-                <a:ea typeface="方正姚体" panose="02010601030101010101" pitchFamily="2" charset="-122"/>
+                <a:latin typeface="宋体" panose="02010600030101010101" pitchFamily="2" charset="-122"/>
+                <a:ea typeface="宋体" panose="02010600030101010101" pitchFamily="2" charset="-122"/>
+                <a:cs typeface="宋体" panose="02010600030101010101" pitchFamily="2" charset="-122"/>
               </a:endParaRPr>
             </a:p>
           </p:txBody>
@@ -31304,9 +32556,9 @@
                 <a:solidFill>
                   <a:srgbClr val="FFFFFF"/>
                 </a:solidFill>
-                <a:latin typeface="方正姚体" panose="02010601030101010101" pitchFamily="2" charset="-122"/>
-                <a:ea typeface="方正姚体" panose="02010601030101010101" pitchFamily="2" charset="-122"/>
-                <a:cs typeface="Candara" panose="020E0502030303020204" charset="0"/>
+                <a:latin typeface="宋体" panose="02010600030101010101" pitchFamily="2" charset="-122"/>
+                <a:ea typeface="宋体" panose="02010600030101010101" pitchFamily="2" charset="-122"/>
+                <a:cs typeface="宋体" panose="02010600030101010101" pitchFamily="2" charset="-122"/>
               </a:endParaRPr>
             </a:p>
           </p:txBody>
@@ -31339,8 +32591,9 @@
                   <a:solidFill>
                     <a:prstClr val="white"/>
                   </a:solidFill>
-                  <a:latin typeface="方正姚体" panose="02010601030101010101" pitchFamily="2" charset="-122"/>
-                  <a:ea typeface="方正姚体" panose="02010601030101010101" pitchFamily="2" charset="-122"/>
+                  <a:latin typeface="宋体" panose="02010600030101010101" pitchFamily="2" charset="-122"/>
+                  <a:ea typeface="宋体" panose="02010600030101010101" pitchFamily="2" charset="-122"/>
+                  <a:cs typeface="宋体" panose="02010600030101010101" pitchFamily="2" charset="-122"/>
                 </a:rPr>
                 <a:t>75%</a:t>
               </a:r>
@@ -31348,8 +32601,9 @@
                 <a:solidFill>
                   <a:prstClr val="white"/>
                 </a:solidFill>
-                <a:latin typeface="方正姚体" panose="02010601030101010101" pitchFamily="2" charset="-122"/>
-                <a:ea typeface="方正姚体" panose="02010601030101010101" pitchFamily="2" charset="-122"/>
+                <a:latin typeface="宋体" panose="02010600030101010101" pitchFamily="2" charset="-122"/>
+                <a:ea typeface="宋体" panose="02010600030101010101" pitchFamily="2" charset="-122"/>
+                <a:cs typeface="宋体" panose="02010600030101010101" pitchFamily="2" charset="-122"/>
               </a:endParaRPr>
             </a:p>
           </p:txBody>
@@ -31390,8 +32644,9 @@
                     <a:lumOff val="25000"/>
                   </a:prstClr>
                 </a:solidFill>
-                <a:latin typeface="方正姚体" panose="02010601030101010101" pitchFamily="2" charset="-122"/>
-                <a:ea typeface="方正姚体" panose="02010601030101010101" pitchFamily="2" charset="-122"/>
+                <a:latin typeface="宋体" panose="02010600030101010101" pitchFamily="2" charset="-122"/>
+                <a:ea typeface="宋体" panose="02010600030101010101" pitchFamily="2" charset="-122"/>
+                <a:cs typeface="宋体" panose="02010600030101010101" pitchFamily="2" charset="-122"/>
               </a:rPr>
               <a:t>学习毕设所需的知识</a:t>
             </a:r>
@@ -31402,8 +32657,9 @@
                   <a:lumOff val="25000"/>
                 </a:prstClr>
               </a:solidFill>
-              <a:latin typeface="方正姚体" panose="02010601030101010101" pitchFamily="2" charset="-122"/>
-              <a:ea typeface="方正姚体" panose="02010601030101010101" pitchFamily="2" charset="-122"/>
+              <a:latin typeface="宋体" panose="02010600030101010101" pitchFamily="2" charset="-122"/>
+              <a:ea typeface="宋体" panose="02010600030101010101" pitchFamily="2" charset="-122"/>
+              <a:cs typeface="宋体" panose="02010600030101010101" pitchFamily="2" charset="-122"/>
             </a:endParaRPr>
           </a:p>
         </p:txBody>
@@ -31443,8 +32699,9 @@
                     <a:lumOff val="25000"/>
                   </a:prstClr>
                 </a:solidFill>
-                <a:latin typeface="方正姚体" panose="02010601030101010101" pitchFamily="2" charset="-122"/>
-                <a:ea typeface="方正姚体" panose="02010601030101010101" pitchFamily="2" charset="-122"/>
+                <a:latin typeface="宋体" panose="02010600030101010101" pitchFamily="2" charset="-122"/>
+                <a:ea typeface="宋体" panose="02010600030101010101" pitchFamily="2" charset="-122"/>
+                <a:cs typeface="宋体" panose="02010600030101010101" pitchFamily="2" charset="-122"/>
               </a:rPr>
               <a:t>找到合适的NER算法并且在其基础上优化改进，并且在第三方数据集上训练得到相对优秀的准确率。</a:t>
             </a:r>
@@ -31455,8 +32712,9 @@
                   <a:lumOff val="25000"/>
                 </a:prstClr>
               </a:solidFill>
-              <a:latin typeface="方正姚体" panose="02010601030101010101" pitchFamily="2" charset="-122"/>
-              <a:ea typeface="方正姚体" panose="02010601030101010101" pitchFamily="2" charset="-122"/>
+              <a:latin typeface="宋体" panose="02010600030101010101" pitchFamily="2" charset="-122"/>
+              <a:ea typeface="宋体" panose="02010600030101010101" pitchFamily="2" charset="-122"/>
+              <a:cs typeface="宋体" panose="02010600030101010101" pitchFamily="2" charset="-122"/>
             </a:endParaRPr>
           </a:p>
         </p:txBody>
@@ -31496,8 +32754,9 @@
                     <a:lumOff val="25000"/>
                   </a:prstClr>
                 </a:solidFill>
-                <a:latin typeface="方正姚体" panose="02010601030101010101" pitchFamily="2" charset="-122"/>
-                <a:ea typeface="方正姚体" panose="02010601030101010101" pitchFamily="2" charset="-122"/>
+                <a:latin typeface="宋体" panose="02010600030101010101" pitchFamily="2" charset="-122"/>
+                <a:ea typeface="宋体" panose="02010600030101010101" pitchFamily="2" charset="-122"/>
+                <a:cs typeface="宋体" panose="02010600030101010101" pitchFamily="2" charset="-122"/>
               </a:rPr>
               <a:t>将在开源模型上得到验证的算法运用至专利-标注数据集中。最后，则会对抽取出专利实体数据集与标准实体数据集间进行关键词匹配。</a:t>
             </a:r>
@@ -31508,8 +32767,9 @@
                   <a:lumOff val="25000"/>
                 </a:prstClr>
               </a:solidFill>
-              <a:latin typeface="方正姚体" panose="02010601030101010101" pitchFamily="2" charset="-122"/>
-              <a:ea typeface="方正姚体" panose="02010601030101010101" pitchFamily="2" charset="-122"/>
+              <a:latin typeface="宋体" panose="02010600030101010101" pitchFamily="2" charset="-122"/>
+              <a:ea typeface="宋体" panose="02010600030101010101" pitchFamily="2" charset="-122"/>
+              <a:cs typeface="宋体" panose="02010600030101010101" pitchFamily="2" charset="-122"/>
             </a:endParaRPr>
           </a:p>
         </p:txBody>
@@ -31554,8 +32814,9 @@
               <a:solidFill>
                 <a:prstClr val="black"/>
               </a:solidFill>
-              <a:latin typeface="方正姚体" panose="02010601030101010101" pitchFamily="2" charset="-122"/>
-              <a:ea typeface="方正姚体" panose="02010601030101010101" pitchFamily="2" charset="-122"/>
+              <a:latin typeface="宋体" panose="02010600030101010101" pitchFamily="2" charset="-122"/>
+              <a:ea typeface="宋体" panose="02010600030101010101" pitchFamily="2" charset="-122"/>
+              <a:cs typeface="宋体" panose="02010600030101010101" pitchFamily="2" charset="-122"/>
             </a:endParaRPr>
           </a:p>
         </p:txBody>
@@ -31719,8 +32980,9 @@
               <a:solidFill>
                 <a:prstClr val="black"/>
               </a:solidFill>
-              <a:latin typeface="方正姚体" panose="02010601030101010101" pitchFamily="2" charset="-122"/>
-              <a:ea typeface="方正姚体" panose="02010601030101010101" pitchFamily="2" charset="-122"/>
+              <a:latin typeface="宋体" panose="02010600030101010101" pitchFamily="2" charset="-122"/>
+              <a:ea typeface="宋体" panose="02010600030101010101" pitchFamily="2" charset="-122"/>
+              <a:cs typeface="宋体" panose="02010600030101010101" pitchFamily="2" charset="-122"/>
             </a:endParaRPr>
           </a:p>
         </p:txBody>
@@ -31778,9 +33040,9 @@
                 <a:solidFill>
                   <a:srgbClr val="FFFFFF"/>
                 </a:solidFill>
-                <a:latin typeface="方正姚体" panose="02010601030101010101" pitchFamily="2" charset="-122"/>
-                <a:ea typeface="方正姚体" panose="02010601030101010101" pitchFamily="2" charset="-122"/>
-                <a:cs typeface="Candara" panose="020E0502030303020204" charset="0"/>
+                <a:latin typeface="宋体" panose="02010600030101010101" pitchFamily="2" charset="-122"/>
+                <a:ea typeface="宋体" panose="02010600030101010101" pitchFamily="2" charset="-122"/>
+                <a:cs typeface="宋体" panose="02010600030101010101" pitchFamily="2" charset="-122"/>
               </a:endParaRPr>
             </a:p>
           </p:txBody>
@@ -31812,8 +33074,9 @@
                   <a:solidFill>
                     <a:prstClr val="white"/>
                   </a:solidFill>
-                  <a:latin typeface="方正姚体" panose="02010601030101010101" pitchFamily="2" charset="-122"/>
-                  <a:ea typeface="方正姚体" panose="02010601030101010101" pitchFamily="2" charset="-122"/>
+                  <a:latin typeface="宋体" panose="02010600030101010101" pitchFamily="2" charset="-122"/>
+                  <a:ea typeface="宋体" panose="02010600030101010101" pitchFamily="2" charset="-122"/>
+                  <a:cs typeface="宋体" panose="02010600030101010101" pitchFamily="2" charset="-122"/>
                 </a:rPr>
                 <a:t>0%</a:t>
               </a:r>
@@ -31821,8 +33084,9 @@
                 <a:solidFill>
                   <a:prstClr val="white"/>
                 </a:solidFill>
-                <a:latin typeface="方正姚体" panose="02010601030101010101" pitchFamily="2" charset="-122"/>
-                <a:ea typeface="方正姚体" panose="02010601030101010101" pitchFamily="2" charset="-122"/>
+                <a:latin typeface="宋体" panose="02010600030101010101" pitchFamily="2" charset="-122"/>
+                <a:ea typeface="宋体" panose="02010600030101010101" pitchFamily="2" charset="-122"/>
+                <a:cs typeface="宋体" panose="02010600030101010101" pitchFamily="2" charset="-122"/>
               </a:endParaRPr>
             </a:p>
           </p:txBody>
@@ -31862,8 +33126,9 @@
                     <a:lumOff val="25000"/>
                   </a:prstClr>
                 </a:solidFill>
-                <a:latin typeface="方正姚体" panose="02010601030101010101" pitchFamily="2" charset="-122"/>
-                <a:ea typeface="方正姚体" panose="02010601030101010101" pitchFamily="2" charset="-122"/>
+                <a:latin typeface="宋体" panose="02010600030101010101" pitchFamily="2" charset="-122"/>
+                <a:ea typeface="宋体" panose="02010600030101010101" pitchFamily="2" charset="-122"/>
+                <a:cs typeface="宋体" panose="02010600030101010101" pitchFamily="2" charset="-122"/>
               </a:rPr>
               <a:t>将最终的成品模型整合进整体项目中。</a:t>
             </a:r>
@@ -31874,8 +33139,9 @@
                   <a:lumOff val="25000"/>
                 </a:prstClr>
               </a:solidFill>
-              <a:latin typeface="方正姚体" panose="02010601030101010101" pitchFamily="2" charset="-122"/>
-              <a:ea typeface="方正姚体" panose="02010601030101010101" pitchFamily="2" charset="-122"/>
+              <a:latin typeface="宋体" panose="02010600030101010101" pitchFamily="2" charset="-122"/>
+              <a:ea typeface="宋体" panose="02010600030101010101" pitchFamily="2" charset="-122"/>
+              <a:cs typeface="宋体" panose="02010600030101010101" pitchFamily="2" charset="-122"/>
             </a:endParaRPr>
           </a:p>
         </p:txBody>
@@ -32863,6 +34129,7 @@
               <a:solidFill>
                 <a:prstClr val="white"/>
               </a:solidFill>
+              <a:cs typeface="宋体" panose="02010600030101010101" pitchFamily="2" charset="-122"/>
             </a:endParaRPr>
           </a:p>
         </p:txBody>
@@ -32938,15 +34205,17 @@
                     <a:lumMod val="25000"/>
                   </a:srgbClr>
                 </a:solidFill>
-                <a:latin typeface="方正舒体" panose="02010601030101010101" pitchFamily="2" charset="-122"/>
-                <a:ea typeface="等线" panose="02010600030101010101" pitchFamily="2" charset="-122"/>
+                <a:latin typeface="宋体" panose="02010600030101010101" pitchFamily="2" charset="-122"/>
+                <a:ea typeface="宋体" panose="02010600030101010101" pitchFamily="2" charset="-122"/>
+                <a:cs typeface="宋体" panose="02010600030101010101" pitchFamily="2" charset="-122"/>
               </a:rPr>
               <a:t>PART 02  </a:t>
             </a:r>
             <a:r>
               <a:rPr lang="zh-CN" altLang="en-US" sz="2800" b="1" dirty="0">
-                <a:latin typeface="方正舒体" panose="02010601030101010101" pitchFamily="2" charset="-122"/>
-                <a:ea typeface="等线" panose="02010600030101010101" pitchFamily="2" charset="-122"/>
+                <a:latin typeface="宋体" panose="02010600030101010101" pitchFamily="2" charset="-122"/>
+                <a:ea typeface="宋体" panose="02010600030101010101" pitchFamily="2" charset="-122"/>
+                <a:cs typeface="宋体" panose="02010600030101010101" pitchFamily="2" charset="-122"/>
                 <a:sym typeface="+mn-ea"/>
               </a:rPr>
               <a:t>工作进展</a:t>
@@ -32957,8 +34226,9 @@
                   <a:lumMod val="25000"/>
                 </a:srgbClr>
               </a:solidFill>
-              <a:latin typeface="方正舒体" panose="02010601030101010101" pitchFamily="2" charset="-122"/>
-              <a:ea typeface="等线" panose="02010600030101010101" pitchFamily="2" charset="-122"/>
+              <a:latin typeface="宋体" panose="02010600030101010101" pitchFamily="2" charset="-122"/>
+              <a:ea typeface="宋体" panose="02010600030101010101" pitchFamily="2" charset="-122"/>
+              <a:cs typeface="宋体" panose="02010600030101010101" pitchFamily="2" charset="-122"/>
             </a:endParaRPr>
           </a:p>
           <a:p>
@@ -32968,8 +34238,9 @@
                   <a:lumMod val="25000"/>
                 </a:srgbClr>
               </a:solidFill>
-              <a:latin typeface="方正舒体" panose="02010601030101010101" pitchFamily="2" charset="-122"/>
-              <a:ea typeface="等线" panose="02010600030101010101" pitchFamily="2" charset="-122"/>
+              <a:latin typeface="宋体" panose="02010600030101010101" pitchFamily="2" charset="-122"/>
+              <a:ea typeface="宋体" panose="02010600030101010101" pitchFamily="2" charset="-122"/>
+              <a:cs typeface="宋体" panose="02010600030101010101" pitchFamily="2" charset="-122"/>
             </a:endParaRPr>
           </a:p>
         </p:txBody>
@@ -33047,27 +34318,19 @@
                 <a:solidFill>
                   <a:srgbClr val="FFFFFF"/>
                 </a:solidFill>
-                <a:latin typeface="Arial" panose="020B0604020202020204" pitchFamily="34" charset="0"/>
+                <a:latin typeface="宋体" panose="02010600030101010101" pitchFamily="2" charset="-122"/>
                 <a:ea typeface="黑体" panose="02010609060101010101" pitchFamily="49" charset="-122"/>
+                <a:cs typeface="宋体" panose="02010600030101010101" pitchFamily="2" charset="-122"/>
               </a:rPr>
-              <a:t>算法</a:t>
-            </a:r>
-            <a:r>
-              <a:rPr lang="zh-CN" altLang="en-US" sz="2400" kern="0" dirty="0">
-                <a:solidFill>
-                  <a:srgbClr val="FFFFFF"/>
-                </a:solidFill>
-                <a:latin typeface="Arial" panose="020B0604020202020204" pitchFamily="34" charset="0"/>
-                <a:ea typeface="黑体" panose="02010609060101010101" pitchFamily="49" charset="-122"/>
-              </a:rPr>
-              <a:t>研究</a:t>
+              <a:t>算法研究</a:t>
             </a:r>
             <a:endParaRPr lang="zh-CN" altLang="en-US" sz="2400" kern="0" dirty="0">
               <a:solidFill>
                 <a:srgbClr val="FFFFFF"/>
               </a:solidFill>
-              <a:latin typeface="Arial" panose="020B0604020202020204" pitchFamily="34" charset="0"/>
+              <a:latin typeface="宋体" panose="02010600030101010101" pitchFamily="2" charset="-122"/>
               <a:ea typeface="黑体" panose="02010609060101010101" pitchFamily="49" charset="-122"/>
+              <a:cs typeface="宋体" panose="02010600030101010101" pitchFamily="2" charset="-122"/>
             </a:endParaRPr>
           </a:p>
         </p:txBody>
@@ -33116,27 +34379,19 @@
                 <a:solidFill>
                   <a:srgbClr val="FFFFFF"/>
                 </a:solidFill>
-                <a:latin typeface="Arial" panose="020B0604020202020204" pitchFamily="34" charset="0"/>
+                <a:latin typeface="宋体" panose="02010600030101010101" pitchFamily="2" charset="-122"/>
                 <a:ea typeface="黑体" panose="02010609060101010101" pitchFamily="49" charset="-122"/>
+                <a:cs typeface="宋体" panose="02010600030101010101" pitchFamily="2" charset="-122"/>
               </a:rPr>
-              <a:t>算法</a:t>
-            </a:r>
-            <a:r>
-              <a:rPr lang="zh-CN" altLang="en-US" sz="2400" kern="0" dirty="0">
-                <a:solidFill>
-                  <a:srgbClr val="FFFFFF"/>
-                </a:solidFill>
-                <a:latin typeface="Arial" panose="020B0604020202020204" pitchFamily="34" charset="0"/>
-                <a:ea typeface="黑体" panose="02010609060101010101" pitchFamily="49" charset="-122"/>
-              </a:rPr>
-              <a:t>优化</a:t>
+              <a:t>算法优化</a:t>
             </a:r>
             <a:endParaRPr lang="zh-CN" altLang="en-US" sz="2400" kern="0" dirty="0">
               <a:solidFill>
                 <a:srgbClr val="FFFFFF"/>
               </a:solidFill>
-              <a:latin typeface="Arial" panose="020B0604020202020204" pitchFamily="34" charset="0"/>
+              <a:latin typeface="宋体" panose="02010600030101010101" pitchFamily="2" charset="-122"/>
               <a:ea typeface="黑体" panose="02010609060101010101" pitchFamily="49" charset="-122"/>
+              <a:cs typeface="宋体" panose="02010600030101010101" pitchFamily="2" charset="-122"/>
             </a:endParaRPr>
           </a:p>
         </p:txBody>
@@ -33185,27 +34440,19 @@
                 <a:solidFill>
                   <a:srgbClr val="FFFFFF"/>
                 </a:solidFill>
-                <a:latin typeface="Arial" panose="020B0604020202020204" pitchFamily="34" charset="0"/>
+                <a:latin typeface="宋体" panose="02010600030101010101" pitchFamily="2" charset="-122"/>
                 <a:ea typeface="黑体" panose="02010609060101010101" pitchFamily="49" charset="-122"/>
+                <a:cs typeface="宋体" panose="02010600030101010101" pitchFamily="2" charset="-122"/>
               </a:rPr>
-              <a:t>数据集</a:t>
-            </a:r>
-            <a:r>
-              <a:rPr lang="zh-CN" altLang="en-US" sz="2400" kern="0" dirty="0">
-                <a:solidFill>
-                  <a:srgbClr val="FFFFFF"/>
-                </a:solidFill>
-                <a:latin typeface="Arial" panose="020B0604020202020204" pitchFamily="34" charset="0"/>
-                <a:ea typeface="黑体" panose="02010609060101010101" pitchFamily="49" charset="-122"/>
-              </a:rPr>
-              <a:t>构造</a:t>
+              <a:t>数据集构造</a:t>
             </a:r>
             <a:endParaRPr lang="zh-CN" altLang="en-US" sz="2400" kern="0" dirty="0">
               <a:solidFill>
                 <a:srgbClr val="FFFFFF"/>
               </a:solidFill>
-              <a:latin typeface="Arial" panose="020B0604020202020204" pitchFamily="34" charset="0"/>
+              <a:latin typeface="宋体" panose="02010600030101010101" pitchFamily="2" charset="-122"/>
               <a:ea typeface="黑体" panose="02010609060101010101" pitchFamily="49" charset="-122"/>
+              <a:cs typeface="宋体" panose="02010600030101010101" pitchFamily="2" charset="-122"/>
             </a:endParaRPr>
           </a:p>
         </p:txBody>
@@ -33253,27 +34500,19 @@
                 <a:solidFill>
                   <a:srgbClr val="FFFFFF"/>
                 </a:solidFill>
-                <a:latin typeface="Arial" panose="020B0604020202020204" pitchFamily="34" charset="0"/>
+                <a:latin typeface="宋体" panose="02010600030101010101" pitchFamily="2" charset="-122"/>
                 <a:ea typeface="黑体" panose="02010609060101010101" pitchFamily="49" charset="-122"/>
+                <a:cs typeface="宋体" panose="02010600030101010101" pitchFamily="2" charset="-122"/>
               </a:rPr>
-              <a:t>模型</a:t>
-            </a:r>
-            <a:r>
-              <a:rPr lang="zh-CN" altLang="en-US" sz="2400" kern="0" dirty="0">
-                <a:solidFill>
-                  <a:srgbClr val="FFFFFF"/>
-                </a:solidFill>
-                <a:latin typeface="Arial" panose="020B0604020202020204" pitchFamily="34" charset="0"/>
-                <a:ea typeface="黑体" panose="02010609060101010101" pitchFamily="49" charset="-122"/>
-              </a:rPr>
-              <a:t>训练</a:t>
+              <a:t>模型训练</a:t>
             </a:r>
             <a:endParaRPr lang="zh-CN" altLang="en-US" sz="2400" kern="0" dirty="0">
               <a:solidFill>
                 <a:srgbClr val="FFFFFF"/>
               </a:solidFill>
-              <a:latin typeface="Arial" panose="020B0604020202020204" pitchFamily="34" charset="0"/>
+              <a:latin typeface="宋体" panose="02010600030101010101" pitchFamily="2" charset="-122"/>
               <a:ea typeface="黑体" panose="02010609060101010101" pitchFamily="49" charset="-122"/>
+              <a:cs typeface="宋体" panose="02010600030101010101" pitchFamily="2" charset="-122"/>
             </a:endParaRPr>
           </a:p>
         </p:txBody>
@@ -33322,27 +34561,19 @@
                 <a:solidFill>
                   <a:srgbClr val="FFFFFF"/>
                 </a:solidFill>
-                <a:latin typeface="Arial" panose="020B0604020202020204" pitchFamily="34" charset="0"/>
+                <a:latin typeface="宋体" panose="02010600030101010101" pitchFamily="2" charset="-122"/>
                 <a:ea typeface="黑体" panose="02010609060101010101" pitchFamily="49" charset="-122"/>
+                <a:cs typeface="宋体" panose="02010600030101010101" pitchFamily="2" charset="-122"/>
               </a:rPr>
-              <a:t>模型</a:t>
-            </a:r>
-            <a:r>
-              <a:rPr lang="zh-CN" altLang="en-US" sz="2400" kern="0" dirty="0">
-                <a:solidFill>
-                  <a:srgbClr val="FFFFFF"/>
-                </a:solidFill>
-                <a:latin typeface="Arial" panose="020B0604020202020204" pitchFamily="34" charset="0"/>
-                <a:ea typeface="黑体" panose="02010609060101010101" pitchFamily="49" charset="-122"/>
-              </a:rPr>
-              <a:t>迁移</a:t>
+              <a:t>模型迁移</a:t>
             </a:r>
             <a:endParaRPr lang="zh-CN" altLang="en-US" sz="2400" kern="0" dirty="0">
               <a:solidFill>
                 <a:srgbClr val="FFFFFF"/>
               </a:solidFill>
-              <a:latin typeface="Arial" panose="020B0604020202020204" pitchFamily="34" charset="0"/>
+              <a:latin typeface="宋体" panose="02010600030101010101" pitchFamily="2" charset="-122"/>
               <a:ea typeface="黑体" panose="02010609060101010101" pitchFamily="49" charset="-122"/>
+              <a:cs typeface="宋体" panose="02010600030101010101" pitchFamily="2" charset="-122"/>
             </a:endParaRPr>
           </a:p>
         </p:txBody>
@@ -33390,8 +34621,9 @@
                 <a:solidFill>
                   <a:srgbClr val="FFFFFF"/>
                 </a:solidFill>
-                <a:latin typeface="Arial" panose="020B0604020202020204" pitchFamily="34" charset="0"/>
+                <a:latin typeface="宋体" panose="02010600030101010101" pitchFamily="2" charset="-122"/>
                 <a:ea typeface="黑体" panose="02010609060101010101" pitchFamily="49" charset="-122"/>
+                <a:cs typeface="宋体" panose="02010600030101010101" pitchFamily="2" charset="-122"/>
               </a:rPr>
               <a:t>模型</a:t>
             </a:r>
@@ -33399,8 +34631,9 @@
               <a:solidFill>
                 <a:srgbClr val="FFFFFF"/>
               </a:solidFill>
-              <a:latin typeface="Arial" panose="020B0604020202020204" pitchFamily="34" charset="0"/>
+              <a:latin typeface="宋体" panose="02010600030101010101" pitchFamily="2" charset="-122"/>
               <a:ea typeface="黑体" panose="02010609060101010101" pitchFamily="49" charset="-122"/>
+              <a:cs typeface="宋体" panose="02010600030101010101" pitchFamily="2" charset="-122"/>
             </a:endParaRPr>
           </a:p>
         </p:txBody>
@@ -34324,7 +35557,7 @@
     </a:clrScheme>
     <a:fontScheme name="Office">
       <a:majorFont>
-        <a:latin typeface="Calibri Light"/>
+        <a:latin typeface="宋体"/>
         <a:ea typeface=""/>
         <a:cs typeface=""/>
         <a:font script="Jpan" typeface="ＭＳ Ｐゴシック"/>
@@ -34345,7 +35578,7 @@
         <a:font script="Yiii" typeface="Microsoft Yi Baiti"/>
         <a:font script="Tibt" typeface="Microsoft Himalaya"/>
         <a:font script="Thaa" typeface="MV Boli"/>
-        <a:font script="Deva" typeface="Candara"/>
+        <a:font script="Deva" typeface="宋体"/>
         <a:font script="Telu" typeface="Gautami"/>
         <a:font script="Taml" typeface="Latha"/>
         <a:font script="Syrc" typeface="Estrangelo Edessa"/>
@@ -34359,15 +35592,15 @@
         <a:font script="Geor" typeface="Sylfaen"/>
       </a:majorFont>
       <a:minorFont>
-        <a:latin typeface="Calibri"/>
+        <a:latin typeface="宋体"/>
         <a:ea typeface=""/>
         <a:cs typeface=""/>
         <a:font script="Jpan" typeface="ＭＳ Ｐゴシック"/>
         <a:font script="Hang" typeface="맑은 고딕"/>
         <a:font script="Hans" typeface="宋体"/>
         <a:font script="Hant" typeface="新細明體"/>
-        <a:font script="Arab" typeface="Arial"/>
-        <a:font script="Hebr" typeface="Arial"/>
+        <a:font script="Arab" typeface="宋体"/>
+        <a:font script="Hebr" typeface="宋体"/>
         <a:font script="Thai" typeface="Cordia New"/>
         <a:font script="Ethi" typeface="Nyala"/>
         <a:font script="Beng" typeface="Vrinda"/>
@@ -34380,7 +35613,7 @@
         <a:font script="Yiii" typeface="Microsoft Yi Baiti"/>
         <a:font script="Tibt" typeface="Microsoft Himalaya"/>
         <a:font script="Thaa" typeface="MV Boli"/>
-        <a:font script="Deva" typeface="Candara"/>
+        <a:font script="Deva" typeface="宋体"/>
         <a:font script="Telu" typeface="Gautami"/>
         <a:font script="Taml" typeface="Latha"/>
         <a:font script="Syrc" typeface="Estrangelo Edessa"/>
@@ -34389,7 +35622,7 @@
         <a:font script="Laoo" typeface="DokChampa"/>
         <a:font script="Sinh" typeface="Iskoola Pota"/>
         <a:font script="Mong" typeface="Mongolian Baiti"/>
-        <a:font script="Viet" typeface="Arial"/>
+        <a:font script="Viet" typeface="宋体"/>
         <a:font script="Uigh" typeface="Microsoft Uighur"/>
         <a:font script="Geor" typeface="Sylfaen"/>
       </a:minorFont>
@@ -34583,7 +35816,7 @@
     </a:clrScheme>
     <a:fontScheme name="Office">
       <a:majorFont>
-        <a:latin typeface="Calibri Light"/>
+        <a:latin typeface="宋体"/>
         <a:ea typeface=""/>
         <a:cs typeface=""/>
         <a:font script="Jpan" typeface="ＭＳ Ｐゴシック"/>
@@ -34604,7 +35837,7 @@
         <a:font script="Yiii" typeface="Microsoft Yi Baiti"/>
         <a:font script="Tibt" typeface="Microsoft Himalaya"/>
         <a:font script="Thaa" typeface="MV Boli"/>
-        <a:font script="Deva" typeface="Candara"/>
+        <a:font script="Deva" typeface="宋体"/>
         <a:font script="Telu" typeface="Gautami"/>
         <a:font script="Taml" typeface="Latha"/>
         <a:font script="Syrc" typeface="Estrangelo Edessa"/>
@@ -34618,15 +35851,15 @@
         <a:font script="Geor" typeface="Sylfaen"/>
       </a:majorFont>
       <a:minorFont>
-        <a:latin typeface="Calibri"/>
+        <a:latin typeface="宋体"/>
         <a:ea typeface=""/>
         <a:cs typeface=""/>
         <a:font script="Jpan" typeface="ＭＳ Ｐゴシック"/>
         <a:font script="Hang" typeface="맑은 고딕"/>
         <a:font script="Hans" typeface="宋体"/>
         <a:font script="Hant" typeface="新細明體"/>
-        <a:font script="Arab" typeface="Arial"/>
-        <a:font script="Hebr" typeface="Arial"/>
+        <a:font script="Arab" typeface="宋体"/>
+        <a:font script="Hebr" typeface="宋体"/>
         <a:font script="Thai" typeface="Cordia New"/>
         <a:font script="Ethi" typeface="Nyala"/>
         <a:font script="Beng" typeface="Vrinda"/>
@@ -34639,7 +35872,7 @@
         <a:font script="Yiii" typeface="Microsoft Yi Baiti"/>
         <a:font script="Tibt" typeface="Microsoft Himalaya"/>
         <a:font script="Thaa" typeface="MV Boli"/>
-        <a:font script="Deva" typeface="Candara"/>
+        <a:font script="Deva" typeface="宋体"/>
         <a:font script="Telu" typeface="Gautami"/>
         <a:font script="Taml" typeface="Latha"/>
         <a:font script="Syrc" typeface="Estrangelo Edessa"/>
@@ -34648,7 +35881,7 @@
         <a:font script="Laoo" typeface="DokChampa"/>
         <a:font script="Sinh" typeface="Iskoola Pota"/>
         <a:font script="Mong" typeface="Mongolian Baiti"/>
-        <a:font script="Viet" typeface="Arial"/>
+        <a:font script="Viet" typeface="宋体"/>
         <a:font script="Uigh" typeface="Microsoft Uighur"/>
         <a:font script="Geor" typeface="Sylfaen"/>
       </a:minorFont>
@@ -34842,7 +36075,7 @@
     </a:clrScheme>
     <a:fontScheme name="Office">
       <a:majorFont>
-        <a:latin typeface="Calibri Light"/>
+        <a:latin typeface="宋体"/>
         <a:ea typeface=""/>
         <a:cs typeface=""/>
         <a:font script="Jpan" typeface="ＭＳ Ｐゴシック"/>
@@ -34863,7 +36096,7 @@
         <a:font script="Yiii" typeface="Microsoft Yi Baiti"/>
         <a:font script="Tibt" typeface="Microsoft Himalaya"/>
         <a:font script="Thaa" typeface="MV Boli"/>
-        <a:font script="Deva" typeface="Candara"/>
+        <a:font script="Deva" typeface="宋体"/>
         <a:font script="Telu" typeface="Gautami"/>
         <a:font script="Taml" typeface="Latha"/>
         <a:font script="Syrc" typeface="Estrangelo Edessa"/>
@@ -34877,15 +36110,15 @@
         <a:font script="Geor" typeface="Sylfaen"/>
       </a:majorFont>
       <a:minorFont>
-        <a:latin typeface="Calibri"/>
+        <a:latin typeface="宋体"/>
         <a:ea typeface=""/>
         <a:cs typeface=""/>
         <a:font script="Jpan" typeface="ＭＳ Ｐゴシック"/>
         <a:font script="Hang" typeface="맑은 고딕"/>
         <a:font script="Hans" typeface="宋体"/>
         <a:font script="Hant" typeface="新細明體"/>
-        <a:font script="Arab" typeface="Arial"/>
-        <a:font script="Hebr" typeface="Arial"/>
+        <a:font script="Arab" typeface="宋体"/>
+        <a:font script="Hebr" typeface="宋体"/>
         <a:font script="Thai" typeface="Cordia New"/>
         <a:font script="Ethi" typeface="Nyala"/>
         <a:font script="Beng" typeface="Vrinda"/>
@@ -34898,7 +36131,7 @@
         <a:font script="Yiii" typeface="Microsoft Yi Baiti"/>
         <a:font script="Tibt" typeface="Microsoft Himalaya"/>
         <a:font script="Thaa" typeface="MV Boli"/>
-        <a:font script="Deva" typeface="Candara"/>
+        <a:font script="Deva" typeface="宋体"/>
         <a:font script="Telu" typeface="Gautami"/>
         <a:font script="Taml" typeface="Latha"/>
         <a:font script="Syrc" typeface="Estrangelo Edessa"/>
@@ -34907,7 +36140,7 @@
         <a:font script="Laoo" typeface="DokChampa"/>
         <a:font script="Sinh" typeface="Iskoola Pota"/>
         <a:font script="Mong" typeface="Mongolian Baiti"/>
-        <a:font script="Viet" typeface="Arial"/>
+        <a:font script="Viet" typeface="宋体"/>
         <a:font script="Uigh" typeface="Microsoft Uighur"/>
         <a:font script="Geor" typeface="Sylfaen"/>
       </a:minorFont>
